--- a/docs/cna/Becoming_a_CNA.pptx
+++ b/docs/cna/Becoming_a_CNA.pptx
@@ -191,6 +191,133 @@
 </p:cmAuthorLst>
 </file>
 
+<file path=ppt/changesInfos/changesInfo1.xml><?xml version="1.0" encoding="utf-8"?>
+<pc:chgInfo xmlns:a="http://schemas.openxmlformats.org/drawingml/2006/main" xmlns:r="http://schemas.openxmlformats.org/officeDocument/2006/relationships" xmlns:ac="http://schemas.microsoft.com/office/drawing/2013/main/command" xmlns:pc="http://schemas.microsoft.com/office/powerpoint/2013/main/command">
+  <pc:docChgLst>
+    <pc:chgData name="Robert Roberge" userId="7d3ba1ecd22967b8" providerId="LiveId" clId="{59F936DB-1A8D-4E41-96E3-B57B24128CB9}"/>
+    <pc:docChg chg="modSld">
+      <pc:chgData name="Robert Roberge" userId="7d3ba1ecd22967b8" providerId="LiveId" clId="{59F936DB-1A8D-4E41-96E3-B57B24128CB9}" dt="2019-02-12T15:03:00.508" v="30" actId="113"/>
+      <pc:docMkLst>
+        <pc:docMk/>
+      </pc:docMkLst>
+      <pc:sldChg chg="modSp">
+        <pc:chgData name="Robert Roberge" userId="7d3ba1ecd22967b8" providerId="LiveId" clId="{59F936DB-1A8D-4E41-96E3-B57B24128CB9}" dt="2019-02-12T14:53:46.953" v="10" actId="20577"/>
+        <pc:sldMkLst>
+          <pc:docMk/>
+          <pc:sldMk cId="3362527555" sldId="257"/>
+        </pc:sldMkLst>
+        <pc:spChg chg="mod">
+          <ac:chgData name="Robert Roberge" userId="7d3ba1ecd22967b8" providerId="LiveId" clId="{59F936DB-1A8D-4E41-96E3-B57B24128CB9}" dt="2019-02-12T14:53:46.953" v="10" actId="20577"/>
+          <ac:spMkLst>
+            <pc:docMk/>
+            <pc:sldMk cId="3362527555" sldId="257"/>
+            <ac:spMk id="3" creationId="{00000000-0000-0000-0000-000000000000}"/>
+          </ac:spMkLst>
+        </pc:spChg>
+      </pc:sldChg>
+      <pc:sldChg chg="modSp">
+        <pc:chgData name="Robert Roberge" userId="7d3ba1ecd22967b8" providerId="LiveId" clId="{59F936DB-1A8D-4E41-96E3-B57B24128CB9}" dt="2019-02-12T14:56:50.027" v="17" actId="20577"/>
+        <pc:sldMkLst>
+          <pc:docMk/>
+          <pc:sldMk cId="2696345968" sldId="262"/>
+        </pc:sldMkLst>
+        <pc:spChg chg="mod">
+          <ac:chgData name="Robert Roberge" userId="7d3ba1ecd22967b8" providerId="LiveId" clId="{59F936DB-1A8D-4E41-96E3-B57B24128CB9}" dt="2019-02-12T14:56:50.027" v="17" actId="20577"/>
+          <ac:spMkLst>
+            <pc:docMk/>
+            <pc:sldMk cId="2696345968" sldId="262"/>
+            <ac:spMk id="2" creationId="{00000000-0000-0000-0000-000000000000}"/>
+          </ac:spMkLst>
+        </pc:spChg>
+      </pc:sldChg>
+      <pc:sldChg chg="modSp">
+        <pc:chgData name="Robert Roberge" userId="7d3ba1ecd22967b8" providerId="LiveId" clId="{59F936DB-1A8D-4E41-96E3-B57B24128CB9}" dt="2019-02-12T15:02:40.609" v="29" actId="20577"/>
+        <pc:sldMkLst>
+          <pc:docMk/>
+          <pc:sldMk cId="1292798470" sldId="267"/>
+        </pc:sldMkLst>
+        <pc:spChg chg="mod">
+          <ac:chgData name="Robert Roberge" userId="7d3ba1ecd22967b8" providerId="LiveId" clId="{59F936DB-1A8D-4E41-96E3-B57B24128CB9}" dt="2019-02-12T15:02:40.609" v="29" actId="20577"/>
+          <ac:spMkLst>
+            <pc:docMk/>
+            <pc:sldMk cId="1292798470" sldId="267"/>
+            <ac:spMk id="3" creationId="{00000000-0000-0000-0000-000000000000}"/>
+          </ac:spMkLst>
+        </pc:spChg>
+      </pc:sldChg>
+      <pc:sldChg chg="modSp">
+        <pc:chgData name="Robert Roberge" userId="7d3ba1ecd22967b8" providerId="LiveId" clId="{59F936DB-1A8D-4E41-96E3-B57B24128CB9}" dt="2019-02-12T15:03:00.508" v="30" actId="113"/>
+        <pc:sldMkLst>
+          <pc:docMk/>
+          <pc:sldMk cId="3933356961" sldId="272"/>
+        </pc:sldMkLst>
+        <pc:spChg chg="mod">
+          <ac:chgData name="Robert Roberge" userId="7d3ba1ecd22967b8" providerId="LiveId" clId="{59F936DB-1A8D-4E41-96E3-B57B24128CB9}" dt="2019-02-12T14:54:58.986" v="13" actId="20577"/>
+          <ac:spMkLst>
+            <pc:docMk/>
+            <pc:sldMk cId="3933356961" sldId="272"/>
+            <ac:spMk id="2" creationId="{00000000-0000-0000-0000-000000000000}"/>
+          </ac:spMkLst>
+        </pc:spChg>
+        <pc:spChg chg="mod">
+          <ac:chgData name="Robert Roberge" userId="7d3ba1ecd22967b8" providerId="LiveId" clId="{59F936DB-1A8D-4E41-96E3-B57B24128CB9}" dt="2019-02-12T15:03:00.508" v="30" actId="113"/>
+          <ac:spMkLst>
+            <pc:docMk/>
+            <pc:sldMk cId="3933356961" sldId="272"/>
+            <ac:spMk id="3" creationId="{00000000-0000-0000-0000-000000000000}"/>
+          </ac:spMkLst>
+        </pc:spChg>
+      </pc:sldChg>
+      <pc:sldChg chg="modSp">
+        <pc:chgData name="Robert Roberge" userId="7d3ba1ecd22967b8" providerId="LiveId" clId="{59F936DB-1A8D-4E41-96E3-B57B24128CB9}" dt="2019-02-12T14:55:50.802" v="14" actId="20577"/>
+        <pc:sldMkLst>
+          <pc:docMk/>
+          <pc:sldMk cId="1105725942" sldId="275"/>
+        </pc:sldMkLst>
+        <pc:spChg chg="mod">
+          <ac:chgData name="Robert Roberge" userId="7d3ba1ecd22967b8" providerId="LiveId" clId="{59F936DB-1A8D-4E41-96E3-B57B24128CB9}" dt="2019-02-12T14:55:50.802" v="14" actId="20577"/>
+          <ac:spMkLst>
+            <pc:docMk/>
+            <pc:sldMk cId="1105725942" sldId="275"/>
+            <ac:spMk id="2" creationId="{00000000-0000-0000-0000-000000000000}"/>
+          </ac:spMkLst>
+        </pc:spChg>
+      </pc:sldChg>
+      <pc:sldChg chg="modSp">
+        <pc:chgData name="Robert Roberge" userId="7d3ba1ecd22967b8" providerId="LiveId" clId="{59F936DB-1A8D-4E41-96E3-B57B24128CB9}" dt="2019-02-12T14:59:08.257" v="23" actId="20577"/>
+        <pc:sldMkLst>
+          <pc:docMk/>
+          <pc:sldMk cId="190676031" sldId="296"/>
+        </pc:sldMkLst>
+        <pc:spChg chg="mod">
+          <ac:chgData name="Robert Roberge" userId="7d3ba1ecd22967b8" providerId="LiveId" clId="{59F936DB-1A8D-4E41-96E3-B57B24128CB9}" dt="2019-02-12T14:59:08.257" v="23" actId="20577"/>
+          <ac:spMkLst>
+            <pc:docMk/>
+            <pc:sldMk cId="190676031" sldId="296"/>
+            <ac:spMk id="3" creationId="{00000000-0000-0000-0000-000000000000}"/>
+          </ac:spMkLst>
+        </pc:spChg>
+      </pc:sldChg>
+      <pc:sldChg chg="modSp">
+        <pc:chgData name="Robert Roberge" userId="7d3ba1ecd22967b8" providerId="LiveId" clId="{59F936DB-1A8D-4E41-96E3-B57B24128CB9}" dt="2019-02-12T15:02:15.271" v="24" actId="20577"/>
+        <pc:sldMkLst>
+          <pc:docMk/>
+          <pc:sldMk cId="3191215242" sldId="297"/>
+        </pc:sldMkLst>
+        <pc:spChg chg="mod">
+          <ac:chgData name="Robert Roberge" userId="7d3ba1ecd22967b8" providerId="LiveId" clId="{59F936DB-1A8D-4E41-96E3-B57B24128CB9}" dt="2019-02-12T15:02:15.271" v="24" actId="20577"/>
+          <ac:spMkLst>
+            <pc:docMk/>
+            <pc:sldMk cId="3191215242" sldId="297"/>
+            <ac:spMk id="3" creationId="{00000000-0000-0000-0000-000000000000}"/>
+          </ac:spMkLst>
+        </pc:spChg>
+      </pc:sldChg>
+    </pc:docChg>
+  </pc:docChgLst>
+</pc:chgInfo>
+</file>
+
 <file path=ppt/notesMasters/notesMaster1.xml><?xml version="1.0" encoding="utf-8"?>
 <p:notesMaster xmlns:a="http://schemas.openxmlformats.org/drawingml/2006/main" xmlns:r="http://schemas.openxmlformats.org/officeDocument/2006/relationships" xmlns:p="http://schemas.openxmlformats.org/presentationml/2006/main">
   <p:cSld>
@@ -273,7 +400,7 @@
           <a:p>
             <a:fld id="{C48A5AB8-C75E-4242-AC76-9DAE875A82E7}" type="datetimeFigureOut">
               <a:rPr lang="en-US" smtClean="0"/>
-              <a:t>1/31/2019</a:t>
+              <a:t>2/12/2019</a:t>
             </a:fld>
             <a:endParaRPr lang="en-US"/>
           </a:p>
@@ -6269,8 +6396,13 @@
             <a:pPr lvl="1"/>
             <a:r>
               <a:rPr lang="en-US" dirty="0"/>
-              <a:t>e.g., CERT/CC, JPCERT/CC, Hacker One</a:t>
-            </a:r>
+              <a:t>e.g., CERT/CC, JPCERT/CC, </a:t>
+            </a:r>
+            <a:r>
+              <a:rPr lang="en-US" dirty="0" err="1"/>
+              <a:t>HackerOne</a:t>
+            </a:r>
+            <a:endParaRPr lang="en-US" dirty="0"/>
           </a:p>
           <a:p>
             <a:r>
@@ -6308,7 +6440,7 @@
             <a:pPr lvl="1"/>
             <a:r>
               <a:rPr lang="en-US" dirty="0"/>
-              <a:t>e.g., MITRE, DWF</a:t>
+              <a:t>e.g., MITRE</a:t>
             </a:r>
           </a:p>
           <a:p>
@@ -6813,7 +6945,7 @@
           <a:p>
             <a:r>
               <a:rPr lang="en-US" dirty="0"/>
-              <a:t>Process: Accepting vulnerability reports</a:t>
+              <a:t>Process: Accepting Vulnerability Reports</a:t>
             </a:r>
           </a:p>
         </p:txBody>
@@ -6894,17 +7026,17 @@
           </a:p>
           <a:p>
             <a:r>
-              <a:rPr lang="en-US" dirty="0"/>
+              <a:rPr lang="en-US" b="0" dirty="0"/>
               <a:t>[1] </a:t>
             </a:r>
             <a:r>
-              <a:rPr lang="en-US" dirty="0">
+              <a:rPr lang="en-US" b="0" dirty="0">
                 <a:hlinkClick r:id="rId3"/>
               </a:rPr>
               <a:t>https://cve.mitre.org/cve/request_id.html#cna_coverage.html</a:t>
             </a:r>
             <a:r>
-              <a:rPr lang="en-US" dirty="0"/>
+              <a:rPr lang="en-US" b="0" dirty="0"/>
               <a:t> </a:t>
             </a:r>
           </a:p>
@@ -7058,7 +7190,7 @@
           <a:p>
             <a:r>
               <a:rPr lang="en-US" dirty="0"/>
-              <a:t>Process: Block management</a:t>
+              <a:t>Process: Block Management</a:t>
             </a:r>
           </a:p>
         </p:txBody>
@@ -7814,7 +7946,7 @@
           <a:p>
             <a:r>
               <a:rPr lang="en-US" dirty="0"/>
-              <a:t>Information CNAs are Required to Provide to their parent CNA</a:t>
+              <a:t>Information CNAs Are Required to Provide to their Parent CNA</a:t>
             </a:r>
           </a:p>
         </p:txBody>
@@ -9982,7 +10114,7 @@
             <a:pPr lvl="1"/>
             <a:r>
               <a:rPr lang="en-US" dirty="0"/>
-              <a:t>More control over CVE publication process</a:t>
+              <a:t>More control over CVE Entry publication process</a:t>
             </a:r>
           </a:p>
           <a:p>
@@ -10177,7 +10309,7 @@
             </a:pPr>
             <a:r>
               <a:rPr lang="en-US" dirty="0"/>
-              <a:t>The CNA must follow coordinated disclosure practices as determined by the community they serve in order to reduce the likelihood that duplicate or inaccurate information will be introduced into CVE.</a:t>
+              <a:t>The CNA must follow coordinated disclosure practices as determined by the community they serve in order to reduce the likelihood that duplicate or inaccurate information will be introduced into CVE</a:t>
             </a:r>
           </a:p>
           <a:p>
@@ -10411,7 +10543,7 @@
             <a:pPr lvl="1"/>
             <a:r>
               <a:rPr lang="en-US" dirty="0"/>
-              <a:t>Primary level</a:t>
+              <a:t>Program Root level</a:t>
             </a:r>
           </a:p>
           <a:p>
@@ -11137,6 +11269,16 @@
 
 <file path=customXml/item1.xml><?xml version="1.0" encoding="utf-8"?>
 <?mso-contentType ?>
+<customXsn xmlns="http://schemas.microsoft.com/office/2006/metadata/customXsn">
+  <xsnLocation/>
+  <cached>True</cached>
+  <openByDefault>True</openByDefault>
+  <xsnScope/>
+</customXsn>
+</file>
+
+<file path=customXml/item2.xml><?xml version="1.0" encoding="utf-8"?>
+<?mso-contentType ?>
 <FormTemplates xmlns="http://schemas.microsoft.com/sharepoint/v3/contenttype/forms">
   <Display>DocumentLibraryForm</Display>
   <Edit>DocumentLibraryForm</Edit>
@@ -11144,7 +11286,17 @@
 </FormTemplates>
 </file>
 
-<file path=customXml/item2.xml><?xml version="1.0" encoding="utf-8"?>
+<file path=customXml/item3.xml><?xml version="1.0" encoding="utf-8"?>
+<p:properties xmlns:p="http://schemas.microsoft.com/office/2006/metadata/properties" xmlns:xsi="http://www.w3.org/2001/XMLSchema-instance" xmlns:pc="http://schemas.microsoft.com/office/infopath/2007/PartnerControls">
+  <documentManagement>
+    <MITRE_x0020_Sensitivity xmlns="http://schemas.microsoft.com/sharepoint/v3">Internal MITRE Information</MITRE_x0020_Sensitivity>
+    <_Contributor xmlns="http://schemas.microsoft.com/sharepoint/v3/fields" xsi:nil="true"/>
+    <Release_x0020_Statement xmlns="http://schemas.microsoft.com/sharepoint/v3">For Internal MITRE Use</Release_x0020_Statement>
+  </documentManagement>
+</p:properties>
+</file>
+
+<file path=customXml/item4.xml><?xml version="1.0" encoding="utf-8"?>
 <ct:contentTypeSchema xmlns:ct="http://schemas.microsoft.com/office/2006/metadata/contentType" xmlns:ma="http://schemas.microsoft.com/office/2006/metadata/properties/metaAttributes" ct:_="" ma:_="" ma:contentTypeName="MITRE Work" ma:contentTypeID="0x010100823A99C636F7423283FB0D200866C613006635D4F535B0564BA1CF28EBA6D51C69" ma:contentTypeVersion="4" ma:contentTypeDescription="Materials and documents that contain MITRE authored content and other content directly attributable to MITRE and its work" ma:contentTypeScope="" ma:versionID="a0e8e30c96128f2f9f4cf73e52721af3">
   <xsd:schema xmlns:xsd="http://www.w3.org/2001/XMLSchema" xmlns:xs="http://www.w3.org/2001/XMLSchema" xmlns:p="http://schemas.microsoft.com/office/2006/metadata/properties" xmlns:ns1="http://schemas.microsoft.com/sharepoint/v3" xmlns:ns2="http://schemas.microsoft.com/sharepoint/v3/fields" targetNamespace="http://schemas.microsoft.com/office/2006/metadata/properties" ma:root="true" ma:fieldsID="4ecced815c1fcad0d6ce5c0941b6b895" ns1:_="" ns2:_="">
     <xsd:import namespace="http://schemas.microsoft.com/sharepoint/v3"/>
@@ -11308,27 +11460,15 @@
 </ct:contentTypeSchema>
 </file>
 
-<file path=customXml/item3.xml><?xml version="1.0" encoding="utf-8"?>
-<p:properties xmlns:p="http://schemas.microsoft.com/office/2006/metadata/properties" xmlns:xsi="http://www.w3.org/2001/XMLSchema-instance" xmlns:pc="http://schemas.microsoft.com/office/infopath/2007/PartnerControls">
-  <documentManagement>
-    <MITRE_x0020_Sensitivity xmlns="http://schemas.microsoft.com/sharepoint/v3">Internal MITRE Information</MITRE_x0020_Sensitivity>
-    <_Contributor xmlns="http://schemas.microsoft.com/sharepoint/v3/fields" xsi:nil="true"/>
-    <Release_x0020_Statement xmlns="http://schemas.microsoft.com/sharepoint/v3">For Internal MITRE Use</Release_x0020_Statement>
-  </documentManagement>
-</p:properties>
+<file path=customXml/itemProps1.xml><?xml version="1.0" encoding="utf-8"?>
+<ds:datastoreItem xmlns:ds="http://schemas.openxmlformats.org/officeDocument/2006/customXml" ds:itemID="{DA4BE8BC-21DD-494E-8FAB-B2E9DD91F2E2}">
+  <ds:schemaRefs>
+    <ds:schemaRef ds:uri="http://schemas.microsoft.com/office/2006/metadata/customXsn"/>
+  </ds:schemaRefs>
+</ds:datastoreItem>
 </file>
 
-<file path=customXml/item4.xml><?xml version="1.0" encoding="utf-8"?>
-<?mso-contentType ?>
-<customXsn xmlns="http://schemas.microsoft.com/office/2006/metadata/customXsn">
-  <xsnLocation/>
-  <cached>True</cached>
-  <openByDefault>True</openByDefault>
-  <xsnScope/>
-</customXsn>
-</file>
-
-<file path=customXml/itemProps1.xml><?xml version="1.0" encoding="utf-8"?>
+<file path=customXml/itemProps2.xml><?xml version="1.0" encoding="utf-8"?>
 <ds:datastoreItem xmlns:ds="http://schemas.openxmlformats.org/officeDocument/2006/customXml" ds:itemID="{7B6B16B2-404F-4040-9CA3-AFE4C0590207}">
   <ds:schemaRefs>
     <ds:schemaRef ds:uri="http://schemas.microsoft.com/sharepoint/v3/contenttype/forms"/>
@@ -11336,7 +11476,18 @@
 </ds:datastoreItem>
 </file>
 
-<file path=customXml/itemProps2.xml><?xml version="1.0" encoding="utf-8"?>
+<file path=customXml/itemProps3.xml><?xml version="1.0" encoding="utf-8"?>
+<ds:datastoreItem xmlns:ds="http://schemas.openxmlformats.org/officeDocument/2006/customXml" ds:itemID="{760E1BCA-B7C8-4D5D-A2B9-87067345F3DD}">
+  <ds:schemaRefs>
+    <ds:schemaRef ds:uri="http://schemas.microsoft.com/office/2006/metadata/properties"/>
+    <ds:schemaRef ds:uri="http://schemas.microsoft.com/office/infopath/2007/PartnerControls"/>
+    <ds:schemaRef ds:uri="http://schemas.microsoft.com/sharepoint/v3"/>
+    <ds:schemaRef ds:uri="http://schemas.microsoft.com/sharepoint/v3/fields"/>
+  </ds:schemaRefs>
+</ds:datastoreItem>
+</file>
+
+<file path=customXml/itemProps4.xml><?xml version="1.0" encoding="utf-8"?>
 <ds:datastoreItem xmlns:ds="http://schemas.openxmlformats.org/officeDocument/2006/customXml" ds:itemID="{8796BF26-5B75-4DC2-9FF6-CB071673E3E7}">
   <ds:schemaRefs>
     <ds:schemaRef ds:uri="http://schemas.microsoft.com/office/2006/metadata/contentType"/>
@@ -11353,29 +11504,4 @@
     <ds:schemaRef ds:uri="http://schemas.microsoft.com/internal/obd"/>
   </ds:schemaRefs>
 </ds:datastoreItem>
-</file>
-
-<file path=customXml/itemProps3.xml><?xml version="1.0" encoding="utf-8"?>
-<ds:datastoreItem xmlns:ds="http://schemas.openxmlformats.org/officeDocument/2006/customXml" ds:itemID="{760E1BCA-B7C8-4D5D-A2B9-87067345F3DD}">
-  <ds:schemaRefs>
-    <ds:schemaRef ds:uri="http://purl.org/dc/terms/"/>
-    <ds:schemaRef ds:uri="http://schemas.openxmlformats.org/package/2006/metadata/core-properties"/>
-    <ds:schemaRef ds:uri="http://schemas.microsoft.com/office/2006/documentManagement/types"/>
-    <ds:schemaRef ds:uri="http://schemas.microsoft.com/office/infopath/2007/PartnerControls"/>
-    <ds:schemaRef ds:uri="http://purl.org/dc/elements/1.1/"/>
-    <ds:schemaRef ds:uri="http://schemas.microsoft.com/office/2006/metadata/properties"/>
-    <ds:schemaRef ds:uri="http://schemas.microsoft.com/sharepoint/v3"/>
-    <ds:schemaRef ds:uri="http://schemas.microsoft.com/sharepoint/v3/fields"/>
-    <ds:schemaRef ds:uri="http://www.w3.org/XML/1998/namespace"/>
-    <ds:schemaRef ds:uri="http://purl.org/dc/dcmitype/"/>
-  </ds:schemaRefs>
-</ds:datastoreItem>
-</file>
-
-<file path=customXml/itemProps4.xml><?xml version="1.0" encoding="utf-8"?>
-<ds:datastoreItem xmlns:ds="http://schemas.openxmlformats.org/officeDocument/2006/customXml" ds:itemID="{DA4BE8BC-21DD-494E-8FAB-B2E9DD91F2E2}">
-  <ds:schemaRefs>
-    <ds:schemaRef ds:uri="http://schemas.microsoft.com/office/2006/metadata/customXsn"/>
-  </ds:schemaRefs>
-</ds:datastoreItem>
 </file>
--- a/docs/cna/Becoming_a_CNA.pptx
+++ b/docs/cna/Becoming_a_CNA.pptx
@@ -195,8 +195,8 @@
 <pc:chgInfo xmlns:a="http://schemas.openxmlformats.org/drawingml/2006/main" xmlns:r="http://schemas.openxmlformats.org/officeDocument/2006/relationships" xmlns:ac="http://schemas.microsoft.com/office/drawing/2013/main/command" xmlns:pc="http://schemas.microsoft.com/office/powerpoint/2013/main/command">
   <pc:docChgLst>
     <pc:chgData name="Robert Roberge" userId="7d3ba1ecd22967b8" providerId="LiveId" clId="{59F936DB-1A8D-4E41-96E3-B57B24128CB9}"/>
-    <pc:docChg chg="modSld">
-      <pc:chgData name="Robert Roberge" userId="7d3ba1ecd22967b8" providerId="LiveId" clId="{59F936DB-1A8D-4E41-96E3-B57B24128CB9}" dt="2019-02-12T15:03:00.508" v="30" actId="113"/>
+    <pc:docChg chg="undo custSel modSld">
+      <pc:chgData name="Robert Roberge" userId="7d3ba1ecd22967b8" providerId="LiveId" clId="{59F936DB-1A8D-4E41-96E3-B57B24128CB9}" dt="2019-02-14T17:18:22.270" v="39" actId="5793"/>
       <pc:docMkLst>
         <pc:docMk/>
       </pc:docMkLst>
@@ -227,6 +227,21 @@
             <pc:docMk/>
             <pc:sldMk cId="2696345968" sldId="262"/>
             <ac:spMk id="2" creationId="{00000000-0000-0000-0000-000000000000}"/>
+          </ac:spMkLst>
+        </pc:spChg>
+      </pc:sldChg>
+      <pc:sldChg chg="modSp">
+        <pc:chgData name="Robert Roberge" userId="7d3ba1ecd22967b8" providerId="LiveId" clId="{59F936DB-1A8D-4E41-96E3-B57B24128CB9}" dt="2019-02-14T17:18:22.270" v="39" actId="5793"/>
+        <pc:sldMkLst>
+          <pc:docMk/>
+          <pc:sldMk cId="2089681186" sldId="266"/>
+        </pc:sldMkLst>
+        <pc:spChg chg="mod">
+          <ac:chgData name="Robert Roberge" userId="7d3ba1ecd22967b8" providerId="LiveId" clId="{59F936DB-1A8D-4E41-96E3-B57B24128CB9}" dt="2019-02-14T17:18:22.270" v="39" actId="5793"/>
+          <ac:spMkLst>
+            <pc:docMk/>
+            <pc:sldMk cId="2089681186" sldId="266"/>
+            <ac:spMk id="3" creationId="{00000000-0000-0000-0000-000000000000}"/>
           </ac:spMkLst>
         </pc:spChg>
       </pc:sldChg>
@@ -280,6 +295,21 @@
             <pc:docMk/>
             <pc:sldMk cId="1105725942" sldId="275"/>
             <ac:spMk id="2" creationId="{00000000-0000-0000-0000-000000000000}"/>
+          </ac:spMkLst>
+        </pc:spChg>
+      </pc:sldChg>
+      <pc:sldChg chg="modSp">
+        <pc:chgData name="Robert Roberge" userId="7d3ba1ecd22967b8" providerId="LiveId" clId="{59F936DB-1A8D-4E41-96E3-B57B24128CB9}" dt="2019-02-14T17:17:26.457" v="36" actId="20577"/>
+        <pc:sldMkLst>
+          <pc:docMk/>
+          <pc:sldMk cId="591337851" sldId="295"/>
+        </pc:sldMkLst>
+        <pc:spChg chg="mod">
+          <ac:chgData name="Robert Roberge" userId="7d3ba1ecd22967b8" providerId="LiveId" clId="{59F936DB-1A8D-4E41-96E3-B57B24128CB9}" dt="2019-02-14T17:17:26.457" v="36" actId="20577"/>
+          <ac:spMkLst>
+            <pc:docMk/>
+            <pc:sldMk cId="591337851" sldId="295"/>
+            <ac:spMk id="3" creationId="{00000000-0000-0000-0000-000000000000}"/>
           </ac:spMkLst>
         </pc:spChg>
       </pc:sldChg>
@@ -400,7 +430,7 @@
           <a:p>
             <a:fld id="{C48A5AB8-C75E-4242-AC76-9DAE875A82E7}" type="datetimeFigureOut">
               <a:rPr lang="en-US" smtClean="0"/>
-              <a:t>2/12/2019</a:t>
+              <a:t>2/14/2019</a:t>
             </a:fld>
             <a:endParaRPr lang="en-US"/>
           </a:p>
@@ -7652,8 +7682,13 @@
             </a:br>
             <a:r>
               <a:rPr lang="en-US" dirty="0"/>
-              <a:t>Rationale: This gives an idea of how much vulnerability disclosure activity there is in each CNA, which can then be extrapolated to sectors or some other category of CNA.</a:t>
-            </a:r>
+              <a:t>Rationale: This gives an idea of how much vulnerability disclosure activity there is in each CNA, which can then be extrapolated to sectors or some other category </a:t>
+            </a:r>
+            <a:r>
+              <a:rPr lang="en-US"/>
+              <a:t>of CAN.</a:t>
+            </a:r>
+            <a:endParaRPr lang="en-US" dirty="0"/>
           </a:p>
           <a:p>
             <a:pPr lvl="2"/>
@@ -9797,7 +9832,7 @@
             <a:pPr lvl="1"/>
             <a:r>
               <a:rPr lang="en-US" dirty="0"/>
-              <a:t>CNAs are organizations that are authorized to assign CVE IDs to vulnerabilities affecting products within their distinct, agreed upon scope.</a:t>
+              <a:t>CNAs are organizations that are authorized to assign CVE IDs to vulnerabilities affecting products within their distinct, agreed upon scope</a:t>
             </a:r>
           </a:p>
           <a:p>
@@ -9810,7 +9845,7 @@
             <a:pPr lvl="1"/>
             <a:r>
               <a:rPr lang="en-US" dirty="0"/>
-              <a:t>CNAs help to address the CVE Program's primary challenge to satisfy the demand for timely, accurate CVE ID assignments while rapidly expanding the scope of coverage to address the increasing number of vulnerabilities and evolving state of vulnerability management. </a:t>
+              <a:t>CNAs help to address the CVE Program's primary challenge to satisfy the demand for timely, accurate CVE ID assignments while rapidly expanding the scope of coverage to address the increasing number of vulnerabilities and evolving state of vulnerability management</a:t>
             </a:r>
           </a:p>
           <a:p>
@@ -9823,7 +9858,7 @@
             <a:pPr lvl="1"/>
             <a:r>
               <a:rPr lang="en-US" dirty="0"/>
-              <a:t>CNAs allow CVE IDs to be produced more quickly and in a more distributed manner.</a:t>
+              <a:t>CNAs allow CVE IDs to be produced more quickly and in a more distributed manner</a:t>
             </a:r>
           </a:p>
         </p:txBody>
@@ -11269,16 +11304,6 @@
 
 <file path=customXml/item1.xml><?xml version="1.0" encoding="utf-8"?>
 <?mso-contentType ?>
-<customXsn xmlns="http://schemas.microsoft.com/office/2006/metadata/customXsn">
-  <xsnLocation/>
-  <cached>True</cached>
-  <openByDefault>True</openByDefault>
-  <xsnScope/>
-</customXsn>
-</file>
-
-<file path=customXml/item2.xml><?xml version="1.0" encoding="utf-8"?>
-<?mso-contentType ?>
 <FormTemplates xmlns="http://schemas.microsoft.com/sharepoint/v3/contenttype/forms">
   <Display>DocumentLibraryForm</Display>
   <Edit>DocumentLibraryForm</Edit>
@@ -11286,17 +11311,7 @@
 </FormTemplates>
 </file>
 
-<file path=customXml/item3.xml><?xml version="1.0" encoding="utf-8"?>
-<p:properties xmlns:p="http://schemas.microsoft.com/office/2006/metadata/properties" xmlns:xsi="http://www.w3.org/2001/XMLSchema-instance" xmlns:pc="http://schemas.microsoft.com/office/infopath/2007/PartnerControls">
-  <documentManagement>
-    <MITRE_x0020_Sensitivity xmlns="http://schemas.microsoft.com/sharepoint/v3">Internal MITRE Information</MITRE_x0020_Sensitivity>
-    <_Contributor xmlns="http://schemas.microsoft.com/sharepoint/v3/fields" xsi:nil="true"/>
-    <Release_x0020_Statement xmlns="http://schemas.microsoft.com/sharepoint/v3">For Internal MITRE Use</Release_x0020_Statement>
-  </documentManagement>
-</p:properties>
-</file>
-
-<file path=customXml/item4.xml><?xml version="1.0" encoding="utf-8"?>
+<file path=customXml/item2.xml><?xml version="1.0" encoding="utf-8"?>
 <ct:contentTypeSchema xmlns:ct="http://schemas.microsoft.com/office/2006/metadata/contentType" xmlns:ma="http://schemas.microsoft.com/office/2006/metadata/properties/metaAttributes" ct:_="" ma:_="" ma:contentTypeName="MITRE Work" ma:contentTypeID="0x010100823A99C636F7423283FB0D200866C613006635D4F535B0564BA1CF28EBA6D51C69" ma:contentTypeVersion="4" ma:contentTypeDescription="Materials and documents that contain MITRE authored content and other content directly attributable to MITRE and its work" ma:contentTypeScope="" ma:versionID="a0e8e30c96128f2f9f4cf73e52721af3">
   <xsd:schema xmlns:xsd="http://www.w3.org/2001/XMLSchema" xmlns:xs="http://www.w3.org/2001/XMLSchema" xmlns:p="http://schemas.microsoft.com/office/2006/metadata/properties" xmlns:ns1="http://schemas.microsoft.com/sharepoint/v3" xmlns:ns2="http://schemas.microsoft.com/sharepoint/v3/fields" targetNamespace="http://schemas.microsoft.com/office/2006/metadata/properties" ma:root="true" ma:fieldsID="4ecced815c1fcad0d6ce5c0941b6b895" ns1:_="" ns2:_="">
     <xsd:import namespace="http://schemas.microsoft.com/sharepoint/v3"/>
@@ -11460,15 +11475,27 @@
 </ct:contentTypeSchema>
 </file>
 
-<file path=customXml/itemProps1.xml><?xml version="1.0" encoding="utf-8"?>
-<ds:datastoreItem xmlns:ds="http://schemas.openxmlformats.org/officeDocument/2006/customXml" ds:itemID="{DA4BE8BC-21DD-494E-8FAB-B2E9DD91F2E2}">
-  <ds:schemaRefs>
-    <ds:schemaRef ds:uri="http://schemas.microsoft.com/office/2006/metadata/customXsn"/>
-  </ds:schemaRefs>
-</ds:datastoreItem>
+<file path=customXml/item3.xml><?xml version="1.0" encoding="utf-8"?>
+<p:properties xmlns:p="http://schemas.microsoft.com/office/2006/metadata/properties" xmlns:xsi="http://www.w3.org/2001/XMLSchema-instance" xmlns:pc="http://schemas.microsoft.com/office/infopath/2007/PartnerControls">
+  <documentManagement>
+    <MITRE_x0020_Sensitivity xmlns="http://schemas.microsoft.com/sharepoint/v3">Internal MITRE Information</MITRE_x0020_Sensitivity>
+    <_Contributor xmlns="http://schemas.microsoft.com/sharepoint/v3/fields" xsi:nil="true"/>
+    <Release_x0020_Statement xmlns="http://schemas.microsoft.com/sharepoint/v3">For Internal MITRE Use</Release_x0020_Statement>
+  </documentManagement>
+</p:properties>
 </file>
 
-<file path=customXml/itemProps2.xml><?xml version="1.0" encoding="utf-8"?>
+<file path=customXml/item4.xml><?xml version="1.0" encoding="utf-8"?>
+<?mso-contentType ?>
+<customXsn xmlns="http://schemas.microsoft.com/office/2006/metadata/customXsn">
+  <xsnLocation/>
+  <cached>True</cached>
+  <openByDefault>True</openByDefault>
+  <xsnScope/>
+</customXsn>
+</file>
+
+<file path=customXml/itemProps1.xml><?xml version="1.0" encoding="utf-8"?>
 <ds:datastoreItem xmlns:ds="http://schemas.openxmlformats.org/officeDocument/2006/customXml" ds:itemID="{7B6B16B2-404F-4040-9CA3-AFE4C0590207}">
   <ds:schemaRefs>
     <ds:schemaRef ds:uri="http://schemas.microsoft.com/sharepoint/v3/contenttype/forms"/>
@@ -11476,18 +11503,7 @@
 </ds:datastoreItem>
 </file>
 
-<file path=customXml/itemProps3.xml><?xml version="1.0" encoding="utf-8"?>
-<ds:datastoreItem xmlns:ds="http://schemas.openxmlformats.org/officeDocument/2006/customXml" ds:itemID="{760E1BCA-B7C8-4D5D-A2B9-87067345F3DD}">
-  <ds:schemaRefs>
-    <ds:schemaRef ds:uri="http://schemas.microsoft.com/office/2006/metadata/properties"/>
-    <ds:schemaRef ds:uri="http://schemas.microsoft.com/office/infopath/2007/PartnerControls"/>
-    <ds:schemaRef ds:uri="http://schemas.microsoft.com/sharepoint/v3"/>
-    <ds:schemaRef ds:uri="http://schemas.microsoft.com/sharepoint/v3/fields"/>
-  </ds:schemaRefs>
-</ds:datastoreItem>
-</file>
-
-<file path=customXml/itemProps4.xml><?xml version="1.0" encoding="utf-8"?>
+<file path=customXml/itemProps2.xml><?xml version="1.0" encoding="utf-8"?>
 <ds:datastoreItem xmlns:ds="http://schemas.openxmlformats.org/officeDocument/2006/customXml" ds:itemID="{8796BF26-5B75-4DC2-9FF6-CB071673E3E7}">
   <ds:schemaRefs>
     <ds:schemaRef ds:uri="http://schemas.microsoft.com/office/2006/metadata/contentType"/>
@@ -11504,4 +11520,29 @@
     <ds:schemaRef ds:uri="http://schemas.microsoft.com/internal/obd"/>
   </ds:schemaRefs>
 </ds:datastoreItem>
+</file>
+
+<file path=customXml/itemProps3.xml><?xml version="1.0" encoding="utf-8"?>
+<ds:datastoreItem xmlns:ds="http://schemas.openxmlformats.org/officeDocument/2006/customXml" ds:itemID="{760E1BCA-B7C8-4D5D-A2B9-87067345F3DD}">
+  <ds:schemaRefs>
+    <ds:schemaRef ds:uri="http://purl.org/dc/dcmitype/"/>
+    <ds:schemaRef ds:uri="http://purl.org/dc/elements/1.1/"/>
+    <ds:schemaRef ds:uri="http://schemas.microsoft.com/sharepoint/v3"/>
+    <ds:schemaRef ds:uri="http://www.w3.org/XML/1998/namespace"/>
+    <ds:schemaRef ds:uri="http://schemas.microsoft.com/office/infopath/2007/PartnerControls"/>
+    <ds:schemaRef ds:uri="http://schemas.microsoft.com/office/2006/documentManagement/types"/>
+    <ds:schemaRef ds:uri="http://schemas.openxmlformats.org/package/2006/metadata/core-properties"/>
+    <ds:schemaRef ds:uri="http://schemas.microsoft.com/sharepoint/v3/fields"/>
+    <ds:schemaRef ds:uri="http://schemas.microsoft.com/office/2006/metadata/properties"/>
+    <ds:schemaRef ds:uri="http://purl.org/dc/terms/"/>
+  </ds:schemaRefs>
+</ds:datastoreItem>
+</file>
+
+<file path=customXml/itemProps4.xml><?xml version="1.0" encoding="utf-8"?>
+<ds:datastoreItem xmlns:ds="http://schemas.openxmlformats.org/officeDocument/2006/customXml" ds:itemID="{DA4BE8BC-21DD-494E-8FAB-B2E9DD91F2E2}">
+  <ds:schemaRefs>
+    <ds:schemaRef ds:uri="http://schemas.microsoft.com/office/2006/metadata/customXsn"/>
+  </ds:schemaRefs>
+</ds:datastoreItem>
 </file>
--- a/docs/cna/Becoming_a_CNA.pptx
+++ b/docs/cna/Becoming_a_CNA.pptx
@@ -5,7 +5,7 @@
     <p:sldMasterId id="2147483660" r:id="rId5"/>
   </p:sldMasterIdLst>
   <p:notesMasterIdLst>
-    <p:notesMasterId r:id="rId46"/>
+    <p:notesMasterId r:id="rId47"/>
   </p:notesMasterIdLst>
   <p:sldIdLst>
     <p:sldId id="256" r:id="rId6"/>
@@ -36,18 +36,19 @@
     <p:sldId id="262" r:id="rId31"/>
     <p:sldId id="299" r:id="rId32"/>
     <p:sldId id="260" r:id="rId33"/>
-    <p:sldId id="263" r:id="rId34"/>
-    <p:sldId id="286" r:id="rId35"/>
-    <p:sldId id="287" r:id="rId36"/>
-    <p:sldId id="288" r:id="rId37"/>
-    <p:sldId id="301" r:id="rId38"/>
-    <p:sldId id="290" r:id="rId39"/>
-    <p:sldId id="291" r:id="rId40"/>
-    <p:sldId id="303" r:id="rId41"/>
-    <p:sldId id="302" r:id="rId42"/>
-    <p:sldId id="304" r:id="rId43"/>
-    <p:sldId id="305" r:id="rId44"/>
-    <p:sldId id="294" r:id="rId45"/>
+    <p:sldId id="307" r:id="rId34"/>
+    <p:sldId id="263" r:id="rId35"/>
+    <p:sldId id="286" r:id="rId36"/>
+    <p:sldId id="287" r:id="rId37"/>
+    <p:sldId id="288" r:id="rId38"/>
+    <p:sldId id="301" r:id="rId39"/>
+    <p:sldId id="290" r:id="rId40"/>
+    <p:sldId id="291" r:id="rId41"/>
+    <p:sldId id="303" r:id="rId42"/>
+    <p:sldId id="302" r:id="rId43"/>
+    <p:sldId id="304" r:id="rId44"/>
+    <p:sldId id="305" r:id="rId45"/>
+    <p:sldId id="294" r:id="rId46"/>
   </p:sldIdLst>
   <p:sldSz cx="9144000" cy="6858000" type="screen4x3"/>
   <p:notesSz cx="6858000" cy="9144000"/>
@@ -191,163 +192,6 @@
 </p:cmAuthorLst>
 </file>
 
-<file path=ppt/changesInfos/changesInfo1.xml><?xml version="1.0" encoding="utf-8"?>
-<pc:chgInfo xmlns:a="http://schemas.openxmlformats.org/drawingml/2006/main" xmlns:r="http://schemas.openxmlformats.org/officeDocument/2006/relationships" xmlns:ac="http://schemas.microsoft.com/office/drawing/2013/main/command" xmlns:pc="http://schemas.microsoft.com/office/powerpoint/2013/main/command">
-  <pc:docChgLst>
-    <pc:chgData name="Robert Roberge" userId="7d3ba1ecd22967b8" providerId="LiveId" clId="{59F936DB-1A8D-4E41-96E3-B57B24128CB9}"/>
-    <pc:docChg chg="undo custSel modSld">
-      <pc:chgData name="Robert Roberge" userId="7d3ba1ecd22967b8" providerId="LiveId" clId="{59F936DB-1A8D-4E41-96E3-B57B24128CB9}" dt="2019-02-14T17:18:22.270" v="39" actId="5793"/>
-      <pc:docMkLst>
-        <pc:docMk/>
-      </pc:docMkLst>
-      <pc:sldChg chg="modSp">
-        <pc:chgData name="Robert Roberge" userId="7d3ba1ecd22967b8" providerId="LiveId" clId="{59F936DB-1A8D-4E41-96E3-B57B24128CB9}" dt="2019-02-12T14:53:46.953" v="10" actId="20577"/>
-        <pc:sldMkLst>
-          <pc:docMk/>
-          <pc:sldMk cId="3362527555" sldId="257"/>
-        </pc:sldMkLst>
-        <pc:spChg chg="mod">
-          <ac:chgData name="Robert Roberge" userId="7d3ba1ecd22967b8" providerId="LiveId" clId="{59F936DB-1A8D-4E41-96E3-B57B24128CB9}" dt="2019-02-12T14:53:46.953" v="10" actId="20577"/>
-          <ac:spMkLst>
-            <pc:docMk/>
-            <pc:sldMk cId="3362527555" sldId="257"/>
-            <ac:spMk id="3" creationId="{00000000-0000-0000-0000-000000000000}"/>
-          </ac:spMkLst>
-        </pc:spChg>
-      </pc:sldChg>
-      <pc:sldChg chg="modSp">
-        <pc:chgData name="Robert Roberge" userId="7d3ba1ecd22967b8" providerId="LiveId" clId="{59F936DB-1A8D-4E41-96E3-B57B24128CB9}" dt="2019-02-12T14:56:50.027" v="17" actId="20577"/>
-        <pc:sldMkLst>
-          <pc:docMk/>
-          <pc:sldMk cId="2696345968" sldId="262"/>
-        </pc:sldMkLst>
-        <pc:spChg chg="mod">
-          <ac:chgData name="Robert Roberge" userId="7d3ba1ecd22967b8" providerId="LiveId" clId="{59F936DB-1A8D-4E41-96E3-B57B24128CB9}" dt="2019-02-12T14:56:50.027" v="17" actId="20577"/>
-          <ac:spMkLst>
-            <pc:docMk/>
-            <pc:sldMk cId="2696345968" sldId="262"/>
-            <ac:spMk id="2" creationId="{00000000-0000-0000-0000-000000000000}"/>
-          </ac:spMkLst>
-        </pc:spChg>
-      </pc:sldChg>
-      <pc:sldChg chg="modSp">
-        <pc:chgData name="Robert Roberge" userId="7d3ba1ecd22967b8" providerId="LiveId" clId="{59F936DB-1A8D-4E41-96E3-B57B24128CB9}" dt="2019-02-14T17:18:22.270" v="39" actId="5793"/>
-        <pc:sldMkLst>
-          <pc:docMk/>
-          <pc:sldMk cId="2089681186" sldId="266"/>
-        </pc:sldMkLst>
-        <pc:spChg chg="mod">
-          <ac:chgData name="Robert Roberge" userId="7d3ba1ecd22967b8" providerId="LiveId" clId="{59F936DB-1A8D-4E41-96E3-B57B24128CB9}" dt="2019-02-14T17:18:22.270" v="39" actId="5793"/>
-          <ac:spMkLst>
-            <pc:docMk/>
-            <pc:sldMk cId="2089681186" sldId="266"/>
-            <ac:spMk id="3" creationId="{00000000-0000-0000-0000-000000000000}"/>
-          </ac:spMkLst>
-        </pc:spChg>
-      </pc:sldChg>
-      <pc:sldChg chg="modSp">
-        <pc:chgData name="Robert Roberge" userId="7d3ba1ecd22967b8" providerId="LiveId" clId="{59F936DB-1A8D-4E41-96E3-B57B24128CB9}" dt="2019-02-12T15:02:40.609" v="29" actId="20577"/>
-        <pc:sldMkLst>
-          <pc:docMk/>
-          <pc:sldMk cId="1292798470" sldId="267"/>
-        </pc:sldMkLst>
-        <pc:spChg chg="mod">
-          <ac:chgData name="Robert Roberge" userId="7d3ba1ecd22967b8" providerId="LiveId" clId="{59F936DB-1A8D-4E41-96E3-B57B24128CB9}" dt="2019-02-12T15:02:40.609" v="29" actId="20577"/>
-          <ac:spMkLst>
-            <pc:docMk/>
-            <pc:sldMk cId="1292798470" sldId="267"/>
-            <ac:spMk id="3" creationId="{00000000-0000-0000-0000-000000000000}"/>
-          </ac:spMkLst>
-        </pc:spChg>
-      </pc:sldChg>
-      <pc:sldChg chg="modSp">
-        <pc:chgData name="Robert Roberge" userId="7d3ba1ecd22967b8" providerId="LiveId" clId="{59F936DB-1A8D-4E41-96E3-B57B24128CB9}" dt="2019-02-12T15:03:00.508" v="30" actId="113"/>
-        <pc:sldMkLst>
-          <pc:docMk/>
-          <pc:sldMk cId="3933356961" sldId="272"/>
-        </pc:sldMkLst>
-        <pc:spChg chg="mod">
-          <ac:chgData name="Robert Roberge" userId="7d3ba1ecd22967b8" providerId="LiveId" clId="{59F936DB-1A8D-4E41-96E3-B57B24128CB9}" dt="2019-02-12T14:54:58.986" v="13" actId="20577"/>
-          <ac:spMkLst>
-            <pc:docMk/>
-            <pc:sldMk cId="3933356961" sldId="272"/>
-            <ac:spMk id="2" creationId="{00000000-0000-0000-0000-000000000000}"/>
-          </ac:spMkLst>
-        </pc:spChg>
-        <pc:spChg chg="mod">
-          <ac:chgData name="Robert Roberge" userId="7d3ba1ecd22967b8" providerId="LiveId" clId="{59F936DB-1A8D-4E41-96E3-B57B24128CB9}" dt="2019-02-12T15:03:00.508" v="30" actId="113"/>
-          <ac:spMkLst>
-            <pc:docMk/>
-            <pc:sldMk cId="3933356961" sldId="272"/>
-            <ac:spMk id="3" creationId="{00000000-0000-0000-0000-000000000000}"/>
-          </ac:spMkLst>
-        </pc:spChg>
-      </pc:sldChg>
-      <pc:sldChg chg="modSp">
-        <pc:chgData name="Robert Roberge" userId="7d3ba1ecd22967b8" providerId="LiveId" clId="{59F936DB-1A8D-4E41-96E3-B57B24128CB9}" dt="2019-02-12T14:55:50.802" v="14" actId="20577"/>
-        <pc:sldMkLst>
-          <pc:docMk/>
-          <pc:sldMk cId="1105725942" sldId="275"/>
-        </pc:sldMkLst>
-        <pc:spChg chg="mod">
-          <ac:chgData name="Robert Roberge" userId="7d3ba1ecd22967b8" providerId="LiveId" clId="{59F936DB-1A8D-4E41-96E3-B57B24128CB9}" dt="2019-02-12T14:55:50.802" v="14" actId="20577"/>
-          <ac:spMkLst>
-            <pc:docMk/>
-            <pc:sldMk cId="1105725942" sldId="275"/>
-            <ac:spMk id="2" creationId="{00000000-0000-0000-0000-000000000000}"/>
-          </ac:spMkLst>
-        </pc:spChg>
-      </pc:sldChg>
-      <pc:sldChg chg="modSp">
-        <pc:chgData name="Robert Roberge" userId="7d3ba1ecd22967b8" providerId="LiveId" clId="{59F936DB-1A8D-4E41-96E3-B57B24128CB9}" dt="2019-02-14T17:17:26.457" v="36" actId="20577"/>
-        <pc:sldMkLst>
-          <pc:docMk/>
-          <pc:sldMk cId="591337851" sldId="295"/>
-        </pc:sldMkLst>
-        <pc:spChg chg="mod">
-          <ac:chgData name="Robert Roberge" userId="7d3ba1ecd22967b8" providerId="LiveId" clId="{59F936DB-1A8D-4E41-96E3-B57B24128CB9}" dt="2019-02-14T17:17:26.457" v="36" actId="20577"/>
-          <ac:spMkLst>
-            <pc:docMk/>
-            <pc:sldMk cId="591337851" sldId="295"/>
-            <ac:spMk id="3" creationId="{00000000-0000-0000-0000-000000000000}"/>
-          </ac:spMkLst>
-        </pc:spChg>
-      </pc:sldChg>
-      <pc:sldChg chg="modSp">
-        <pc:chgData name="Robert Roberge" userId="7d3ba1ecd22967b8" providerId="LiveId" clId="{59F936DB-1A8D-4E41-96E3-B57B24128CB9}" dt="2019-02-12T14:59:08.257" v="23" actId="20577"/>
-        <pc:sldMkLst>
-          <pc:docMk/>
-          <pc:sldMk cId="190676031" sldId="296"/>
-        </pc:sldMkLst>
-        <pc:spChg chg="mod">
-          <ac:chgData name="Robert Roberge" userId="7d3ba1ecd22967b8" providerId="LiveId" clId="{59F936DB-1A8D-4E41-96E3-B57B24128CB9}" dt="2019-02-12T14:59:08.257" v="23" actId="20577"/>
-          <ac:spMkLst>
-            <pc:docMk/>
-            <pc:sldMk cId="190676031" sldId="296"/>
-            <ac:spMk id="3" creationId="{00000000-0000-0000-0000-000000000000}"/>
-          </ac:spMkLst>
-        </pc:spChg>
-      </pc:sldChg>
-      <pc:sldChg chg="modSp">
-        <pc:chgData name="Robert Roberge" userId="7d3ba1ecd22967b8" providerId="LiveId" clId="{59F936DB-1A8D-4E41-96E3-B57B24128CB9}" dt="2019-02-12T15:02:15.271" v="24" actId="20577"/>
-        <pc:sldMkLst>
-          <pc:docMk/>
-          <pc:sldMk cId="3191215242" sldId="297"/>
-        </pc:sldMkLst>
-        <pc:spChg chg="mod">
-          <ac:chgData name="Robert Roberge" userId="7d3ba1ecd22967b8" providerId="LiveId" clId="{59F936DB-1A8D-4E41-96E3-B57B24128CB9}" dt="2019-02-12T15:02:15.271" v="24" actId="20577"/>
-          <ac:spMkLst>
-            <pc:docMk/>
-            <pc:sldMk cId="3191215242" sldId="297"/>
-            <ac:spMk id="3" creationId="{00000000-0000-0000-0000-000000000000}"/>
-          </ac:spMkLst>
-        </pc:spChg>
-      </pc:sldChg>
-    </pc:docChg>
-  </pc:docChgLst>
-</pc:chgInfo>
-</file>
-
 <file path=ppt/notesMasters/notesMaster1.xml><?xml version="1.0" encoding="utf-8"?>
 <p:notesMaster xmlns:a="http://schemas.openxmlformats.org/drawingml/2006/main" xmlns:r="http://schemas.openxmlformats.org/officeDocument/2006/relationships" xmlns:p="http://schemas.openxmlformats.org/presentationml/2006/main">
   <p:cSld>
@@ -430,7 +274,7 @@
           <a:p>
             <a:fld id="{C48A5AB8-C75E-4242-AC76-9DAE875A82E7}" type="datetimeFigureOut">
               <a:rPr lang="en-US" smtClean="0"/>
-              <a:t>2/14/2019</a:t>
+              <a:t>2/22/2019</a:t>
             </a:fld>
             <a:endParaRPr lang="en-US"/>
           </a:p>
@@ -1064,6 +908,90 @@
     <p:extLst>
       <p:ext uri="{BB962C8B-B14F-4D97-AF65-F5344CB8AC3E}">
         <p14:creationId xmlns:p14="http://schemas.microsoft.com/office/powerpoint/2010/main" val="3512228826"/>
+      </p:ext>
+    </p:extLst>
+  </p:cSld>
+  <p:clrMapOvr>
+    <a:masterClrMapping/>
+  </p:clrMapOvr>
+</p:notes>
+</file>
+
+<file path=ppt/notesSlides/notesSlide5.xml><?xml version="1.0" encoding="utf-8"?>
+<p:notes xmlns:a="http://schemas.openxmlformats.org/drawingml/2006/main" xmlns:r="http://schemas.openxmlformats.org/officeDocument/2006/relationships" xmlns:p="http://schemas.openxmlformats.org/presentationml/2006/main">
+  <p:cSld>
+    <p:spTree>
+      <p:nvGrpSpPr>
+        <p:cNvPr id="1" name=""/>
+        <p:cNvGrpSpPr/>
+        <p:nvPr/>
+      </p:nvGrpSpPr>
+      <p:grpSpPr>
+        <a:xfrm>
+          <a:off x="0" y="0"/>
+          <a:ext cx="0" cy="0"/>
+          <a:chOff x="0" y="0"/>
+          <a:chExt cx="0" cy="0"/>
+        </a:xfrm>
+      </p:grpSpPr>
+      <p:sp>
+        <p:nvSpPr>
+          <p:cNvPr id="2" name="Slide Image Placeholder 1"/>
+          <p:cNvSpPr>
+            <a:spLocks noGrp="1" noRot="1" noChangeAspect="1"/>
+          </p:cNvSpPr>
+          <p:nvPr>
+            <p:ph type="sldImg"/>
+          </p:nvPr>
+        </p:nvSpPr>
+        <p:spPr/>
+      </p:sp>
+      <p:sp>
+        <p:nvSpPr>
+          <p:cNvPr id="3" name="Notes Placeholder 2"/>
+          <p:cNvSpPr>
+            <a:spLocks noGrp="1"/>
+          </p:cNvSpPr>
+          <p:nvPr>
+            <p:ph type="body" idx="1"/>
+          </p:nvPr>
+        </p:nvSpPr>
+        <p:spPr/>
+        <p:txBody>
+          <a:bodyPr/>
+          <a:lstStyle/>
+          <a:p>
+            <a:endParaRPr lang="en-US" dirty="0"/>
+          </a:p>
+        </p:txBody>
+      </p:sp>
+      <p:sp>
+        <p:nvSpPr>
+          <p:cNvPr id="4" name="Slide Number Placeholder 3"/>
+          <p:cNvSpPr>
+            <a:spLocks noGrp="1"/>
+          </p:cNvSpPr>
+          <p:nvPr>
+            <p:ph type="sldNum" sz="quarter" idx="5"/>
+          </p:nvPr>
+        </p:nvSpPr>
+        <p:spPr/>
+        <p:txBody>
+          <a:bodyPr/>
+          <a:lstStyle/>
+          <a:p>
+            <a:fld id="{D26DA38A-5B6D-4B73-8631-E3ACB22184B3}" type="slidenum">
+              <a:rPr lang="en-US" smtClean="0"/>
+              <a:t>29</a:t>
+            </a:fld>
+            <a:endParaRPr lang="en-US"/>
+          </a:p>
+        </p:txBody>
+      </p:sp>
+    </p:spTree>
+    <p:extLst>
+      <p:ext uri="{BB962C8B-B14F-4D97-AF65-F5344CB8AC3E}">
+        <p14:creationId xmlns:p14="http://schemas.microsoft.com/office/powerpoint/2010/main" val="3457608954"/>
       </p:ext>
     </p:extLst>
   </p:cSld>
@@ -8252,7 +8180,13 @@
       </p:grpSpPr>
       <p:sp>
         <p:nvSpPr>
-          <p:cNvPr id="2" name="Title 1"/>
+          <p:cNvPr id="2" name="Title 1">
+            <a:extLst>
+              <a:ext uri="{FF2B5EF4-FFF2-40B4-BE49-F238E27FC236}">
+                <a16:creationId xmlns:a16="http://schemas.microsoft.com/office/drawing/2014/main" id="{DDAF5278-E631-41A0-A3F1-C9CC25390F88}"/>
+              </a:ext>
+            </a:extLst>
+          </p:cNvPr>
           <p:cNvSpPr>
             <a:spLocks noGrp="1"/>
           </p:cNvSpPr>
@@ -8267,14 +8201,20 @@
           <a:p>
             <a:r>
               <a:rPr lang="en-US" dirty="0"/>
-              <a:t>Community Participation</a:t>
-            </a:r>
-          </a:p>
-        </p:txBody>
-      </p:sp>
-      <p:sp>
-        <p:nvSpPr>
-          <p:cNvPr id="3" name="Content Placeholder 2"/>
+              <a:t>CVE Working Groups</a:t>
+            </a:r>
+          </a:p>
+        </p:txBody>
+      </p:sp>
+      <p:sp>
+        <p:nvSpPr>
+          <p:cNvPr id="3" name="Content Placeholder 2">
+            <a:extLst>
+              <a:ext uri="{FF2B5EF4-FFF2-40B4-BE49-F238E27FC236}">
+                <a16:creationId xmlns:a16="http://schemas.microsoft.com/office/drawing/2014/main" id="{29285F77-9E59-4FAB-8861-4E17DADEC1A1}"/>
+              </a:ext>
+            </a:extLst>
+          </p:cNvPr>
           <p:cNvSpPr>
             <a:spLocks noGrp="1"/>
           </p:cNvSpPr>
@@ -8284,58 +8224,185 @@
         </p:nvSpPr>
         <p:spPr/>
         <p:txBody>
+          <a:bodyPr>
+            <a:normAutofit fontScale="92500" lnSpcReduction="20000"/>
+          </a:bodyPr>
+          <a:lstStyle/>
+          <a:p>
+            <a:r>
+              <a:rPr lang="en-US" dirty="0"/>
+              <a:t>Automation WG</a:t>
+            </a:r>
+          </a:p>
+          <a:p>
+            <a:pPr lvl="1"/>
+            <a:r>
+              <a:rPr lang="en-US" dirty="0"/>
+              <a:t>https://github.com/CVEProject/automation-working-group</a:t>
+            </a:r>
+          </a:p>
+          <a:p>
+            <a:pPr lvl="1"/>
+            <a:r>
+              <a:rPr lang="en-US" dirty="0"/>
+              <a:t>JSON format</a:t>
+            </a:r>
+          </a:p>
+          <a:p>
+            <a:pPr lvl="2"/>
+            <a:r>
+              <a:rPr lang="en-US" sz="1400" dirty="0">
+                <a:hlinkClick r:id="rId3"/>
+              </a:rPr>
+              <a:t>https://github.com/CVEProject/JSON-format-project-AWG</a:t>
+            </a:r>
+            <a:endParaRPr lang="en-US" sz="1400" dirty="0"/>
+          </a:p>
+          <a:p>
+            <a:pPr lvl="2"/>
+            <a:r>
+              <a:rPr lang="en-US" sz="1400" dirty="0"/>
+              <a:t>https://github.com/CVEProject/automation-working-group</a:t>
+            </a:r>
+          </a:p>
+          <a:p>
+            <a:pPr lvl="1"/>
+            <a:r>
+              <a:rPr lang="en-US" dirty="0"/>
+              <a:t>Entry submission service</a:t>
+            </a:r>
+          </a:p>
+          <a:p>
+            <a:pPr lvl="2"/>
+            <a:r>
+              <a:rPr lang="en-US" sz="1400" dirty="0"/>
+              <a:t>https://github.com/CVEProject/cvelist</a:t>
+            </a:r>
+          </a:p>
+          <a:p>
+            <a:pPr lvl="1"/>
+            <a:r>
+              <a:rPr lang="en-US" dirty="0"/>
+              <a:t>CVE ID allocation service</a:t>
+            </a:r>
+          </a:p>
+          <a:p>
+            <a:pPr lvl="2"/>
+            <a:r>
+              <a:rPr lang="en-US" sz="1400" dirty="0"/>
+              <a:t>https://github.com/CVEProject/CVE-ID-Allocation-Service</a:t>
+            </a:r>
+          </a:p>
+          <a:p>
+            <a:pPr lvl="1"/>
+            <a:r>
+              <a:rPr lang="en-US" dirty="0"/>
+              <a:t>CVE user registry</a:t>
+            </a:r>
+          </a:p>
+          <a:p>
+            <a:pPr lvl="2"/>
+            <a:r>
+              <a:rPr lang="en-US" sz="1400" dirty="0"/>
+              <a:t>https://github.com/CVEProject/CVE-User-Registry</a:t>
+            </a:r>
+            <a:endParaRPr lang="en-US" dirty="0"/>
+          </a:p>
+          <a:p>
+            <a:r>
+              <a:rPr lang="en-US" dirty="0"/>
+              <a:t>Strategic Planning WG</a:t>
+            </a:r>
+          </a:p>
+          <a:p>
+            <a:r>
+              <a:rPr lang="en-US" dirty="0"/>
+              <a:t>Cloud Services WG</a:t>
+            </a:r>
+          </a:p>
+          <a:p>
+            <a:r>
+              <a:rPr lang="en-US" dirty="0"/>
+              <a:t>CNA Coordination WG</a:t>
+            </a:r>
+          </a:p>
+          <a:p>
+            <a:r>
+              <a:rPr lang="en-US" dirty="0"/>
+              <a:t>CVE Entry Quality WG</a:t>
+            </a:r>
+          </a:p>
+        </p:txBody>
+      </p:sp>
+      <p:sp>
+        <p:nvSpPr>
+          <p:cNvPr id="4" name="Slide Number Placeholder 3">
+            <a:extLst>
+              <a:ext uri="{FF2B5EF4-FFF2-40B4-BE49-F238E27FC236}">
+                <a16:creationId xmlns:a16="http://schemas.microsoft.com/office/drawing/2014/main" id="{A02937A6-1FD8-4C16-84BE-EA5F5E996400}"/>
+              </a:ext>
+            </a:extLst>
+          </p:cNvPr>
+          <p:cNvSpPr>
+            <a:spLocks noGrp="1"/>
+          </p:cNvSpPr>
+          <p:nvPr>
+            <p:ph type="sldNum" sz="quarter" idx="4"/>
+          </p:nvPr>
+        </p:nvSpPr>
+        <p:spPr/>
+        <p:txBody>
           <a:bodyPr/>
           <a:lstStyle/>
           <a:p>
             <a:r>
-              <a:rPr lang="en-US" dirty="0"/>
-              <a:t>Board Working Groups</a:t>
-            </a:r>
-          </a:p>
-          <a:p>
-            <a:pPr lvl="1"/>
-            <a:r>
-              <a:rPr lang="en-US" dirty="0"/>
-              <a:t>Automation WG</a:t>
-            </a:r>
-          </a:p>
-          <a:p>
-            <a:pPr lvl="1"/>
-            <a:r>
-              <a:rPr lang="en-US" dirty="0"/>
-              <a:t>Strategic Planning WG</a:t>
-            </a:r>
-          </a:p>
-          <a:p>
-            <a:r>
-              <a:rPr lang="en-US" dirty="0"/>
-              <a:t>CNA mailing list</a:t>
-            </a:r>
-          </a:p>
-          <a:p>
-            <a:r>
-              <a:rPr lang="en-US" dirty="0"/>
-              <a:t>CNA Summits</a:t>
-            </a:r>
-          </a:p>
-          <a:p>
-            <a:r>
-              <a:rPr lang="en-US" dirty="0"/>
-              <a:t>Webinars</a:t>
-            </a:r>
-          </a:p>
-          <a:p>
-            <a:r>
-              <a:rPr lang="en-US" dirty="0"/>
-              <a:t>Handshake (MITRE’s social media platform)</a:t>
-            </a:r>
+              <a:rPr lang="en-US">
+                <a:solidFill>
+                  <a:srgbClr val="C1CD23"/>
+                </a:solidFill>
+              </a:rPr>
+              <a:t>|</a:t>
+            </a:r>
+            <a:r>
+              <a:rPr lang="en-US"/>
+              <a:t> </a:t>
+            </a:r>
+            <a:fld id="{295008BC-DA31-4D19-837B-EFA4386B05F5}" type="slidenum">
+              <a:rPr lang="en-US" smtClean="0">
+                <a:solidFill>
+                  <a:schemeClr val="tx1">
+                    <a:lumMod val="50000"/>
+                    <a:lumOff val="50000"/>
+                  </a:schemeClr>
+                </a:solidFill>
+              </a:rPr>
+              <a:pPr/>
+              <a:t>29</a:t>
+            </a:fld>
+            <a:r>
+              <a:rPr lang="en-US"/>
+              <a:t> </a:t>
+            </a:r>
+            <a:r>
+              <a:rPr lang="en-US">
+                <a:solidFill>
+                  <a:srgbClr val="C1CD23"/>
+                </a:solidFill>
+              </a:rPr>
+              <a:t>|</a:t>
+            </a:r>
+            <a:endParaRPr lang="en-US" dirty="0">
+              <a:solidFill>
+                <a:srgbClr val="C1CD23"/>
+              </a:solidFill>
+            </a:endParaRPr>
           </a:p>
         </p:txBody>
       </p:sp>
     </p:spTree>
     <p:extLst>
       <p:ext uri="{BB962C8B-B14F-4D97-AF65-F5344CB8AC3E}">
-        <p14:creationId xmlns:p14="http://schemas.microsoft.com/office/powerpoint/2010/main" val="3306588478"/>
+        <p14:creationId xmlns:p14="http://schemas.microsoft.com/office/powerpoint/2010/main" val="1293480870"/>
       </p:ext>
     </p:extLst>
   </p:cSld>
@@ -8416,12 +8483,12 @@
       </p:grpSpPr>
       <p:sp>
         <p:nvSpPr>
-          <p:cNvPr id="4" name="Title 3"/>
-          <p:cNvSpPr>
-            <a:spLocks noGrp="1"/>
-          </p:cNvSpPr>
-          <p:nvPr>
-            <p:ph type="ctrTitle" sz="quarter"/>
+          <p:cNvPr id="2" name="Title 1"/>
+          <p:cNvSpPr>
+            <a:spLocks noGrp="1"/>
+          </p:cNvSpPr>
+          <p:nvPr>
+            <p:ph type="title"/>
           </p:nvPr>
         </p:nvSpPr>
         <p:spPr/>
@@ -8431,7 +8498,82 @@
           <a:p>
             <a:r>
               <a:rPr lang="en-US" dirty="0"/>
-              <a:t>Questions</a:t>
+              <a:t>Other Community Participation</a:t>
+            </a:r>
+          </a:p>
+        </p:txBody>
+      </p:sp>
+      <p:sp>
+        <p:nvSpPr>
+          <p:cNvPr id="3" name="Content Placeholder 2"/>
+          <p:cNvSpPr>
+            <a:spLocks noGrp="1"/>
+          </p:cNvSpPr>
+          <p:nvPr>
+            <p:ph idx="1"/>
+          </p:nvPr>
+        </p:nvSpPr>
+        <p:spPr/>
+        <p:txBody>
+          <a:bodyPr/>
+          <a:lstStyle/>
+          <a:p>
+            <a:r>
+              <a:rPr lang="en-US" dirty="0"/>
+              <a:t>CNA mailing list</a:t>
+            </a:r>
+          </a:p>
+          <a:p>
+            <a:pPr lvl="1"/>
+            <a:r>
+              <a:rPr lang="en-US" dirty="0"/>
+              <a:t>For program wide announcements</a:t>
+            </a:r>
+          </a:p>
+          <a:p>
+            <a:pPr lvl="1"/>
+            <a:r>
+              <a:rPr lang="en-US" dirty="0"/>
+              <a:t>Used by CNAs to discuss issues that may affect multiple CNAs</a:t>
+            </a:r>
+          </a:p>
+          <a:p>
+            <a:pPr lvl="1"/>
+            <a:r>
+              <a:rPr lang="en-US" dirty="0"/>
+              <a:t>Limited to CNA and Board members</a:t>
+            </a:r>
+          </a:p>
+          <a:p>
+            <a:r>
+              <a:rPr lang="en-US" dirty="0"/>
+              <a:t>CNA Summits</a:t>
+            </a:r>
+          </a:p>
+          <a:p>
+            <a:pPr lvl="1"/>
+            <a:r>
+              <a:rPr lang="en-US" dirty="0"/>
+              <a:t>Yearly conference to discuss lessons learned, issues, and program improvements</a:t>
+            </a:r>
+          </a:p>
+          <a:p>
+            <a:r>
+              <a:rPr lang="en-US" dirty="0"/>
+              <a:t>Webinars</a:t>
+            </a:r>
+          </a:p>
+          <a:p>
+            <a:pPr lvl="1"/>
+            <a:r>
+              <a:rPr lang="en-US" dirty="0"/>
+              <a:t>Ad-Hoc meetings to discuss issues affecting CNA and the CVE project</a:t>
+            </a:r>
+          </a:p>
+          <a:p>
+            <a:r>
+              <a:rPr lang="en-US" dirty="0"/>
+              <a:t>Handshake (MITRE’s social media platform)</a:t>
             </a:r>
           </a:p>
         </p:txBody>
@@ -8439,7 +8581,7 @@
     </p:spTree>
     <p:extLst>
       <p:ext uri="{BB962C8B-B14F-4D97-AF65-F5344CB8AC3E}">
-        <p14:creationId xmlns:p14="http://schemas.microsoft.com/office/powerpoint/2010/main" val="484623824"/>
+        <p14:creationId xmlns:p14="http://schemas.microsoft.com/office/powerpoint/2010/main" val="3306588478"/>
       </p:ext>
     </p:extLst>
   </p:cSld>
@@ -8468,7 +8610,7 @@
       </p:grpSpPr>
       <p:sp>
         <p:nvSpPr>
-          <p:cNvPr id="3" name="Title 2"/>
+          <p:cNvPr id="4" name="Title 3"/>
           <p:cNvSpPr>
             <a:spLocks noGrp="1"/>
           </p:cNvSpPr>
@@ -8483,7 +8625,7 @@
           <a:p>
             <a:r>
               <a:rPr lang="en-US" dirty="0"/>
-              <a:t>Backup Slides</a:t>
+              <a:t>Questions</a:t>
             </a:r>
           </a:p>
         </p:txBody>
@@ -8491,7 +8633,7 @@
     </p:spTree>
     <p:extLst>
       <p:ext uri="{BB962C8B-B14F-4D97-AF65-F5344CB8AC3E}">
-        <p14:creationId xmlns:p14="http://schemas.microsoft.com/office/powerpoint/2010/main" val="2819593005"/>
+        <p14:creationId xmlns:p14="http://schemas.microsoft.com/office/powerpoint/2010/main" val="484623824"/>
       </p:ext>
     </p:extLst>
   </p:cSld>
@@ -8520,12 +8662,12 @@
       </p:grpSpPr>
       <p:sp>
         <p:nvSpPr>
-          <p:cNvPr id="2" name="Title 1"/>
-          <p:cNvSpPr>
-            <a:spLocks noGrp="1"/>
-          </p:cNvSpPr>
-          <p:nvPr>
-            <p:ph type="title"/>
+          <p:cNvPr id="3" name="Title 2"/>
+          <p:cNvSpPr>
+            <a:spLocks noGrp="1"/>
+          </p:cNvSpPr>
+          <p:nvPr>
+            <p:ph type="ctrTitle" sz="quarter"/>
           </p:nvPr>
         </p:nvSpPr>
         <p:spPr/>
@@ -8535,126 +8677,15 @@
           <a:p>
             <a:r>
               <a:rPr lang="en-US" dirty="0"/>
-              <a:t>Assignment Rules</a:t>
-            </a:r>
-          </a:p>
-        </p:txBody>
-      </p:sp>
-      <p:sp>
-        <p:nvSpPr>
-          <p:cNvPr id="3" name="Content Placeholder 2"/>
-          <p:cNvSpPr>
-            <a:spLocks noGrp="1"/>
-          </p:cNvSpPr>
-          <p:nvPr>
-            <p:ph idx="1"/>
-          </p:nvPr>
-        </p:nvSpPr>
-        <p:spPr/>
-        <p:txBody>
-          <a:bodyPr>
-            <a:normAutofit/>
-          </a:bodyPr>
-          <a:lstStyle/>
-          <a:p>
-            <a:pPr lvl="0">
-              <a:spcAft>
-                <a:spcPts val="1200"/>
-              </a:spcAft>
-            </a:pPr>
-            <a:r>
-              <a:rPr lang="en-US" dirty="0"/>
-              <a:t>The following rules apply to all CNAs when assigning CVE IDs to vulnerabilities:</a:t>
-            </a:r>
-          </a:p>
-          <a:p>
-            <a:pPr lvl="1">
-              <a:spcAft>
-                <a:spcPts val="1200"/>
-              </a:spcAft>
-            </a:pPr>
-            <a:r>
-              <a:rPr lang="en-US" dirty="0"/>
-              <a:t>Assign CVE IDs to security vulnerabilities within scope of authority for vulnerabilities that are, or will be, made public</a:t>
-            </a:r>
-          </a:p>
-          <a:p>
-            <a:pPr lvl="1">
-              <a:spcAft>
-                <a:spcPts val="1200"/>
-              </a:spcAft>
-            </a:pPr>
-            <a:r>
-              <a:rPr lang="en-US" dirty="0"/>
-              <a:t>Only assign CVE IDs to security vulnerabilities when no lower level CNA exists that already covers a more constrained scope (this may require coordination)</a:t>
-            </a:r>
-          </a:p>
-          <a:p>
-            <a:pPr lvl="1">
-              <a:spcAft>
-                <a:spcPts val="1200"/>
-              </a:spcAft>
-            </a:pPr>
-            <a:r>
-              <a:rPr lang="en-US" dirty="0"/>
-              <a:t>Follow CVE counting rules established by the CVE Program as implemented by the Program Root CNA and augmented by Root CNAs and Sub-CNAs if applicable</a:t>
-            </a:r>
-          </a:p>
-          <a:p>
-            <a:pPr lvl="1">
-              <a:spcAft>
-                <a:spcPts val="1200"/>
-              </a:spcAft>
-            </a:pPr>
-            <a:r>
-              <a:rPr lang="en-US" dirty="0"/>
-              <a:t>Disputes related to scope should first be addressed by the next higher-level CNA before being escalated</a:t>
-            </a:r>
-          </a:p>
-          <a:p>
-            <a:endParaRPr lang="en-US" dirty="0"/>
-          </a:p>
-        </p:txBody>
-      </p:sp>
-      <p:sp>
-        <p:nvSpPr>
-          <p:cNvPr id="4" name="Slide Number Placeholder 3"/>
-          <p:cNvSpPr>
-            <a:spLocks noGrp="1"/>
-          </p:cNvSpPr>
-          <p:nvPr>
-            <p:ph type="sldNum" sz="quarter" idx="4"/>
-          </p:nvPr>
-        </p:nvSpPr>
-        <p:spPr/>
-        <p:txBody>
-          <a:bodyPr/>
-          <a:lstStyle/>
-          <a:p>
-            <a:r>
-              <a:rPr lang="en-US" dirty="0">
-                <a:solidFill>
-                  <a:srgbClr val="C1CD23"/>
-                </a:solidFill>
-              </a:rPr>
-              <a:t>|</a:t>
-            </a:r>
-            <a:r>
-              <a:rPr lang="en-US" dirty="0"/>
-              <a:t> </a:t>
-            </a:r>
-            <a:endParaRPr lang="en-US" dirty="0">
-              <a:solidFill>
-                <a:srgbClr val="C1CD23"/>
-              </a:solidFill>
-            </a:endParaRPr>
+              <a:t>Backup Slides</a:t>
+            </a:r>
           </a:p>
         </p:txBody>
       </p:sp>
     </p:spTree>
     <p:extLst>
       <p:ext uri="{BB962C8B-B14F-4D97-AF65-F5344CB8AC3E}">
-        <p14:creationId xmlns:p14="http://schemas.microsoft.com/office/powerpoint/2010/main" val="4198695085"/>
+        <p14:creationId xmlns:p14="http://schemas.microsoft.com/office/powerpoint/2010/main" val="2819593005"/>
       </p:ext>
     </p:extLst>
   </p:cSld>
@@ -8683,13 +8714,7 @@
       </p:grpSpPr>
       <p:sp>
         <p:nvSpPr>
-          <p:cNvPr id="2" name="Title 1">
-            <a:extLst>
-              <a:ext uri="{FF2B5EF4-FFF2-40B4-BE49-F238E27FC236}">
-                <a16:creationId xmlns:a16="http://schemas.microsoft.com/office/drawing/2014/main" id="{9EAA80A2-4F5D-4E38-BA58-1E1864288533}"/>
-              </a:ext>
-            </a:extLst>
-          </p:cNvPr>
+          <p:cNvPr id="2" name="Title 1"/>
           <p:cNvSpPr>
             <a:spLocks noGrp="1"/>
           </p:cNvSpPr>
@@ -8704,20 +8729,14 @@
           <a:p>
             <a:r>
               <a:rPr lang="en-US" dirty="0"/>
-              <a:t>Communication Rules (1 of 2)</a:t>
-            </a:r>
-          </a:p>
-        </p:txBody>
-      </p:sp>
-      <p:sp>
-        <p:nvSpPr>
-          <p:cNvPr id="3" name="Content Placeholder 2">
-            <a:extLst>
-              <a:ext uri="{FF2B5EF4-FFF2-40B4-BE49-F238E27FC236}">
-                <a16:creationId xmlns:a16="http://schemas.microsoft.com/office/drawing/2014/main" id="{4F1610AB-C9A4-4D29-A95F-C1BD8000A9D6}"/>
-              </a:ext>
-            </a:extLst>
-          </p:cNvPr>
+              <a:t>Assignment Rules</a:t>
+            </a:r>
+          </a:p>
+        </p:txBody>
+      </p:sp>
+      <p:sp>
+        <p:nvSpPr>
+          <p:cNvPr id="3" name="Content Placeholder 2"/>
           <p:cNvSpPr>
             <a:spLocks noGrp="1"/>
           </p:cNvSpPr>
@@ -8728,76 +8747,108 @@
         <p:spPr/>
         <p:txBody>
           <a:bodyPr>
-            <a:normAutofit fontScale="92500" lnSpcReduction="10000"/>
+            <a:normAutofit/>
           </a:bodyPr>
           <a:lstStyle/>
           <a:p>
-            <a:r>
-              <a:rPr lang="en-US" dirty="0"/>
-              <a:t>The following communications rules apply to all CNAs:</a:t>
-            </a:r>
-          </a:p>
-          <a:p>
-            <a:pPr lvl="1"/>
-            <a:r>
-              <a:rPr lang="en-US" dirty="0"/>
-              <a:t>Provide points of contact (POCs) (e.g., email addresses, URLs, etc.) to all levels above their own</a:t>
-            </a:r>
-          </a:p>
-          <a:p>
-            <a:pPr lvl="1"/>
-            <a:r>
-              <a:rPr lang="en-US" dirty="0"/>
-              <a:t>Publish a disclosure (embargo) policy and a description of its scope </a:t>
-            </a:r>
-          </a:p>
-          <a:p>
-            <a:pPr lvl="1"/>
-            <a:r>
-              <a:rPr lang="en-US" dirty="0"/>
-              <a:t>If a CNA accepts requests from parties outside the CNA, provide a means (e.g., hyperlink, email) for the public to contact them regarding vulnerabilities. CNAs can also provide guidelines for how to communicate with them, such as language restrictions (“English-only”, “Japanese or English”, etc.). Provide the list publicly and to all levels above their own</a:t>
-            </a:r>
-          </a:p>
-          <a:p>
-            <a:pPr lvl="1"/>
-            <a:r>
-              <a:rPr lang="en-US" dirty="0"/>
-              <a:t>Be responsive to inquiries from all CNAs</a:t>
-            </a:r>
-          </a:p>
-          <a:p>
-            <a:pPr lvl="1"/>
-            <a:r>
-              <a:rPr lang="en-US" dirty="0"/>
-              <a:t>When a vulnerability is reported to the CNA and a CVE ID is assigned to that vulnerability, provide the CVE ID to the reporter. This rule does not override any embargo rules established by the CNA</a:t>
-            </a:r>
-          </a:p>
-          <a:p>
-            <a:pPr lvl="1"/>
+            <a:pPr lvl="0">
+              <a:spcAft>
+                <a:spcPts val="1200"/>
+              </a:spcAft>
+            </a:pPr>
+            <a:r>
+              <a:rPr lang="en-US" dirty="0"/>
+              <a:t>The following rules apply to all CNAs when assigning CVE IDs to vulnerabilities:</a:t>
+            </a:r>
+          </a:p>
+          <a:p>
+            <a:pPr lvl="1">
+              <a:spcAft>
+                <a:spcPts val="1200"/>
+              </a:spcAft>
+            </a:pPr>
+            <a:r>
+              <a:rPr lang="en-US" dirty="0"/>
+              <a:t>Assign CVE IDs to security vulnerabilities within scope of authority for vulnerabilities that are, or will be, made public</a:t>
+            </a:r>
+          </a:p>
+          <a:p>
+            <a:pPr lvl="1">
+              <a:spcAft>
+                <a:spcPts val="1200"/>
+              </a:spcAft>
+            </a:pPr>
+            <a:r>
+              <a:rPr lang="en-US" dirty="0"/>
+              <a:t>Only assign CVE IDs to security vulnerabilities when no lower level CNA exists that already covers a more constrained scope (this may require coordination)</a:t>
+            </a:r>
+          </a:p>
+          <a:p>
+            <a:pPr lvl="1">
+              <a:spcAft>
+                <a:spcPts val="1200"/>
+              </a:spcAft>
+            </a:pPr>
+            <a:r>
+              <a:rPr lang="en-US" dirty="0"/>
+              <a:t>Follow CVE counting rules established by the CVE Program as implemented by the Program Root CNA and augmented by Root CNAs and Sub-CNAs if applicable</a:t>
+            </a:r>
+          </a:p>
+          <a:p>
+            <a:pPr lvl="1">
+              <a:spcAft>
+                <a:spcPts val="1200"/>
+              </a:spcAft>
+            </a:pPr>
+            <a:r>
+              <a:rPr lang="en-US" dirty="0"/>
+              <a:t>Disputes related to scope should first be addressed by the next higher-level CNA before being escalated</a:t>
+            </a:r>
+          </a:p>
+          <a:p>
             <a:endParaRPr lang="en-US" dirty="0"/>
           </a:p>
-          <a:p>
-            <a:pPr lvl="1"/>
-            <a:endParaRPr lang="en-US" dirty="0"/>
-          </a:p>
-          <a:p>
-            <a:pPr lvl="1"/>
-            <a:endParaRPr lang="en-US" dirty="0"/>
-          </a:p>
-          <a:p>
-            <a:pPr lvl="1"/>
-            <a:endParaRPr lang="en-US" dirty="0"/>
-          </a:p>
-          <a:p>
-            <a:pPr lvl="1"/>
-            <a:endParaRPr lang="en-US" dirty="0"/>
+        </p:txBody>
+      </p:sp>
+      <p:sp>
+        <p:nvSpPr>
+          <p:cNvPr id="4" name="Slide Number Placeholder 3"/>
+          <p:cNvSpPr>
+            <a:spLocks noGrp="1"/>
+          </p:cNvSpPr>
+          <p:nvPr>
+            <p:ph type="sldNum" sz="quarter" idx="4"/>
+          </p:nvPr>
+        </p:nvSpPr>
+        <p:spPr/>
+        <p:txBody>
+          <a:bodyPr/>
+          <a:lstStyle/>
+          <a:p>
+            <a:r>
+              <a:rPr lang="en-US" dirty="0">
+                <a:solidFill>
+                  <a:srgbClr val="C1CD23"/>
+                </a:solidFill>
+              </a:rPr>
+              <a:t>|</a:t>
+            </a:r>
+            <a:r>
+              <a:rPr lang="en-US" dirty="0"/>
+              <a:t> </a:t>
+            </a:r>
+            <a:endParaRPr lang="en-US" dirty="0">
+              <a:solidFill>
+                <a:srgbClr val="C1CD23"/>
+              </a:solidFill>
+            </a:endParaRPr>
           </a:p>
         </p:txBody>
       </p:sp>
     </p:spTree>
     <p:extLst>
       <p:ext uri="{BB962C8B-B14F-4D97-AF65-F5344CB8AC3E}">
-        <p14:creationId xmlns:p14="http://schemas.microsoft.com/office/powerpoint/2010/main" val="1940010566"/>
+        <p14:creationId xmlns:p14="http://schemas.microsoft.com/office/powerpoint/2010/main" val="4198695085"/>
       </p:ext>
     </p:extLst>
   </p:cSld>
@@ -8826,7 +8877,13 @@
       </p:grpSpPr>
       <p:sp>
         <p:nvSpPr>
-          <p:cNvPr id="2" name="Title 1"/>
+          <p:cNvPr id="2" name="Title 1">
+            <a:extLst>
+              <a:ext uri="{FF2B5EF4-FFF2-40B4-BE49-F238E27FC236}">
+                <a16:creationId xmlns:a16="http://schemas.microsoft.com/office/drawing/2014/main" id="{9EAA80A2-4F5D-4E38-BA58-1E1864288533}"/>
+              </a:ext>
+            </a:extLst>
+          </p:cNvPr>
           <p:cNvSpPr>
             <a:spLocks noGrp="1"/>
           </p:cNvSpPr>
@@ -8841,14 +8898,20 @@
           <a:p>
             <a:r>
               <a:rPr lang="en-US" dirty="0"/>
-              <a:t>Communication Rules (2 of 2)</a:t>
-            </a:r>
-          </a:p>
-        </p:txBody>
-      </p:sp>
-      <p:sp>
-        <p:nvSpPr>
-          <p:cNvPr id="3" name="Content Placeholder 2"/>
+              <a:t>Communication Rules (1 of 2)</a:t>
+            </a:r>
+          </a:p>
+        </p:txBody>
+      </p:sp>
+      <p:sp>
+        <p:nvSpPr>
+          <p:cNvPr id="3" name="Content Placeholder 2">
+            <a:extLst>
+              <a:ext uri="{FF2B5EF4-FFF2-40B4-BE49-F238E27FC236}">
+                <a16:creationId xmlns:a16="http://schemas.microsoft.com/office/drawing/2014/main" id="{4F1610AB-C9A4-4D29-A95F-C1BD8000A9D6}"/>
+              </a:ext>
+            </a:extLst>
+          </p:cNvPr>
           <p:cNvSpPr>
             <a:spLocks noGrp="1"/>
           </p:cNvSpPr>
@@ -8856,129 +8919,79 @@
             <p:ph idx="1"/>
           </p:nvPr>
         </p:nvSpPr>
-        <p:spPr>
-          <a:xfrm>
-            <a:off x="609600" y="1447800"/>
-            <a:ext cx="8229600" cy="4933122"/>
-          </a:xfrm>
-        </p:spPr>
+        <p:spPr/>
         <p:txBody>
           <a:bodyPr>
-            <a:normAutofit fontScale="85000" lnSpcReduction="20000"/>
+            <a:normAutofit fontScale="92500" lnSpcReduction="10000"/>
           </a:bodyPr>
           <a:lstStyle/>
           <a:p>
-            <a:pPr>
-              <a:spcAft>
-                <a:spcPts val="1200"/>
-              </a:spcAft>
-            </a:pPr>
-            <a:r>
-              <a:rPr lang="en-US" dirty="0"/>
-              <a:t>The following communication rules apply to all CNAs (cont’d):</a:t>
-            </a:r>
-          </a:p>
-          <a:p>
-            <a:pPr lvl="1">
-              <a:spcAft>
-                <a:spcPts val="1200"/>
-              </a:spcAft>
-            </a:pPr>
-            <a:r>
-              <a:rPr lang="en-US" dirty="0"/>
-              <a:t>Notify the next higher level CNA when CVE IDs are assigned and the associated vulnerability is made public (the publication of the vulnerability can be made in any language, but the CVE ID entry must include English only; references to information related to the CVE ID in non-English languages would be included in the reference list for the CVE ID entry)</a:t>
-            </a:r>
-          </a:p>
-          <a:p>
-            <a:pPr lvl="1">
-              <a:spcAft>
-                <a:spcPts val="1200"/>
-              </a:spcAft>
-            </a:pPr>
-            <a:r>
-              <a:rPr lang="en-US" dirty="0"/>
-              <a:t>Provide CVE information to the next higher-level CNA when a CVE ID is assigned and the associated vulnerability made public </a:t>
-            </a:r>
-          </a:p>
-          <a:p>
-            <a:pPr lvl="2">
-              <a:spcAft>
-                <a:spcPts val="1200"/>
-              </a:spcAft>
-            </a:pPr>
-            <a:r>
-              <a:rPr lang="en-US" dirty="0"/>
-              <a:t>For new CVE IDs, this information includes, at a minimum, the CVE ID used, product, affected or fixed version, the problem type, references, and a description on a per-ID basis</a:t>
-            </a:r>
-          </a:p>
-          <a:p>
-            <a:pPr lvl="2">
-              <a:spcAft>
-                <a:spcPts val="1200"/>
-              </a:spcAft>
-            </a:pPr>
-            <a:r>
-              <a:rPr lang="en-US" dirty="0"/>
-              <a:t>When a CVE ID is updated, the CVE ID and data change must be included</a:t>
-            </a:r>
-          </a:p>
-          <a:p>
-            <a:pPr lvl="1">
-              <a:spcAft>
-                <a:spcPts val="1200"/>
-              </a:spcAft>
-            </a:pPr>
-            <a:r>
-              <a:rPr lang="en-US" dirty="0"/>
-              <a:t>Have an established distribution point for in-scope vulnerability disclosures that is freely available to the general public without restrictions (e.g., open websites, websites with registration and free accounts without restrictions, etc.)</a:t>
-            </a:r>
-          </a:p>
-          <a:p>
-            <a:pPr lvl="1">
-              <a:spcAft>
-                <a:spcPts val="1200"/>
-              </a:spcAft>
-            </a:pPr>
-            <a:r>
-              <a:rPr lang="en-US" dirty="0"/>
-              <a:t>Publish required CVE information in a standard format and presentation</a:t>
-            </a:r>
-          </a:p>
-          <a:p>
+            <a:r>
+              <a:rPr lang="en-US" dirty="0"/>
+              <a:t>The following communications rules apply to all CNAs:</a:t>
+            </a:r>
+          </a:p>
+          <a:p>
+            <a:pPr lvl="1"/>
+            <a:r>
+              <a:rPr lang="en-US" dirty="0"/>
+              <a:t>Provide points of contact (POCs) (e.g., email addresses, URLs, etc.) to all levels above their own</a:t>
+            </a:r>
+          </a:p>
+          <a:p>
+            <a:pPr lvl="1"/>
+            <a:r>
+              <a:rPr lang="en-US" dirty="0"/>
+              <a:t>Publish a disclosure (embargo) policy and a description of its scope </a:t>
+            </a:r>
+          </a:p>
+          <a:p>
+            <a:pPr lvl="1"/>
+            <a:r>
+              <a:rPr lang="en-US" dirty="0"/>
+              <a:t>If a CNA accepts requests from parties outside the CNA, provide a means (e.g., hyperlink, email) for the public to contact them regarding vulnerabilities. CNAs can also provide guidelines for how to communicate with them, such as language restrictions (“English-only”, “Japanese or English”, etc.). Provide the list publicly and to all levels above their own</a:t>
+            </a:r>
+          </a:p>
+          <a:p>
+            <a:pPr lvl="1"/>
+            <a:r>
+              <a:rPr lang="en-US" dirty="0"/>
+              <a:t>Be responsive to inquiries from all CNAs</a:t>
+            </a:r>
+          </a:p>
+          <a:p>
+            <a:pPr lvl="1"/>
+            <a:r>
+              <a:rPr lang="en-US" dirty="0"/>
+              <a:t>When a vulnerability is reported to the CNA and a CVE ID is assigned to that vulnerability, provide the CVE ID to the reporter. This rule does not override any embargo rules established by the CNA</a:t>
+            </a:r>
+          </a:p>
+          <a:p>
+            <a:pPr lvl="1"/>
             <a:endParaRPr lang="en-US" dirty="0"/>
           </a:p>
-        </p:txBody>
-      </p:sp>
-      <p:sp>
-        <p:nvSpPr>
-          <p:cNvPr id="4" name="Slide Number Placeholder 3"/>
-          <p:cNvSpPr>
-            <a:spLocks noGrp="1"/>
-          </p:cNvSpPr>
-          <p:nvPr>
-            <p:ph type="sldNum" sz="quarter" idx="4"/>
-          </p:nvPr>
-        </p:nvSpPr>
-        <p:spPr/>
-        <p:txBody>
-          <a:bodyPr/>
-          <a:lstStyle/>
-          <a:p>
-            <a:r>
-              <a:rPr lang="en-US" dirty="0">
-                <a:solidFill>
-                  <a:srgbClr val="C1CD23"/>
-                </a:solidFill>
-              </a:rPr>
-              <a:t>|</a:t>
-            </a:r>
+          <a:p>
+            <a:pPr lvl="1"/>
+            <a:endParaRPr lang="en-US" dirty="0"/>
+          </a:p>
+          <a:p>
+            <a:pPr lvl="1"/>
+            <a:endParaRPr lang="en-US" dirty="0"/>
+          </a:p>
+          <a:p>
+            <a:pPr lvl="1"/>
+            <a:endParaRPr lang="en-US" dirty="0"/>
+          </a:p>
+          <a:p>
+            <a:pPr lvl="1"/>
+            <a:endParaRPr lang="en-US" dirty="0"/>
           </a:p>
         </p:txBody>
       </p:sp>
     </p:spTree>
     <p:extLst>
       <p:ext uri="{BB962C8B-B14F-4D97-AF65-F5344CB8AC3E}">
-        <p14:creationId xmlns:p14="http://schemas.microsoft.com/office/powerpoint/2010/main" val="2840418134"/>
+        <p14:creationId xmlns:p14="http://schemas.microsoft.com/office/powerpoint/2010/main" val="1940010566"/>
       </p:ext>
     </p:extLst>
   </p:cSld>
@@ -9022,7 +9035,7 @@
           <a:p>
             <a:r>
               <a:rPr lang="en-US" dirty="0"/>
-              <a:t>Administration Rules</a:t>
+              <a:t>Communication Rules (2 of 2)</a:t>
             </a:r>
           </a:p>
         </p:txBody>
@@ -9037,65 +9050,92 @@
             <p:ph idx="1"/>
           </p:nvPr>
         </p:nvSpPr>
-        <p:spPr/>
+        <p:spPr>
+          <a:xfrm>
+            <a:off x="609600" y="1447800"/>
+            <a:ext cx="8229600" cy="4933122"/>
+          </a:xfrm>
+        </p:spPr>
         <p:txBody>
           <a:bodyPr>
-            <a:normAutofit/>
+            <a:normAutofit fontScale="85000" lnSpcReduction="20000"/>
           </a:bodyPr>
           <a:lstStyle/>
           <a:p>
-            <a:r>
-              <a:rPr lang="en-US" dirty="0"/>
-              <a:t>The following rules apply to all CNAs for the administration of the CVE Program:</a:t>
-            </a:r>
-          </a:p>
-          <a:p>
-            <a:pPr lvl="1"/>
-            <a:r>
-              <a:rPr lang="en-US" dirty="0"/>
-              <a:t>Operate under the CVE </a:t>
-            </a:r>
-            <a:r>
-              <a:rPr lang="en-US" dirty="0">
-                <a:hlinkClick r:id="rId2"/>
-              </a:rPr>
-              <a:t>Terms of Use</a:t>
-            </a:r>
-            <a:endParaRPr lang="en-US" dirty="0"/>
-          </a:p>
-          <a:p>
-            <a:pPr lvl="1"/>
-            <a:r>
-              <a:rPr lang="en-US" dirty="0"/>
-              <a:t>Track and provide metrics related to responsiveness to higher-level CNAs</a:t>
-            </a:r>
-          </a:p>
-          <a:p>
-            <a:pPr lvl="2"/>
-            <a:r>
-              <a:rPr lang="en-US" dirty="0"/>
-              <a:t>Responsiveness metrics are established to ensure that CNAs are responsive to different types of requests from their various communities, and in timeframes appropriate for those communities</a:t>
-            </a:r>
-          </a:p>
-          <a:p>
-            <a:pPr lvl="2"/>
-            <a:r>
-              <a:rPr lang="en-US" dirty="0"/>
-              <a:t>Metrics are provided quarterly to the next higher-level CNA </a:t>
-            </a:r>
-          </a:p>
-          <a:p>
-            <a:pPr lvl="2"/>
-            <a:r>
-              <a:rPr lang="en-US" dirty="0"/>
-              <a:t>Responsiveness metrics may vary by CNA as determined by the unique circumstances of the particular CNA community </a:t>
-            </a:r>
-          </a:p>
-          <a:p>
-            <a:pPr lvl="1"/>
-            <a:r>
-              <a:rPr lang="en-US" dirty="0"/>
-              <a:t>Provide any documentation required to adjudicate disputes to the higher-level CNA</a:t>
+            <a:pPr>
+              <a:spcAft>
+                <a:spcPts val="1200"/>
+              </a:spcAft>
+            </a:pPr>
+            <a:r>
+              <a:rPr lang="en-US" dirty="0"/>
+              <a:t>The following communication rules apply to all CNAs (cont’d):</a:t>
+            </a:r>
+          </a:p>
+          <a:p>
+            <a:pPr lvl="1">
+              <a:spcAft>
+                <a:spcPts val="1200"/>
+              </a:spcAft>
+            </a:pPr>
+            <a:r>
+              <a:rPr lang="en-US" dirty="0"/>
+              <a:t>Notify the next higher level CNA when CVE IDs are assigned and the associated vulnerability is made public (the publication of the vulnerability can be made in any language, but the CVE ID entry must include English only; references to information related to the CVE ID in non-English languages would be included in the reference list for the CVE ID entry)</a:t>
+            </a:r>
+          </a:p>
+          <a:p>
+            <a:pPr lvl="1">
+              <a:spcAft>
+                <a:spcPts val="1200"/>
+              </a:spcAft>
+            </a:pPr>
+            <a:r>
+              <a:rPr lang="en-US" dirty="0"/>
+              <a:t>Provide CVE information to the next higher-level CNA when a CVE ID is assigned and the associated vulnerability made public </a:t>
+            </a:r>
+          </a:p>
+          <a:p>
+            <a:pPr lvl="2">
+              <a:spcAft>
+                <a:spcPts val="1200"/>
+              </a:spcAft>
+            </a:pPr>
+            <a:r>
+              <a:rPr lang="en-US" dirty="0"/>
+              <a:t>For new CVE IDs, this information includes, at a minimum, the CVE ID used, product, affected or fixed version, the problem type, references, and a description on a per-ID basis</a:t>
+            </a:r>
+          </a:p>
+          <a:p>
+            <a:pPr lvl="2">
+              <a:spcAft>
+                <a:spcPts val="1200"/>
+              </a:spcAft>
+            </a:pPr>
+            <a:r>
+              <a:rPr lang="en-US" dirty="0"/>
+              <a:t>When a CVE ID is updated, the CVE ID and data change must be included</a:t>
+            </a:r>
+          </a:p>
+          <a:p>
+            <a:pPr lvl="1">
+              <a:spcAft>
+                <a:spcPts val="1200"/>
+              </a:spcAft>
+            </a:pPr>
+            <a:r>
+              <a:rPr lang="en-US" dirty="0"/>
+              <a:t>Have an established distribution point for in-scope vulnerability disclosures that is freely available to the general public without restrictions (e.g., open websites, websites with registration and free accounts without restrictions, etc.)</a:t>
+            </a:r>
+          </a:p>
+          <a:p>
+            <a:pPr lvl="1">
+              <a:spcAft>
+                <a:spcPts val="1200"/>
+              </a:spcAft>
+            </a:pPr>
+            <a:r>
+              <a:rPr lang="en-US" dirty="0"/>
+              <a:t>Publish required CVE information in a standard format and presentation</a:t>
             </a:r>
           </a:p>
           <a:p>
@@ -9132,7 +9172,7 @@
     </p:spTree>
     <p:extLst>
       <p:ext uri="{BB962C8B-B14F-4D97-AF65-F5344CB8AC3E}">
-        <p14:creationId xmlns:p14="http://schemas.microsoft.com/office/powerpoint/2010/main" val="3620328486"/>
+        <p14:creationId xmlns:p14="http://schemas.microsoft.com/office/powerpoint/2010/main" val="2840418134"/>
       </p:ext>
     </p:extLst>
   </p:cSld>
@@ -9161,13 +9201,7 @@
       </p:grpSpPr>
       <p:sp>
         <p:nvSpPr>
-          <p:cNvPr id="2" name="Title 1">
-            <a:extLst>
-              <a:ext uri="{FF2B5EF4-FFF2-40B4-BE49-F238E27FC236}">
-                <a16:creationId xmlns:a16="http://schemas.microsoft.com/office/drawing/2014/main" id="{34749829-5B39-4D22-9468-25D0F93629BD}"/>
-              </a:ext>
-            </a:extLst>
-          </p:cNvPr>
+          <p:cNvPr id="2" name="Title 1"/>
           <p:cNvSpPr>
             <a:spLocks noGrp="1"/>
           </p:cNvSpPr>
@@ -9182,20 +9216,14 @@
           <a:p>
             <a:r>
               <a:rPr lang="en-US" dirty="0"/>
-              <a:t>Additional Root CNA Rules (1 of 2)</a:t>
-            </a:r>
-          </a:p>
-        </p:txBody>
-      </p:sp>
-      <p:sp>
-        <p:nvSpPr>
-          <p:cNvPr id="3" name="Content Placeholder 2">
-            <a:extLst>
-              <a:ext uri="{FF2B5EF4-FFF2-40B4-BE49-F238E27FC236}">
-                <a16:creationId xmlns:a16="http://schemas.microsoft.com/office/drawing/2014/main" id="{0EC2D3C4-8456-4A48-A7F3-7419187E300B}"/>
-              </a:ext>
-            </a:extLst>
-          </p:cNvPr>
+              <a:t>Administration Rules</a:t>
+            </a:r>
+          </a:p>
+        </p:txBody>
+      </p:sp>
+      <p:sp>
+        <p:nvSpPr>
+          <p:cNvPr id="3" name="Content Placeholder 2"/>
           <p:cNvSpPr>
             <a:spLocks noGrp="1"/>
           </p:cNvSpPr>
@@ -9206,98 +9234,99 @@
         <p:spPr/>
         <p:txBody>
           <a:bodyPr>
-            <a:normAutofit fontScale="92500" lnSpcReduction="20000"/>
+            <a:normAutofit/>
           </a:bodyPr>
           <a:lstStyle/>
           <a:p>
             <a:r>
               <a:rPr lang="en-US" dirty="0"/>
-              <a:t>In addition to following the aforementioned rules, Root CNAs must perform the following functions:</a:t>
+              <a:t>The following rules apply to all CNAs for the administration of the CVE Program:</a:t>
             </a:r>
           </a:p>
           <a:p>
             <a:pPr lvl="1"/>
             <a:r>
               <a:rPr lang="en-US" dirty="0"/>
-              <a:t>Assignment Rules</a:t>
+              <a:t>Operate under the CVE </a:t>
+            </a:r>
+            <a:r>
+              <a:rPr lang="en-US" dirty="0">
+                <a:hlinkClick r:id="rId2"/>
+              </a:rPr>
+              <a:t>Terms of Use</a:t>
+            </a:r>
+            <a:endParaRPr lang="en-US" dirty="0"/>
+          </a:p>
+          <a:p>
+            <a:pPr lvl="1"/>
+            <a:r>
+              <a:rPr lang="en-US" dirty="0"/>
+              <a:t>Track and provide metrics related to responsiveness to higher-level CNAs</a:t>
             </a:r>
           </a:p>
           <a:p>
             <a:pPr lvl="2"/>
             <a:r>
               <a:rPr lang="en-US" dirty="0"/>
-              <a:t>Request CVE ID blocks from the Program Root CNA</a:t>
+              <a:t>Responsiveness metrics are established to ensure that CNAs are responsive to different types of requests from their various communities, and in timeframes appropriate for those communities</a:t>
             </a:r>
           </a:p>
           <a:p>
             <a:pPr lvl="2"/>
             <a:r>
               <a:rPr lang="en-US" dirty="0"/>
-              <a:t>Provide CVE ID blocks to Sub-CNAs from their CVE ID block</a:t>
+              <a:t>Metrics are provided quarterly to the next higher-level CNA </a:t>
             </a:r>
           </a:p>
           <a:p>
             <a:pPr lvl="2"/>
             <a:r>
               <a:rPr lang="en-US" dirty="0"/>
-              <a:t>Assign CVE IDs as a CNA when necessary within its scope per the CVE counting rules when none of their Sub-CNAs cover that scope</a:t>
-            </a:r>
-          </a:p>
-          <a:p>
-            <a:pPr lvl="2"/>
-            <a:r>
-              <a:rPr lang="en-US" dirty="0"/>
-              <a:t>Address CVE assignment issues from its Sub-CNAs that require escalation</a:t>
+              <a:t>Responsiveness metrics may vary by CNA as determined by the unique circumstances of the particular CNA community </a:t>
             </a:r>
           </a:p>
           <a:p>
             <a:pPr lvl="1"/>
             <a:r>
               <a:rPr lang="en-US" dirty="0"/>
-              <a:t>Communications Rules</a:t>
-            </a:r>
-          </a:p>
-          <a:p>
-            <a:pPr lvl="2"/>
-            <a:r>
-              <a:rPr lang="en-US" dirty="0"/>
-              <a:t>Notify the Program Root CNA when Sub-CNAs are established or removed</a:t>
-            </a:r>
-          </a:p>
-          <a:p>
-            <a:pPr lvl="2"/>
-            <a:r>
-              <a:rPr lang="en-US" dirty="0"/>
-              <a:t>Provide a public list of POCs and web links for each Sub-CNA in the Root CNA's domain; provide this information to the Program Root CNA</a:t>
-            </a:r>
-          </a:p>
-          <a:p>
-            <a:pPr lvl="2"/>
-            <a:r>
-              <a:rPr lang="en-US" dirty="0"/>
-              <a:t>Maintain a private list of individual POCs within each Sub-CNA for use by CNAs only; provide this information to the Program Root CNA</a:t>
-            </a:r>
-          </a:p>
-          <a:p>
-            <a:pPr lvl="2"/>
-            <a:r>
-              <a:rPr lang="en-US" dirty="0"/>
-              <a:t>Maintain a public listing of the established counting rules followed by the Root CNA and Sub-CNAs in its domain</a:t>
-            </a:r>
-          </a:p>
-          <a:p>
-            <a:pPr lvl="2"/>
+              <a:t>Provide any documentation required to adjudicate disputes to the higher-level CNA</a:t>
+            </a:r>
+          </a:p>
+          <a:p>
             <a:endParaRPr lang="en-US" dirty="0"/>
           </a:p>
-          <a:p>
-            <a:endParaRPr lang="en-US" dirty="0"/>
+        </p:txBody>
+      </p:sp>
+      <p:sp>
+        <p:nvSpPr>
+          <p:cNvPr id="4" name="Slide Number Placeholder 3"/>
+          <p:cNvSpPr>
+            <a:spLocks noGrp="1"/>
+          </p:cNvSpPr>
+          <p:nvPr>
+            <p:ph type="sldNum" sz="quarter" idx="4"/>
+          </p:nvPr>
+        </p:nvSpPr>
+        <p:spPr/>
+        <p:txBody>
+          <a:bodyPr/>
+          <a:lstStyle/>
+          <a:p>
+            <a:r>
+              <a:rPr lang="en-US" dirty="0">
+                <a:solidFill>
+                  <a:srgbClr val="C1CD23"/>
+                </a:solidFill>
+              </a:rPr>
+              <a:t>|</a:t>
+            </a:r>
           </a:p>
         </p:txBody>
       </p:sp>
     </p:spTree>
     <p:extLst>
       <p:ext uri="{BB962C8B-B14F-4D97-AF65-F5344CB8AC3E}">
-        <p14:creationId xmlns:p14="http://schemas.microsoft.com/office/powerpoint/2010/main" val="2780033417"/>
+        <p14:creationId xmlns:p14="http://schemas.microsoft.com/office/powerpoint/2010/main" val="3620328486"/>
       </p:ext>
     </p:extLst>
   </p:cSld>
@@ -9329,7 +9358,7 @@
           <p:cNvPr id="2" name="Title 1">
             <a:extLst>
               <a:ext uri="{FF2B5EF4-FFF2-40B4-BE49-F238E27FC236}">
-                <a16:creationId xmlns:a16="http://schemas.microsoft.com/office/drawing/2014/main" id="{5088A587-B5E5-4EEF-88A3-401608E70112}"/>
+                <a16:creationId xmlns:a16="http://schemas.microsoft.com/office/drawing/2014/main" id="{34749829-5B39-4D22-9468-25D0F93629BD}"/>
               </a:ext>
             </a:extLst>
           </p:cNvPr>
@@ -9347,7 +9376,7 @@
           <a:p>
             <a:r>
               <a:rPr lang="en-US" dirty="0"/>
-              <a:t>Additional Root CNA Rules (2 of 2)</a:t>
+              <a:t>Additional Root CNA Rules (1 of 2)</a:t>
             </a:r>
           </a:p>
         </p:txBody>
@@ -9357,7 +9386,7 @@
           <p:cNvPr id="3" name="Content Placeholder 2">
             <a:extLst>
               <a:ext uri="{FF2B5EF4-FFF2-40B4-BE49-F238E27FC236}">
-                <a16:creationId xmlns:a16="http://schemas.microsoft.com/office/drawing/2014/main" id="{3513BE57-ABD0-4EAA-8A19-3C01E61A8F15}"/>
+                <a16:creationId xmlns:a16="http://schemas.microsoft.com/office/drawing/2014/main" id="{0EC2D3C4-8456-4A48-A7F3-7419187E300B}"/>
               </a:ext>
             </a:extLst>
           </p:cNvPr>
@@ -9371,64 +9400,83 @@
         <p:spPr/>
         <p:txBody>
           <a:bodyPr>
-            <a:normAutofit lnSpcReduction="10000"/>
+            <a:normAutofit fontScale="92500" lnSpcReduction="20000"/>
           </a:bodyPr>
           <a:lstStyle/>
           <a:p>
+            <a:r>
+              <a:rPr lang="en-US" dirty="0"/>
+              <a:t>In addition to following the aforementioned rules, Root CNAs must perform the following functions:</a:t>
+            </a:r>
+          </a:p>
+          <a:p>
             <a:pPr lvl="1"/>
             <a:r>
               <a:rPr lang="en-US" dirty="0"/>
-              <a:t>Administration Rules</a:t>
+              <a:t>Assignment Rules</a:t>
             </a:r>
           </a:p>
           <a:p>
             <a:pPr lvl="2"/>
             <a:r>
               <a:rPr lang="en-US" dirty="0"/>
-              <a:t>Accept metrics reports from Sub-CNAs; the format and instructions for sending metrics are determined by the Root CNA</a:t>
+              <a:t>Request CVE ID blocks from the Program Root CNA</a:t>
             </a:r>
           </a:p>
           <a:p>
             <a:pPr lvl="2"/>
             <a:r>
               <a:rPr lang="en-US" dirty="0"/>
-              <a:t>Submit metrics from Sub-CNAs quarterly, within two weeks of the quarter, to the Program Root CNA; quarters are based on the calendar year</a:t>
+              <a:t>Provide CVE ID blocks to Sub-CNAs from their CVE ID block</a:t>
             </a:r>
           </a:p>
           <a:p>
             <a:pPr lvl="2"/>
             <a:r>
               <a:rPr lang="en-US" dirty="0"/>
-              <a:t>Act as an escalation and adjudication point for issue resolution for Sub-CNAs in its domain </a:t>
+              <a:t>Assign CVE IDs as a CNA when necessary within its scope per the CVE counting rules when none of their Sub-CNAs cover that scope</a:t>
             </a:r>
           </a:p>
           <a:p>
             <a:pPr lvl="2"/>
             <a:r>
               <a:rPr lang="en-US" dirty="0"/>
-              <a:t>When appropriate, apply sanctions upon any Sub-CNAs within its domain and notify the Program Root CNA; the application of sanctions should occur as a last resort</a:t>
+              <a:t>Address CVE assignment issues from its Sub-CNAs that require escalation</a:t>
+            </a:r>
+          </a:p>
+          <a:p>
+            <a:pPr lvl="1"/>
+            <a:r>
+              <a:rPr lang="en-US" dirty="0"/>
+              <a:t>Communications Rules</a:t>
             </a:r>
           </a:p>
           <a:p>
             <a:pPr lvl="2"/>
             <a:r>
               <a:rPr lang="en-US" dirty="0"/>
-              <a:t>Facilitate the enforcement of any administrative actions taken by the Program Root CNA against a Sub-CNA</a:t>
+              <a:t>Notify the Program Root CNA when Sub-CNAs are established or removed</a:t>
             </a:r>
           </a:p>
           <a:p>
             <a:pPr lvl="2"/>
             <a:r>
               <a:rPr lang="en-US" dirty="0"/>
-              <a:t>Follow the CNA Candidate Process described in Section 4 of the </a:t>
-            </a:r>
-            <a:r>
-              <a:rPr lang="en-US" i="1" dirty="0"/>
-              <a:t>CNA Rules</a:t>
-            </a:r>
-            <a:r>
-              <a:rPr lang="en-US" dirty="0"/>
-              <a:t> when adding new Sub-CNAs</a:t>
+              <a:t>Provide a public list of POCs and web links for each Sub-CNA in the Root CNA's domain; provide this information to the Program Root CNA</a:t>
+            </a:r>
+          </a:p>
+          <a:p>
+            <a:pPr lvl="2"/>
+            <a:r>
+              <a:rPr lang="en-US" dirty="0"/>
+              <a:t>Maintain a private list of individual POCs within each Sub-CNA for use by CNAs only; provide this information to the Program Root CNA</a:t>
+            </a:r>
+          </a:p>
+          <a:p>
+            <a:pPr lvl="2"/>
+            <a:r>
+              <a:rPr lang="en-US" dirty="0"/>
+              <a:t>Maintain a public listing of the established counting rules followed by the Root CNA and Sub-CNAs in its domain</a:t>
             </a:r>
           </a:p>
           <a:p>
@@ -9436,7 +9484,6 @@
             <a:endParaRPr lang="en-US" dirty="0"/>
           </a:p>
           <a:p>
-            <a:pPr lvl="2"/>
             <a:endParaRPr lang="en-US" dirty="0"/>
           </a:p>
         </p:txBody>
@@ -9444,7 +9491,7 @@
     </p:spTree>
     <p:extLst>
       <p:ext uri="{BB962C8B-B14F-4D97-AF65-F5344CB8AC3E}">
-        <p14:creationId xmlns:p14="http://schemas.microsoft.com/office/powerpoint/2010/main" val="2446127787"/>
+        <p14:creationId xmlns:p14="http://schemas.microsoft.com/office/powerpoint/2010/main" val="2780033417"/>
       </p:ext>
     </p:extLst>
   </p:cSld>
@@ -9476,7 +9523,7 @@
           <p:cNvPr id="2" name="Title 1">
             <a:extLst>
               <a:ext uri="{FF2B5EF4-FFF2-40B4-BE49-F238E27FC236}">
-                <a16:creationId xmlns:a16="http://schemas.microsoft.com/office/drawing/2014/main" id="{6278E60B-CF6D-40D7-B6DE-511B409224AC}"/>
+                <a16:creationId xmlns:a16="http://schemas.microsoft.com/office/drawing/2014/main" id="{5088A587-B5E5-4EEF-88A3-401608E70112}"/>
               </a:ext>
             </a:extLst>
           </p:cNvPr>
@@ -9489,14 +9536,12 @@
         </p:nvSpPr>
         <p:spPr/>
         <p:txBody>
-          <a:bodyPr>
-            <a:normAutofit fontScale="90000"/>
-          </a:bodyPr>
-          <a:lstStyle/>
-          <a:p>
-            <a:r>
-              <a:rPr lang="en-US" dirty="0"/>
-              <a:t>Additional Program Root CNA Rules (1 of 2)</a:t>
+          <a:bodyPr/>
+          <a:lstStyle/>
+          <a:p>
+            <a:r>
+              <a:rPr lang="en-US" dirty="0"/>
+              <a:t>Additional Root CNA Rules (2 of 2)</a:t>
             </a:r>
           </a:p>
         </p:txBody>
@@ -9506,7 +9551,7 @@
           <p:cNvPr id="3" name="Content Placeholder 2">
             <a:extLst>
               <a:ext uri="{FF2B5EF4-FFF2-40B4-BE49-F238E27FC236}">
-                <a16:creationId xmlns:a16="http://schemas.microsoft.com/office/drawing/2014/main" id="{13BBB940-9712-4828-98DB-FADE804B3CD5}"/>
+                <a16:creationId xmlns:a16="http://schemas.microsoft.com/office/drawing/2014/main" id="{3513BE57-ABD0-4EAA-8A19-3C01E61A8F15}"/>
               </a:ext>
             </a:extLst>
           </p:cNvPr>
@@ -9520,91 +9565,69 @@
         <p:spPr/>
         <p:txBody>
           <a:bodyPr>
-            <a:normAutofit fontScale="85000" lnSpcReduction="20000"/>
+            <a:normAutofit lnSpcReduction="10000"/>
           </a:bodyPr>
           <a:lstStyle/>
           <a:p>
-            <a:r>
-              <a:rPr lang="en-US" dirty="0"/>
-              <a:t>In addition to following the afore mentioned rules, the Program Root CNA must perform the following functions:</a:t>
-            </a:r>
-          </a:p>
-          <a:p>
             <a:pPr lvl="1"/>
             <a:r>
               <a:rPr lang="en-US" dirty="0"/>
-              <a:t>Assignment Rules</a:t>
+              <a:t>Administration Rules</a:t>
             </a:r>
           </a:p>
           <a:p>
             <a:pPr lvl="2"/>
             <a:r>
               <a:rPr lang="en-US" dirty="0"/>
-              <a:t>Provide CVE ID blocks to Root CNAs</a:t>
+              <a:t>Accept metrics reports from Sub-CNAs; the format and instructions for sending metrics are determined by the Root CNA</a:t>
             </a:r>
           </a:p>
           <a:p>
             <a:pPr lvl="2"/>
             <a:r>
               <a:rPr lang="en-US" dirty="0"/>
-              <a:t>Maintain the CVE List and provide that information to the public</a:t>
+              <a:t>Submit metrics from Sub-CNAs quarterly, within two weeks of the quarter, to the Program Root CNA; quarters are based on the calendar year</a:t>
             </a:r>
           </a:p>
           <a:p>
             <a:pPr lvl="2"/>
             <a:r>
               <a:rPr lang="en-US" dirty="0"/>
-              <a:t>Assign CVE IDs as a CNA when necessary, per the CVE counting rules, when no Root CNAs cover that scope </a:t>
+              <a:t>Act as an escalation and adjudication point for issue resolution for Sub-CNAs in its domain </a:t>
             </a:r>
           </a:p>
           <a:p>
             <a:pPr lvl="2"/>
             <a:r>
               <a:rPr lang="en-US" dirty="0"/>
-              <a:t>Act as the CNA of last resort for assignment issues that require escalation</a:t>
-            </a:r>
-          </a:p>
-          <a:p>
-            <a:pPr lvl="1"/>
-            <a:r>
-              <a:rPr lang="en-US" dirty="0"/>
-              <a:t>Communications Rules</a:t>
+              <a:t>When appropriate, apply sanctions upon any Sub-CNAs within its domain and notify the Program Root CNA; the application of sanctions should occur as a last resort</a:t>
             </a:r>
           </a:p>
           <a:p>
             <a:pPr lvl="2"/>
             <a:r>
               <a:rPr lang="en-US" dirty="0"/>
-              <a:t>Provide a listing of all Root CNAs and Sub-CNAs, including public points of contact and web links; obtain this information from Root CNAs</a:t>
+              <a:t>Facilitate the enforcement of any administrative actions taken by the Program Root CNA against a Sub-CNA</a:t>
             </a:r>
           </a:p>
           <a:p>
             <a:pPr lvl="2"/>
             <a:r>
               <a:rPr lang="en-US" dirty="0"/>
-              <a:t>Maintain a private list of individual POCs for each Root and Sub-CNA for use by CNAs only</a:t>
+              <a:t>Follow the CNA Candidate Process described in Section 4 of the </a:t>
+            </a:r>
+            <a:r>
+              <a:rPr lang="en-US" i="1" dirty="0"/>
+              <a:t>CNA Rules</a:t>
+            </a:r>
+            <a:r>
+              <a:rPr lang="en-US" dirty="0"/>
+              <a:t> when adding new Sub-CNAs</a:t>
             </a:r>
           </a:p>
           <a:p>
             <a:pPr lvl="2"/>
-            <a:r>
-              <a:rPr lang="en-US" dirty="0"/>
-              <a:t>Provide coordination of communication channels between Root CNAs</a:t>
-            </a:r>
-          </a:p>
-          <a:p>
-            <a:pPr lvl="2"/>
-            <a:r>
-              <a:rPr lang="en-US" dirty="0"/>
-              <a:t>Respond to inquiries by Root CNAs and Sub-CNAs in a timely manner; establish responsiveness metrics for such responsiveness</a:t>
-            </a:r>
-          </a:p>
-          <a:p>
-            <a:pPr lvl="2"/>
-            <a:r>
-              <a:rPr lang="en-US" dirty="0"/>
-              <a:t>Maintain a public listing of the established counting rules for the CVE Program</a:t>
-            </a:r>
+            <a:endParaRPr lang="en-US" dirty="0"/>
           </a:p>
           <a:p>
             <a:pPr lvl="2"/>
@@ -9615,7 +9638,7 @@
     </p:spTree>
     <p:extLst>
       <p:ext uri="{BB962C8B-B14F-4D97-AF65-F5344CB8AC3E}">
-        <p14:creationId xmlns:p14="http://schemas.microsoft.com/office/powerpoint/2010/main" val="1065196756"/>
+        <p14:creationId xmlns:p14="http://schemas.microsoft.com/office/powerpoint/2010/main" val="2446127787"/>
       </p:ext>
     </p:extLst>
   </p:cSld>
@@ -9647,7 +9670,7 @@
           <p:cNvPr id="2" name="Title 1">
             <a:extLst>
               <a:ext uri="{FF2B5EF4-FFF2-40B4-BE49-F238E27FC236}">
-                <a16:creationId xmlns:a16="http://schemas.microsoft.com/office/drawing/2014/main" id="{9C8A8935-EFD7-489B-92D1-D337BAFC458A}"/>
+                <a16:creationId xmlns:a16="http://schemas.microsoft.com/office/drawing/2014/main" id="{6278E60B-CF6D-40D7-B6DE-511B409224AC}"/>
               </a:ext>
             </a:extLst>
           </p:cNvPr>
@@ -9667,7 +9690,7 @@
           <a:p>
             <a:r>
               <a:rPr lang="en-US" dirty="0"/>
-              <a:t>Additional Program Root CNA Rules (2 of 2)</a:t>
+              <a:t>Additional Program Root CNA Rules (1 of 2)</a:t>
             </a:r>
           </a:p>
         </p:txBody>
@@ -9677,7 +9700,7 @@
           <p:cNvPr id="3" name="Content Placeholder 2">
             <a:extLst>
               <a:ext uri="{FF2B5EF4-FFF2-40B4-BE49-F238E27FC236}">
-                <a16:creationId xmlns:a16="http://schemas.microsoft.com/office/drawing/2014/main" id="{745A70A4-068B-4BEF-B02B-BCF8A8499CA8}"/>
+                <a16:creationId xmlns:a16="http://schemas.microsoft.com/office/drawing/2014/main" id="{13BBB940-9712-4828-98DB-FADE804B3CD5}"/>
               </a:ext>
             </a:extLst>
           </p:cNvPr>
@@ -9690,66 +9713,95 @@
         </p:nvSpPr>
         <p:spPr/>
         <p:txBody>
-          <a:bodyPr/>
-          <a:lstStyle/>
-          <a:p>
-            <a:r>
-              <a:rPr lang="en-US" dirty="0"/>
-              <a:t>Administration Rules</a:t>
+          <a:bodyPr>
+            <a:normAutofit fontScale="85000" lnSpcReduction="20000"/>
+          </a:bodyPr>
+          <a:lstStyle/>
+          <a:p>
+            <a:r>
+              <a:rPr lang="en-US" dirty="0"/>
+              <a:t>In addition to following the afore mentioned rules, the Program Root CNA must perform the following functions:</a:t>
             </a:r>
           </a:p>
           <a:p>
             <a:pPr lvl="1"/>
             <a:r>
               <a:rPr lang="en-US" dirty="0"/>
-              <a:t>Serve as a member, and the Board moderator, of the CVE Board</a:t>
+              <a:t>Assignment Rules</a:t>
+            </a:r>
+          </a:p>
+          <a:p>
+            <a:pPr lvl="2"/>
+            <a:r>
+              <a:rPr lang="en-US" dirty="0"/>
+              <a:t>Provide CVE ID blocks to Root CNAs</a:t>
+            </a:r>
+          </a:p>
+          <a:p>
+            <a:pPr lvl="2"/>
+            <a:r>
+              <a:rPr lang="en-US" dirty="0"/>
+              <a:t>Maintain the CVE List and provide that information to the public</a:t>
+            </a:r>
+          </a:p>
+          <a:p>
+            <a:pPr lvl="2"/>
+            <a:r>
+              <a:rPr lang="en-US" dirty="0"/>
+              <a:t>Assign CVE IDs as a CNA when necessary, per the CVE counting rules, when no Root CNAs cover that scope </a:t>
+            </a:r>
+          </a:p>
+          <a:p>
+            <a:pPr lvl="2"/>
+            <a:r>
+              <a:rPr lang="en-US" dirty="0"/>
+              <a:t>Act as the CNA of last resort for assignment issues that require escalation</a:t>
             </a:r>
           </a:p>
           <a:p>
             <a:pPr lvl="1"/>
             <a:r>
               <a:rPr lang="en-US" dirty="0"/>
-              <a:t>Accept metrics reports from Root CNAs quarterly, within one month of the calendar quarter</a:t>
-            </a:r>
-          </a:p>
-          <a:p>
-            <a:pPr lvl="1"/>
-            <a:r>
-              <a:rPr lang="en-US" dirty="0"/>
-              <a:t>Act as the final arbiter for appeals regarding CNA assignment decisions and CNA program issues</a:t>
-            </a:r>
-          </a:p>
-          <a:p>
-            <a:pPr lvl="1"/>
-            <a:r>
-              <a:rPr lang="en-US" dirty="0"/>
-              <a:t>Act as an escalation point for issue resolution should this process fail at the Root CNA level</a:t>
-            </a:r>
-          </a:p>
-          <a:p>
-            <a:pPr lvl="1"/>
-            <a:r>
-              <a:rPr lang="en-US" dirty="0"/>
-              <a:t>When appropriate, apply sanctions upon any CNA</a:t>
-            </a:r>
-          </a:p>
-          <a:p>
-            <a:pPr lvl="1"/>
-            <a:r>
-              <a:rPr lang="en-US" dirty="0"/>
-              <a:t>Follow the CNA Candidate Process described in Section 4 of the </a:t>
-            </a:r>
-            <a:r>
-              <a:rPr lang="en-US" i="1" dirty="0"/>
-              <a:t>CNA Rules </a:t>
-            </a:r>
-            <a:r>
-              <a:rPr lang="en-US" dirty="0"/>
-              <a:t>when adding new Root CNAs</a:t>
-            </a:r>
-          </a:p>
-          <a:p>
-            <a:pPr lvl="1"/>
+              <a:t>Communications Rules</a:t>
+            </a:r>
+          </a:p>
+          <a:p>
+            <a:pPr lvl="2"/>
+            <a:r>
+              <a:rPr lang="en-US" dirty="0"/>
+              <a:t>Provide a listing of all Root CNAs and Sub-CNAs, including public points of contact and web links; obtain this information from Root CNAs</a:t>
+            </a:r>
+          </a:p>
+          <a:p>
+            <a:pPr lvl="2"/>
+            <a:r>
+              <a:rPr lang="en-US" dirty="0"/>
+              <a:t>Maintain a private list of individual POCs for each Root and Sub-CNA for use by CNAs only</a:t>
+            </a:r>
+          </a:p>
+          <a:p>
+            <a:pPr lvl="2"/>
+            <a:r>
+              <a:rPr lang="en-US" dirty="0"/>
+              <a:t>Provide coordination of communication channels between Root CNAs</a:t>
+            </a:r>
+          </a:p>
+          <a:p>
+            <a:pPr lvl="2"/>
+            <a:r>
+              <a:rPr lang="en-US" dirty="0"/>
+              <a:t>Respond to inquiries by Root CNAs and Sub-CNAs in a timely manner; establish responsiveness metrics for such responsiveness</a:t>
+            </a:r>
+          </a:p>
+          <a:p>
+            <a:pPr lvl="2"/>
+            <a:r>
+              <a:rPr lang="en-US" dirty="0"/>
+              <a:t>Maintain a public listing of the established counting rules for the CVE Program</a:t>
+            </a:r>
+          </a:p>
+          <a:p>
+            <a:pPr lvl="2"/>
             <a:endParaRPr lang="en-US" dirty="0"/>
           </a:p>
         </p:txBody>
@@ -9757,7 +9809,7 @@
     </p:spTree>
     <p:extLst>
       <p:ext uri="{BB962C8B-B14F-4D97-AF65-F5344CB8AC3E}">
-        <p14:creationId xmlns:p14="http://schemas.microsoft.com/office/powerpoint/2010/main" val="3127293214"/>
+        <p14:creationId xmlns:p14="http://schemas.microsoft.com/office/powerpoint/2010/main" val="1065196756"/>
       </p:ext>
     </p:extLst>
   </p:cSld>
@@ -9915,6 +9967,148 @@
 </file>
 
 <file path=ppt/slides/slide40.xml><?xml version="1.0" encoding="utf-8"?>
+<p:sld xmlns:a="http://schemas.openxmlformats.org/drawingml/2006/main" xmlns:r="http://schemas.openxmlformats.org/officeDocument/2006/relationships" xmlns:p="http://schemas.openxmlformats.org/presentationml/2006/main">
+  <p:cSld>
+    <p:spTree>
+      <p:nvGrpSpPr>
+        <p:cNvPr id="1" name=""/>
+        <p:cNvGrpSpPr/>
+        <p:nvPr/>
+      </p:nvGrpSpPr>
+      <p:grpSpPr>
+        <a:xfrm>
+          <a:off x="0" y="0"/>
+          <a:ext cx="0" cy="0"/>
+          <a:chOff x="0" y="0"/>
+          <a:chExt cx="0" cy="0"/>
+        </a:xfrm>
+      </p:grpSpPr>
+      <p:sp>
+        <p:nvSpPr>
+          <p:cNvPr id="2" name="Title 1">
+            <a:extLst>
+              <a:ext uri="{FF2B5EF4-FFF2-40B4-BE49-F238E27FC236}">
+                <a16:creationId xmlns:a16="http://schemas.microsoft.com/office/drawing/2014/main" id="{9C8A8935-EFD7-489B-92D1-D337BAFC458A}"/>
+              </a:ext>
+            </a:extLst>
+          </p:cNvPr>
+          <p:cNvSpPr>
+            <a:spLocks noGrp="1"/>
+          </p:cNvSpPr>
+          <p:nvPr>
+            <p:ph type="title"/>
+          </p:nvPr>
+        </p:nvSpPr>
+        <p:spPr/>
+        <p:txBody>
+          <a:bodyPr>
+            <a:normAutofit fontScale="90000"/>
+          </a:bodyPr>
+          <a:lstStyle/>
+          <a:p>
+            <a:r>
+              <a:rPr lang="en-US" dirty="0"/>
+              <a:t>Additional Program Root CNA Rules (2 of 2)</a:t>
+            </a:r>
+          </a:p>
+        </p:txBody>
+      </p:sp>
+      <p:sp>
+        <p:nvSpPr>
+          <p:cNvPr id="3" name="Content Placeholder 2">
+            <a:extLst>
+              <a:ext uri="{FF2B5EF4-FFF2-40B4-BE49-F238E27FC236}">
+                <a16:creationId xmlns:a16="http://schemas.microsoft.com/office/drawing/2014/main" id="{745A70A4-068B-4BEF-B02B-BCF8A8499CA8}"/>
+              </a:ext>
+            </a:extLst>
+          </p:cNvPr>
+          <p:cNvSpPr>
+            <a:spLocks noGrp="1"/>
+          </p:cNvSpPr>
+          <p:nvPr>
+            <p:ph idx="1"/>
+          </p:nvPr>
+        </p:nvSpPr>
+        <p:spPr/>
+        <p:txBody>
+          <a:bodyPr/>
+          <a:lstStyle/>
+          <a:p>
+            <a:r>
+              <a:rPr lang="en-US" dirty="0"/>
+              <a:t>Administration Rules</a:t>
+            </a:r>
+          </a:p>
+          <a:p>
+            <a:pPr lvl="1"/>
+            <a:r>
+              <a:rPr lang="en-US" dirty="0"/>
+              <a:t>Serve as a member, and the Board moderator, of the CVE Board</a:t>
+            </a:r>
+          </a:p>
+          <a:p>
+            <a:pPr lvl="1"/>
+            <a:r>
+              <a:rPr lang="en-US" dirty="0"/>
+              <a:t>Accept metrics reports from Root CNAs quarterly, within one month of the calendar quarter</a:t>
+            </a:r>
+          </a:p>
+          <a:p>
+            <a:pPr lvl="1"/>
+            <a:r>
+              <a:rPr lang="en-US" dirty="0"/>
+              <a:t>Act as the final arbiter for appeals regarding CNA assignment decisions and CNA program issues</a:t>
+            </a:r>
+          </a:p>
+          <a:p>
+            <a:pPr lvl="1"/>
+            <a:r>
+              <a:rPr lang="en-US" dirty="0"/>
+              <a:t>Act as an escalation point for issue resolution should this process fail at the Root CNA level</a:t>
+            </a:r>
+          </a:p>
+          <a:p>
+            <a:pPr lvl="1"/>
+            <a:r>
+              <a:rPr lang="en-US" dirty="0"/>
+              <a:t>When appropriate, apply sanctions upon any CNA</a:t>
+            </a:r>
+          </a:p>
+          <a:p>
+            <a:pPr lvl="1"/>
+            <a:r>
+              <a:rPr lang="en-US" dirty="0"/>
+              <a:t>Follow the CNA Candidate Process described in Section 4 of the </a:t>
+            </a:r>
+            <a:r>
+              <a:rPr lang="en-US" i="1" dirty="0"/>
+              <a:t>CNA Rules </a:t>
+            </a:r>
+            <a:r>
+              <a:rPr lang="en-US" dirty="0"/>
+              <a:t>when adding new Root CNAs</a:t>
+            </a:r>
+          </a:p>
+          <a:p>
+            <a:pPr lvl="1"/>
+            <a:endParaRPr lang="en-US" dirty="0"/>
+          </a:p>
+        </p:txBody>
+      </p:sp>
+    </p:spTree>
+    <p:extLst>
+      <p:ext uri="{BB962C8B-B14F-4D97-AF65-F5344CB8AC3E}">
+        <p14:creationId xmlns:p14="http://schemas.microsoft.com/office/powerpoint/2010/main" val="3127293214"/>
+      </p:ext>
+    </p:extLst>
+  </p:cSld>
+  <p:clrMapOvr>
+    <a:masterClrMapping/>
+  </p:clrMapOvr>
+</p:sld>
+</file>
+
+<file path=ppt/slides/slide41.xml><?xml version="1.0" encoding="utf-8"?>
 <p:sld xmlns:a="http://schemas.openxmlformats.org/drawingml/2006/main" xmlns:r="http://schemas.openxmlformats.org/officeDocument/2006/relationships" xmlns:p="http://schemas.openxmlformats.org/presentationml/2006/main">
   <p:cSld>
     <p:spTree>
@@ -11304,6 +11498,16 @@
 
 <file path=customXml/item1.xml><?xml version="1.0" encoding="utf-8"?>
 <?mso-contentType ?>
+<customXsn xmlns="http://schemas.microsoft.com/office/2006/metadata/customXsn">
+  <xsnLocation/>
+  <cached>True</cached>
+  <openByDefault>True</openByDefault>
+  <xsnScope/>
+</customXsn>
+</file>
+
+<file path=customXml/item2.xml><?xml version="1.0" encoding="utf-8"?>
+<?mso-contentType ?>
 <FormTemplates xmlns="http://schemas.microsoft.com/sharepoint/v3/contenttype/forms">
   <Display>DocumentLibraryForm</Display>
   <Edit>DocumentLibraryForm</Edit>
@@ -11311,7 +11515,7 @@
 </FormTemplates>
 </file>
 
-<file path=customXml/item2.xml><?xml version="1.0" encoding="utf-8"?>
+<file path=customXml/item3.xml><?xml version="1.0" encoding="utf-8"?>
 <ct:contentTypeSchema xmlns:ct="http://schemas.microsoft.com/office/2006/metadata/contentType" xmlns:ma="http://schemas.microsoft.com/office/2006/metadata/properties/metaAttributes" ct:_="" ma:_="" ma:contentTypeName="MITRE Work" ma:contentTypeID="0x010100823A99C636F7423283FB0D200866C613006635D4F535B0564BA1CF28EBA6D51C69" ma:contentTypeVersion="4" ma:contentTypeDescription="Materials and documents that contain MITRE authored content and other content directly attributable to MITRE and its work" ma:contentTypeScope="" ma:versionID="a0e8e30c96128f2f9f4cf73e52721af3">
   <xsd:schema xmlns:xsd="http://www.w3.org/2001/XMLSchema" xmlns:xs="http://www.w3.org/2001/XMLSchema" xmlns:p="http://schemas.microsoft.com/office/2006/metadata/properties" xmlns:ns1="http://schemas.microsoft.com/sharepoint/v3" xmlns:ns2="http://schemas.microsoft.com/sharepoint/v3/fields" targetNamespace="http://schemas.microsoft.com/office/2006/metadata/properties" ma:root="true" ma:fieldsID="4ecced815c1fcad0d6ce5c0941b6b895" ns1:_="" ns2:_="">
     <xsd:import namespace="http://schemas.microsoft.com/sharepoint/v3"/>
@@ -11475,7 +11679,7 @@
 </ct:contentTypeSchema>
 </file>
 
-<file path=customXml/item3.xml><?xml version="1.0" encoding="utf-8"?>
+<file path=customXml/item4.xml><?xml version="1.0" encoding="utf-8"?>
 <p:properties xmlns:p="http://schemas.microsoft.com/office/2006/metadata/properties" xmlns:xsi="http://www.w3.org/2001/XMLSchema-instance" xmlns:pc="http://schemas.microsoft.com/office/infopath/2007/PartnerControls">
   <documentManagement>
     <MITRE_x0020_Sensitivity xmlns="http://schemas.microsoft.com/sharepoint/v3">Internal MITRE Information</MITRE_x0020_Sensitivity>
@@ -11485,17 +11689,15 @@
 </p:properties>
 </file>
 
-<file path=customXml/item4.xml><?xml version="1.0" encoding="utf-8"?>
-<?mso-contentType ?>
-<customXsn xmlns="http://schemas.microsoft.com/office/2006/metadata/customXsn">
-  <xsnLocation/>
-  <cached>True</cached>
-  <openByDefault>True</openByDefault>
-  <xsnScope/>
-</customXsn>
+<file path=customXml/itemProps1.xml><?xml version="1.0" encoding="utf-8"?>
+<ds:datastoreItem xmlns:ds="http://schemas.openxmlformats.org/officeDocument/2006/customXml" ds:itemID="{DA4BE8BC-21DD-494E-8FAB-B2E9DD91F2E2}">
+  <ds:schemaRefs>
+    <ds:schemaRef ds:uri="http://schemas.microsoft.com/office/2006/metadata/customXsn"/>
+  </ds:schemaRefs>
+</ds:datastoreItem>
 </file>
 
-<file path=customXml/itemProps1.xml><?xml version="1.0" encoding="utf-8"?>
+<file path=customXml/itemProps2.xml><?xml version="1.0" encoding="utf-8"?>
 <ds:datastoreItem xmlns:ds="http://schemas.openxmlformats.org/officeDocument/2006/customXml" ds:itemID="{7B6B16B2-404F-4040-9CA3-AFE4C0590207}">
   <ds:schemaRefs>
     <ds:schemaRef ds:uri="http://schemas.microsoft.com/sharepoint/v3/contenttype/forms"/>
@@ -11503,7 +11705,7 @@
 </ds:datastoreItem>
 </file>
 
-<file path=customXml/itemProps2.xml><?xml version="1.0" encoding="utf-8"?>
+<file path=customXml/itemProps3.xml><?xml version="1.0" encoding="utf-8"?>
 <ds:datastoreItem xmlns:ds="http://schemas.openxmlformats.org/officeDocument/2006/customXml" ds:itemID="{8796BF26-5B75-4DC2-9FF6-CB071673E3E7}">
   <ds:schemaRefs>
     <ds:schemaRef ds:uri="http://schemas.microsoft.com/office/2006/metadata/contentType"/>
@@ -11522,7 +11724,7 @@
 </ds:datastoreItem>
 </file>
 
-<file path=customXml/itemProps3.xml><?xml version="1.0" encoding="utf-8"?>
+<file path=customXml/itemProps4.xml><?xml version="1.0" encoding="utf-8"?>
 <ds:datastoreItem xmlns:ds="http://schemas.openxmlformats.org/officeDocument/2006/customXml" ds:itemID="{760E1BCA-B7C8-4D5D-A2B9-87067345F3DD}">
   <ds:schemaRefs>
     <ds:schemaRef ds:uri="http://purl.org/dc/dcmitype/"/>
@@ -11537,12 +11739,4 @@
     <ds:schemaRef ds:uri="http://purl.org/dc/terms/"/>
   </ds:schemaRefs>
 </ds:datastoreItem>
-</file>
-
-<file path=customXml/itemProps4.xml><?xml version="1.0" encoding="utf-8"?>
-<ds:datastoreItem xmlns:ds="http://schemas.openxmlformats.org/officeDocument/2006/customXml" ds:itemID="{DA4BE8BC-21DD-494E-8FAB-B2E9DD91F2E2}">
-  <ds:schemaRefs>
-    <ds:schemaRef ds:uri="http://schemas.microsoft.com/office/2006/metadata/customXsn"/>
-  </ds:schemaRefs>
-</ds:datastoreItem>
 </file>
--- a/docs/cna/Becoming_a_CNA.pptx
+++ b/docs/cna/Becoming_a_CNA.pptx
@@ -258,7 +258,7 @@
           <a:p>
             <a:fld id="{FD8C879B-2DAC-426D-B5B4-08F42B952A26}" type="datetimeFigureOut">
               <a:rPr lang="en-US" smtClean="0"/>
-              <a:t>2/27/2019</a:t>
+              <a:t>3/7/2019</a:t>
             </a:fld>
             <a:endParaRPr lang="en-US"/>
           </a:p>
@@ -435,7 +435,7 @@
           <a:p>
             <a:fld id="{92E54576-A3BB-48F9-891E-992E86D01A7B}" type="datetimeFigureOut">
               <a:rPr lang="en-US" smtClean="0"/>
-              <a:t>2/27/2019</a:t>
+              <a:t>3/7/2019</a:t>
             </a:fld>
             <a:endParaRPr lang="en-US"/>
           </a:p>
@@ -746,16 +746,6 @@
           <a:bodyPr/>
           <a:lstStyle/>
           <a:p>
-            <a:r>
-              <a:rPr lang="en-US" dirty="0"/>
-              <a:t>Root CNA and Primary</a:t>
-            </a:r>
-            <a:r>
-              <a:rPr lang="en-US" baseline="0" dirty="0"/>
-              <a:t> CNA are defined in Governance section.</a:t>
-            </a:r>
-          </a:p>
-          <a:p>
             <a:endParaRPr lang="en-US" dirty="0"/>
           </a:p>
         </p:txBody>
@@ -767,7 +757,7 @@
             <a:spLocks noGrp="1"/>
           </p:cNvSpPr>
           <p:nvPr>
-            <p:ph type="sldNum" sz="quarter" idx="10"/>
+            <p:ph type="sldNum" sz="quarter" idx="5"/>
           </p:nvPr>
         </p:nvSpPr>
         <p:spPr/>
@@ -775,9 +765,9 @@
           <a:bodyPr/>
           <a:lstStyle/>
           <a:p>
-            <a:fld id="{6FCCDFB8-CE1E-4CEA-A9A7-0392F69410F3}" type="slidenum">
+            <a:fld id="{D58F3C89-9E49-4851-A18A-DAECD34FD650}" type="slidenum">
               <a:rPr lang="en-US" smtClean="0"/>
-              <a:t>6</a:t>
+              <a:t>1</a:t>
             </a:fld>
             <a:endParaRPr lang="en-US"/>
           </a:p>
@@ -786,7 +776,7 @@
     </p:spTree>
     <p:extLst>
       <p:ext uri="{BB962C8B-B14F-4D97-AF65-F5344CB8AC3E}">
-        <p14:creationId xmlns:p14="http://schemas.microsoft.com/office/powerpoint/2010/main" val="3171157501"/>
+        <p14:creationId xmlns:p14="http://schemas.microsoft.com/office/powerpoint/2010/main" val="3778416268"/>
       </p:ext>
     </p:extLst>
   </p:cSld>
@@ -842,8 +832,15 @@
           <a:p>
             <a:r>
               <a:rPr lang="en-US" dirty="0"/>
-              <a:t>[1] http://cve.mitre.org/cve/request_id.html#cna_coverage.html</a:t>
-            </a:r>
+              <a:t>Root CNA and Primary</a:t>
+            </a:r>
+            <a:r>
+              <a:rPr lang="en-US" baseline="0" dirty="0"/>
+              <a:t> CNA are defined in Governance section.</a:t>
+            </a:r>
+          </a:p>
+          <a:p>
+            <a:endParaRPr lang="en-US" dirty="0"/>
           </a:p>
         </p:txBody>
       </p:sp>
@@ -862,9 +859,9 @@
           <a:bodyPr/>
           <a:lstStyle/>
           <a:p>
-            <a:fld id="{D26DA38A-5B6D-4B73-8631-E3ACB22184B3}" type="slidenum">
+            <a:fld id="{6FCCDFB8-CE1E-4CEA-A9A7-0392F69410F3}" type="slidenum">
               <a:rPr lang="en-US" smtClean="0"/>
-              <a:t>19</a:t>
+              <a:t>6</a:t>
             </a:fld>
             <a:endParaRPr lang="en-US"/>
           </a:p>
@@ -873,7 +870,7 @@
     </p:spTree>
     <p:extLst>
       <p:ext uri="{BB962C8B-B14F-4D97-AF65-F5344CB8AC3E}">
-        <p14:creationId xmlns:p14="http://schemas.microsoft.com/office/powerpoint/2010/main" val="1468028870"/>
+        <p14:creationId xmlns:p14="http://schemas.microsoft.com/office/powerpoint/2010/main" val="3171157501"/>
       </p:ext>
     </p:extLst>
   </p:cSld>
@@ -929,31 +926,7 @@
           <a:p>
             <a:r>
               <a:rPr lang="en-US" dirty="0"/>
-              <a:t>http://www.cert.org/vulnerability-analysis/vul-disclosure.cfm?</a:t>
-            </a:r>
-          </a:p>
-          <a:p>
-            <a:r>
-              <a:rPr lang="en-US" dirty="0"/>
-              <a:t>https://www.enisa.europa.eu/publications/vulnerability-disclosure/at_download/fullReport</a:t>
-            </a:r>
-          </a:p>
-          <a:p>
-            <a:r>
-              <a:rPr lang="en-US" dirty="0"/>
-              <a:t>https://www.iso.org/standard/45170.html</a:t>
-            </a:r>
-          </a:p>
-          <a:p>
-            <a:r>
-              <a:rPr lang="en-US" dirty="0"/>
-              <a:t>https://www.ntia.doc.gov/files/ntia/publications/ntia_vuln_disclosure_early_stage_template.pdf</a:t>
-            </a:r>
-          </a:p>
-          <a:p>
-            <a:r>
-              <a:rPr lang="en-US" dirty="0"/>
-              <a:t>https://github.com/bugcrowd/disclosure-policy</a:t>
+              <a:t>[1] http://cve.mitre.org/cve/request_id.html#cna_coverage.html</a:t>
             </a:r>
           </a:p>
         </p:txBody>
@@ -975,7 +948,7 @@
           <a:p>
             <a:fld id="{D26DA38A-5B6D-4B73-8631-E3ACB22184B3}" type="slidenum">
               <a:rPr lang="en-US" smtClean="0"/>
-              <a:t>21</a:t>
+              <a:t>19</a:t>
             </a:fld>
             <a:endParaRPr lang="en-US"/>
           </a:p>
@@ -984,7 +957,7 @@
     </p:spTree>
     <p:extLst>
       <p:ext uri="{BB962C8B-B14F-4D97-AF65-F5344CB8AC3E}">
-        <p14:creationId xmlns:p14="http://schemas.microsoft.com/office/powerpoint/2010/main" val="1354592552"/>
+        <p14:creationId xmlns:p14="http://schemas.microsoft.com/office/powerpoint/2010/main" val="1468028870"/>
       </p:ext>
     </p:extLst>
   </p:cSld>
@@ -1038,7 +1011,34 @@
           <a:bodyPr/>
           <a:lstStyle/>
           <a:p>
-            <a:endParaRPr lang="en-US" dirty="0"/>
+            <a:r>
+              <a:rPr lang="en-US" dirty="0"/>
+              <a:t>http://www.cert.org/vulnerability-analysis/vul-disclosure.cfm?</a:t>
+            </a:r>
+          </a:p>
+          <a:p>
+            <a:r>
+              <a:rPr lang="en-US" dirty="0"/>
+              <a:t>https://www.enisa.europa.eu/publications/vulnerability-disclosure/at_download/fullReport</a:t>
+            </a:r>
+          </a:p>
+          <a:p>
+            <a:r>
+              <a:rPr lang="en-US" dirty="0"/>
+              <a:t>https://www.iso.org/standard/45170.html</a:t>
+            </a:r>
+          </a:p>
+          <a:p>
+            <a:r>
+              <a:rPr lang="en-US" dirty="0"/>
+              <a:t>https://www.ntia.doc.gov/files/ntia/publications/ntia_vuln_disclosure_early_stage_template.pdf</a:t>
+            </a:r>
+          </a:p>
+          <a:p>
+            <a:r>
+              <a:rPr lang="en-US" dirty="0"/>
+              <a:t>https://github.com/bugcrowd/disclosure-policy</a:t>
+            </a:r>
           </a:p>
         </p:txBody>
       </p:sp>
@@ -1049,7 +1049,7 @@
             <a:spLocks noGrp="1"/>
           </p:cNvSpPr>
           <p:nvPr>
-            <p:ph type="sldNum" sz="quarter" idx="5"/>
+            <p:ph type="sldNum" sz="quarter" idx="10"/>
           </p:nvPr>
         </p:nvSpPr>
         <p:spPr/>
@@ -1059,7 +1059,7 @@
           <a:p>
             <a:fld id="{D26DA38A-5B6D-4B73-8631-E3ACB22184B3}" type="slidenum">
               <a:rPr lang="en-US" smtClean="0"/>
-              <a:t>24</a:t>
+              <a:t>21</a:t>
             </a:fld>
             <a:endParaRPr lang="en-US"/>
           </a:p>
@@ -1068,7 +1068,7 @@
     </p:spTree>
     <p:extLst>
       <p:ext uri="{BB962C8B-B14F-4D97-AF65-F5344CB8AC3E}">
-        <p14:creationId xmlns:p14="http://schemas.microsoft.com/office/powerpoint/2010/main" val="2596508430"/>
+        <p14:creationId xmlns:p14="http://schemas.microsoft.com/office/powerpoint/2010/main" val="1354592552"/>
       </p:ext>
     </p:extLst>
   </p:cSld>
@@ -1143,6 +1143,90 @@
           <a:p>
             <a:fld id="{D26DA38A-5B6D-4B73-8631-E3ACB22184B3}" type="slidenum">
               <a:rPr lang="en-US" smtClean="0"/>
+              <a:t>24</a:t>
+            </a:fld>
+            <a:endParaRPr lang="en-US"/>
+          </a:p>
+        </p:txBody>
+      </p:sp>
+    </p:spTree>
+    <p:extLst>
+      <p:ext uri="{BB962C8B-B14F-4D97-AF65-F5344CB8AC3E}">
+        <p14:creationId xmlns:p14="http://schemas.microsoft.com/office/powerpoint/2010/main" val="2596508430"/>
+      </p:ext>
+    </p:extLst>
+  </p:cSld>
+  <p:clrMapOvr>
+    <a:masterClrMapping/>
+  </p:clrMapOvr>
+</p:notes>
+</file>
+
+<file path=ppt/notesSlides/notesSlide6.xml><?xml version="1.0" encoding="utf-8"?>
+<p:notes xmlns:a="http://schemas.openxmlformats.org/drawingml/2006/main" xmlns:r="http://schemas.openxmlformats.org/officeDocument/2006/relationships" xmlns:p="http://schemas.openxmlformats.org/presentationml/2006/main">
+  <p:cSld>
+    <p:spTree>
+      <p:nvGrpSpPr>
+        <p:cNvPr id="1" name=""/>
+        <p:cNvGrpSpPr/>
+        <p:nvPr/>
+      </p:nvGrpSpPr>
+      <p:grpSpPr>
+        <a:xfrm>
+          <a:off x="0" y="0"/>
+          <a:ext cx="0" cy="0"/>
+          <a:chOff x="0" y="0"/>
+          <a:chExt cx="0" cy="0"/>
+        </a:xfrm>
+      </p:grpSpPr>
+      <p:sp>
+        <p:nvSpPr>
+          <p:cNvPr id="2" name="Slide Image Placeholder 1"/>
+          <p:cNvSpPr>
+            <a:spLocks noGrp="1" noRot="1" noChangeAspect="1"/>
+          </p:cNvSpPr>
+          <p:nvPr>
+            <p:ph type="sldImg"/>
+          </p:nvPr>
+        </p:nvSpPr>
+        <p:spPr/>
+      </p:sp>
+      <p:sp>
+        <p:nvSpPr>
+          <p:cNvPr id="3" name="Notes Placeholder 2"/>
+          <p:cNvSpPr>
+            <a:spLocks noGrp="1"/>
+          </p:cNvSpPr>
+          <p:nvPr>
+            <p:ph type="body" idx="1"/>
+          </p:nvPr>
+        </p:nvSpPr>
+        <p:spPr/>
+        <p:txBody>
+          <a:bodyPr/>
+          <a:lstStyle/>
+          <a:p>
+            <a:endParaRPr lang="en-US" dirty="0"/>
+          </a:p>
+        </p:txBody>
+      </p:sp>
+      <p:sp>
+        <p:nvSpPr>
+          <p:cNvPr id="4" name="Slide Number Placeholder 3"/>
+          <p:cNvSpPr>
+            <a:spLocks noGrp="1"/>
+          </p:cNvSpPr>
+          <p:nvPr>
+            <p:ph type="sldNum" sz="quarter" idx="5"/>
+          </p:nvPr>
+        </p:nvSpPr>
+        <p:spPr/>
+        <p:txBody>
+          <a:bodyPr/>
+          <a:lstStyle/>
+          <a:p>
+            <a:fld id="{D26DA38A-5B6D-4B73-8631-E3ACB22184B3}" type="slidenum">
+              <a:rPr lang="en-US" smtClean="0"/>
               <a:t>29</a:t>
             </a:fld>
             <a:endParaRPr lang="en-US"/>
@@ -1162,7 +1246,7 @@
 </p:notes>
 </file>
 
-<file path=ppt/notesSlides/notesSlide6.xml><?xml version="1.0" encoding="utf-8"?>
+<file path=ppt/notesSlides/notesSlide7.xml><?xml version="1.0" encoding="utf-8"?>
 <p:notes xmlns:a="http://schemas.openxmlformats.org/drawingml/2006/main" xmlns:r="http://schemas.openxmlformats.org/officeDocument/2006/relationships" xmlns:p="http://schemas.openxmlformats.org/presentationml/2006/main">
   <p:cSld>
     <p:spTree>
@@ -9103,10 +9187,7 @@
             </a:r>
           </a:p>
           <a:p>
-            <a:pPr lvl="1">
-              <a:buFont typeface="Courier New" panose="02070309020205020404" pitchFamily="49" charset="0"/>
-              <a:buChar char="o"/>
-            </a:pPr>
+            <a:pPr lvl="1"/>
             <a:r>
               <a:rPr lang="en-US" dirty="0"/>
               <a:t>For Root CNAs:</a:t>
@@ -11845,8 +11926,8 @@
         </p:nvSpPr>
         <p:spPr>
           <a:xfrm>
-            <a:off x="628152" y="1351723"/>
-            <a:ext cx="11235193" cy="4685824"/>
+            <a:off x="628153" y="1351723"/>
+            <a:ext cx="11147730" cy="4685824"/>
           </a:xfrm>
         </p:spPr>
         <p:txBody>
@@ -11855,42 +11936,44 @@
           </a:bodyPr>
           <a:lstStyle/>
           <a:p>
-            <a:pPr lvl="1"/>
+            <a:pPr marL="573088" lvl="1" indent="-344488"/>
             <a:r>
               <a:rPr lang="en-US" dirty="0"/>
               <a:t>Communications Rules</a:t>
             </a:r>
           </a:p>
           <a:p>
-            <a:pPr lvl="2"/>
+            <a:pPr marL="914400" lvl="2" indent="-230188"/>
             <a:r>
               <a:rPr lang="en-US" sz="2000" dirty="0"/>
               <a:t>Notify the Program Root CNA when Sub-CNAs are established or removed</a:t>
             </a:r>
           </a:p>
           <a:p>
-            <a:pPr lvl="2"/>
+            <a:pPr marL="914400" lvl="2" indent="-230188"/>
             <a:r>
               <a:rPr lang="en-US" sz="2000" dirty="0"/>
               <a:t>Provide a public list of POCs and web links for each Sub-CNA in the Root CNA's domain; provide this information to the Program Root CNA</a:t>
             </a:r>
           </a:p>
           <a:p>
-            <a:pPr lvl="2"/>
+            <a:pPr marL="914400" lvl="2" indent="-230188"/>
             <a:r>
               <a:rPr lang="en-US" sz="2000" dirty="0"/>
               <a:t>Maintain a private list of individual POCs within each Sub-CNA for use by CNAs only; provide this information to the Program Root CNA</a:t>
             </a:r>
           </a:p>
           <a:p>
-            <a:pPr lvl="2"/>
+            <a:pPr marL="914400" lvl="2" indent="-230188"/>
             <a:r>
               <a:rPr lang="en-US" sz="2000" dirty="0"/>
               <a:t>Maintain a public listing of the established counting rules followed by the Root CNA and Sub-CNAs in its domain</a:t>
             </a:r>
           </a:p>
           <a:p>
-            <a:pPr lvl="2"/>
+            <a:pPr marL="914400" lvl="2" indent="0">
+              <a:buNone/>
+            </a:pPr>
             <a:endParaRPr lang="en-US" dirty="0"/>
           </a:p>
           <a:p>
@@ -12219,7 +12302,7 @@
         <p:spPr>
           <a:xfrm>
             <a:off x="628153" y="1296726"/>
-            <a:ext cx="11243144" cy="4746265"/>
+            <a:ext cx="11092070" cy="4746265"/>
           </a:xfrm>
         </p:spPr>
         <p:txBody>
@@ -12228,49 +12311,49 @@
           </a:bodyPr>
           <a:lstStyle/>
           <a:p>
-            <a:pPr lvl="1"/>
+            <a:pPr marL="461963" lvl="1"/>
             <a:r>
               <a:rPr lang="en-US" dirty="0"/>
               <a:t>Administration Rules</a:t>
             </a:r>
           </a:p>
           <a:p>
-            <a:pPr lvl="2"/>
+            <a:pPr marL="914400" lvl="2" indent="-230188"/>
             <a:r>
               <a:rPr lang="en-US" sz="2000" dirty="0"/>
               <a:t>Accept metrics reports from Sub-CNAs; the format and instructions for sending metrics are determined by the Root CNA</a:t>
             </a:r>
           </a:p>
           <a:p>
-            <a:pPr lvl="2"/>
+            <a:pPr marL="914400" lvl="2" indent="-230188"/>
             <a:r>
               <a:rPr lang="en-US" sz="2000" dirty="0"/>
               <a:t>Submit metrics from Sub-CNAs quarterly, within two weeks of the quarter, to the Program Root CNA; quarters are based on the calendar year</a:t>
             </a:r>
           </a:p>
           <a:p>
-            <a:pPr lvl="2"/>
+            <a:pPr marL="914400" lvl="2" indent="-230188"/>
             <a:r>
               <a:rPr lang="en-US" sz="2000" dirty="0"/>
               <a:t>Act as an escalation and adjudication point for issue resolution for Sub-CNAs in its domain </a:t>
             </a:r>
           </a:p>
           <a:p>
-            <a:pPr lvl="2"/>
+            <a:pPr marL="914400" lvl="2" indent="-230188"/>
             <a:r>
               <a:rPr lang="en-US" sz="2000" dirty="0"/>
               <a:t>When appropriate, apply sanctions upon any Sub-CNAs within its domain and notify the Program Root CNA; the application of sanctions should occur as a last resort</a:t>
             </a:r>
           </a:p>
           <a:p>
-            <a:pPr lvl="2"/>
+            <a:pPr marL="914400" lvl="2" indent="-230188"/>
             <a:r>
               <a:rPr lang="en-US" sz="2000" dirty="0"/>
               <a:t>Facilitate the enforcement of any administrative actions taken by the Program Root CNA against a Sub-CNA</a:t>
             </a:r>
           </a:p>
           <a:p>
-            <a:pPr lvl="2"/>
+            <a:pPr marL="914400" lvl="2" indent="-230188"/>
             <a:r>
               <a:rPr lang="en-US" sz="2000" dirty="0"/>
               <a:t>Follow the CNA Candidate Process described in Section 4 of the </a:t>
@@ -12648,42 +12731,42 @@
           </a:bodyPr>
           <a:lstStyle/>
           <a:p>
-            <a:pPr lvl="1"/>
+            <a:pPr marL="461963" lvl="1"/>
             <a:r>
               <a:rPr lang="en-US" dirty="0"/>
               <a:t>Communications Rules</a:t>
             </a:r>
           </a:p>
           <a:p>
-            <a:pPr lvl="2"/>
+            <a:pPr marL="914400" lvl="2" indent="-222250"/>
             <a:r>
               <a:rPr lang="en-US" sz="2000" dirty="0"/>
               <a:t>Provide a listing of all Root CNAs and Sub-CNAs, including public points of contact and web links; obtain this information from Root CNAs</a:t>
             </a:r>
           </a:p>
           <a:p>
-            <a:pPr lvl="2"/>
+            <a:pPr marL="914400" lvl="2" indent="-222250"/>
             <a:r>
               <a:rPr lang="en-US" sz="2000" dirty="0"/>
               <a:t>Maintain a private list of individual POCs for each Root and Sub-CNA for use by CNAs only</a:t>
             </a:r>
           </a:p>
           <a:p>
-            <a:pPr lvl="2"/>
+            <a:pPr marL="914400" lvl="2" indent="-222250"/>
             <a:r>
               <a:rPr lang="en-US" sz="2000" dirty="0"/>
               <a:t>Provide coordination of communication channels between Root CNAs</a:t>
             </a:r>
           </a:p>
           <a:p>
-            <a:pPr lvl="2"/>
+            <a:pPr marL="914400" lvl="2" indent="-222250"/>
             <a:r>
               <a:rPr lang="en-US" sz="2000" dirty="0"/>
               <a:t>Respond to inquiries by Root CNAs and Sub-CNAs in a timely manner; establish responsiveness metrics for such responsiveness</a:t>
             </a:r>
           </a:p>
           <a:p>
-            <a:pPr lvl="2"/>
+            <a:pPr marL="914400" lvl="2" indent="-222250"/>
             <a:r>
               <a:rPr lang="en-US" sz="2000" dirty="0"/>
               <a:t>Maintain a public listing of the established counting rules for the CVE Program</a:t>
@@ -12838,56 +12921,57 @@
         </p:nvSpPr>
         <p:spPr>
           <a:xfrm>
-            <a:off x="1049572" y="1319917"/>
-            <a:ext cx="10797870" cy="4717629"/>
+            <a:off x="898497" y="1319917"/>
+            <a:ext cx="10948945" cy="4717629"/>
           </a:xfrm>
         </p:spPr>
         <p:txBody>
           <a:bodyPr/>
           <a:lstStyle/>
           <a:p>
+            <a:pPr marL="230188" indent="-230188"/>
             <a:r>
               <a:rPr lang="en-US" b="0" dirty="0"/>
               <a:t>Administration Rules</a:t>
             </a:r>
           </a:p>
           <a:p>
-            <a:pPr lvl="1"/>
+            <a:pPr marL="684213" lvl="1" indent="-231775"/>
             <a:r>
               <a:rPr lang="en-US" dirty="0"/>
               <a:t>Serve as a member, and the Board moderator, of the CVE Board</a:t>
             </a:r>
           </a:p>
           <a:p>
-            <a:pPr lvl="1"/>
+            <a:pPr marL="684213" lvl="1" indent="-231775"/>
             <a:r>
               <a:rPr lang="en-US" dirty="0"/>
               <a:t>Accept metrics reports from Root CNAs quarterly, within one month of the calendar quarter</a:t>
             </a:r>
           </a:p>
           <a:p>
-            <a:pPr lvl="1"/>
+            <a:pPr marL="684213" lvl="1" indent="-231775"/>
             <a:r>
               <a:rPr lang="en-US" dirty="0"/>
               <a:t>Act as the final arbiter for appeals regarding CNA assignment decisions and CNA program issues</a:t>
             </a:r>
           </a:p>
           <a:p>
-            <a:pPr lvl="1"/>
+            <a:pPr marL="684213" lvl="1" indent="-231775"/>
             <a:r>
               <a:rPr lang="en-US" dirty="0"/>
               <a:t>Act as an escalation point for issue resolution should this process fail at the Root CNA level</a:t>
             </a:r>
           </a:p>
           <a:p>
-            <a:pPr lvl="1"/>
+            <a:pPr marL="684213" lvl="1" indent="-231775"/>
             <a:r>
               <a:rPr lang="en-US" dirty="0"/>
               <a:t>When appropriate, apply sanctions upon any CNA</a:t>
             </a:r>
           </a:p>
           <a:p>
-            <a:pPr lvl="1"/>
+            <a:pPr marL="684213" lvl="1" indent="-231775"/>
             <a:r>
               <a:rPr lang="en-US" dirty="0"/>
               <a:t>Follow the CNA Candidate Process described in Section 4 of the </a:t>
@@ -12900,10 +12984,6 @@
               <a:rPr lang="en-US" dirty="0"/>
               <a:t>when adding new Root CNAs</a:t>
             </a:r>
-          </a:p>
-          <a:p>
-            <a:pPr lvl="1"/>
-            <a:endParaRPr lang="en-US" dirty="0"/>
           </a:p>
         </p:txBody>
       </p:sp>
@@ -14947,6 +15027,15 @@
 
 <file path=customXml/item1.xml><?xml version="1.0" encoding="utf-8"?>
 <?mso-contentType ?>
+<FormTemplates xmlns="http://schemas.microsoft.com/sharepoint/v3/contenttype/forms">
+  <Display>DocumentLibraryForm</Display>
+  <Edit>DocumentLibraryForm</Edit>
+  <New>DocumentLibraryForm</New>
+</FormTemplates>
+</file>
+
+<file path=customXml/item2.xml><?xml version="1.0" encoding="utf-8"?>
+<?mso-contentType ?>
 <customXsn xmlns="http://schemas.microsoft.com/office/2006/metadata/customXsn">
   <xsnLocation/>
   <cached>True</cached>
@@ -14955,16 +15044,24 @@
 </customXsn>
 </file>
 
-<file path=customXml/item2.xml><?xml version="1.0" encoding="utf-8"?>
-<?mso-contentType ?>
-<FormTemplates xmlns="http://schemas.microsoft.com/sharepoint/v3/contenttype/forms">
-  <Display>DocumentLibraryForm</Display>
-  <Edit>DocumentLibraryForm</Edit>
-  <New>DocumentLibraryForm</New>
-</FormTemplates>
+<file path=customXml/item3.xml><?xml version="1.0" encoding="utf-8"?>
+<p:properties xmlns:p="http://schemas.microsoft.com/office/2006/metadata/properties" xmlns:xsi="http://www.w3.org/2001/XMLSchema-instance" xmlns:pc="http://schemas.microsoft.com/office/infopath/2007/PartnerControls">
+  <documentManagement>
+    <MITRE_x0020_Sensitivity xmlns="http://schemas.microsoft.com/sharepoint/v3">Internal MITRE Information</MITRE_x0020_Sensitivity>
+    <SortOrder xmlns="45d44e74-5c87-4253-a1a6-fb7a2a9835a8">5</SortOrder>
+    <_Contributor xmlns="http://schemas.microsoft.com/sharepoint/v3/fields" xsi:nil="true"/>
+    <Release_x0020_Statement xmlns="http://schemas.microsoft.com/sharepoint/v3">For Internal MITRE Use</Release_x0020_Statement>
+    <Site_x0020_Page xmlns="45d44e74-5c87-4253-a1a6-fb7a2a9835a8">
+      <Value>47</Value>
+    </Site_x0020_Page>
+    <Date xmlns="45d44e74-5c87-4253-a1a6-fb7a2a9835a8" xsi:nil="true"/>
+    <IconOverlay xmlns="http://schemas.microsoft.com/sharepoint/v4" xsi:nil="true"/>
+    <DocType xmlns="45d44e74-5c87-4253-a1a6-fb7a2a9835a8">Template</DocType>
+  </documentManagement>
+</p:properties>
 </file>
 
-<file path=customXml/item3.xml><?xml version="1.0" encoding="utf-8"?>
+<file path=customXml/item4.xml><?xml version="1.0" encoding="utf-8"?>
 <ct:contentTypeSchema xmlns:ct="http://schemas.microsoft.com/office/2006/metadata/contentType" xmlns:ma="http://schemas.microsoft.com/office/2006/metadata/properties/metaAttributes" ct:_="" ma:_="" ma:contentTypeName="MITRE Work" ma:contentTypeID="0x0101001EAE5F8AE92E0443B0635AEF5BFC9F76004C6CC03BF5DC804FBBC33E4E55C06EE9" ma:contentTypeVersion="6" ma:contentTypeDescription="Materials and documents that contain MITRE authored content and other content directly attributable to MITRE and its work" ma:contentTypeScope="" ma:versionID="4ad27c3cbde4a5e69cf872f973dbc972">
   <xsd:schema xmlns:xsd="http://www.w3.org/2001/XMLSchema" xmlns:xs="http://www.w3.org/2001/XMLSchema" xmlns:p="http://schemas.microsoft.com/office/2006/metadata/properties" xmlns:ns1="http://schemas.microsoft.com/sharepoint/v3" xmlns:ns2="http://schemas.microsoft.com/sharepoint/v3/fields" xmlns:ns3="45d44e74-5c87-4253-a1a6-fb7a2a9835a8" xmlns:ns4="http://schemas.microsoft.com/sharepoint/v4" xmlns:ns5="d6dad062-3ecc-4c2a-98eb-3d03c2389ab6" targetNamespace="http://schemas.microsoft.com/office/2006/metadata/properties" ma:root="true" ma:fieldsID="8c7f8a686deeddaa67bf50c4d10033f6" ns1:_="" ns2:_="" ns3:_="" ns4:_="" ns5:_="">
     <xsd:import namespace="http://schemas.microsoft.com/sharepoint/v3"/>
@@ -15209,24 +15306,15 @@
 </ct:contentTypeSchema>
 </file>
 
-<file path=customXml/item4.xml><?xml version="1.0" encoding="utf-8"?>
-<p:properties xmlns:p="http://schemas.microsoft.com/office/2006/metadata/properties" xmlns:xsi="http://www.w3.org/2001/XMLSchema-instance" xmlns:pc="http://schemas.microsoft.com/office/infopath/2007/PartnerControls">
-  <documentManagement>
-    <MITRE_x0020_Sensitivity xmlns="http://schemas.microsoft.com/sharepoint/v3">Internal MITRE Information</MITRE_x0020_Sensitivity>
-    <SortOrder xmlns="45d44e74-5c87-4253-a1a6-fb7a2a9835a8">5</SortOrder>
-    <_Contributor xmlns="http://schemas.microsoft.com/sharepoint/v3/fields" xsi:nil="true"/>
-    <Release_x0020_Statement xmlns="http://schemas.microsoft.com/sharepoint/v3">For Internal MITRE Use</Release_x0020_Statement>
-    <Site_x0020_Page xmlns="45d44e74-5c87-4253-a1a6-fb7a2a9835a8">
-      <Value>47</Value>
-    </Site_x0020_Page>
-    <Date xmlns="45d44e74-5c87-4253-a1a6-fb7a2a9835a8" xsi:nil="true"/>
-    <IconOverlay xmlns="http://schemas.microsoft.com/sharepoint/v4" xsi:nil="true"/>
-    <DocType xmlns="45d44e74-5c87-4253-a1a6-fb7a2a9835a8">Template</DocType>
-  </documentManagement>
-</p:properties>
+<file path=customXml/itemProps1.xml><?xml version="1.0" encoding="utf-8"?>
+<ds:datastoreItem xmlns:ds="http://schemas.openxmlformats.org/officeDocument/2006/customXml" ds:itemID="{416BA5C9-2D71-4B86-AE8A-8C0D9BC5FB22}">
+  <ds:schemaRefs>
+    <ds:schemaRef ds:uri="http://schemas.microsoft.com/sharepoint/v3/contenttype/forms"/>
+  </ds:schemaRefs>
+</ds:datastoreItem>
 </file>
 
-<file path=customXml/itemProps1.xml><?xml version="1.0" encoding="utf-8"?>
+<file path=customXml/itemProps2.xml><?xml version="1.0" encoding="utf-8"?>
 <ds:datastoreItem xmlns:ds="http://schemas.openxmlformats.org/officeDocument/2006/customXml" ds:itemID="{589A4884-CA84-4BD3-BCA6-39AECD72E50D}">
   <ds:schemaRefs>
     <ds:schemaRef ds:uri="http://schemas.microsoft.com/office/2006/metadata/customXsn"/>
@@ -15234,15 +15322,27 @@
 </ds:datastoreItem>
 </file>
 
-<file path=customXml/itemProps2.xml><?xml version="1.0" encoding="utf-8"?>
-<ds:datastoreItem xmlns:ds="http://schemas.openxmlformats.org/officeDocument/2006/customXml" ds:itemID="{416BA5C9-2D71-4B86-AE8A-8C0D9BC5FB22}">
+<file path=customXml/itemProps3.xml><?xml version="1.0" encoding="utf-8"?>
+<ds:datastoreItem xmlns:ds="http://schemas.openxmlformats.org/officeDocument/2006/customXml" ds:itemID="{5450FCDD-08B1-48D8-BB50-7A17E590A5EE}">
   <ds:schemaRefs>
-    <ds:schemaRef ds:uri="http://schemas.microsoft.com/sharepoint/v3/contenttype/forms"/>
+    <ds:schemaRef ds:uri="45d44e74-5c87-4253-a1a6-fb7a2a9835a8"/>
+    <ds:schemaRef ds:uri="http://schemas.microsoft.com/office/2006/documentManagement/types"/>
+    <ds:schemaRef ds:uri="http://purl.org/dc/elements/1.1/"/>
+    <ds:schemaRef ds:uri="http://schemas.microsoft.com/office/2006/metadata/properties"/>
+    <ds:schemaRef ds:uri="http://schemas.microsoft.com/office/infopath/2007/PartnerControls"/>
+    <ds:schemaRef ds:uri="http://schemas.openxmlformats.org/package/2006/metadata/core-properties"/>
+    <ds:schemaRef ds:uri="http://schemas.microsoft.com/sharepoint/v3"/>
+    <ds:schemaRef ds:uri="http://schemas.microsoft.com/sharepoint/v4"/>
+    <ds:schemaRef ds:uri="http://purl.org/dc/terms/"/>
+    <ds:schemaRef ds:uri="d6dad062-3ecc-4c2a-98eb-3d03c2389ab6"/>
+    <ds:schemaRef ds:uri="http://schemas.microsoft.com/sharepoint/v3/fields"/>
+    <ds:schemaRef ds:uri="http://www.w3.org/XML/1998/namespace"/>
+    <ds:schemaRef ds:uri="http://purl.org/dc/dcmitype/"/>
   </ds:schemaRefs>
 </ds:datastoreItem>
 </file>
 
-<file path=customXml/itemProps3.xml><?xml version="1.0" encoding="utf-8"?>
+<file path=customXml/itemProps4.xml><?xml version="1.0" encoding="utf-8"?>
 <ds:datastoreItem xmlns:ds="http://schemas.openxmlformats.org/officeDocument/2006/customXml" ds:itemID="{E3E4C7FE-9143-4635-B164-5CEF7469C30A}">
   <ds:schemaRefs>
     <ds:schemaRef ds:uri="http://schemas.microsoft.com/office/2006/metadata/contentType"/>
@@ -15262,24 +15362,4 @@
     <ds:schemaRef ds:uri="http://schemas.microsoft.com/internal/obd"/>
   </ds:schemaRefs>
 </ds:datastoreItem>
-</file>
-
-<file path=customXml/itemProps4.xml><?xml version="1.0" encoding="utf-8"?>
-<ds:datastoreItem xmlns:ds="http://schemas.openxmlformats.org/officeDocument/2006/customXml" ds:itemID="{5450FCDD-08B1-48D8-BB50-7A17E590A5EE}">
-  <ds:schemaRefs>
-    <ds:schemaRef ds:uri="45d44e74-5c87-4253-a1a6-fb7a2a9835a8"/>
-    <ds:schemaRef ds:uri="http://schemas.microsoft.com/office/2006/documentManagement/types"/>
-    <ds:schemaRef ds:uri="http://purl.org/dc/elements/1.1/"/>
-    <ds:schemaRef ds:uri="http://schemas.microsoft.com/office/2006/metadata/properties"/>
-    <ds:schemaRef ds:uri="http://schemas.microsoft.com/office/infopath/2007/PartnerControls"/>
-    <ds:schemaRef ds:uri="http://schemas.openxmlformats.org/package/2006/metadata/core-properties"/>
-    <ds:schemaRef ds:uri="http://schemas.microsoft.com/sharepoint/v3"/>
-    <ds:schemaRef ds:uri="http://schemas.microsoft.com/sharepoint/v4"/>
-    <ds:schemaRef ds:uri="http://purl.org/dc/terms/"/>
-    <ds:schemaRef ds:uri="d6dad062-3ecc-4c2a-98eb-3d03c2389ab6"/>
-    <ds:schemaRef ds:uri="http://schemas.microsoft.com/sharepoint/v3/fields"/>
-    <ds:schemaRef ds:uri="http://www.w3.org/XML/1998/namespace"/>
-    <ds:schemaRef ds:uri="http://purl.org/dc/dcmitype/"/>
-  </ds:schemaRefs>
-</ds:datastoreItem>
 </file>
--- a/docs/cna/Becoming_a_CNA.pptx
+++ b/docs/cna/Becoming_a_CNA.pptx
@@ -258,7 +258,7 @@
           <a:p>
             <a:fld id="{FD8C879B-2DAC-426D-B5B4-08F42B952A26}" type="datetimeFigureOut">
               <a:rPr lang="en-US" smtClean="0"/>
-              <a:t>3/7/2019</a:t>
+              <a:t>5/14/2019</a:t>
             </a:fld>
             <a:endParaRPr lang="en-US"/>
           </a:p>
@@ -435,7 +435,7 @@
           <a:p>
             <a:fld id="{92E54576-A3BB-48F9-891E-992E86D01A7B}" type="datetimeFigureOut">
               <a:rPr lang="en-US" smtClean="0"/>
-              <a:t>3/7/2019</a:t>
+              <a:t>5/14/2019</a:t>
             </a:fld>
             <a:endParaRPr lang="en-US"/>
           </a:p>
@@ -1744,8 +1744,8 @@
         </p:nvSpPr>
         <p:spPr bwMode="auto">
           <a:xfrm>
-            <a:off x="3229897" y="6327030"/>
-            <a:ext cx="8379332" cy="415498"/>
+            <a:off x="2960016" y="6327030"/>
+            <a:ext cx="8649213" cy="415498"/>
           </a:xfrm>
           <a:prstGeom prst="rect">
             <a:avLst/>
@@ -1776,60 +1776,88 @@
             </a:r>
             <a:r>
               <a:rPr lang="en-US" sz="1050" dirty="0">
-                <a:latin typeface="Helvetica LT Std"/>
-                <a:hlinkClick r:id="rId3"/>
-              </a:rPr>
-              <a:t>NSD</a:t>
+                <a:solidFill>
+                  <a:srgbClr val="000000"/>
+                </a:solidFill>
+                <a:effectLst/>
+                <a:latin typeface="Verdana" panose="020B0604030504040204" pitchFamily="34" charset="0"/>
+                <a:ea typeface="Calibri" panose="020F0502020204030204" pitchFamily="34" charset="0"/>
+                <a:cs typeface="Times New Roman" panose="02020603050405020304" pitchFamily="18" charset="0"/>
+              </a:rPr>
+              <a:t>the </a:t>
+            </a:r>
+            <a:r>
+              <a:rPr lang="en-US" sz="1050" u="sng" dirty="0">
+                <a:solidFill>
+                  <a:srgbClr val="4472C4"/>
+                </a:solidFill>
+                <a:effectLst/>
+                <a:latin typeface="Verdana" panose="020B0604030504040204" pitchFamily="34" charset="0"/>
+                <a:ea typeface="Calibri" panose="020F0502020204030204" pitchFamily="34" charset="0"/>
+                <a:cs typeface="Times New Roman" panose="02020603050405020304" pitchFamily="18" charset="0"/>
+                <a:hlinkClick r:id="rId3">
+                  <a:extLst>
+                    <a:ext uri="{A12FA001-AC4F-418D-AE19-62706E023703}">
+                      <ahyp:hlinkClr xmlns:ahyp="http://schemas.microsoft.com/office/drawing/2018/hyperlinkcolor" val="tx"/>
+                    </a:ext>
+                  </a:extLst>
+                </a:hlinkClick>
+              </a:rPr>
+              <a:t>U.S. Department of Homeland Security</a:t>
+            </a:r>
+            <a:r>
+              <a:rPr lang="en-US" sz="1050" dirty="0">
+                <a:solidFill>
+                  <a:srgbClr val="000000"/>
+                </a:solidFill>
+                <a:effectLst/>
+                <a:latin typeface="Verdana" panose="020B0604030504040204" pitchFamily="34" charset="0"/>
+                <a:ea typeface="Calibri" panose="020F0502020204030204" pitchFamily="34" charset="0"/>
+                <a:cs typeface="Times New Roman" panose="02020603050405020304" pitchFamily="18" charset="0"/>
+              </a:rPr>
+              <a:t> (DHS) </a:t>
+            </a:r>
+            <a:r>
+              <a:rPr lang="en-US" sz="1050" u="sng" dirty="0">
+                <a:solidFill>
+                  <a:srgbClr val="4472C4"/>
+                </a:solidFill>
+                <a:effectLst/>
+                <a:latin typeface="Verdana" panose="020B0604030504040204" pitchFamily="34" charset="0"/>
+                <a:ea typeface="Calibri" panose="020F0502020204030204" pitchFamily="34" charset="0"/>
+                <a:cs typeface="Times New Roman" panose="02020603050405020304" pitchFamily="18" charset="0"/>
+                <a:hlinkClick r:id="rId4">
+                  <a:extLst>
+                    <a:ext uri="{A12FA001-AC4F-418D-AE19-62706E023703}">
+                      <ahyp:hlinkClr xmlns:ahyp="http://schemas.microsoft.com/office/drawing/2018/hyperlinkcolor" val="tx"/>
+                    </a:ext>
+                  </a:extLst>
+                </a:hlinkClick>
+              </a:rPr>
+              <a:t>Cybersecurity and Infrastructure Security Agency</a:t>
+            </a:r>
+            <a:r>
+              <a:rPr lang="en-US" sz="1050" dirty="0">
+                <a:solidFill>
+                  <a:srgbClr val="000000"/>
+                </a:solidFill>
+                <a:effectLst/>
+                <a:latin typeface="Verdana" panose="020B0604030504040204" pitchFamily="34" charset="0"/>
+                <a:ea typeface="Calibri" panose="020F0502020204030204" pitchFamily="34" charset="0"/>
+                <a:cs typeface="Times New Roman" panose="02020603050405020304" pitchFamily="18" charset="0"/>
+              </a:rPr>
+              <a:t> (CISA)</a:t>
             </a:r>
             <a:r>
               <a:rPr lang="en-US" sz="1050" dirty="0">
                 <a:latin typeface="Helvetica LT Std"/>
               </a:rPr>
-              <a:t>, </a:t>
-            </a:r>
-            <a:r>
-              <a:rPr lang="en-US" sz="1050" dirty="0">
-                <a:latin typeface="Helvetica LT Std"/>
-                <a:hlinkClick r:id="rId4"/>
-              </a:rPr>
-              <a:t>NCCIC</a:t>
-            </a:r>
-            <a:r>
-              <a:rPr lang="en-US" sz="1050" dirty="0">
-                <a:latin typeface="Helvetica LT Std"/>
-              </a:rPr>
-              <a:t> in </a:t>
+              <a:t>. Copyright © 1999–2019, </a:t>
             </a:r>
             <a:r>
               <a:rPr lang="en-US" sz="1050" dirty="0">
                 <a:latin typeface="Helvetica LT Std"/>
                 <a:hlinkClick r:id="rId5"/>
-              </a:rPr>
-              <a:t>CISA</a:t>
-            </a:r>
-            <a:r>
-              <a:rPr lang="en-US" sz="1050" dirty="0">
-                <a:latin typeface="Helvetica LT Std"/>
-              </a:rPr>
-              <a:t>’s Cybersecurity Division at the </a:t>
-            </a:r>
-            <a:r>
-              <a:rPr lang="en-US" sz="1050" dirty="0">
-                <a:latin typeface="Helvetica LT Std"/>
-                <a:hlinkClick r:id="rId6"/>
-              </a:rPr>
-              <a:t>U.S. Department of Homeland Security</a:t>
-            </a:r>
-            <a:r>
-              <a:rPr lang="en-US" sz="1050" dirty="0">
-                <a:latin typeface="Helvetica LT Std"/>
-              </a:rPr>
-              <a:t>. Copyright © 1999–2019, </a:t>
-            </a:r>
-            <a:r>
-              <a:rPr lang="en-US" sz="1050" dirty="0">
-                <a:latin typeface="Helvetica LT Std"/>
-                <a:hlinkClick r:id="rId7"/>
               </a:rPr>
               <a:t>The MITRE Corporation</a:t>
             </a:r>
@@ -2232,8 +2260,8 @@
         </p:nvSpPr>
         <p:spPr bwMode="auto">
           <a:xfrm>
-            <a:off x="3229897" y="6327030"/>
-            <a:ext cx="8379332" cy="415498"/>
+            <a:off x="2969443" y="6327030"/>
+            <a:ext cx="8639786" cy="415498"/>
           </a:xfrm>
           <a:prstGeom prst="rect">
             <a:avLst/>
@@ -2264,60 +2292,88 @@
             </a:r>
             <a:r>
               <a:rPr lang="en-US" sz="1050" dirty="0">
-                <a:latin typeface="Helvetica LT Std"/>
-                <a:hlinkClick r:id="rId3"/>
-              </a:rPr>
-              <a:t>NSD</a:t>
+                <a:solidFill>
+                  <a:srgbClr val="000000"/>
+                </a:solidFill>
+                <a:effectLst/>
+                <a:latin typeface="Verdana" panose="020B0604030504040204" pitchFamily="34" charset="0"/>
+                <a:ea typeface="Calibri" panose="020F0502020204030204" pitchFamily="34" charset="0"/>
+                <a:cs typeface="Times New Roman" panose="02020603050405020304" pitchFamily="18" charset="0"/>
+              </a:rPr>
+              <a:t>the </a:t>
+            </a:r>
+            <a:r>
+              <a:rPr lang="en-US" sz="1050" u="sng" dirty="0">
+                <a:solidFill>
+                  <a:srgbClr val="4472C4"/>
+                </a:solidFill>
+                <a:effectLst/>
+                <a:latin typeface="Verdana" panose="020B0604030504040204" pitchFamily="34" charset="0"/>
+                <a:ea typeface="Calibri" panose="020F0502020204030204" pitchFamily="34" charset="0"/>
+                <a:cs typeface="Times New Roman" panose="02020603050405020304" pitchFamily="18" charset="0"/>
+                <a:hlinkClick r:id="rId3">
+                  <a:extLst>
+                    <a:ext uri="{A12FA001-AC4F-418D-AE19-62706E023703}">
+                      <ahyp:hlinkClr xmlns:ahyp="http://schemas.microsoft.com/office/drawing/2018/hyperlinkcolor" val="tx"/>
+                    </a:ext>
+                  </a:extLst>
+                </a:hlinkClick>
+              </a:rPr>
+              <a:t>U.S. Department of Homeland Security</a:t>
+            </a:r>
+            <a:r>
+              <a:rPr lang="en-US" sz="1050" dirty="0">
+                <a:solidFill>
+                  <a:srgbClr val="000000"/>
+                </a:solidFill>
+                <a:effectLst/>
+                <a:latin typeface="Verdana" panose="020B0604030504040204" pitchFamily="34" charset="0"/>
+                <a:ea typeface="Calibri" panose="020F0502020204030204" pitchFamily="34" charset="0"/>
+                <a:cs typeface="Times New Roman" panose="02020603050405020304" pitchFamily="18" charset="0"/>
+              </a:rPr>
+              <a:t> (DHS) </a:t>
+            </a:r>
+            <a:r>
+              <a:rPr lang="en-US" sz="1050" u="sng" dirty="0">
+                <a:solidFill>
+                  <a:srgbClr val="4472C4"/>
+                </a:solidFill>
+                <a:effectLst/>
+                <a:latin typeface="Verdana" panose="020B0604030504040204" pitchFamily="34" charset="0"/>
+                <a:ea typeface="Calibri" panose="020F0502020204030204" pitchFamily="34" charset="0"/>
+                <a:cs typeface="Times New Roman" panose="02020603050405020304" pitchFamily="18" charset="0"/>
+                <a:hlinkClick r:id="rId4">
+                  <a:extLst>
+                    <a:ext uri="{A12FA001-AC4F-418D-AE19-62706E023703}">
+                      <ahyp:hlinkClr xmlns:ahyp="http://schemas.microsoft.com/office/drawing/2018/hyperlinkcolor" val="tx"/>
+                    </a:ext>
+                  </a:extLst>
+                </a:hlinkClick>
+              </a:rPr>
+              <a:t>Cybersecurity and Infrastructure Security Agency</a:t>
+            </a:r>
+            <a:r>
+              <a:rPr lang="en-US" sz="1050" dirty="0">
+                <a:solidFill>
+                  <a:srgbClr val="000000"/>
+                </a:solidFill>
+                <a:effectLst/>
+                <a:latin typeface="Verdana" panose="020B0604030504040204" pitchFamily="34" charset="0"/>
+                <a:ea typeface="Calibri" panose="020F0502020204030204" pitchFamily="34" charset="0"/>
+                <a:cs typeface="Times New Roman" panose="02020603050405020304" pitchFamily="18" charset="0"/>
+              </a:rPr>
+              <a:t> (CISA)</a:t>
             </a:r>
             <a:r>
               <a:rPr lang="en-US" sz="1050" dirty="0">
                 <a:latin typeface="Helvetica LT Std"/>
               </a:rPr>
-              <a:t>, </a:t>
-            </a:r>
-            <a:r>
-              <a:rPr lang="en-US" sz="1050" dirty="0">
-                <a:latin typeface="Helvetica LT Std"/>
-                <a:hlinkClick r:id="rId4"/>
-              </a:rPr>
-              <a:t>NCCIC</a:t>
-            </a:r>
-            <a:r>
-              <a:rPr lang="en-US" sz="1050" dirty="0">
-                <a:latin typeface="Helvetica LT Std"/>
-              </a:rPr>
-              <a:t> in </a:t>
+              <a:t>. Copyright © 1999–2019, </a:t>
             </a:r>
             <a:r>
               <a:rPr lang="en-US" sz="1050" dirty="0">
                 <a:latin typeface="Helvetica LT Std"/>
                 <a:hlinkClick r:id="rId5"/>
-              </a:rPr>
-              <a:t>CISA</a:t>
-            </a:r>
-            <a:r>
-              <a:rPr lang="en-US" sz="1050" dirty="0">
-                <a:latin typeface="Helvetica LT Std"/>
-              </a:rPr>
-              <a:t>’s Cybersecurity Division at the </a:t>
-            </a:r>
-            <a:r>
-              <a:rPr lang="en-US" sz="1050" dirty="0">
-                <a:latin typeface="Helvetica LT Std"/>
-                <a:hlinkClick r:id="rId6"/>
-              </a:rPr>
-              <a:t>U.S. Department of Homeland Security</a:t>
-            </a:r>
-            <a:r>
-              <a:rPr lang="en-US" sz="1050" dirty="0">
-                <a:latin typeface="Helvetica LT Std"/>
-              </a:rPr>
-              <a:t>. Copyright © 1999–2019, </a:t>
-            </a:r>
-            <a:r>
-              <a:rPr lang="en-US" sz="1050" dirty="0">
-                <a:latin typeface="Helvetica LT Std"/>
-                <a:hlinkClick r:id="rId7"/>
               </a:rPr>
               <a:t>The MITRE Corporation</a:t>
             </a:r>
@@ -2935,8 +2991,8 @@
         </p:nvSpPr>
         <p:spPr bwMode="auto">
           <a:xfrm>
-            <a:off x="3229897" y="6327030"/>
-            <a:ext cx="8379332" cy="415498"/>
+            <a:off x="2969443" y="6327030"/>
+            <a:ext cx="8639786" cy="415498"/>
           </a:xfrm>
           <a:prstGeom prst="rect">
             <a:avLst/>
@@ -2967,60 +3023,88 @@
             </a:r>
             <a:r>
               <a:rPr lang="en-US" sz="1050" dirty="0">
-                <a:latin typeface="Helvetica LT Std"/>
-                <a:hlinkClick r:id="rId3"/>
-              </a:rPr>
-              <a:t>NSD</a:t>
+                <a:solidFill>
+                  <a:srgbClr val="000000"/>
+                </a:solidFill>
+                <a:effectLst/>
+                <a:latin typeface="Verdana" panose="020B0604030504040204" pitchFamily="34" charset="0"/>
+                <a:ea typeface="Calibri" panose="020F0502020204030204" pitchFamily="34" charset="0"/>
+                <a:cs typeface="Times New Roman" panose="02020603050405020304" pitchFamily="18" charset="0"/>
+              </a:rPr>
+              <a:t>the </a:t>
+            </a:r>
+            <a:r>
+              <a:rPr lang="en-US" sz="1050" u="sng" dirty="0">
+                <a:solidFill>
+                  <a:srgbClr val="4472C4"/>
+                </a:solidFill>
+                <a:effectLst/>
+                <a:latin typeface="Verdana" panose="020B0604030504040204" pitchFamily="34" charset="0"/>
+                <a:ea typeface="Calibri" panose="020F0502020204030204" pitchFamily="34" charset="0"/>
+                <a:cs typeface="Times New Roman" panose="02020603050405020304" pitchFamily="18" charset="0"/>
+                <a:hlinkClick r:id="rId3">
+                  <a:extLst>
+                    <a:ext uri="{A12FA001-AC4F-418D-AE19-62706E023703}">
+                      <ahyp:hlinkClr xmlns:ahyp="http://schemas.microsoft.com/office/drawing/2018/hyperlinkcolor" val="tx"/>
+                    </a:ext>
+                  </a:extLst>
+                </a:hlinkClick>
+              </a:rPr>
+              <a:t>U.S. Department of Homeland Security</a:t>
+            </a:r>
+            <a:r>
+              <a:rPr lang="en-US" sz="1050" dirty="0">
+                <a:solidFill>
+                  <a:srgbClr val="000000"/>
+                </a:solidFill>
+                <a:effectLst/>
+                <a:latin typeface="Verdana" panose="020B0604030504040204" pitchFamily="34" charset="0"/>
+                <a:ea typeface="Calibri" panose="020F0502020204030204" pitchFamily="34" charset="0"/>
+                <a:cs typeface="Times New Roman" panose="02020603050405020304" pitchFamily="18" charset="0"/>
+              </a:rPr>
+              <a:t> (DHS) </a:t>
+            </a:r>
+            <a:r>
+              <a:rPr lang="en-US" sz="1050" u="sng" dirty="0">
+                <a:solidFill>
+                  <a:srgbClr val="4472C4"/>
+                </a:solidFill>
+                <a:effectLst/>
+                <a:latin typeface="Verdana" panose="020B0604030504040204" pitchFamily="34" charset="0"/>
+                <a:ea typeface="Calibri" panose="020F0502020204030204" pitchFamily="34" charset="0"/>
+                <a:cs typeface="Times New Roman" panose="02020603050405020304" pitchFamily="18" charset="0"/>
+                <a:hlinkClick r:id="rId4">
+                  <a:extLst>
+                    <a:ext uri="{A12FA001-AC4F-418D-AE19-62706E023703}">
+                      <ahyp:hlinkClr xmlns:ahyp="http://schemas.microsoft.com/office/drawing/2018/hyperlinkcolor" val="tx"/>
+                    </a:ext>
+                  </a:extLst>
+                </a:hlinkClick>
+              </a:rPr>
+              <a:t>Cybersecurity and Infrastructure Security Agency</a:t>
+            </a:r>
+            <a:r>
+              <a:rPr lang="en-US" sz="1050" dirty="0">
+                <a:solidFill>
+                  <a:srgbClr val="000000"/>
+                </a:solidFill>
+                <a:effectLst/>
+                <a:latin typeface="Verdana" panose="020B0604030504040204" pitchFamily="34" charset="0"/>
+                <a:ea typeface="Calibri" panose="020F0502020204030204" pitchFamily="34" charset="0"/>
+                <a:cs typeface="Times New Roman" panose="02020603050405020304" pitchFamily="18" charset="0"/>
+              </a:rPr>
+              <a:t> (CISA)</a:t>
             </a:r>
             <a:r>
               <a:rPr lang="en-US" sz="1050" dirty="0">
                 <a:latin typeface="Helvetica LT Std"/>
               </a:rPr>
-              <a:t>, </a:t>
-            </a:r>
-            <a:r>
-              <a:rPr lang="en-US" sz="1050" dirty="0">
-                <a:latin typeface="Helvetica LT Std"/>
-                <a:hlinkClick r:id="rId4"/>
-              </a:rPr>
-              <a:t>NCCIC</a:t>
-            </a:r>
-            <a:r>
-              <a:rPr lang="en-US" sz="1050" dirty="0">
-                <a:latin typeface="Helvetica LT Std"/>
-              </a:rPr>
-              <a:t> in </a:t>
+              <a:t>. Copyright © 1999–2019, </a:t>
             </a:r>
             <a:r>
               <a:rPr lang="en-US" sz="1050" dirty="0">
                 <a:latin typeface="Helvetica LT Std"/>
                 <a:hlinkClick r:id="rId5"/>
-              </a:rPr>
-              <a:t>CISA</a:t>
-            </a:r>
-            <a:r>
-              <a:rPr lang="en-US" sz="1050" dirty="0">
-                <a:latin typeface="Helvetica LT Std"/>
-              </a:rPr>
-              <a:t>’s Cybersecurity Division at the </a:t>
-            </a:r>
-            <a:r>
-              <a:rPr lang="en-US" sz="1050" dirty="0">
-                <a:latin typeface="Helvetica LT Std"/>
-                <a:hlinkClick r:id="rId6"/>
-              </a:rPr>
-              <a:t>U.S. Department of Homeland Security</a:t>
-            </a:r>
-            <a:r>
-              <a:rPr lang="en-US" sz="1050" dirty="0">
-                <a:latin typeface="Helvetica LT Std"/>
-              </a:rPr>
-              <a:t>. Copyright © 1999–2019, </a:t>
-            </a:r>
-            <a:r>
-              <a:rPr lang="en-US" sz="1050" dirty="0">
-                <a:latin typeface="Helvetica LT Std"/>
-                <a:hlinkClick r:id="rId7"/>
               </a:rPr>
               <a:t>The MITRE Corporation</a:t>
             </a:r>
@@ -3437,8 +3521,8 @@
         </p:nvSpPr>
         <p:spPr bwMode="auto">
           <a:xfrm>
-            <a:off x="3229897" y="6327030"/>
-            <a:ext cx="8379332" cy="415498"/>
+            <a:off x="2969443" y="6327030"/>
+            <a:ext cx="8639786" cy="415498"/>
           </a:xfrm>
           <a:prstGeom prst="rect">
             <a:avLst/>
@@ -3469,60 +3553,88 @@
             </a:r>
             <a:r>
               <a:rPr lang="en-US" sz="1050" dirty="0">
-                <a:latin typeface="Helvetica LT Std"/>
-                <a:hlinkClick r:id="rId3"/>
-              </a:rPr>
-              <a:t>NSD</a:t>
+                <a:solidFill>
+                  <a:srgbClr val="000000"/>
+                </a:solidFill>
+                <a:effectLst/>
+                <a:latin typeface="Verdana" panose="020B0604030504040204" pitchFamily="34" charset="0"/>
+                <a:ea typeface="Calibri" panose="020F0502020204030204" pitchFamily="34" charset="0"/>
+                <a:cs typeface="Times New Roman" panose="02020603050405020304" pitchFamily="18" charset="0"/>
+              </a:rPr>
+              <a:t>the </a:t>
+            </a:r>
+            <a:r>
+              <a:rPr lang="en-US" sz="1050" u="sng" dirty="0">
+                <a:solidFill>
+                  <a:srgbClr val="4472C4"/>
+                </a:solidFill>
+                <a:effectLst/>
+                <a:latin typeface="Verdana" panose="020B0604030504040204" pitchFamily="34" charset="0"/>
+                <a:ea typeface="Calibri" panose="020F0502020204030204" pitchFamily="34" charset="0"/>
+                <a:cs typeface="Times New Roman" panose="02020603050405020304" pitchFamily="18" charset="0"/>
+                <a:hlinkClick r:id="rId3">
+                  <a:extLst>
+                    <a:ext uri="{A12FA001-AC4F-418D-AE19-62706E023703}">
+                      <ahyp:hlinkClr xmlns:ahyp="http://schemas.microsoft.com/office/drawing/2018/hyperlinkcolor" val="tx"/>
+                    </a:ext>
+                  </a:extLst>
+                </a:hlinkClick>
+              </a:rPr>
+              <a:t>U.S. Department of Homeland Security</a:t>
+            </a:r>
+            <a:r>
+              <a:rPr lang="en-US" sz="1050" dirty="0">
+                <a:solidFill>
+                  <a:srgbClr val="000000"/>
+                </a:solidFill>
+                <a:effectLst/>
+                <a:latin typeface="Verdana" panose="020B0604030504040204" pitchFamily="34" charset="0"/>
+                <a:ea typeface="Calibri" panose="020F0502020204030204" pitchFamily="34" charset="0"/>
+                <a:cs typeface="Times New Roman" panose="02020603050405020304" pitchFamily="18" charset="0"/>
+              </a:rPr>
+              <a:t> (DHS) </a:t>
+            </a:r>
+            <a:r>
+              <a:rPr lang="en-US" sz="1050" u="sng" dirty="0">
+                <a:solidFill>
+                  <a:srgbClr val="4472C4"/>
+                </a:solidFill>
+                <a:effectLst/>
+                <a:latin typeface="Verdana" panose="020B0604030504040204" pitchFamily="34" charset="0"/>
+                <a:ea typeface="Calibri" panose="020F0502020204030204" pitchFamily="34" charset="0"/>
+                <a:cs typeface="Times New Roman" panose="02020603050405020304" pitchFamily="18" charset="0"/>
+                <a:hlinkClick r:id="rId4">
+                  <a:extLst>
+                    <a:ext uri="{A12FA001-AC4F-418D-AE19-62706E023703}">
+                      <ahyp:hlinkClr xmlns:ahyp="http://schemas.microsoft.com/office/drawing/2018/hyperlinkcolor" val="tx"/>
+                    </a:ext>
+                  </a:extLst>
+                </a:hlinkClick>
+              </a:rPr>
+              <a:t>Cybersecurity and Infrastructure Security Agency</a:t>
+            </a:r>
+            <a:r>
+              <a:rPr lang="en-US" sz="1050" dirty="0">
+                <a:solidFill>
+                  <a:srgbClr val="000000"/>
+                </a:solidFill>
+                <a:effectLst/>
+                <a:latin typeface="Verdana" panose="020B0604030504040204" pitchFamily="34" charset="0"/>
+                <a:ea typeface="Calibri" panose="020F0502020204030204" pitchFamily="34" charset="0"/>
+                <a:cs typeface="Times New Roman" panose="02020603050405020304" pitchFamily="18" charset="0"/>
+              </a:rPr>
+              <a:t> (CISA)</a:t>
             </a:r>
             <a:r>
               <a:rPr lang="en-US" sz="1050" dirty="0">
                 <a:latin typeface="Helvetica LT Std"/>
               </a:rPr>
-              <a:t>, </a:t>
-            </a:r>
-            <a:r>
-              <a:rPr lang="en-US" sz="1050" dirty="0">
-                <a:latin typeface="Helvetica LT Std"/>
-                <a:hlinkClick r:id="rId4"/>
-              </a:rPr>
-              <a:t>NCCIC</a:t>
-            </a:r>
-            <a:r>
-              <a:rPr lang="en-US" sz="1050" dirty="0">
-                <a:latin typeface="Helvetica LT Std"/>
-              </a:rPr>
-              <a:t> in </a:t>
+              <a:t>. Copyright © 1999–2019, </a:t>
             </a:r>
             <a:r>
               <a:rPr lang="en-US" sz="1050" dirty="0">
                 <a:latin typeface="Helvetica LT Std"/>
                 <a:hlinkClick r:id="rId5"/>
-              </a:rPr>
-              <a:t>CISA</a:t>
-            </a:r>
-            <a:r>
-              <a:rPr lang="en-US" sz="1050" dirty="0">
-                <a:latin typeface="Helvetica LT Std"/>
-              </a:rPr>
-              <a:t>’s Cybersecurity Division at the </a:t>
-            </a:r>
-            <a:r>
-              <a:rPr lang="en-US" sz="1050" dirty="0">
-                <a:latin typeface="Helvetica LT Std"/>
-                <a:hlinkClick r:id="rId6"/>
-              </a:rPr>
-              <a:t>U.S. Department of Homeland Security</a:t>
-            </a:r>
-            <a:r>
-              <a:rPr lang="en-US" sz="1050" dirty="0">
-                <a:latin typeface="Helvetica LT Std"/>
-              </a:rPr>
-              <a:t>. Copyright © 1999–2019, </a:t>
-            </a:r>
-            <a:r>
-              <a:rPr lang="en-US" sz="1050" dirty="0">
-                <a:latin typeface="Helvetica LT Std"/>
-                <a:hlinkClick r:id="rId7"/>
               </a:rPr>
               <a:t>The MITRE Corporation</a:t>
             </a:r>
@@ -3701,8 +3813,8 @@
         </p:nvSpPr>
         <p:spPr bwMode="auto">
           <a:xfrm>
-            <a:off x="3229897" y="6327030"/>
-            <a:ext cx="8379332" cy="415498"/>
+            <a:off x="2941163" y="6327030"/>
+            <a:ext cx="8668066" cy="415498"/>
           </a:xfrm>
           <a:prstGeom prst="rect">
             <a:avLst/>
@@ -3733,60 +3845,88 @@
             </a:r>
             <a:r>
               <a:rPr lang="en-US" sz="1050" dirty="0">
-                <a:latin typeface="Helvetica LT Std"/>
-                <a:hlinkClick r:id="rId3"/>
-              </a:rPr>
-              <a:t>NSD</a:t>
+                <a:solidFill>
+                  <a:srgbClr val="000000"/>
+                </a:solidFill>
+                <a:effectLst/>
+                <a:latin typeface="Verdana" panose="020B0604030504040204" pitchFamily="34" charset="0"/>
+                <a:ea typeface="Calibri" panose="020F0502020204030204" pitchFamily="34" charset="0"/>
+                <a:cs typeface="Times New Roman" panose="02020603050405020304" pitchFamily="18" charset="0"/>
+              </a:rPr>
+              <a:t>the </a:t>
+            </a:r>
+            <a:r>
+              <a:rPr lang="en-US" sz="1050" u="sng" dirty="0">
+                <a:solidFill>
+                  <a:srgbClr val="4472C4"/>
+                </a:solidFill>
+                <a:effectLst/>
+                <a:latin typeface="Verdana" panose="020B0604030504040204" pitchFamily="34" charset="0"/>
+                <a:ea typeface="Calibri" panose="020F0502020204030204" pitchFamily="34" charset="0"/>
+                <a:cs typeface="Times New Roman" panose="02020603050405020304" pitchFamily="18" charset="0"/>
+                <a:hlinkClick r:id="rId3">
+                  <a:extLst>
+                    <a:ext uri="{A12FA001-AC4F-418D-AE19-62706E023703}">
+                      <ahyp:hlinkClr xmlns:ahyp="http://schemas.microsoft.com/office/drawing/2018/hyperlinkcolor" val="tx"/>
+                    </a:ext>
+                  </a:extLst>
+                </a:hlinkClick>
+              </a:rPr>
+              <a:t>U.S. Department of Homeland Security</a:t>
+            </a:r>
+            <a:r>
+              <a:rPr lang="en-US" sz="1050" dirty="0">
+                <a:solidFill>
+                  <a:srgbClr val="000000"/>
+                </a:solidFill>
+                <a:effectLst/>
+                <a:latin typeface="Verdana" panose="020B0604030504040204" pitchFamily="34" charset="0"/>
+                <a:ea typeface="Calibri" panose="020F0502020204030204" pitchFamily="34" charset="0"/>
+                <a:cs typeface="Times New Roman" panose="02020603050405020304" pitchFamily="18" charset="0"/>
+              </a:rPr>
+              <a:t> (DHS) </a:t>
+            </a:r>
+            <a:r>
+              <a:rPr lang="en-US" sz="1050" u="sng" dirty="0">
+                <a:solidFill>
+                  <a:srgbClr val="4472C4"/>
+                </a:solidFill>
+                <a:effectLst/>
+                <a:latin typeface="Verdana" panose="020B0604030504040204" pitchFamily="34" charset="0"/>
+                <a:ea typeface="Calibri" panose="020F0502020204030204" pitchFamily="34" charset="0"/>
+                <a:cs typeface="Times New Roman" panose="02020603050405020304" pitchFamily="18" charset="0"/>
+                <a:hlinkClick r:id="rId4">
+                  <a:extLst>
+                    <a:ext uri="{A12FA001-AC4F-418D-AE19-62706E023703}">
+                      <ahyp:hlinkClr xmlns:ahyp="http://schemas.microsoft.com/office/drawing/2018/hyperlinkcolor" val="tx"/>
+                    </a:ext>
+                  </a:extLst>
+                </a:hlinkClick>
+              </a:rPr>
+              <a:t>Cybersecurity and Infrastructure Security Agency</a:t>
+            </a:r>
+            <a:r>
+              <a:rPr lang="en-US" sz="1050" dirty="0">
+                <a:solidFill>
+                  <a:srgbClr val="000000"/>
+                </a:solidFill>
+                <a:effectLst/>
+                <a:latin typeface="Verdana" panose="020B0604030504040204" pitchFamily="34" charset="0"/>
+                <a:ea typeface="Calibri" panose="020F0502020204030204" pitchFamily="34" charset="0"/>
+                <a:cs typeface="Times New Roman" panose="02020603050405020304" pitchFamily="18" charset="0"/>
+              </a:rPr>
+              <a:t> (CISA)</a:t>
             </a:r>
             <a:r>
               <a:rPr lang="en-US" sz="1050" dirty="0">
                 <a:latin typeface="Helvetica LT Std"/>
               </a:rPr>
-              <a:t>, </a:t>
-            </a:r>
-            <a:r>
-              <a:rPr lang="en-US" sz="1050" dirty="0">
-                <a:latin typeface="Helvetica LT Std"/>
-                <a:hlinkClick r:id="rId4"/>
-              </a:rPr>
-              <a:t>NCCIC</a:t>
-            </a:r>
-            <a:r>
-              <a:rPr lang="en-US" sz="1050" dirty="0">
-                <a:latin typeface="Helvetica LT Std"/>
-              </a:rPr>
-              <a:t> in </a:t>
+              <a:t>. Copyright © 1999–2019, </a:t>
             </a:r>
             <a:r>
               <a:rPr lang="en-US" sz="1050" dirty="0">
                 <a:latin typeface="Helvetica LT Std"/>
                 <a:hlinkClick r:id="rId5"/>
-              </a:rPr>
-              <a:t>CISA</a:t>
-            </a:r>
-            <a:r>
-              <a:rPr lang="en-US" sz="1050" dirty="0">
-                <a:latin typeface="Helvetica LT Std"/>
-              </a:rPr>
-              <a:t>’s Cybersecurity Division at the </a:t>
-            </a:r>
-            <a:r>
-              <a:rPr lang="en-US" sz="1050" dirty="0">
-                <a:latin typeface="Helvetica LT Std"/>
-                <a:hlinkClick r:id="rId6"/>
-              </a:rPr>
-              <a:t>U.S. Department of Homeland Security</a:t>
-            </a:r>
-            <a:r>
-              <a:rPr lang="en-US" sz="1050" dirty="0">
-                <a:latin typeface="Helvetica LT Std"/>
-              </a:rPr>
-              <a:t>. Copyright © 1999–2019, </a:t>
-            </a:r>
-            <a:r>
-              <a:rPr lang="en-US" sz="1050" dirty="0">
-                <a:latin typeface="Helvetica LT Std"/>
-                <a:hlinkClick r:id="rId7"/>
               </a:rPr>
               <a:t>The MITRE Corporation</a:t>
             </a:r>
@@ -4065,8 +4205,8 @@
         </p:nvSpPr>
         <p:spPr bwMode="auto">
           <a:xfrm>
-            <a:off x="3229897" y="6327030"/>
-            <a:ext cx="8379332" cy="415498"/>
+            <a:off x="2969443" y="6327030"/>
+            <a:ext cx="8639786" cy="415498"/>
           </a:xfrm>
           <a:prstGeom prst="rect">
             <a:avLst/>
@@ -4097,60 +4237,88 @@
             </a:r>
             <a:r>
               <a:rPr lang="en-US" sz="1050" dirty="0">
-                <a:latin typeface="Helvetica LT Std"/>
-                <a:hlinkClick r:id="rId3"/>
-              </a:rPr>
-              <a:t>NSD</a:t>
+                <a:solidFill>
+                  <a:srgbClr val="000000"/>
+                </a:solidFill>
+                <a:effectLst/>
+                <a:latin typeface="Verdana" panose="020B0604030504040204" pitchFamily="34" charset="0"/>
+                <a:ea typeface="Calibri" panose="020F0502020204030204" pitchFamily="34" charset="0"/>
+                <a:cs typeface="Times New Roman" panose="02020603050405020304" pitchFamily="18" charset="0"/>
+              </a:rPr>
+              <a:t>the </a:t>
+            </a:r>
+            <a:r>
+              <a:rPr lang="en-US" sz="1050" u="sng" dirty="0">
+                <a:solidFill>
+                  <a:srgbClr val="4472C4"/>
+                </a:solidFill>
+                <a:effectLst/>
+                <a:latin typeface="Verdana" panose="020B0604030504040204" pitchFamily="34" charset="0"/>
+                <a:ea typeface="Calibri" panose="020F0502020204030204" pitchFamily="34" charset="0"/>
+                <a:cs typeface="Times New Roman" panose="02020603050405020304" pitchFamily="18" charset="0"/>
+                <a:hlinkClick r:id="rId3">
+                  <a:extLst>
+                    <a:ext uri="{A12FA001-AC4F-418D-AE19-62706E023703}">
+                      <ahyp:hlinkClr xmlns:ahyp="http://schemas.microsoft.com/office/drawing/2018/hyperlinkcolor" val="tx"/>
+                    </a:ext>
+                  </a:extLst>
+                </a:hlinkClick>
+              </a:rPr>
+              <a:t>U.S. Department of Homeland Security</a:t>
+            </a:r>
+            <a:r>
+              <a:rPr lang="en-US" sz="1050" dirty="0">
+                <a:solidFill>
+                  <a:srgbClr val="000000"/>
+                </a:solidFill>
+                <a:effectLst/>
+                <a:latin typeface="Verdana" panose="020B0604030504040204" pitchFamily="34" charset="0"/>
+                <a:ea typeface="Calibri" panose="020F0502020204030204" pitchFamily="34" charset="0"/>
+                <a:cs typeface="Times New Roman" panose="02020603050405020304" pitchFamily="18" charset="0"/>
+              </a:rPr>
+              <a:t> (DHS) </a:t>
+            </a:r>
+            <a:r>
+              <a:rPr lang="en-US" sz="1050" u="sng" dirty="0">
+                <a:solidFill>
+                  <a:srgbClr val="4472C4"/>
+                </a:solidFill>
+                <a:effectLst/>
+                <a:latin typeface="Verdana" panose="020B0604030504040204" pitchFamily="34" charset="0"/>
+                <a:ea typeface="Calibri" panose="020F0502020204030204" pitchFamily="34" charset="0"/>
+                <a:cs typeface="Times New Roman" panose="02020603050405020304" pitchFamily="18" charset="0"/>
+                <a:hlinkClick r:id="rId4">
+                  <a:extLst>
+                    <a:ext uri="{A12FA001-AC4F-418D-AE19-62706E023703}">
+                      <ahyp:hlinkClr xmlns:ahyp="http://schemas.microsoft.com/office/drawing/2018/hyperlinkcolor" val="tx"/>
+                    </a:ext>
+                  </a:extLst>
+                </a:hlinkClick>
+              </a:rPr>
+              <a:t>Cybersecurity and Infrastructure Security Agency</a:t>
+            </a:r>
+            <a:r>
+              <a:rPr lang="en-US" sz="1050" dirty="0">
+                <a:solidFill>
+                  <a:srgbClr val="000000"/>
+                </a:solidFill>
+                <a:effectLst/>
+                <a:latin typeface="Verdana" panose="020B0604030504040204" pitchFamily="34" charset="0"/>
+                <a:ea typeface="Calibri" panose="020F0502020204030204" pitchFamily="34" charset="0"/>
+                <a:cs typeface="Times New Roman" panose="02020603050405020304" pitchFamily="18" charset="0"/>
+              </a:rPr>
+              <a:t> (CISA)</a:t>
             </a:r>
             <a:r>
               <a:rPr lang="en-US" sz="1050" dirty="0">
                 <a:latin typeface="Helvetica LT Std"/>
               </a:rPr>
-              <a:t>, </a:t>
-            </a:r>
-            <a:r>
-              <a:rPr lang="en-US" sz="1050" dirty="0">
-                <a:latin typeface="Helvetica LT Std"/>
-                <a:hlinkClick r:id="rId4"/>
-              </a:rPr>
-              <a:t>NCCIC</a:t>
-            </a:r>
-            <a:r>
-              <a:rPr lang="en-US" sz="1050" dirty="0">
-                <a:latin typeface="Helvetica LT Std"/>
-              </a:rPr>
-              <a:t> in </a:t>
+              <a:t>. Copyright © 1999–2019, </a:t>
             </a:r>
             <a:r>
               <a:rPr lang="en-US" sz="1050" dirty="0">
                 <a:latin typeface="Helvetica LT Std"/>
                 <a:hlinkClick r:id="rId5"/>
-              </a:rPr>
-              <a:t>CISA</a:t>
-            </a:r>
-            <a:r>
-              <a:rPr lang="en-US" sz="1050" dirty="0">
-                <a:latin typeface="Helvetica LT Std"/>
-              </a:rPr>
-              <a:t>’s Cybersecurity Division at the </a:t>
-            </a:r>
-            <a:r>
-              <a:rPr lang="en-US" sz="1050" dirty="0">
-                <a:latin typeface="Helvetica LT Std"/>
-                <a:hlinkClick r:id="rId6"/>
-              </a:rPr>
-              <a:t>U.S. Department of Homeland Security</a:t>
-            </a:r>
-            <a:r>
-              <a:rPr lang="en-US" sz="1050" dirty="0">
-                <a:latin typeface="Helvetica LT Std"/>
-              </a:rPr>
-              <a:t>. Copyright © 1999–2019, </a:t>
-            </a:r>
-            <a:r>
-              <a:rPr lang="en-US" sz="1050" dirty="0">
-                <a:latin typeface="Helvetica LT Std"/>
-                <a:hlinkClick r:id="rId7"/>
               </a:rPr>
               <a:t>The MITRE Corporation</a:t>
             </a:r>
@@ -4329,8 +4497,8 @@
         </p:nvSpPr>
         <p:spPr bwMode="auto">
           <a:xfrm>
-            <a:off x="3229897" y="6327030"/>
-            <a:ext cx="8379332" cy="415498"/>
+            <a:off x="2960016" y="6327030"/>
+            <a:ext cx="8649213" cy="415498"/>
           </a:xfrm>
           <a:prstGeom prst="rect">
             <a:avLst/>
@@ -4361,60 +4529,88 @@
             </a:r>
             <a:r>
               <a:rPr lang="en-US" sz="1050" dirty="0">
-                <a:latin typeface="Helvetica LT Std"/>
-                <a:hlinkClick r:id="rId3"/>
-              </a:rPr>
-              <a:t>NSD</a:t>
+                <a:solidFill>
+                  <a:srgbClr val="000000"/>
+                </a:solidFill>
+                <a:effectLst/>
+                <a:latin typeface="Verdana" panose="020B0604030504040204" pitchFamily="34" charset="0"/>
+                <a:ea typeface="Calibri" panose="020F0502020204030204" pitchFamily="34" charset="0"/>
+                <a:cs typeface="Times New Roman" panose="02020603050405020304" pitchFamily="18" charset="0"/>
+              </a:rPr>
+              <a:t>the </a:t>
+            </a:r>
+            <a:r>
+              <a:rPr lang="en-US" sz="1050" u="sng" dirty="0">
+                <a:solidFill>
+                  <a:srgbClr val="4472C4"/>
+                </a:solidFill>
+                <a:effectLst/>
+                <a:latin typeface="Verdana" panose="020B0604030504040204" pitchFamily="34" charset="0"/>
+                <a:ea typeface="Calibri" panose="020F0502020204030204" pitchFamily="34" charset="0"/>
+                <a:cs typeface="Times New Roman" panose="02020603050405020304" pitchFamily="18" charset="0"/>
+                <a:hlinkClick r:id="rId3">
+                  <a:extLst>
+                    <a:ext uri="{A12FA001-AC4F-418D-AE19-62706E023703}">
+                      <ahyp:hlinkClr xmlns:ahyp="http://schemas.microsoft.com/office/drawing/2018/hyperlinkcolor" val="tx"/>
+                    </a:ext>
+                  </a:extLst>
+                </a:hlinkClick>
+              </a:rPr>
+              <a:t>U.S. Department of Homeland Security</a:t>
+            </a:r>
+            <a:r>
+              <a:rPr lang="en-US" sz="1050" dirty="0">
+                <a:solidFill>
+                  <a:srgbClr val="000000"/>
+                </a:solidFill>
+                <a:effectLst/>
+                <a:latin typeface="Verdana" panose="020B0604030504040204" pitchFamily="34" charset="0"/>
+                <a:ea typeface="Calibri" panose="020F0502020204030204" pitchFamily="34" charset="0"/>
+                <a:cs typeface="Times New Roman" panose="02020603050405020304" pitchFamily="18" charset="0"/>
+              </a:rPr>
+              <a:t> (DHS) </a:t>
+            </a:r>
+            <a:r>
+              <a:rPr lang="en-US" sz="1050" u="sng" dirty="0">
+                <a:solidFill>
+                  <a:srgbClr val="4472C4"/>
+                </a:solidFill>
+                <a:effectLst/>
+                <a:latin typeface="Verdana" panose="020B0604030504040204" pitchFamily="34" charset="0"/>
+                <a:ea typeface="Calibri" panose="020F0502020204030204" pitchFamily="34" charset="0"/>
+                <a:cs typeface="Times New Roman" panose="02020603050405020304" pitchFamily="18" charset="0"/>
+                <a:hlinkClick r:id="rId4">
+                  <a:extLst>
+                    <a:ext uri="{A12FA001-AC4F-418D-AE19-62706E023703}">
+                      <ahyp:hlinkClr xmlns:ahyp="http://schemas.microsoft.com/office/drawing/2018/hyperlinkcolor" val="tx"/>
+                    </a:ext>
+                  </a:extLst>
+                </a:hlinkClick>
+              </a:rPr>
+              <a:t>Cybersecurity and Infrastructure Security Agency</a:t>
+            </a:r>
+            <a:r>
+              <a:rPr lang="en-US" sz="1050" dirty="0">
+                <a:solidFill>
+                  <a:srgbClr val="000000"/>
+                </a:solidFill>
+                <a:effectLst/>
+                <a:latin typeface="Verdana" panose="020B0604030504040204" pitchFamily="34" charset="0"/>
+                <a:ea typeface="Calibri" panose="020F0502020204030204" pitchFamily="34" charset="0"/>
+                <a:cs typeface="Times New Roman" panose="02020603050405020304" pitchFamily="18" charset="0"/>
+              </a:rPr>
+              <a:t> (CISA)</a:t>
             </a:r>
             <a:r>
               <a:rPr lang="en-US" sz="1050" dirty="0">
                 <a:latin typeface="Helvetica LT Std"/>
               </a:rPr>
-              <a:t>, </a:t>
-            </a:r>
-            <a:r>
-              <a:rPr lang="en-US" sz="1050" dirty="0">
-                <a:latin typeface="Helvetica LT Std"/>
-                <a:hlinkClick r:id="rId4"/>
-              </a:rPr>
-              <a:t>NCCIC</a:t>
-            </a:r>
-            <a:r>
-              <a:rPr lang="en-US" sz="1050" dirty="0">
-                <a:latin typeface="Helvetica LT Std"/>
-              </a:rPr>
-              <a:t> in </a:t>
+              <a:t>. Copyright © 1999–2019, </a:t>
             </a:r>
             <a:r>
               <a:rPr lang="en-US" sz="1050" dirty="0">
                 <a:latin typeface="Helvetica LT Std"/>
                 <a:hlinkClick r:id="rId5"/>
-              </a:rPr>
-              <a:t>CISA</a:t>
-            </a:r>
-            <a:r>
-              <a:rPr lang="en-US" sz="1050" dirty="0">
-                <a:latin typeface="Helvetica LT Std"/>
-              </a:rPr>
-              <a:t>’s Cybersecurity Division at the </a:t>
-            </a:r>
-            <a:r>
-              <a:rPr lang="en-US" sz="1050" dirty="0">
-                <a:latin typeface="Helvetica LT Std"/>
-                <a:hlinkClick r:id="rId6"/>
-              </a:rPr>
-              <a:t>U.S. Department of Homeland Security</a:t>
-            </a:r>
-            <a:r>
-              <a:rPr lang="en-US" sz="1050" dirty="0">
-                <a:latin typeface="Helvetica LT Std"/>
-              </a:rPr>
-              <a:t>. Copyright © 1999–2019, </a:t>
-            </a:r>
-            <a:r>
-              <a:rPr lang="en-US" sz="1050" dirty="0">
-                <a:latin typeface="Helvetica LT Std"/>
-                <a:hlinkClick r:id="rId7"/>
               </a:rPr>
               <a:t>The MITRE Corporation</a:t>
             </a:r>
@@ -5265,8 +5461,8 @@
         </p:nvSpPr>
         <p:spPr bwMode="auto">
           <a:xfrm>
-            <a:off x="3229897" y="6327030"/>
-            <a:ext cx="8379332" cy="415498"/>
+            <a:off x="2960016" y="6327030"/>
+            <a:ext cx="8649213" cy="415498"/>
           </a:xfrm>
           <a:prstGeom prst="rect">
             <a:avLst/>
@@ -5297,60 +5493,88 @@
             </a:r>
             <a:r>
               <a:rPr lang="en-US" sz="1050" dirty="0">
-                <a:latin typeface="Helvetica LT Std"/>
-                <a:hlinkClick r:id="rId3"/>
-              </a:rPr>
-              <a:t>NSD</a:t>
+                <a:solidFill>
+                  <a:srgbClr val="000000"/>
+                </a:solidFill>
+                <a:effectLst/>
+                <a:latin typeface="Verdana" panose="020B0604030504040204" pitchFamily="34" charset="0"/>
+                <a:ea typeface="Calibri" panose="020F0502020204030204" pitchFamily="34" charset="0"/>
+                <a:cs typeface="Times New Roman" panose="02020603050405020304" pitchFamily="18" charset="0"/>
+              </a:rPr>
+              <a:t>the </a:t>
+            </a:r>
+            <a:r>
+              <a:rPr lang="en-US" sz="1050" u="sng" dirty="0">
+                <a:solidFill>
+                  <a:srgbClr val="4472C4"/>
+                </a:solidFill>
+                <a:effectLst/>
+                <a:latin typeface="Verdana" panose="020B0604030504040204" pitchFamily="34" charset="0"/>
+                <a:ea typeface="Calibri" panose="020F0502020204030204" pitchFamily="34" charset="0"/>
+                <a:cs typeface="Times New Roman" panose="02020603050405020304" pitchFamily="18" charset="0"/>
+                <a:hlinkClick r:id="rId3">
+                  <a:extLst>
+                    <a:ext uri="{A12FA001-AC4F-418D-AE19-62706E023703}">
+                      <ahyp:hlinkClr xmlns:ahyp="http://schemas.microsoft.com/office/drawing/2018/hyperlinkcolor" val="tx"/>
+                    </a:ext>
+                  </a:extLst>
+                </a:hlinkClick>
+              </a:rPr>
+              <a:t>U.S. Department of Homeland Security</a:t>
+            </a:r>
+            <a:r>
+              <a:rPr lang="en-US" sz="1050" dirty="0">
+                <a:solidFill>
+                  <a:srgbClr val="000000"/>
+                </a:solidFill>
+                <a:effectLst/>
+                <a:latin typeface="Verdana" panose="020B0604030504040204" pitchFamily="34" charset="0"/>
+                <a:ea typeface="Calibri" panose="020F0502020204030204" pitchFamily="34" charset="0"/>
+                <a:cs typeface="Times New Roman" panose="02020603050405020304" pitchFamily="18" charset="0"/>
+              </a:rPr>
+              <a:t> (DHS) </a:t>
+            </a:r>
+            <a:r>
+              <a:rPr lang="en-US" sz="1050" u="sng" dirty="0">
+                <a:solidFill>
+                  <a:srgbClr val="4472C4"/>
+                </a:solidFill>
+                <a:effectLst/>
+                <a:latin typeface="Verdana" panose="020B0604030504040204" pitchFamily="34" charset="0"/>
+                <a:ea typeface="Calibri" panose="020F0502020204030204" pitchFamily="34" charset="0"/>
+                <a:cs typeface="Times New Roman" panose="02020603050405020304" pitchFamily="18" charset="0"/>
+                <a:hlinkClick r:id="rId4">
+                  <a:extLst>
+                    <a:ext uri="{A12FA001-AC4F-418D-AE19-62706E023703}">
+                      <ahyp:hlinkClr xmlns:ahyp="http://schemas.microsoft.com/office/drawing/2018/hyperlinkcolor" val="tx"/>
+                    </a:ext>
+                  </a:extLst>
+                </a:hlinkClick>
+              </a:rPr>
+              <a:t>Cybersecurity and Infrastructure Security Agency</a:t>
+            </a:r>
+            <a:r>
+              <a:rPr lang="en-US" sz="1050" dirty="0">
+                <a:solidFill>
+                  <a:srgbClr val="000000"/>
+                </a:solidFill>
+                <a:effectLst/>
+                <a:latin typeface="Verdana" panose="020B0604030504040204" pitchFamily="34" charset="0"/>
+                <a:ea typeface="Calibri" panose="020F0502020204030204" pitchFamily="34" charset="0"/>
+                <a:cs typeface="Times New Roman" panose="02020603050405020304" pitchFamily="18" charset="0"/>
+              </a:rPr>
+              <a:t> (CISA)</a:t>
             </a:r>
             <a:r>
               <a:rPr lang="en-US" sz="1050" dirty="0">
                 <a:latin typeface="Helvetica LT Std"/>
               </a:rPr>
-              <a:t>, </a:t>
-            </a:r>
-            <a:r>
-              <a:rPr lang="en-US" sz="1050" dirty="0">
-                <a:latin typeface="Helvetica LT Std"/>
-                <a:hlinkClick r:id="rId4"/>
-              </a:rPr>
-              <a:t>NCCIC</a:t>
-            </a:r>
-            <a:r>
-              <a:rPr lang="en-US" sz="1050" dirty="0">
-                <a:latin typeface="Helvetica LT Std"/>
-              </a:rPr>
-              <a:t> in </a:t>
+              <a:t>. Copyright © 1999–2019, </a:t>
             </a:r>
             <a:r>
               <a:rPr lang="en-US" sz="1050" dirty="0">
                 <a:latin typeface="Helvetica LT Std"/>
                 <a:hlinkClick r:id="rId5"/>
-              </a:rPr>
-              <a:t>CISA</a:t>
-            </a:r>
-            <a:r>
-              <a:rPr lang="en-US" sz="1050" dirty="0">
-                <a:latin typeface="Helvetica LT Std"/>
-              </a:rPr>
-              <a:t>’s Cybersecurity Division at the </a:t>
-            </a:r>
-            <a:r>
-              <a:rPr lang="en-US" sz="1050" dirty="0">
-                <a:latin typeface="Helvetica LT Std"/>
-                <a:hlinkClick r:id="rId6"/>
-              </a:rPr>
-              <a:t>U.S. Department of Homeland Security</a:t>
-            </a:r>
-            <a:r>
-              <a:rPr lang="en-US" sz="1050" dirty="0">
-                <a:latin typeface="Helvetica LT Std"/>
-              </a:rPr>
-              <a:t>. Copyright © 1999–2019, </a:t>
-            </a:r>
-            <a:r>
-              <a:rPr lang="en-US" sz="1050" dirty="0">
-                <a:latin typeface="Helvetica LT Std"/>
-                <a:hlinkClick r:id="rId7"/>
               </a:rPr>
               <a:t>The MITRE Corporation</a:t>
             </a:r>
@@ -15027,15 +15251,6 @@
 
 <file path=customXml/item1.xml><?xml version="1.0" encoding="utf-8"?>
 <?mso-contentType ?>
-<FormTemplates xmlns="http://schemas.microsoft.com/sharepoint/v3/contenttype/forms">
-  <Display>DocumentLibraryForm</Display>
-  <Edit>DocumentLibraryForm</Edit>
-  <New>DocumentLibraryForm</New>
-</FormTemplates>
-</file>
-
-<file path=customXml/item2.xml><?xml version="1.0" encoding="utf-8"?>
-<?mso-contentType ?>
 <customXsn xmlns="http://schemas.microsoft.com/office/2006/metadata/customXsn">
   <xsnLocation/>
   <cached>True</cached>
@@ -15044,24 +15259,7 @@
 </customXsn>
 </file>
 
-<file path=customXml/item3.xml><?xml version="1.0" encoding="utf-8"?>
-<p:properties xmlns:p="http://schemas.microsoft.com/office/2006/metadata/properties" xmlns:xsi="http://www.w3.org/2001/XMLSchema-instance" xmlns:pc="http://schemas.microsoft.com/office/infopath/2007/PartnerControls">
-  <documentManagement>
-    <MITRE_x0020_Sensitivity xmlns="http://schemas.microsoft.com/sharepoint/v3">Internal MITRE Information</MITRE_x0020_Sensitivity>
-    <SortOrder xmlns="45d44e74-5c87-4253-a1a6-fb7a2a9835a8">5</SortOrder>
-    <_Contributor xmlns="http://schemas.microsoft.com/sharepoint/v3/fields" xsi:nil="true"/>
-    <Release_x0020_Statement xmlns="http://schemas.microsoft.com/sharepoint/v3">For Internal MITRE Use</Release_x0020_Statement>
-    <Site_x0020_Page xmlns="45d44e74-5c87-4253-a1a6-fb7a2a9835a8">
-      <Value>47</Value>
-    </Site_x0020_Page>
-    <Date xmlns="45d44e74-5c87-4253-a1a6-fb7a2a9835a8" xsi:nil="true"/>
-    <IconOverlay xmlns="http://schemas.microsoft.com/sharepoint/v4" xsi:nil="true"/>
-    <DocType xmlns="45d44e74-5c87-4253-a1a6-fb7a2a9835a8">Template</DocType>
-  </documentManagement>
-</p:properties>
-</file>
-
-<file path=customXml/item4.xml><?xml version="1.0" encoding="utf-8"?>
+<file path=customXml/item2.xml><?xml version="1.0" encoding="utf-8"?>
 <ct:contentTypeSchema xmlns:ct="http://schemas.microsoft.com/office/2006/metadata/contentType" xmlns:ma="http://schemas.microsoft.com/office/2006/metadata/properties/metaAttributes" ct:_="" ma:_="" ma:contentTypeName="MITRE Work" ma:contentTypeID="0x0101001EAE5F8AE92E0443B0635AEF5BFC9F76004C6CC03BF5DC804FBBC33E4E55C06EE9" ma:contentTypeVersion="6" ma:contentTypeDescription="Materials and documents that contain MITRE authored content and other content directly attributable to MITRE and its work" ma:contentTypeScope="" ma:versionID="4ad27c3cbde4a5e69cf872f973dbc972">
   <xsd:schema xmlns:xsd="http://www.w3.org/2001/XMLSchema" xmlns:xs="http://www.w3.org/2001/XMLSchema" xmlns:p="http://schemas.microsoft.com/office/2006/metadata/properties" xmlns:ns1="http://schemas.microsoft.com/sharepoint/v3" xmlns:ns2="http://schemas.microsoft.com/sharepoint/v3/fields" xmlns:ns3="45d44e74-5c87-4253-a1a6-fb7a2a9835a8" xmlns:ns4="http://schemas.microsoft.com/sharepoint/v4" xmlns:ns5="d6dad062-3ecc-4c2a-98eb-3d03c2389ab6" targetNamespace="http://schemas.microsoft.com/office/2006/metadata/properties" ma:root="true" ma:fieldsID="8c7f8a686deeddaa67bf50c4d10033f6" ns1:_="" ns2:_="" ns3:_="" ns4:_="" ns5:_="">
     <xsd:import namespace="http://schemas.microsoft.com/sharepoint/v3"/>
@@ -15306,18 +15504,58 @@
 </ct:contentTypeSchema>
 </file>
 
+<file path=customXml/item3.xml><?xml version="1.0" encoding="utf-8"?>
+<p:properties xmlns:p="http://schemas.microsoft.com/office/2006/metadata/properties" xmlns:xsi="http://www.w3.org/2001/XMLSchema-instance" xmlns:pc="http://schemas.microsoft.com/office/infopath/2007/PartnerControls">
+  <documentManagement>
+    <MITRE_x0020_Sensitivity xmlns="http://schemas.microsoft.com/sharepoint/v3">Internal MITRE Information</MITRE_x0020_Sensitivity>
+    <SortOrder xmlns="45d44e74-5c87-4253-a1a6-fb7a2a9835a8">5</SortOrder>
+    <_Contributor xmlns="http://schemas.microsoft.com/sharepoint/v3/fields" xsi:nil="true"/>
+    <Release_x0020_Statement xmlns="http://schemas.microsoft.com/sharepoint/v3">For Internal MITRE Use</Release_x0020_Statement>
+    <Site_x0020_Page xmlns="45d44e74-5c87-4253-a1a6-fb7a2a9835a8">
+      <Value>47</Value>
+    </Site_x0020_Page>
+    <Date xmlns="45d44e74-5c87-4253-a1a6-fb7a2a9835a8" xsi:nil="true"/>
+    <IconOverlay xmlns="http://schemas.microsoft.com/sharepoint/v4" xsi:nil="true"/>
+    <DocType xmlns="45d44e74-5c87-4253-a1a6-fb7a2a9835a8">Template</DocType>
+  </documentManagement>
+</p:properties>
+</file>
+
+<file path=customXml/item4.xml><?xml version="1.0" encoding="utf-8"?>
+<?mso-contentType ?>
+<FormTemplates xmlns="http://schemas.microsoft.com/sharepoint/v3/contenttype/forms">
+  <Display>DocumentLibraryForm</Display>
+  <Edit>DocumentLibraryForm</Edit>
+  <New>DocumentLibraryForm</New>
+</FormTemplates>
+</file>
+
 <file path=customXml/itemProps1.xml><?xml version="1.0" encoding="utf-8"?>
-<ds:datastoreItem xmlns:ds="http://schemas.openxmlformats.org/officeDocument/2006/customXml" ds:itemID="{416BA5C9-2D71-4B86-AE8A-8C0D9BC5FB22}">
+<ds:datastoreItem xmlns:ds="http://schemas.openxmlformats.org/officeDocument/2006/customXml" ds:itemID="{589A4884-CA84-4BD3-BCA6-39AECD72E50D}">
   <ds:schemaRefs>
-    <ds:schemaRef ds:uri="http://schemas.microsoft.com/sharepoint/v3/contenttype/forms"/>
+    <ds:schemaRef ds:uri="http://schemas.microsoft.com/office/2006/metadata/customXsn"/>
   </ds:schemaRefs>
 </ds:datastoreItem>
 </file>
 
 <file path=customXml/itemProps2.xml><?xml version="1.0" encoding="utf-8"?>
-<ds:datastoreItem xmlns:ds="http://schemas.openxmlformats.org/officeDocument/2006/customXml" ds:itemID="{589A4884-CA84-4BD3-BCA6-39AECD72E50D}">
+<ds:datastoreItem xmlns:ds="http://schemas.openxmlformats.org/officeDocument/2006/customXml" ds:itemID="{E3E4C7FE-9143-4635-B164-5CEF7469C30A}">
   <ds:schemaRefs>
-    <ds:schemaRef ds:uri="http://schemas.microsoft.com/office/2006/metadata/customXsn"/>
+    <ds:schemaRef ds:uri="http://schemas.microsoft.com/office/2006/metadata/contentType"/>
+    <ds:schemaRef ds:uri="http://schemas.microsoft.com/office/2006/metadata/properties/metaAttributes"/>
+    <ds:schemaRef ds:uri="http://www.w3.org/2001/XMLSchema"/>
+    <ds:schemaRef ds:uri="http://schemas.microsoft.com/office/2006/metadata/properties"/>
+    <ds:schemaRef ds:uri="http://schemas.microsoft.com/sharepoint/v3"/>
+    <ds:schemaRef ds:uri="http://schemas.microsoft.com/sharepoint/v3/fields"/>
+    <ds:schemaRef ds:uri="45d44e74-5c87-4253-a1a6-fb7a2a9835a8"/>
+    <ds:schemaRef ds:uri="http://schemas.microsoft.com/sharepoint/v4"/>
+    <ds:schemaRef ds:uri="d6dad062-3ecc-4c2a-98eb-3d03c2389ab6"/>
+    <ds:schemaRef ds:uri="http://schemas.microsoft.com/office/2006/documentManagement/types"/>
+    <ds:schemaRef ds:uri="http://schemas.microsoft.com/office/infopath/2007/PartnerControls"/>
+    <ds:schemaRef ds:uri="http://schemas.openxmlformats.org/package/2006/metadata/core-properties"/>
+    <ds:schemaRef ds:uri="http://purl.org/dc/elements/1.1/"/>
+    <ds:schemaRef ds:uri="http://purl.org/dc/terms/"/>
+    <ds:schemaRef ds:uri="http://schemas.microsoft.com/internal/obd"/>
   </ds:schemaRefs>
 </ds:datastoreItem>
 </file>
@@ -15343,23 +15581,9 @@
 </file>
 
 <file path=customXml/itemProps4.xml><?xml version="1.0" encoding="utf-8"?>
-<ds:datastoreItem xmlns:ds="http://schemas.openxmlformats.org/officeDocument/2006/customXml" ds:itemID="{E3E4C7FE-9143-4635-B164-5CEF7469C30A}">
+<ds:datastoreItem xmlns:ds="http://schemas.openxmlformats.org/officeDocument/2006/customXml" ds:itemID="{416BA5C9-2D71-4B86-AE8A-8C0D9BC5FB22}">
   <ds:schemaRefs>
-    <ds:schemaRef ds:uri="http://schemas.microsoft.com/office/2006/metadata/contentType"/>
-    <ds:schemaRef ds:uri="http://schemas.microsoft.com/office/2006/metadata/properties/metaAttributes"/>
-    <ds:schemaRef ds:uri="http://www.w3.org/2001/XMLSchema"/>
-    <ds:schemaRef ds:uri="http://schemas.microsoft.com/office/2006/metadata/properties"/>
-    <ds:schemaRef ds:uri="http://schemas.microsoft.com/sharepoint/v3"/>
-    <ds:schemaRef ds:uri="http://schemas.microsoft.com/sharepoint/v3/fields"/>
-    <ds:schemaRef ds:uri="45d44e74-5c87-4253-a1a6-fb7a2a9835a8"/>
-    <ds:schemaRef ds:uri="http://schemas.microsoft.com/sharepoint/v4"/>
-    <ds:schemaRef ds:uri="d6dad062-3ecc-4c2a-98eb-3d03c2389ab6"/>
-    <ds:schemaRef ds:uri="http://schemas.microsoft.com/office/2006/documentManagement/types"/>
-    <ds:schemaRef ds:uri="http://schemas.microsoft.com/office/infopath/2007/PartnerControls"/>
-    <ds:schemaRef ds:uri="http://schemas.openxmlformats.org/package/2006/metadata/core-properties"/>
-    <ds:schemaRef ds:uri="http://purl.org/dc/elements/1.1/"/>
-    <ds:schemaRef ds:uri="http://purl.org/dc/terms/"/>
-    <ds:schemaRef ds:uri="http://schemas.microsoft.com/internal/obd"/>
+    <ds:schemaRef ds:uri="http://schemas.microsoft.com/sharepoint/v3/contenttype/forms"/>
   </ds:schemaRefs>
 </ds:datastoreItem>
 </file>
--- a/docs/cna/Becoming_a_CNA.pptx
+++ b/docs/cna/Becoming_a_CNA.pptx
@@ -5,10 +5,10 @@
     <p:sldMasterId id="2147483656" r:id="rId5"/>
   </p:sldMasterIdLst>
   <p:notesMasterIdLst>
-    <p:notesMasterId r:id="rId50"/>
+    <p:notesMasterId r:id="rId39"/>
   </p:notesMasterIdLst>
   <p:handoutMasterIdLst>
-    <p:handoutMasterId r:id="rId51"/>
+    <p:handoutMasterId r:id="rId40"/>
   </p:handoutMasterIdLst>
   <p:sldIdLst>
     <p:sldId id="262" r:id="rId6"/>
@@ -41,20 +41,9 @@
     <p:sldId id="307" r:id="rId33"/>
     <p:sldId id="308" r:id="rId34"/>
     <p:sldId id="316" r:id="rId35"/>
-    <p:sldId id="263" r:id="rId36"/>
-    <p:sldId id="317" r:id="rId37"/>
-    <p:sldId id="311" r:id="rId38"/>
-    <p:sldId id="288" r:id="rId39"/>
-    <p:sldId id="301" r:id="rId40"/>
-    <p:sldId id="290" r:id="rId41"/>
-    <p:sldId id="291" r:id="rId42"/>
-    <p:sldId id="303" r:id="rId43"/>
-    <p:sldId id="318" r:id="rId44"/>
-    <p:sldId id="319" r:id="rId45"/>
-    <p:sldId id="304" r:id="rId46"/>
-    <p:sldId id="320" r:id="rId47"/>
-    <p:sldId id="305" r:id="rId48"/>
-    <p:sldId id="294" r:id="rId49"/>
+    <p:sldId id="322" r:id="rId36"/>
+    <p:sldId id="263" r:id="rId37"/>
+    <p:sldId id="317" r:id="rId38"/>
   </p:sldIdLst>
   <p:sldSz cx="12192000" cy="6858000"/>
   <p:notesSz cx="6858000" cy="9144000"/>
@@ -258,7 +247,7 @@
           <a:p>
             <a:fld id="{FD8C879B-2DAC-426D-B5B4-08F42B952A26}" type="datetimeFigureOut">
               <a:rPr lang="en-US" smtClean="0"/>
-              <a:t>5/14/2019</a:t>
+              <a:t>9/26/2019</a:t>
             </a:fld>
             <a:endParaRPr lang="en-US"/>
           </a:p>
@@ -435,7 +424,7 @@
           <a:p>
             <a:fld id="{92E54576-A3BB-48F9-891E-992E86D01A7B}" type="datetimeFigureOut">
               <a:rPr lang="en-US" smtClean="0"/>
-              <a:t>5/14/2019</a:t>
+              <a:t>9/26/2019</a:t>
             </a:fld>
             <a:endParaRPr lang="en-US"/>
           </a:p>
@@ -1206,7 +1195,31 @@
           <a:bodyPr/>
           <a:lstStyle/>
           <a:p>
-            <a:endParaRPr lang="en-US" dirty="0"/>
+            <a:pPr marL="0" marR="0" lvl="0" indent="0" algn="l" defTabSz="914400" rtl="0" eaLnBrk="1" fontAlgn="auto" latinLnBrk="0" hangingPunct="1">
+              <a:lnSpc>
+                <a:spcPct val="100000"/>
+              </a:lnSpc>
+              <a:spcBef>
+                <a:spcPts val="0"/>
+              </a:spcBef>
+              <a:spcAft>
+                <a:spcPts val="0"/>
+              </a:spcAft>
+              <a:buClrTx/>
+              <a:buSzTx/>
+              <a:buFontTx/>
+              <a:buNone/>
+              <a:tabLst/>
+              <a:defRPr/>
+            </a:pPr>
+            <a:r>
+              <a:rPr lang="en-US" b="1" dirty="0"/>
+              <a:t> </a:t>
+            </a:r>
+            <a:endParaRPr lang="en-US" b="0" dirty="0"/>
+          </a:p>
+          <a:p>
+            <a:endParaRPr lang="en-US" b="0" dirty="0"/>
           </a:p>
         </p:txBody>
       </p:sp>
@@ -1290,6 +1303,33 @@
           <a:bodyPr/>
           <a:lstStyle/>
           <a:p>
+            <a:pPr marL="0" marR="0" lvl="0" indent="0" algn="l" defTabSz="914400" rtl="0" eaLnBrk="1" fontAlgn="auto" latinLnBrk="0" hangingPunct="1">
+              <a:lnSpc>
+                <a:spcPct val="100000"/>
+              </a:lnSpc>
+              <a:spcBef>
+                <a:spcPts val="0"/>
+              </a:spcBef>
+              <a:spcAft>
+                <a:spcPts val="0"/>
+              </a:spcAft>
+              <a:buClrTx/>
+              <a:buSzTx/>
+              <a:buFontTx/>
+              <a:buNone/>
+              <a:tabLst/>
+              <a:defRPr/>
+            </a:pPr>
+            <a:r>
+              <a:rPr lang="en-US" b="1" dirty="0"/>
+              <a:t> </a:t>
+            </a:r>
+            <a:endParaRPr lang="en-US" b="0" dirty="0"/>
+          </a:p>
+          <a:p>
+            <a:endParaRPr lang="en-US" b="1" dirty="0"/>
+          </a:p>
+          <a:p>
             <a:endParaRPr lang="en-US" dirty="0"/>
           </a:p>
         </p:txBody>
@@ -1321,6 +1361,212 @@
     <p:extLst>
       <p:ext uri="{BB962C8B-B14F-4D97-AF65-F5344CB8AC3E}">
         <p14:creationId xmlns:p14="http://schemas.microsoft.com/office/powerpoint/2010/main" val="4126750170"/>
+      </p:ext>
+    </p:extLst>
+  </p:cSld>
+  <p:clrMapOvr>
+    <a:masterClrMapping/>
+  </p:clrMapOvr>
+</p:notes>
+</file>
+
+<file path=ppt/notesSlides/notesSlide8.xml><?xml version="1.0" encoding="utf-8"?>
+<p:notes xmlns:a="http://schemas.openxmlformats.org/drawingml/2006/main" xmlns:r="http://schemas.openxmlformats.org/officeDocument/2006/relationships" xmlns:p="http://schemas.openxmlformats.org/presentationml/2006/main">
+  <p:cSld>
+    <p:spTree>
+      <p:nvGrpSpPr>
+        <p:cNvPr id="1" name=""/>
+        <p:cNvGrpSpPr/>
+        <p:nvPr/>
+      </p:nvGrpSpPr>
+      <p:grpSpPr>
+        <a:xfrm>
+          <a:off x="0" y="0"/>
+          <a:ext cx="0" cy="0"/>
+          <a:chOff x="0" y="0"/>
+          <a:chExt cx="0" cy="0"/>
+        </a:xfrm>
+      </p:grpSpPr>
+      <p:sp>
+        <p:nvSpPr>
+          <p:cNvPr id="2" name="Slide Image Placeholder 1"/>
+          <p:cNvSpPr>
+            <a:spLocks noGrp="1" noRot="1" noChangeAspect="1"/>
+          </p:cNvSpPr>
+          <p:nvPr>
+            <p:ph type="sldImg"/>
+          </p:nvPr>
+        </p:nvSpPr>
+        <p:spPr/>
+      </p:sp>
+      <p:sp>
+        <p:nvSpPr>
+          <p:cNvPr id="3" name="Notes Placeholder 2"/>
+          <p:cNvSpPr>
+            <a:spLocks noGrp="1"/>
+          </p:cNvSpPr>
+          <p:nvPr>
+            <p:ph type="body" idx="1"/>
+          </p:nvPr>
+        </p:nvSpPr>
+        <p:spPr/>
+        <p:txBody>
+          <a:bodyPr/>
+          <a:lstStyle/>
+          <a:p>
+            <a:pPr marL="0" marR="0" lvl="0" indent="0" algn="l" defTabSz="914400" rtl="0" eaLnBrk="1" fontAlgn="auto" latinLnBrk="0" hangingPunct="1">
+              <a:lnSpc>
+                <a:spcPct val="100000"/>
+              </a:lnSpc>
+              <a:spcBef>
+                <a:spcPts val="0"/>
+              </a:spcBef>
+              <a:spcAft>
+                <a:spcPts val="0"/>
+              </a:spcAft>
+              <a:buClrTx/>
+              <a:buSzTx/>
+              <a:buFontTx/>
+              <a:buNone/>
+              <a:tabLst/>
+              <a:defRPr/>
+            </a:pPr>
+            <a:r>
+              <a:rPr lang="en-US" b="1" dirty="0"/>
+              <a:t> </a:t>
+            </a:r>
+            <a:endParaRPr lang="en-US" b="0" dirty="0"/>
+          </a:p>
+          <a:p>
+            <a:endParaRPr lang="en-US" b="1" dirty="0"/>
+          </a:p>
+          <a:p>
+            <a:endParaRPr lang="en-US" dirty="0"/>
+          </a:p>
+        </p:txBody>
+      </p:sp>
+      <p:sp>
+        <p:nvSpPr>
+          <p:cNvPr id="4" name="Slide Number Placeholder 3"/>
+          <p:cNvSpPr>
+            <a:spLocks noGrp="1"/>
+          </p:cNvSpPr>
+          <p:nvPr>
+            <p:ph type="sldNum" sz="quarter" idx="5"/>
+          </p:nvPr>
+        </p:nvSpPr>
+        <p:spPr/>
+        <p:txBody>
+          <a:bodyPr/>
+          <a:lstStyle/>
+          <a:p>
+            <a:fld id="{D26DA38A-5B6D-4B73-8631-E3ACB22184B3}" type="slidenum">
+              <a:rPr lang="en-US" smtClean="0"/>
+              <a:t>31</a:t>
+            </a:fld>
+            <a:endParaRPr lang="en-US"/>
+          </a:p>
+        </p:txBody>
+      </p:sp>
+    </p:spTree>
+    <p:extLst>
+      <p:ext uri="{BB962C8B-B14F-4D97-AF65-F5344CB8AC3E}">
+        <p14:creationId xmlns:p14="http://schemas.microsoft.com/office/powerpoint/2010/main" val="1519126921"/>
+      </p:ext>
+    </p:extLst>
+  </p:cSld>
+  <p:clrMapOvr>
+    <a:masterClrMapping/>
+  </p:clrMapOvr>
+</p:notes>
+</file>
+
+<file path=ppt/notesSlides/notesSlide9.xml><?xml version="1.0" encoding="utf-8"?>
+<p:notes xmlns:a="http://schemas.openxmlformats.org/drawingml/2006/main" xmlns:r="http://schemas.openxmlformats.org/officeDocument/2006/relationships" xmlns:p="http://schemas.openxmlformats.org/presentationml/2006/main">
+  <p:cSld>
+    <p:spTree>
+      <p:nvGrpSpPr>
+        <p:cNvPr id="1" name=""/>
+        <p:cNvGrpSpPr/>
+        <p:nvPr/>
+      </p:nvGrpSpPr>
+      <p:grpSpPr>
+        <a:xfrm>
+          <a:off x="0" y="0"/>
+          <a:ext cx="0" cy="0"/>
+          <a:chOff x="0" y="0"/>
+          <a:chExt cx="0" cy="0"/>
+        </a:xfrm>
+      </p:grpSpPr>
+      <p:sp>
+        <p:nvSpPr>
+          <p:cNvPr id="2" name="Slide Image Placeholder 1"/>
+          <p:cNvSpPr>
+            <a:spLocks noGrp="1" noRot="1" noChangeAspect="1"/>
+          </p:cNvSpPr>
+          <p:nvPr>
+            <p:ph type="sldImg"/>
+          </p:nvPr>
+        </p:nvSpPr>
+        <p:spPr/>
+      </p:sp>
+      <p:sp>
+        <p:nvSpPr>
+          <p:cNvPr id="3" name="Notes Placeholder 2"/>
+          <p:cNvSpPr>
+            <a:spLocks noGrp="1"/>
+          </p:cNvSpPr>
+          <p:nvPr>
+            <p:ph type="body" idx="1"/>
+          </p:nvPr>
+        </p:nvSpPr>
+        <p:spPr/>
+        <p:txBody>
+          <a:bodyPr/>
+          <a:lstStyle/>
+          <a:p>
+            <a:pPr lvl="0">
+              <a:buFont typeface="Wingdings" panose="05000000000000000000" pitchFamily="2" charset="2"/>
+              <a:buNone/>
+            </a:pPr>
+            <a:r>
+              <a:rPr lang="en-US" b="1" dirty="0"/>
+              <a:t> </a:t>
+            </a:r>
+            <a:endParaRPr lang="en-US" b="0" dirty="0"/>
+          </a:p>
+          <a:p>
+            <a:endParaRPr lang="en-US" dirty="0"/>
+          </a:p>
+        </p:txBody>
+      </p:sp>
+      <p:sp>
+        <p:nvSpPr>
+          <p:cNvPr id="4" name="Slide Number Placeholder 3"/>
+          <p:cNvSpPr>
+            <a:spLocks noGrp="1"/>
+          </p:cNvSpPr>
+          <p:nvPr>
+            <p:ph type="sldNum" sz="quarter" idx="5"/>
+          </p:nvPr>
+        </p:nvSpPr>
+        <p:spPr/>
+        <p:txBody>
+          <a:bodyPr/>
+          <a:lstStyle/>
+          <a:p>
+            <a:fld id="{D58F3C89-9E49-4851-A18A-DAECD34FD650}" type="slidenum">
+              <a:rPr lang="en-US" smtClean="0"/>
+              <a:t>32</a:t>
+            </a:fld>
+            <a:endParaRPr lang="en-US"/>
+          </a:p>
+        </p:txBody>
+      </p:sp>
+    </p:spTree>
+    <p:extLst>
+      <p:ext uri="{BB962C8B-B14F-4D97-AF65-F5344CB8AC3E}">
+        <p14:creationId xmlns:p14="http://schemas.microsoft.com/office/powerpoint/2010/main" val="3074381284"/>
       </p:ext>
     </p:extLst>
   </p:cSld>
@@ -3134,7 +3380,7 @@
   <p:clrMapOvr>
     <a:masterClrMapping/>
   </p:clrMapOvr>
-  <p:extLst mod="1">
+  <p:extLst>
     <p:ext uri="{DCECCB84-F9BA-43D5-87BE-67443E8EF086}">
       <p15:sldGuideLst xmlns:p15="http://schemas.microsoft.com/office/powerpoint/2012/main">
         <p15:guide id="1" orient="horz" pos="2160">
@@ -6386,7 +6632,7 @@
       </a:lvl9pPr>
     </p:otherStyle>
   </p:txStyles>
-  <p:extLst mod="1">
+  <p:extLst>
     <p:ext uri="{27BBF7A9-308A-43DC-89C8-2F10F3537804}">
       <p15:sldGuideLst xmlns:p15="http://schemas.microsoft.com/office/powerpoint/2012/main"/>
     </p:ext>
@@ -6541,26 +6787,40 @@
           </a:bodyPr>
           <a:lstStyle/>
           <a:p>
+            <a:pPr>
+              <a:buFont typeface="Wingdings" panose="05000000000000000000" pitchFamily="2" charset="2"/>
+              <a:buChar char="§"/>
+            </a:pPr>
             <a:r>
               <a:rPr lang="en-US" dirty="0"/>
               <a:t>How your organization is configured will influence the way you set up your CNA program</a:t>
             </a:r>
           </a:p>
           <a:p>
+            <a:pPr>
+              <a:buFont typeface="Wingdings" panose="05000000000000000000" pitchFamily="2" charset="2"/>
+              <a:buChar char="§"/>
+            </a:pPr>
             <a:r>
               <a:rPr lang="en-US" dirty="0"/>
               <a:t>Most organizations designate a single group to manage their CNA program; however, that is not always the case. For example:</a:t>
             </a:r>
           </a:p>
           <a:p>
-            <a:pPr lvl="1"/>
+            <a:pPr lvl="1">
+              <a:buFont typeface="Wingdings" panose="05000000000000000000" pitchFamily="2" charset="2"/>
+              <a:buChar char="§"/>
+            </a:pPr>
             <a:r>
               <a:rPr lang="en-US" dirty="0"/>
               <a:t>The Android and Chrome PSIRTs work independently and act as their own CNAs, even though they are both part of Google</a:t>
             </a:r>
           </a:p>
           <a:p>
-            <a:pPr lvl="1"/>
+            <a:pPr lvl="1">
+              <a:buFont typeface="Wingdings" panose="05000000000000000000" pitchFamily="2" charset="2"/>
+              <a:buChar char="§"/>
+            </a:pPr>
             <a:r>
               <a:rPr lang="en-US" dirty="0"/>
               <a:t>Cisco and Cisco </a:t>
@@ -6575,7 +6835,10 @@
             </a:r>
           </a:p>
           <a:p>
-            <a:pPr lvl="1"/>
+            <a:pPr lvl="1">
+              <a:buFont typeface="Wingdings" panose="05000000000000000000" pitchFamily="2" charset="2"/>
+              <a:buChar char="§"/>
+            </a:pPr>
             <a:r>
               <a:rPr lang="en-US" dirty="0"/>
               <a:t>Within Dell, the Dell CNA covers Dell, EMC products, and the products of many of their subsidiary companies; however, they do not cover VMware, which has its own CNA program</a:t>
@@ -6722,53 +6985,80 @@
           </a:bodyPr>
           <a:lstStyle/>
           <a:p>
+            <a:pPr>
+              <a:buFont typeface="Wingdings" panose="05000000000000000000" pitchFamily="2" charset="2"/>
+              <a:buChar char="§"/>
+            </a:pPr>
             <a:r>
               <a:rPr lang="en-US" dirty="0"/>
               <a:t>A single group handles all vulnerabilities</a:t>
             </a:r>
           </a:p>
           <a:p>
-            <a:pPr lvl="1"/>
+            <a:pPr lvl="1">
+              <a:buFont typeface="Wingdings" panose="05000000000000000000" pitchFamily="2" charset="2"/>
+              <a:buChar char="§"/>
+            </a:pPr>
             <a:r>
               <a:rPr lang="en-US" dirty="0"/>
               <a:t>Create a single CNA</a:t>
             </a:r>
           </a:p>
           <a:p>
+            <a:pPr>
+              <a:buFont typeface="Wingdings" panose="05000000000000000000" pitchFamily="2" charset="2"/>
+              <a:buChar char="§"/>
+            </a:pPr>
             <a:r>
               <a:rPr lang="en-US" dirty="0"/>
               <a:t>A single group handles the coordination with multiple internal groups</a:t>
             </a:r>
           </a:p>
           <a:p>
-            <a:pPr lvl="1"/>
+            <a:pPr lvl="1">
+              <a:buFont typeface="Wingdings" panose="05000000000000000000" pitchFamily="2" charset="2"/>
+              <a:buChar char="§"/>
+            </a:pPr>
             <a:r>
               <a:rPr lang="en-US" dirty="0"/>
               <a:t>Usually results in a single CNA</a:t>
             </a:r>
           </a:p>
           <a:p>
-            <a:pPr lvl="1"/>
+            <a:pPr lvl="1">
+              <a:buFont typeface="Wingdings" panose="05000000000000000000" pitchFamily="2" charset="2"/>
+              <a:buChar char="§"/>
+            </a:pPr>
             <a:r>
               <a:rPr lang="en-US" dirty="0"/>
               <a:t>That CNA sometimes chooses to create unofficial sub-CNAs to which it can give blocks of IDs</a:t>
             </a:r>
           </a:p>
           <a:p>
-            <a:pPr lvl="2"/>
+            <a:pPr lvl="2">
+              <a:buFont typeface="Wingdings" panose="05000000000000000000" pitchFamily="2" charset="2"/>
+              <a:buChar char="§"/>
+            </a:pPr>
             <a:r>
               <a:rPr lang="en-US" dirty="0"/>
               <a:t>There is no issue with a CNA creating internal unofficial sub-CNAs if the results meet the needs of the CVE Program</a:t>
             </a:r>
           </a:p>
           <a:p>
+            <a:pPr>
+              <a:buFont typeface="Wingdings" panose="05000000000000000000" pitchFamily="2" charset="2"/>
+              <a:buChar char="§"/>
+            </a:pPr>
             <a:r>
               <a:rPr lang="en-US" dirty="0"/>
               <a:t>Multiple groups handle their own vulnerabilities</a:t>
             </a:r>
           </a:p>
           <a:p>
-            <a:pPr lvl="1"/>
+            <a:pPr lvl="1">
+              <a:buFont typeface="Wingdings" panose="05000000000000000000" pitchFamily="2" charset="2"/>
+              <a:buChar char="§"/>
+            </a:pPr>
             <a:r>
               <a:rPr lang="en-US" dirty="0"/>
               <a:t>Create a CNA for each independent group</a:t>
@@ -7033,40 +7323,60 @@
           </a:bodyPr>
           <a:lstStyle/>
           <a:p>
+            <a:pPr>
+              <a:buFont typeface="Wingdings" panose="05000000000000000000" pitchFamily="2" charset="2"/>
+              <a:buChar char="§"/>
+            </a:pPr>
             <a:r>
               <a:rPr lang="en-US" dirty="0"/>
               <a:t>A CNA’s scope defines the vulnerabilities to which it is responsible for assigning CVE IDs</a:t>
             </a:r>
           </a:p>
           <a:p>
+            <a:pPr>
+              <a:buFont typeface="Wingdings" panose="05000000000000000000" pitchFamily="2" charset="2"/>
+              <a:buChar char="§"/>
+            </a:pPr>
             <a:r>
               <a:rPr lang="en-US" dirty="0"/>
               <a:t>The scope sets expectations, which should:</a:t>
             </a:r>
           </a:p>
           <a:p>
-            <a:pPr lvl="1"/>
+            <a:pPr lvl="1">
+              <a:buFont typeface="Wingdings" panose="05000000000000000000" pitchFamily="2" charset="2"/>
+              <a:buChar char="§"/>
+            </a:pPr>
             <a:r>
               <a:rPr lang="en-US" dirty="0"/>
               <a:t>Prevent CNAs with overlapping scopes (e.g., their Root CNA) from assigning duplicate IDs</a:t>
             </a:r>
           </a:p>
           <a:p>
-            <a:pPr lvl="1"/>
+            <a:pPr lvl="1">
+              <a:buFont typeface="Wingdings" panose="05000000000000000000" pitchFamily="2" charset="2"/>
+              <a:buChar char="§"/>
+            </a:pPr>
             <a:r>
               <a:rPr lang="en-US" dirty="0"/>
               <a:t>Save reporters’ time and frustration by preventing them from reporting irrelevant issues</a:t>
             </a:r>
           </a:p>
           <a:p>
-            <a:pPr lvl="1"/>
+            <a:pPr lvl="1">
+              <a:buFont typeface="Wingdings" panose="05000000000000000000" pitchFamily="2" charset="2"/>
+              <a:buChar char="§"/>
+            </a:pPr>
             <a:r>
               <a:rPr lang="en-US" dirty="0"/>
               <a:t>Save the CNA time by reducing the number of unwanted reports</a:t>
             </a:r>
           </a:p>
           <a:p>
-            <a:pPr lvl="1"/>
+            <a:pPr lvl="1">
+              <a:buFont typeface="Wingdings" panose="05000000000000000000" pitchFamily="2" charset="2"/>
+              <a:buChar char="§"/>
+            </a:pPr>
             <a:r>
               <a:rPr lang="en-US" dirty="0"/>
               <a:t>Save the Root CNA time by reducing the number of complaints by unhappy reporters</a:t>
@@ -7218,26 +7528,40 @@
           </a:bodyPr>
           <a:lstStyle/>
           <a:p>
+            <a:pPr>
+              <a:buFont typeface="Wingdings" panose="05000000000000000000" pitchFamily="2" charset="2"/>
+              <a:buChar char="§"/>
+            </a:pPr>
             <a:r>
               <a:rPr lang="en-US" dirty="0"/>
               <a:t>Vendors: Cover products</a:t>
             </a:r>
           </a:p>
           <a:p>
-            <a:pPr lvl="1"/>
+            <a:pPr lvl="1">
+              <a:buFont typeface="Wingdings" panose="05000000000000000000" pitchFamily="2" charset="2"/>
+              <a:buChar char="§"/>
+            </a:pPr>
             <a:r>
               <a:rPr lang="en-US" dirty="0"/>
               <a:t>e.g., Microsoft, OpenSSL, Debian</a:t>
             </a:r>
           </a:p>
           <a:p>
+            <a:pPr>
+              <a:buFont typeface="Wingdings" panose="05000000000000000000" pitchFamily="2" charset="2"/>
+              <a:buChar char="§"/>
+            </a:pPr>
             <a:r>
               <a:rPr lang="en-US" dirty="0"/>
               <a:t>Coordinators: Cover the vulnerabilities coordinated by the organization</a:t>
             </a:r>
           </a:p>
           <a:p>
-            <a:pPr lvl="1"/>
+            <a:pPr lvl="1">
+              <a:buFont typeface="Wingdings" panose="05000000000000000000" pitchFamily="2" charset="2"/>
+              <a:buChar char="§"/>
+            </a:pPr>
             <a:r>
               <a:rPr lang="en-US" dirty="0"/>
               <a:t>e.g., CERT/CC, JPCERT/CC, </a:t>
@@ -7249,39 +7573,60 @@
             <a:endParaRPr lang="en-US" dirty="0"/>
           </a:p>
           <a:p>
+            <a:pPr>
+              <a:buFont typeface="Wingdings" panose="05000000000000000000" pitchFamily="2" charset="2"/>
+              <a:buChar char="§"/>
+            </a:pPr>
             <a:r>
               <a:rPr lang="en-US" dirty="0"/>
               <a:t>Research Organizations: Cover the vulnerabilities discovered by individual researchers</a:t>
             </a:r>
           </a:p>
           <a:p>
-            <a:pPr lvl="1"/>
+            <a:pPr lvl="1">
+              <a:buFont typeface="Wingdings" panose="05000000000000000000" pitchFamily="2" charset="2"/>
+              <a:buChar char="§"/>
+            </a:pPr>
             <a:r>
               <a:rPr lang="en-US" dirty="0"/>
               <a:t>e.g., Rapid7</a:t>
             </a:r>
           </a:p>
           <a:p>
+            <a:pPr>
+              <a:buFont typeface="Wingdings" panose="05000000000000000000" pitchFamily="2" charset="2"/>
+              <a:buChar char="§"/>
+            </a:pPr>
             <a:r>
               <a:rPr lang="en-US" dirty="0"/>
               <a:t>Mixed</a:t>
             </a:r>
           </a:p>
           <a:p>
-            <a:pPr lvl="1"/>
+            <a:pPr lvl="1">
+              <a:buFont typeface="Wingdings" panose="05000000000000000000" pitchFamily="2" charset="2"/>
+              <a:buChar char="§"/>
+            </a:pPr>
             <a:r>
               <a:rPr lang="en-US" dirty="0"/>
               <a:t>e.g., Flexera (vendor and research), Drupal (vendor and coordinator)</a:t>
             </a:r>
           </a:p>
           <a:p>
+            <a:pPr>
+              <a:buFont typeface="Wingdings" panose="05000000000000000000" pitchFamily="2" charset="2"/>
+              <a:buChar char="§"/>
+            </a:pPr>
             <a:r>
               <a:rPr lang="en-US" dirty="0"/>
               <a:t>Other: Some CNAs do not fall into the typical categories described above</a:t>
             </a:r>
           </a:p>
           <a:p>
-            <a:pPr lvl="1"/>
+            <a:pPr lvl="1">
+              <a:buFont typeface="Wingdings" panose="05000000000000000000" pitchFamily="2" charset="2"/>
+              <a:buChar char="§"/>
+            </a:pPr>
             <a:r>
               <a:rPr lang="en-US" dirty="0"/>
               <a:t>e.g., MITRE</a:t>
@@ -7434,61 +7779,90 @@
           <a:bodyPr/>
           <a:lstStyle/>
           <a:p>
+            <a:pPr>
+              <a:buFont typeface="Wingdings" panose="05000000000000000000" pitchFamily="2" charset="2"/>
+              <a:buChar char="§"/>
+            </a:pPr>
             <a:r>
               <a:rPr lang="en-US" dirty="0"/>
               <a:t>Are there some scenarios where advisories are not published?</a:t>
             </a:r>
           </a:p>
           <a:p>
+            <a:pPr>
+              <a:buFont typeface="Wingdings" panose="05000000000000000000" pitchFamily="2" charset="2"/>
+              <a:buChar char="§"/>
+            </a:pPr>
             <a:r>
               <a:rPr lang="en-US" dirty="0"/>
               <a:t>All advisories must meet the CVE Program’s requirements for being published:</a:t>
             </a:r>
           </a:p>
           <a:p>
-            <a:pPr lvl="1"/>
+            <a:pPr lvl="1">
+              <a:buFont typeface="Wingdings" panose="05000000000000000000" pitchFamily="2" charset="2"/>
+              <a:buChar char="§"/>
+            </a:pPr>
             <a:r>
               <a:rPr lang="en-US" dirty="0"/>
               <a:t>Must have a URL</a:t>
             </a:r>
           </a:p>
           <a:p>
-            <a:pPr lvl="1"/>
+            <a:pPr lvl="1">
+              <a:buFont typeface="Wingdings" panose="05000000000000000000" pitchFamily="2" charset="2"/>
+              <a:buChar char="§"/>
+            </a:pPr>
             <a:r>
               <a:rPr lang="en-US" dirty="0"/>
               <a:t>The Terms of Service must allow a link to the URL</a:t>
             </a:r>
           </a:p>
           <a:p>
-            <a:pPr lvl="1"/>
+            <a:pPr lvl="1">
+              <a:buFont typeface="Wingdings" panose="05000000000000000000" pitchFamily="2" charset="2"/>
+              <a:buChar char="§"/>
+            </a:pPr>
             <a:r>
               <a:rPr lang="en-US" dirty="0"/>
               <a:t>The document linked to the URL must contain the minimum required information for a CVE Entry:</a:t>
             </a:r>
           </a:p>
           <a:p>
-            <a:pPr lvl="2"/>
+            <a:pPr lvl="2">
+              <a:buFont typeface="Wingdings" panose="05000000000000000000" pitchFamily="2" charset="2"/>
+              <a:buChar char="§"/>
+            </a:pPr>
             <a:r>
               <a:rPr lang="en-US" dirty="0"/>
               <a:t>Product</a:t>
             </a:r>
           </a:p>
           <a:p>
-            <a:pPr lvl="2"/>
+            <a:pPr lvl="2">
+              <a:buFont typeface="Wingdings" panose="05000000000000000000" pitchFamily="2" charset="2"/>
+              <a:buChar char="§"/>
+            </a:pPr>
             <a:r>
               <a:rPr lang="en-US" dirty="0"/>
               <a:t>Version</a:t>
             </a:r>
           </a:p>
           <a:p>
-            <a:pPr lvl="2"/>
+            <a:pPr lvl="2">
+              <a:buFont typeface="Wingdings" panose="05000000000000000000" pitchFamily="2" charset="2"/>
+              <a:buChar char="§"/>
+            </a:pPr>
             <a:r>
               <a:rPr lang="en-US" dirty="0"/>
               <a:t>Problem type (vulnerability type or impact)</a:t>
             </a:r>
           </a:p>
           <a:p>
-            <a:pPr lvl="1"/>
+            <a:pPr lvl="1">
+              <a:buFont typeface="Wingdings" panose="05000000000000000000" pitchFamily="2" charset="2"/>
+              <a:buChar char="§"/>
+            </a:pPr>
             <a:r>
               <a:rPr lang="en-US" dirty="0"/>
               <a:t>Must not require a fee to access</a:t>
@@ -7638,54 +8012,80 @@
           <a:bodyPr/>
           <a:lstStyle/>
           <a:p>
+            <a:pPr>
+              <a:buFont typeface="Wingdings" panose="05000000000000000000" pitchFamily="2" charset="2"/>
+              <a:buChar char="§"/>
+            </a:pPr>
             <a:r>
               <a:rPr lang="en-US" dirty="0"/>
               <a:t>Do you plan to cover all of the products you produce?</a:t>
             </a:r>
           </a:p>
           <a:p>
+            <a:pPr>
+              <a:buFont typeface="Wingdings" panose="05000000000000000000" pitchFamily="2" charset="2"/>
+              <a:buChar char="§"/>
+            </a:pPr>
             <a:r>
               <a:rPr lang="en-US" dirty="0"/>
               <a:t>Consider the following types of products when deciding which products will be covered within the scope:</a:t>
             </a:r>
           </a:p>
           <a:p>
-            <a:pPr lvl="1"/>
+            <a:pPr lvl="1">
+              <a:buFont typeface="Wingdings" panose="05000000000000000000" pitchFamily="2" charset="2"/>
+              <a:buChar char="§"/>
+            </a:pPr>
             <a:r>
               <a:rPr lang="en-US" dirty="0"/>
               <a:t>Products from subsidiary companies</a:t>
             </a:r>
           </a:p>
           <a:p>
-            <a:pPr lvl="1"/>
+            <a:pPr lvl="1">
+              <a:buFont typeface="Wingdings" panose="05000000000000000000" pitchFamily="2" charset="2"/>
+              <a:buChar char="§"/>
+            </a:pPr>
             <a:r>
               <a:rPr lang="en-US" dirty="0"/>
               <a:t>Products from newly acquired companies</a:t>
             </a:r>
           </a:p>
           <a:p>
-            <a:pPr lvl="1"/>
+            <a:pPr lvl="1">
+              <a:buFont typeface="Wingdings" panose="05000000000000000000" pitchFamily="2" charset="2"/>
+              <a:buChar char="§"/>
+            </a:pPr>
             <a:r>
               <a:rPr lang="en-US" dirty="0"/>
               <a:t>Discontinued products</a:t>
             </a:r>
           </a:p>
           <a:p>
-            <a:pPr lvl="1"/>
+            <a:pPr lvl="1">
+              <a:buFont typeface="Wingdings" panose="05000000000000000000" pitchFamily="2" charset="2"/>
+              <a:buChar char="§"/>
+            </a:pPr>
             <a:r>
               <a:rPr lang="en-US" dirty="0"/>
               <a:t>Versions that have reached their end of support</a:t>
             </a:r>
           </a:p>
           <a:p>
-            <a:pPr lvl="1"/>
+            <a:pPr lvl="1">
+              <a:buFont typeface="Wingdings" panose="05000000000000000000" pitchFamily="2" charset="2"/>
+              <a:buChar char="§"/>
+            </a:pPr>
             <a:r>
               <a:rPr lang="en-US" dirty="0"/>
               <a:t>Experimental products or development branches</a:t>
             </a:r>
           </a:p>
           <a:p>
-            <a:pPr lvl="1"/>
+            <a:pPr lvl="1">
+              <a:buFont typeface="Wingdings" panose="05000000000000000000" pitchFamily="2" charset="2"/>
+              <a:buChar char="§"/>
+            </a:pPr>
             <a:r>
               <a:rPr lang="en-US" dirty="0"/>
               <a:t>Freebie products</a:t>
@@ -7830,13 +8230,20 @@
           <a:bodyPr/>
           <a:lstStyle/>
           <a:p>
+            <a:pPr>
+              <a:buFont typeface="Wingdings" panose="05000000000000000000" pitchFamily="2" charset="2"/>
+              <a:buChar char="§"/>
+            </a:pPr>
             <a:r>
               <a:rPr lang="en-US" dirty="0"/>
               <a:t>Explain the criteria used to determine if an issue is a vulnerability</a:t>
             </a:r>
           </a:p>
           <a:p>
-            <a:pPr lvl="1"/>
+            <a:pPr lvl="1">
+              <a:buFont typeface="Wingdings" panose="05000000000000000000" pitchFamily="2" charset="2"/>
+              <a:buChar char="§"/>
+            </a:pPr>
             <a:r>
               <a:rPr lang="en-US" dirty="0"/>
               <a:t>e.g., </a:t>
@@ -7850,13 +8257,20 @@
             <a:endParaRPr lang="en-US" dirty="0"/>
           </a:p>
           <a:p>
+            <a:pPr>
+              <a:buFont typeface="Wingdings" panose="05000000000000000000" pitchFamily="2" charset="2"/>
+              <a:buChar char="§"/>
+            </a:pPr>
             <a:r>
               <a:rPr lang="en-US" dirty="0"/>
               <a:t>Provide an explicit list of the types of issues not considered vulnerabilities to help limit the number of unwanted requests:</a:t>
             </a:r>
           </a:p>
           <a:p>
-            <a:pPr lvl="1"/>
+            <a:pPr lvl="1">
+              <a:buFont typeface="Wingdings" panose="05000000000000000000" pitchFamily="2" charset="2"/>
+              <a:buChar char="§"/>
+            </a:pPr>
             <a:r>
               <a:rPr lang="en-US" dirty="0"/>
               <a:t>Self-</a:t>
@@ -7868,21 +8282,30 @@
             <a:endParaRPr lang="en-US" dirty="0"/>
           </a:p>
           <a:p>
-            <a:pPr lvl="1"/>
+            <a:pPr lvl="1">
+              <a:buFont typeface="Wingdings" panose="05000000000000000000" pitchFamily="2" charset="2"/>
+              <a:buChar char="§"/>
+            </a:pPr>
             <a:r>
               <a:rPr lang="en-US" dirty="0"/>
               <a:t>CSRF logout</a:t>
             </a:r>
           </a:p>
           <a:p>
-            <a:pPr lvl="1"/>
+            <a:pPr lvl="1">
+              <a:buFont typeface="Wingdings" panose="05000000000000000000" pitchFamily="2" charset="2"/>
+              <a:buChar char="§"/>
+            </a:pPr>
             <a:r>
               <a:rPr lang="en-US" dirty="0"/>
               <a:t>Insecure default configurations</a:t>
             </a:r>
           </a:p>
           <a:p>
-            <a:pPr lvl="1"/>
+            <a:pPr lvl="1">
+              <a:buFont typeface="Wingdings" panose="05000000000000000000" pitchFamily="2" charset="2"/>
+              <a:buChar char="§"/>
+            </a:pPr>
             <a:r>
               <a:rPr lang="en-US" dirty="0"/>
               <a:t>Default credentials</a:t>
@@ -8157,26 +8580,40 @@
           </a:bodyPr>
           <a:lstStyle/>
           <a:p>
+            <a:pPr>
+              <a:buFont typeface="Wingdings" panose="05000000000000000000" pitchFamily="2" charset="2"/>
+              <a:buChar char="§"/>
+            </a:pPr>
             <a:r>
               <a:rPr lang="en-US" dirty="0"/>
               <a:t>Are third party requests accepted?</a:t>
             </a:r>
           </a:p>
           <a:p>
+            <a:pPr>
+              <a:buFont typeface="Wingdings" panose="05000000000000000000" pitchFamily="2" charset="2"/>
+              <a:buChar char="§"/>
+            </a:pPr>
             <a:r>
               <a:rPr lang="en-US" dirty="0"/>
               <a:t>If so, provide contact information:</a:t>
             </a:r>
           </a:p>
           <a:p>
-            <a:pPr lvl="1"/>
+            <a:pPr lvl="1">
+              <a:buFont typeface="Wingdings" panose="05000000000000000000" pitchFamily="2" charset="2"/>
+              <a:buChar char="§"/>
+            </a:pPr>
             <a:r>
               <a:rPr lang="en-US" dirty="0"/>
               <a:t>Contact information should be provided to your Root CNA</a:t>
             </a:r>
           </a:p>
           <a:p>
-            <a:pPr lvl="1"/>
+            <a:pPr lvl="1">
+              <a:buFont typeface="Wingdings" panose="05000000000000000000" pitchFamily="2" charset="2"/>
+              <a:buChar char="§"/>
+            </a:pPr>
             <a:r>
               <a:rPr lang="en-US" dirty="0"/>
               <a:t>A registry of contact information is maintained on the CVE Program website: </a:t>
@@ -8193,6 +8630,10 @@
             </a:r>
           </a:p>
           <a:p>
+            <a:pPr>
+              <a:buFont typeface="Wingdings" panose="05000000000000000000" pitchFamily="2" charset="2"/>
+              <a:buChar char="§"/>
+            </a:pPr>
             <a:r>
               <a:rPr lang="en-US" dirty="0"/>
               <a:t>What information should vulnerability reporters provide?</a:t>
@@ -8365,30 +8806,50 @@
           <a:bodyPr/>
           <a:lstStyle/>
           <a:p>
+            <a:pPr>
+              <a:buFont typeface="Wingdings" panose="05000000000000000000" pitchFamily="2" charset="2"/>
+              <a:buChar char="§"/>
+            </a:pPr>
             <a:r>
               <a:rPr lang="en-US" dirty="0"/>
               <a:t>Defining CNAs</a:t>
             </a:r>
           </a:p>
           <a:p>
+            <a:pPr>
+              <a:buFont typeface="Wingdings" panose="05000000000000000000" pitchFamily="2" charset="2"/>
+              <a:buChar char="§"/>
+            </a:pPr>
             <a:r>
               <a:rPr lang="en-US" dirty="0"/>
               <a:t>How to organize your CNA(s)</a:t>
             </a:r>
           </a:p>
           <a:p>
+            <a:pPr>
+              <a:buFont typeface="Wingdings" panose="05000000000000000000" pitchFamily="2" charset="2"/>
+              <a:buChar char="§"/>
+            </a:pPr>
             <a:r>
               <a:rPr lang="en-US" dirty="0"/>
               <a:t>Defining the scope of your coverage</a:t>
             </a:r>
           </a:p>
           <a:p>
+            <a:pPr>
+              <a:buFont typeface="Wingdings" panose="05000000000000000000" pitchFamily="2" charset="2"/>
+              <a:buChar char="§"/>
+            </a:pPr>
             <a:r>
               <a:rPr lang="en-US" dirty="0"/>
               <a:t>Updating your internal processes</a:t>
             </a:r>
           </a:p>
           <a:p>
+            <a:pPr>
+              <a:buFont typeface="Wingdings" panose="05000000000000000000" pitchFamily="2" charset="2"/>
+              <a:buChar char="§"/>
+            </a:pPr>
             <a:r>
               <a:rPr lang="en-US" dirty="0"/>
               <a:t>CNA resources and community involvement</a:t>
@@ -8528,24 +8989,40 @@
           <a:bodyPr/>
           <a:lstStyle/>
           <a:p>
+            <a:pPr>
+              <a:buFont typeface="Wingdings" panose="05000000000000000000" pitchFamily="2" charset="2"/>
+              <a:buChar char="§"/>
+            </a:pPr>
             <a:r>
               <a:rPr lang="en-US" dirty="0"/>
               <a:t>Who in your organization can assign IDs?</a:t>
             </a:r>
           </a:p>
           <a:p>
+            <a:pPr>
+              <a:buFont typeface="Wingdings" panose="05000000000000000000" pitchFamily="2" charset="2"/>
+              <a:buChar char="§"/>
+            </a:pPr>
             <a:r>
               <a:rPr lang="en-US" dirty="0"/>
               <a:t>At what point in the process should a CVE ID be assigned?</a:t>
             </a:r>
           </a:p>
           <a:p>
+            <a:pPr>
+              <a:buFont typeface="Wingdings" panose="05000000000000000000" pitchFamily="2" charset="2"/>
+              <a:buChar char="§"/>
+            </a:pPr>
             <a:r>
               <a:rPr lang="en-US" dirty="0"/>
               <a:t>When an ID is assigned, how is it recorded?</a:t>
             </a:r>
           </a:p>
           <a:p>
+            <a:pPr>
+              <a:buFont typeface="Wingdings" panose="05000000000000000000" pitchFamily="2" charset="2"/>
+              <a:buChar char="§"/>
+            </a:pPr>
             <a:r>
               <a:rPr lang="en-US" dirty="0"/>
               <a:t>How are vulnerabilities tracked (i.e., which vulnerability is assigned to which CVE ID)?</a:t>
@@ -8690,40 +9167,60 @@
           </a:bodyPr>
           <a:lstStyle/>
           <a:p>
+            <a:pPr>
+              <a:buFont typeface="Wingdings" panose="05000000000000000000" pitchFamily="2" charset="2"/>
+              <a:buChar char="§"/>
+            </a:pPr>
             <a:r>
               <a:rPr lang="en-US" dirty="0"/>
               <a:t>The disclosure policy should at least include the expected timeframe and conditions under which vulnerability information will be published</a:t>
             </a:r>
           </a:p>
           <a:p>
+            <a:pPr>
+              <a:buFont typeface="Wingdings" panose="05000000000000000000" pitchFamily="2" charset="2"/>
+              <a:buChar char="§"/>
+            </a:pPr>
             <a:r>
               <a:rPr lang="en-US" dirty="0"/>
               <a:t>The following additional communication points are advised:</a:t>
             </a:r>
           </a:p>
           <a:p>
-            <a:pPr lvl="1"/>
+            <a:pPr lvl="1">
+              <a:buFont typeface="Wingdings" panose="05000000000000000000" pitchFamily="2" charset="2"/>
+              <a:buChar char="§"/>
+            </a:pPr>
             <a:r>
               <a:rPr lang="en-US" dirty="0"/>
               <a:t>Acknowledge receipt of submission (i.e., provide an initial response to reporter, even if it is just a “we received your request and are looking into it”)</a:t>
             </a:r>
           </a:p>
           <a:p>
-            <a:pPr lvl="1"/>
+            <a:pPr lvl="1">
+              <a:buFont typeface="Wingdings" panose="05000000000000000000" pitchFamily="2" charset="2"/>
+              <a:buChar char="§"/>
+            </a:pPr>
             <a:r>
               <a:rPr lang="en-US" dirty="0"/>
               <a:t>Give reporter approximate time it will take to get back to them with a determination on whether there is a vulnerability</a:t>
             </a:r>
           </a:p>
           <a:p>
-            <a:pPr lvl="1"/>
+            <a:pPr lvl="1">
+              <a:buFont typeface="Wingdings" panose="05000000000000000000" pitchFamily="2" charset="2"/>
+              <a:buChar char="§"/>
+            </a:pPr>
             <a:r>
               <a:rPr lang="en-US" dirty="0"/>
               <a:t>Advise the reporter when they can expect to receive the CVE ID for the vulnerability</a:t>
             </a:r>
           </a:p>
           <a:p>
-            <a:pPr lvl="1"/>
+            <a:pPr lvl="1">
+              <a:buFont typeface="Wingdings" panose="05000000000000000000" pitchFamily="2" charset="2"/>
+              <a:buChar char="§"/>
+            </a:pPr>
             <a:r>
               <a:rPr lang="en-US" dirty="0"/>
               <a:t>Advise the reporter when the issue will be fixed and when an advisory can be published</a:t>
@@ -8863,31 +9360,50 @@
           <a:bodyPr/>
           <a:lstStyle/>
           <a:p>
+            <a:pPr>
+              <a:buFont typeface="Wingdings" panose="05000000000000000000" pitchFamily="2" charset="2"/>
+              <a:buChar char="§"/>
+            </a:pPr>
             <a:r>
               <a:rPr lang="en-US" dirty="0"/>
               <a:t>Advisories must be made public</a:t>
             </a:r>
           </a:p>
           <a:p>
+            <a:pPr>
+              <a:buFont typeface="Wingdings" panose="05000000000000000000" pitchFamily="2" charset="2"/>
+              <a:buChar char="§"/>
+            </a:pPr>
             <a:r>
               <a:rPr lang="en-US" dirty="0"/>
               <a:t>The advisory should clearly state which CVE ID is associated with which vulnerability</a:t>
             </a:r>
           </a:p>
           <a:p>
+            <a:pPr>
+              <a:buFont typeface="Wingdings" panose="05000000000000000000" pitchFamily="2" charset="2"/>
+              <a:buChar char="§"/>
+            </a:pPr>
             <a:r>
               <a:rPr lang="en-US" dirty="0"/>
               <a:t>Are CVE Entries sent to the Root CNA, or directly to the Program Root CNA?</a:t>
             </a:r>
           </a:p>
           <a:p>
-            <a:pPr lvl="1"/>
+            <a:pPr lvl="1">
+              <a:buFont typeface="Wingdings" panose="05000000000000000000" pitchFamily="2" charset="2"/>
+              <a:buChar char="§"/>
+            </a:pPr>
             <a:r>
               <a:rPr lang="en-US" dirty="0"/>
               <a:t>The Root CNA may require CVE Entries be sent directly to them</a:t>
             </a:r>
           </a:p>
           <a:p>
+            <a:pPr>
+              <a:buFont typeface="Wingdings" panose="05000000000000000000" pitchFamily="2" charset="2"/>
+              <a:buChar char="§"/>
+            </a:pPr>
             <a:r>
               <a:rPr lang="en-US" dirty="0"/>
               <a:t>CVE Entries should be sent within 24 hours of the vulnerability being made public</a:t>
@@ -9033,33 +9549,50 @@
           <a:bodyPr/>
           <a:lstStyle/>
           <a:p>
+            <a:pPr>
+              <a:buFont typeface="Wingdings" panose="05000000000000000000" pitchFamily="2" charset="2"/>
+              <a:buChar char="§"/>
+            </a:pPr>
             <a:r>
               <a:rPr lang="en-US" dirty="0"/>
               <a:t>CNAs will receive requests to update CVE Entries that have been created; a process should be established to handle these requests</a:t>
             </a:r>
           </a:p>
           <a:p>
+            <a:pPr>
+              <a:buFont typeface="Wingdings" panose="05000000000000000000" pitchFamily="2" charset="2"/>
+              <a:buChar char="§"/>
+            </a:pPr>
             <a:r>
               <a:rPr lang="en-US" dirty="0"/>
               <a:t>If the request to update a CVE Entry is sent to a Root CNA or the Program Root CNA, the issuing CNA should decide if they want to be notified.</a:t>
             </a:r>
           </a:p>
           <a:p>
-            <a:pPr lvl="1"/>
+            <a:pPr lvl="1">
+              <a:buFont typeface="Wingdings" panose="05000000000000000000" pitchFamily="2" charset="2"/>
+              <a:buChar char="§"/>
+            </a:pPr>
             <a:r>
               <a:rPr lang="en-US" dirty="0"/>
               <a:t>Decide if notification is necessary under the following conditions:</a:t>
             </a:r>
           </a:p>
           <a:p>
-            <a:pPr lvl="2"/>
+            <a:pPr lvl="2">
+              <a:buFont typeface="Wingdings" panose="05000000000000000000" pitchFamily="2" charset="2"/>
+              <a:buChar char="§"/>
+            </a:pPr>
             <a:r>
               <a:rPr lang="en-US" dirty="0"/>
               <a:t>Spelling or grammar issues</a:t>
             </a:r>
           </a:p>
           <a:p>
-            <a:pPr lvl="2"/>
+            <a:pPr lvl="2">
+              <a:buFont typeface="Wingdings" panose="05000000000000000000" pitchFamily="2" charset="2"/>
+              <a:buChar char="§"/>
+            </a:pPr>
             <a:r>
               <a:rPr lang="en-US" dirty="0"/>
               <a:t>Adding a reference</a:t>
@@ -9206,26 +9739,40 @@
           </a:bodyPr>
           <a:lstStyle/>
           <a:p>
+            <a:pPr>
+              <a:buFont typeface="Wingdings" panose="05000000000000000000" pitchFamily="2" charset="2"/>
+              <a:buChar char="§"/>
+            </a:pPr>
             <a:r>
               <a:rPr lang="en-US" dirty="0"/>
               <a:t>Quarterly reports on the functioning of the CNA program are required</a:t>
             </a:r>
           </a:p>
           <a:p>
+            <a:pPr>
+              <a:buFont typeface="Wingdings" panose="05000000000000000000" pitchFamily="2" charset="2"/>
+              <a:buChar char="§"/>
+            </a:pPr>
             <a:r>
               <a:rPr lang="en-US" dirty="0"/>
               <a:t>The current requirements are:</a:t>
             </a:r>
           </a:p>
           <a:p>
-            <a:pPr lvl="1"/>
+            <a:pPr lvl="1">
+              <a:buFont typeface="Wingdings" panose="05000000000000000000" pitchFamily="2" charset="2"/>
+              <a:buChar char="§"/>
+            </a:pPr>
             <a:r>
               <a:rPr lang="en-US" dirty="0"/>
               <a:t>For All CNAs:</a:t>
             </a:r>
           </a:p>
           <a:p>
-            <a:pPr lvl="2"/>
+            <a:pPr lvl="2">
+              <a:buFont typeface="Wingdings" panose="05000000000000000000" pitchFamily="2" charset="2"/>
+              <a:buChar char="§"/>
+            </a:pPr>
             <a:r>
               <a:rPr lang="en-US" dirty="0"/>
               <a:t>Number of unique vulnerability reports received from external parties (assigned and not assigned CVE IDs)</a:t>
@@ -9239,7 +9786,10 @@
             </a:r>
           </a:p>
           <a:p>
-            <a:pPr lvl="2"/>
+            <a:pPr lvl="2">
+              <a:buFont typeface="Wingdings" panose="05000000000000000000" pitchFamily="2" charset="2"/>
+              <a:buChar char="§"/>
+            </a:pPr>
             <a:r>
               <a:rPr lang="en-US" dirty="0"/>
               <a:t>Average time between assignment of CVE ID and publication of CVE Entry</a:t>
@@ -9405,20 +9955,30 @@
           </a:bodyPr>
           <a:lstStyle/>
           <a:p>
+            <a:pPr>
+              <a:buFont typeface="Wingdings" panose="05000000000000000000" pitchFamily="2" charset="2"/>
+              <a:buChar char="§"/>
+            </a:pPr>
             <a:r>
               <a:rPr lang="en-US" dirty="0"/>
               <a:t>The current requirements are:</a:t>
             </a:r>
           </a:p>
           <a:p>
-            <a:pPr lvl="1"/>
+            <a:pPr lvl="1">
+              <a:buFont typeface="Wingdings" panose="05000000000000000000" pitchFamily="2" charset="2"/>
+              <a:buChar char="§"/>
+            </a:pPr>
             <a:r>
               <a:rPr lang="en-US" dirty="0"/>
               <a:t>For Root CNAs:</a:t>
             </a:r>
           </a:p>
           <a:p>
-            <a:pPr lvl="2"/>
+            <a:pPr lvl="2">
+              <a:buFont typeface="Wingdings" panose="05000000000000000000" pitchFamily="2" charset="2"/>
+              <a:buChar char="§"/>
+            </a:pPr>
             <a:r>
               <a:rPr lang="en-US" sz="2000" dirty="0"/>
               <a:t>Number of times an issue was escalated to the Root CNA</a:t>
@@ -9432,14 +9992,20 @@
             </a:r>
           </a:p>
           <a:p>
-            <a:pPr lvl="2"/>
+            <a:pPr lvl="2">
+              <a:buFont typeface="Wingdings" panose="05000000000000000000" pitchFamily="2" charset="2"/>
+              <a:buChar char="§"/>
+            </a:pPr>
             <a:r>
               <a:rPr lang="en-US" sz="2000" dirty="0"/>
               <a:t>Categories of escalated issues and percentage of total:</a:t>
             </a:r>
           </a:p>
           <a:p>
-            <a:pPr lvl="3"/>
+            <a:pPr lvl="3">
+              <a:buFont typeface="Wingdings" panose="05000000000000000000" pitchFamily="2" charset="2"/>
+              <a:buChar char="§"/>
+            </a:pPr>
             <a:r>
               <a:rPr lang="en-US" sz="1800" dirty="0">
                 <a:latin typeface="Helvetica LT Std"/>
@@ -9448,7 +10014,10 @@
             </a:r>
           </a:p>
           <a:p>
-            <a:pPr lvl="3"/>
+            <a:pPr lvl="3">
+              <a:buFont typeface="Wingdings" panose="05000000000000000000" pitchFamily="2" charset="2"/>
+              <a:buChar char="§"/>
+            </a:pPr>
             <a:r>
               <a:rPr lang="en-US" sz="1800" dirty="0">
                 <a:latin typeface="Helvetica LT Std"/>
@@ -9461,6 +10030,8 @@
               <a:spcAft>
                 <a:spcPts val="500"/>
               </a:spcAft>
+              <a:buFont typeface="Wingdings" panose="05000000000000000000" pitchFamily="2" charset="2"/>
+              <a:buChar char="§"/>
             </a:pPr>
             <a:r>
               <a:rPr lang="en-US" sz="1800" dirty="0">
@@ -9470,14 +10041,20 @@
             </a:r>
           </a:p>
           <a:p>
-            <a:pPr lvl="2"/>
+            <a:pPr lvl="2">
+              <a:buFont typeface="Wingdings" panose="05000000000000000000" pitchFamily="2" charset="2"/>
+              <a:buChar char="§"/>
+            </a:pPr>
             <a:r>
               <a:rPr lang="en-US" sz="2000" dirty="0"/>
               <a:t>Rationale: What is the nature of the issues that Root CNAs are addressing, which can inform training, documentation, and process improvement.</a:t>
             </a:r>
           </a:p>
           <a:p>
-            <a:pPr lvl="2"/>
+            <a:pPr lvl="2">
+              <a:buFont typeface="Wingdings" panose="05000000000000000000" pitchFamily="2" charset="2"/>
+              <a:buChar char="§"/>
+            </a:pPr>
             <a:r>
               <a:rPr lang="en-US" sz="2000" dirty="0"/>
               <a:t>List of Sub-CNAs and New Sub-CNAs this quarter</a:t>
@@ -9629,31 +10206,50 @@
           <a:bodyPr/>
           <a:lstStyle/>
           <a:p>
+            <a:pPr>
+              <a:buFont typeface="Wingdings" panose="05000000000000000000" pitchFamily="2" charset="2"/>
+              <a:buChar char="§"/>
+            </a:pPr>
             <a:r>
               <a:rPr lang="en-US" dirty="0"/>
               <a:t>Point of Contact (POC) </a:t>
             </a:r>
           </a:p>
           <a:p>
-            <a:pPr lvl="1"/>
+            <a:pPr lvl="1">
+              <a:buFont typeface="Wingdings" panose="05000000000000000000" pitchFamily="2" charset="2"/>
+              <a:buChar char="§"/>
+            </a:pPr>
             <a:r>
               <a:rPr lang="en-US" dirty="0"/>
               <a:t>As defined by the parent CNA</a:t>
             </a:r>
           </a:p>
           <a:p>
+            <a:pPr>
+              <a:buFont typeface="Wingdings" panose="05000000000000000000" pitchFamily="2" charset="2"/>
+              <a:buChar char="§"/>
+            </a:pPr>
             <a:r>
               <a:rPr lang="en-US" dirty="0"/>
               <a:t>Scope definition</a:t>
             </a:r>
           </a:p>
           <a:p>
+            <a:pPr>
+              <a:buFont typeface="Wingdings" panose="05000000000000000000" pitchFamily="2" charset="2"/>
+              <a:buChar char="§"/>
+            </a:pPr>
             <a:r>
               <a:rPr lang="en-US" dirty="0"/>
               <a:t>Disclosure policy</a:t>
             </a:r>
           </a:p>
           <a:p>
+            <a:pPr>
+              <a:buFont typeface="Wingdings" panose="05000000000000000000" pitchFamily="2" charset="2"/>
+              <a:buChar char="§"/>
+            </a:pPr>
             <a:r>
               <a:rPr lang="en-US" dirty="0"/>
               <a:t>Root CNAs may require additional information to be provided</a:t>
@@ -9916,19 +10512,30 @@
           <a:bodyPr/>
           <a:lstStyle/>
           <a:p>
+            <a:pPr>
+              <a:buFont typeface="Wingdings" panose="05000000000000000000" pitchFamily="2" charset="2"/>
+              <a:buChar char="§"/>
+            </a:pPr>
             <a:r>
               <a:rPr lang="en-US" dirty="0"/>
               <a:t>Parent CNA provides initial training</a:t>
             </a:r>
           </a:p>
           <a:p>
+            <a:pPr>
+              <a:buFont typeface="Wingdings" panose="05000000000000000000" pitchFamily="2" charset="2"/>
+              <a:buChar char="§"/>
+            </a:pPr>
             <a:r>
               <a:rPr lang="en-US" dirty="0"/>
               <a:t>The training should include:</a:t>
             </a:r>
           </a:p>
           <a:p>
-            <a:pPr lvl="1"/>
+            <a:pPr lvl="1">
+              <a:buFont typeface="Wingdings" panose="05000000000000000000" pitchFamily="2" charset="2"/>
+              <a:buChar char="§"/>
+            </a:pPr>
             <a:r>
               <a:rPr lang="en-US" sz="1800" dirty="0"/>
               <a:t>A </a:t>
@@ -9943,40 +10550,50 @@
             </a:r>
           </a:p>
           <a:p>
-            <a:pPr lvl="1"/>
+            <a:pPr>
+              <a:buFont typeface="Wingdings" panose="05000000000000000000" pitchFamily="2" charset="2"/>
+              <a:buChar char="§"/>
+            </a:pPr>
+            <a:r>
+              <a:rPr lang="en-US" dirty="0"/>
+              <a:t>Additional Training</a:t>
+            </a:r>
+          </a:p>
+          <a:p>
+            <a:pPr lvl="1">
+              <a:buFont typeface="Wingdings" panose="05000000000000000000" pitchFamily="2" charset="2"/>
+              <a:buChar char="§"/>
+            </a:pPr>
             <a:r>
               <a:rPr lang="en-US" sz="1800" dirty="0"/>
-              <a:t>Training batch of IDs which will be reviewed with Parent CNA</a:t>
-            </a:r>
-          </a:p>
-          <a:p>
-            <a:r>
-              <a:rPr lang="en-US" dirty="0"/>
-              <a:t>Additional Training</a:t>
-            </a:r>
-          </a:p>
-          <a:p>
-            <a:pPr lvl="1"/>
-            <a:r>
-              <a:rPr lang="en-US" sz="1800" dirty="0"/>
-              <a:t>CNA Summits</a:t>
-            </a:r>
-          </a:p>
-          <a:p>
-            <a:pPr lvl="1"/>
+              <a:t>CNA Summits (Virtual/In Person) </a:t>
+            </a:r>
+          </a:p>
+          <a:p>
+            <a:pPr lvl="1">
+              <a:buFont typeface="Wingdings" panose="05000000000000000000" pitchFamily="2" charset="2"/>
+              <a:buChar char="§"/>
+            </a:pPr>
             <a:r>
               <a:rPr lang="en-US" sz="1800" dirty="0"/>
               <a:t>Supplementary documentation</a:t>
             </a:r>
           </a:p>
           <a:p>
+            <a:pPr>
+              <a:buFont typeface="Wingdings" panose="05000000000000000000" pitchFamily="2" charset="2"/>
+              <a:buChar char="§"/>
+            </a:pPr>
             <a:r>
               <a:rPr lang="en-US" dirty="0"/>
               <a:t>An internal training process should be developed for those who join the team</a:t>
             </a:r>
           </a:p>
           <a:p>
-            <a:pPr lvl="1"/>
+            <a:pPr lvl="1">
+              <a:buFont typeface="Wingdings" panose="05000000000000000000" pitchFamily="2" charset="2"/>
+              <a:buChar char="§"/>
+            </a:pPr>
             <a:r>
               <a:rPr lang="en-US" sz="1800" dirty="0"/>
               <a:t>Program Root CNA (currently MITRE) can help provide supplemental material</a:t>
@@ -10102,7 +10719,7 @@
           <a:p>
             <a:r>
               <a:rPr lang="en-US" dirty="0"/>
-              <a:t>CVE Working Groups (1 of 2)</a:t>
+              <a:t>CVE Working Groups (1 of 3)</a:t>
             </a:r>
           </a:p>
         </p:txBody>
@@ -10126,7 +10743,7 @@
         <p:spPr>
           <a:xfrm>
             <a:off x="812800" y="1344434"/>
-            <a:ext cx="10972800" cy="4589745"/>
+            <a:ext cx="10972800" cy="4562295"/>
           </a:xfrm>
         </p:spPr>
         <p:txBody>
@@ -10135,115 +10752,75 @@
           </a:bodyPr>
           <a:lstStyle/>
           <a:p>
-            <a:r>
-              <a:rPr lang="en-US" dirty="0"/>
-              <a:t>Automation WG</a:t>
-            </a:r>
-          </a:p>
-          <a:p>
-            <a:pPr marL="230188" lvl="1" indent="0">
-              <a:buNone/>
-            </a:pPr>
-            <a:r>
-              <a:rPr lang="en-US" dirty="0">
-                <a:hlinkClick r:id="rId3"/>
-              </a:rPr>
-              <a:t>https://github.com/CVEProject/automation-working-group</a:t>
-            </a:r>
-            <a:r>
-              <a:rPr lang="en-US" dirty="0"/>
-              <a:t> </a:t>
-            </a:r>
-          </a:p>
-          <a:p>
-            <a:pPr lvl="1"/>
-            <a:r>
-              <a:rPr lang="en-US" dirty="0"/>
-              <a:t>JSON format</a:t>
-            </a:r>
-          </a:p>
-          <a:p>
-            <a:pPr lvl="2"/>
-            <a:r>
-              <a:rPr lang="en-US" dirty="0">
-                <a:hlinkClick r:id="rId4"/>
-              </a:rPr>
-              <a:t>https://github.com/CVEProject/JSON-format-project-AWG</a:t>
-            </a:r>
+            <a:pPr>
+              <a:buFont typeface="Wingdings" panose="05000000000000000000" pitchFamily="2" charset="2"/>
+              <a:buChar char="§"/>
+            </a:pPr>
+            <a:r>
+              <a:rPr lang="en-US" dirty="0"/>
+              <a:t>Automation Working Group (AWG)</a:t>
+            </a:r>
+          </a:p>
+          <a:p>
+            <a:pPr marL="573088" lvl="1" indent="-342900">
+              <a:buFont typeface="Wingdings" panose="05000000000000000000" pitchFamily="2" charset="2"/>
+              <a:buChar char="§"/>
+            </a:pPr>
+            <a:r>
+              <a:rPr lang="en-US" altLang="en-US" dirty="0">
+                <a:latin typeface="Helvetica LT Std"/>
+              </a:rPr>
+              <a:t>Focused on identifying and advancing proposals for the collaborative design, development, and deployment of automated capabilities that support the efficient management of the CVE Program.</a:t>
+            </a:r>
+          </a:p>
+          <a:p>
+            <a:pPr marL="573088" lvl="1" indent="-342900">
+              <a:buFont typeface="Wingdings" panose="05000000000000000000" pitchFamily="2" charset="2"/>
+              <a:buChar char="§"/>
+            </a:pPr>
             <a:endParaRPr lang="en-US" dirty="0"/>
           </a:p>
           <a:p>
-            <a:pPr lvl="2"/>
-            <a:r>
-              <a:rPr lang="en-US" dirty="0">
-                <a:hlinkClick r:id="rId3"/>
-              </a:rPr>
-              <a:t>https://github.com/CVEProject/automation-working-group</a:t>
-            </a:r>
-            <a:r>
-              <a:rPr lang="en-US" dirty="0"/>
-              <a:t> </a:t>
-            </a:r>
-          </a:p>
-          <a:p>
-            <a:pPr lvl="1"/>
-            <a:r>
-              <a:rPr lang="en-US" dirty="0"/>
-              <a:t>CVE Entry submission service</a:t>
-            </a:r>
-          </a:p>
-          <a:p>
-            <a:pPr lvl="2"/>
-            <a:r>
-              <a:rPr lang="en-US" dirty="0">
-                <a:hlinkClick r:id="rId5"/>
-              </a:rPr>
-              <a:t>https://github.com/CVEProject/cvelist</a:t>
-            </a:r>
-            <a:r>
-              <a:rPr lang="en-US" dirty="0"/>
-              <a:t> </a:t>
-            </a:r>
-          </a:p>
-          <a:p>
-            <a:pPr lvl="1"/>
-            <a:r>
-              <a:rPr lang="en-US" dirty="0"/>
-              <a:t>CVE ID allocation service</a:t>
-            </a:r>
-          </a:p>
-          <a:p>
-            <a:pPr lvl="2"/>
-            <a:r>
-              <a:rPr lang="en-US" dirty="0">
-                <a:hlinkClick r:id="rId6"/>
-              </a:rPr>
-              <a:t>https://github.com/CVEProject/CVE-ID-Allocation-Service</a:t>
-            </a:r>
-            <a:r>
-              <a:rPr lang="en-US" dirty="0"/>
-              <a:t> </a:t>
-            </a:r>
-          </a:p>
-          <a:p>
-            <a:pPr lvl="1"/>
-            <a:r>
-              <a:rPr lang="en-US" dirty="0"/>
-              <a:t>CVE user registry</a:t>
-            </a:r>
-          </a:p>
-          <a:p>
-            <a:pPr lvl="2"/>
-            <a:r>
-              <a:rPr lang="en-US" dirty="0">
-                <a:hlinkClick r:id="rId7"/>
-              </a:rPr>
-              <a:t>https://github.com/CVEProject/CVE-User-Registry</a:t>
-            </a:r>
-            <a:r>
-              <a:rPr lang="en-US" dirty="0"/>
-              <a:t> </a:t>
-            </a:r>
+            <a:pPr marL="573088" lvl="1" indent="-342900">
+              <a:buFont typeface="Wingdings" panose="05000000000000000000" pitchFamily="2" charset="2"/>
+              <a:buChar char="§"/>
+            </a:pPr>
+            <a:endParaRPr lang="en-US" dirty="0"/>
+          </a:p>
+          <a:p>
+            <a:pPr marL="573088" lvl="1" indent="-342900">
+              <a:buFont typeface="Wingdings" panose="05000000000000000000" pitchFamily="2" charset="2"/>
+              <a:buChar char="§"/>
+            </a:pPr>
+            <a:endParaRPr lang="en-US" dirty="0"/>
+          </a:p>
+          <a:p>
+            <a:pPr marL="573088" lvl="1" indent="-342900">
+              <a:buFont typeface="Wingdings" panose="05000000000000000000" pitchFamily="2" charset="2"/>
+              <a:buChar char="§"/>
+            </a:pPr>
+            <a:endParaRPr lang="en-US" dirty="0"/>
+          </a:p>
+          <a:p>
+            <a:pPr marL="574675" lvl="1" indent="-346075">
+              <a:buFont typeface="Wingdings" panose="05000000000000000000" pitchFamily="2" charset="2"/>
+              <a:buChar char="§"/>
+            </a:pPr>
+            <a:r>
+              <a:rPr lang="en-US" b="1" dirty="0"/>
+              <a:t>CVE Workflow Working Group (CWWG)</a:t>
+            </a:r>
+          </a:p>
+          <a:p>
+            <a:pPr lvl="3">
+              <a:buFont typeface="Wingdings" panose="05000000000000000000" pitchFamily="2" charset="2"/>
+              <a:buChar char="§"/>
+            </a:pPr>
+            <a:r>
+              <a:rPr lang="en-US" sz="1800" dirty="0"/>
+              <a:t>Focused on providing a programmatic method for requesting and retrieving CVE IDs by enabling “just in time” CVE ID allocation.</a:t>
+            </a:r>
+            <a:endParaRPr lang="en-US" dirty="0"/>
           </a:p>
         </p:txBody>
       </p:sp>
@@ -10312,6 +10889,253 @@
           </a:p>
         </p:txBody>
       </p:sp>
+      <p:graphicFrame>
+        <p:nvGraphicFramePr>
+          <p:cNvPr id="7" name="Table 6">
+            <a:extLst>
+              <a:ext uri="{FF2B5EF4-FFF2-40B4-BE49-F238E27FC236}">
+                <a16:creationId xmlns:a16="http://schemas.microsoft.com/office/drawing/2014/main" id="{56BEF556-23DF-4707-9F87-70762947D69C}"/>
+              </a:ext>
+            </a:extLst>
+          </p:cNvPr>
+          <p:cNvGraphicFramePr>
+            <a:graphicFrameLocks noGrp="1"/>
+          </p:cNvGraphicFramePr>
+          <p:nvPr/>
+        </p:nvGraphicFramePr>
+        <p:xfrm>
+          <a:off x="2568270" y="2347429"/>
+          <a:ext cx="9408162" cy="2126212"/>
+        </p:xfrm>
+        <a:graphic>
+          <a:graphicData uri="http://schemas.openxmlformats.org/drawingml/2006/table">
+            <a:tbl>
+              <a:tblPr/>
+              <a:tblGrid>
+                <a:gridCol w="4704081">
+                  <a:extLst>
+                    <a:ext uri="{9D8B030D-6E8A-4147-A177-3AD203B41FA5}">
+                      <a16:colId xmlns:a16="http://schemas.microsoft.com/office/drawing/2014/main" val="2397628508"/>
+                    </a:ext>
+                  </a:extLst>
+                </a:gridCol>
+                <a:gridCol w="4704081">
+                  <a:extLst>
+                    <a:ext uri="{9D8B030D-6E8A-4147-A177-3AD203B41FA5}">
+                      <a16:colId xmlns:a16="http://schemas.microsoft.com/office/drawing/2014/main" val="300570475"/>
+                    </a:ext>
+                  </a:extLst>
+                </a:gridCol>
+              </a:tblGrid>
+              <a:tr h="303745">
+                <a:tc>
+                  <a:txBody>
+                    <a:bodyPr/>
+                    <a:lstStyle/>
+                    <a:p>
+                      <a:endParaRPr lang="en-US" sz="1800"/>
+                    </a:p>
+                  </a:txBody>
+                  <a:tcPr marL="0" marR="0" marT="0" marB="0" anchor="ctr">
+                    <a:lnL>
+                      <a:noFill/>
+                    </a:lnL>
+                    <a:lnR>
+                      <a:noFill/>
+                    </a:lnR>
+                    <a:lnT>
+                      <a:noFill/>
+                    </a:lnT>
+                    <a:lnB>
+                      <a:noFill/>
+                    </a:lnB>
+                  </a:tcPr>
+                </a:tc>
+                <a:tc>
+                  <a:txBody>
+                    <a:bodyPr/>
+                    <a:lstStyle/>
+                    <a:p>
+                      <a:endParaRPr lang="en-US" sz="1800"/>
+                    </a:p>
+                  </a:txBody>
+                  <a:tcPr marL="0" marR="0" marT="0" marB="0" anchor="ctr">
+                    <a:lnL>
+                      <a:noFill/>
+                    </a:lnL>
+                    <a:lnR>
+                      <a:noFill/>
+                    </a:lnR>
+                    <a:lnT>
+                      <a:noFill/>
+                    </a:lnT>
+                    <a:lnB>
+                      <a:noFill/>
+                    </a:lnB>
+                  </a:tcPr>
+                </a:tc>
+                <a:extLst>
+                  <a:ext uri="{0D108BD9-81ED-4DB2-BD59-A6C34878D82A}">
+                    <a16:rowId xmlns:a16="http://schemas.microsoft.com/office/drawing/2014/main" val="2034914832"/>
+                  </a:ext>
+                </a:extLst>
+              </a:tr>
+              <a:tr h="1822467">
+                <a:tc>
+                  <a:txBody>
+                    <a:bodyPr/>
+                    <a:lstStyle/>
+                    <a:p>
+                      <a:r>
+                        <a:rPr lang="en-US" sz="1800" b="1" dirty="0"/>
+                        <a:t>Documents</a:t>
+                      </a:r>
+                      <a:endParaRPr lang="en-US" sz="1800" dirty="0"/>
+                    </a:p>
+                    <a:p>
+                      <a:pPr marL="285750" indent="-285750">
+                        <a:buFont typeface="Wingdings" panose="05000000000000000000" pitchFamily="2" charset="2"/>
+                        <a:buChar char="§"/>
+                      </a:pPr>
+                      <a:r>
+                        <a:rPr lang="en-US" sz="1800" dirty="0">
+                          <a:hlinkClick r:id="rId3"/>
+                        </a:rPr>
+                        <a:t>CVE ID Allocation Service Specification</a:t>
+                      </a:r>
+                      <a:endParaRPr lang="en-US" sz="1800" dirty="0"/>
+                    </a:p>
+                    <a:p>
+                      <a:pPr marL="285750" indent="-285750">
+                        <a:buFont typeface="Wingdings" panose="05000000000000000000" pitchFamily="2" charset="2"/>
+                        <a:buChar char="§"/>
+                      </a:pPr>
+                      <a:r>
+                        <a:rPr lang="en-US" sz="1800" dirty="0">
+                          <a:hlinkClick r:id="rId4"/>
+                        </a:rPr>
+                        <a:t>AWG Charter</a:t>
+                      </a:r>
+                      <a:endParaRPr lang="en-US" sz="1800" dirty="0"/>
+                    </a:p>
+                  </a:txBody>
+                  <a:tcPr marL="0" marR="0" marT="0" marB="0">
+                    <a:lnL>
+                      <a:noFill/>
+                    </a:lnL>
+                    <a:lnR>
+                      <a:noFill/>
+                    </a:lnR>
+                    <a:lnT>
+                      <a:noFill/>
+                    </a:lnT>
+                    <a:lnB>
+                      <a:noFill/>
+                    </a:lnB>
+                  </a:tcPr>
+                </a:tc>
+                <a:tc>
+                  <a:txBody>
+                    <a:bodyPr/>
+                    <a:lstStyle/>
+                    <a:p>
+                      <a:r>
+                        <a:rPr lang="en-US" sz="1800" b="1" dirty="0"/>
+                        <a:t>Repositories &amp; Projects</a:t>
+                      </a:r>
+                      <a:endParaRPr lang="en-US" sz="1800" dirty="0"/>
+                    </a:p>
+                    <a:p>
+                      <a:pPr marL="285750" indent="-285750">
+                        <a:buFont typeface="Wingdings" panose="05000000000000000000" pitchFamily="2" charset="2"/>
+                        <a:buChar char="§"/>
+                      </a:pPr>
+                      <a:r>
+                        <a:rPr lang="en-US" sz="1800" dirty="0">
+                          <a:hlinkClick r:id="rId5"/>
+                        </a:rPr>
+                        <a:t>CVE ID Allocation Service</a:t>
+                      </a:r>
+                      <a:endParaRPr lang="en-US" sz="1800" dirty="0"/>
+                    </a:p>
+                    <a:p>
+                      <a:pPr marL="285750" indent="-285750">
+                        <a:buFont typeface="Wingdings" panose="05000000000000000000" pitchFamily="2" charset="2"/>
+                        <a:buChar char="§"/>
+                      </a:pPr>
+                      <a:r>
+                        <a:rPr lang="en-US" sz="1800" dirty="0">
+                          <a:hlinkClick r:id="rId6"/>
+                        </a:rPr>
+                        <a:t>CVE List GitHub Automation Pilot</a:t>
+                      </a:r>
+                      <a:endParaRPr lang="en-US" sz="1800" dirty="0"/>
+                    </a:p>
+                    <a:p>
+                      <a:pPr marL="285750" indent="-285750">
+                        <a:buFont typeface="Wingdings" panose="05000000000000000000" pitchFamily="2" charset="2"/>
+                        <a:buChar char="§"/>
+                      </a:pPr>
+                      <a:r>
+                        <a:rPr lang="en-US" sz="1800" dirty="0">
+                          <a:hlinkClick r:id="rId7"/>
+                        </a:rPr>
+                        <a:t>CVE JSON Schema Project</a:t>
+                      </a:r>
+                      <a:endParaRPr lang="en-US" sz="1800" dirty="0"/>
+                    </a:p>
+                    <a:p>
+                      <a:pPr marL="285750" indent="-285750">
+                        <a:buFont typeface="Wingdings" panose="05000000000000000000" pitchFamily="2" charset="2"/>
+                        <a:buChar char="§"/>
+                      </a:pPr>
+                      <a:r>
+                        <a:rPr lang="en-US" sz="1800" dirty="0">
+                          <a:hlinkClick r:id="rId8"/>
+                        </a:rPr>
+                        <a:t>CNA Registry Project</a:t>
+                      </a:r>
+                      <a:endParaRPr lang="en-US" sz="1800" dirty="0"/>
+                    </a:p>
+                    <a:p>
+                      <a:pPr marL="285750" indent="-285750">
+                        <a:buFont typeface="Wingdings" panose="05000000000000000000" pitchFamily="2" charset="2"/>
+                        <a:buChar char="§"/>
+                      </a:pPr>
+                      <a:r>
+                        <a:rPr lang="en-US" sz="1800" dirty="0">
+                          <a:hlinkClick r:id="rId9"/>
+                        </a:rPr>
+                        <a:t>AWG GitHub Repository</a:t>
+                      </a:r>
+                      <a:endParaRPr lang="en-US" sz="1800" dirty="0"/>
+                    </a:p>
+                  </a:txBody>
+                  <a:tcPr marL="0" marR="0" marT="0" marB="0">
+                    <a:lnL>
+                      <a:noFill/>
+                    </a:lnL>
+                    <a:lnR>
+                      <a:noFill/>
+                    </a:lnR>
+                    <a:lnT>
+                      <a:noFill/>
+                    </a:lnT>
+                    <a:lnB>
+                      <a:noFill/>
+                    </a:lnB>
+                  </a:tcPr>
+                </a:tc>
+                <a:extLst>
+                  <a:ext uri="{0D108BD9-81ED-4DB2-BD59-A6C34878D82A}">
+                    <a16:rowId xmlns:a16="http://schemas.microsoft.com/office/drawing/2014/main" val="912699683"/>
+                  </a:ext>
+                </a:extLst>
+              </a:tr>
+            </a:tbl>
+          </a:graphicData>
+        </a:graphic>
+      </p:graphicFrame>
     </p:spTree>
     <p:extLst>
       <p:ext uri="{BB962C8B-B14F-4D97-AF65-F5344CB8AC3E}">
@@ -10479,7 +11303,7 @@
           <a:p>
             <a:r>
               <a:rPr lang="en-US" dirty="0"/>
-              <a:t>CVE Working Groups (2 of 2)</a:t>
+              <a:t>CVE Working Groups (2 of 3)</a:t>
             </a:r>
           </a:p>
         </p:txBody>
@@ -10503,36 +11327,111 @@
         <p:spPr>
           <a:xfrm>
             <a:off x="812799" y="1375576"/>
-            <a:ext cx="11066449" cy="4558603"/>
+            <a:ext cx="11066449" cy="4929359"/>
           </a:xfrm>
         </p:spPr>
         <p:txBody>
           <a:bodyPr>
-            <a:normAutofit/>
+            <a:normAutofit fontScale="92500" lnSpcReduction="10000"/>
           </a:bodyPr>
           <a:lstStyle/>
           <a:p>
-            <a:r>
-              <a:rPr lang="en-US" dirty="0"/>
-              <a:t>Strategic Planning WG</a:t>
-            </a:r>
-          </a:p>
-          <a:p>
-            <a:r>
-              <a:rPr lang="en-US" dirty="0"/>
-              <a:t>Cloud Services WG</a:t>
-            </a:r>
-          </a:p>
-          <a:p>
-            <a:r>
-              <a:rPr lang="en-US" dirty="0"/>
-              <a:t>CNA Coordination WG</a:t>
-            </a:r>
-          </a:p>
-          <a:p>
-            <a:r>
-              <a:rPr lang="en-US" dirty="0"/>
-              <a:t>CVE Entry Quality WG</a:t>
+            <a:pPr marL="115888" indent="-342900">
+              <a:buFont typeface="Wingdings" panose="05000000000000000000" pitchFamily="2" charset="2"/>
+              <a:buChar char="§"/>
+            </a:pPr>
+            <a:r>
+              <a:rPr lang="en-US" dirty="0"/>
+              <a:t>Strategic Planning Working Group (SPWG)</a:t>
+            </a:r>
+          </a:p>
+          <a:p>
+            <a:pPr lvl="1">
+              <a:buFont typeface="Wingdings" panose="05000000000000000000" pitchFamily="2" charset="2"/>
+              <a:buChar char="§"/>
+            </a:pPr>
+            <a:r>
+              <a:rPr lang="en-US" altLang="en-US" dirty="0">
+                <a:latin typeface="Helvetica LT Std"/>
+              </a:rPr>
+              <a:t>Focused on the long-term strategy (1-5 years) and goals of the CVE Program; will work closely with the CVE Board to determine goals and objectives and will act to achieve them.</a:t>
+            </a:r>
+          </a:p>
+          <a:p>
+            <a:pPr>
+              <a:buFont typeface="Wingdings" panose="05000000000000000000" pitchFamily="2" charset="2"/>
+              <a:buChar char="§"/>
+            </a:pPr>
+            <a:endParaRPr lang="en-US" dirty="0"/>
+          </a:p>
+          <a:p>
+            <a:pPr>
+              <a:buFont typeface="Wingdings" panose="05000000000000000000" pitchFamily="2" charset="2"/>
+              <a:buChar char="§"/>
+            </a:pPr>
+            <a:endParaRPr lang="en-US" dirty="0"/>
+          </a:p>
+          <a:p>
+            <a:pPr>
+              <a:buFont typeface="Wingdings" panose="05000000000000000000" pitchFamily="2" charset="2"/>
+              <a:buChar char="§"/>
+            </a:pPr>
+            <a:r>
+              <a:rPr lang="en-US" dirty="0"/>
+              <a:t>CNA Coordination Working Group (CNACWG)</a:t>
+            </a:r>
+          </a:p>
+          <a:p>
+            <a:pPr lvl="1">
+              <a:buFont typeface="Wingdings" panose="05000000000000000000" pitchFamily="2" charset="2"/>
+              <a:buChar char="§"/>
+            </a:pPr>
+            <a:r>
+              <a:rPr lang="en-US" dirty="0"/>
+              <a:t>Focused on providing a forum for more effective communication and participation by the </a:t>
+            </a:r>
+            <a:r>
+              <a:rPr lang="en-US" dirty="0">
+                <a:hlinkClick r:id="rId3"/>
+              </a:rPr>
+              <a:t>CVE Numbering Authorities (CNAs)</a:t>
+            </a:r>
+            <a:r>
+              <a:rPr lang="en-US" dirty="0"/>
+              <a:t>.</a:t>
+            </a:r>
+          </a:p>
+          <a:p>
+            <a:pPr>
+              <a:buFont typeface="Wingdings" panose="05000000000000000000" pitchFamily="2" charset="2"/>
+              <a:buChar char="§"/>
+            </a:pPr>
+            <a:endParaRPr lang="en-US" dirty="0"/>
+          </a:p>
+          <a:p>
+            <a:pPr marL="0" indent="0">
+              <a:buNone/>
+            </a:pPr>
+            <a:endParaRPr lang="en-US" dirty="0"/>
+          </a:p>
+          <a:p>
+            <a:pPr>
+              <a:buFont typeface="Wingdings" panose="05000000000000000000" pitchFamily="2" charset="2"/>
+              <a:buChar char="§"/>
+            </a:pPr>
+            <a:r>
+              <a:rPr lang="en-US" dirty="0"/>
+              <a:t>CVE Entry Quality Working Group (QWG)</a:t>
+            </a:r>
+          </a:p>
+          <a:p>
+            <a:pPr lvl="1">
+              <a:buFont typeface="Wingdings" panose="05000000000000000000" pitchFamily="2" charset="2"/>
+              <a:buChar char="§"/>
+            </a:pPr>
+            <a:r>
+              <a:rPr lang="en-US" dirty="0"/>
+              <a:t>Focused on identifying areas where CVE content, rules, guidelines, and best practices must improve to better support stakeholder use cases.</a:t>
             </a:r>
           </a:p>
         </p:txBody>
@@ -10599,6 +11498,192 @@
                 <a:srgbClr val="C1CD23"/>
               </a:solidFill>
             </a:endParaRPr>
+          </a:p>
+        </p:txBody>
+      </p:sp>
+      <p:sp>
+        <p:nvSpPr>
+          <p:cNvPr id="5" name="Rectangle 4">
+            <a:extLst>
+              <a:ext uri="{FF2B5EF4-FFF2-40B4-BE49-F238E27FC236}">
+                <a16:creationId xmlns:a16="http://schemas.microsoft.com/office/drawing/2014/main" id="{56D58D78-17F9-42C5-A959-9C3423E2C5EE}"/>
+              </a:ext>
+            </a:extLst>
+          </p:cNvPr>
+          <p:cNvSpPr/>
+          <p:nvPr/>
+        </p:nvSpPr>
+        <p:spPr>
+          <a:xfrm>
+            <a:off x="2308569" y="4270207"/>
+            <a:ext cx="2621282" cy="646331"/>
+          </a:xfrm>
+          <a:prstGeom prst="rect">
+            <a:avLst/>
+          </a:prstGeom>
+        </p:spPr>
+        <p:txBody>
+          <a:bodyPr wrap="square">
+            <a:spAutoFit/>
+          </a:bodyPr>
+          <a:lstStyle/>
+          <a:p>
+            <a:r>
+              <a:rPr lang="en-US" b="1" dirty="0"/>
+              <a:t>Documents</a:t>
+            </a:r>
+            <a:endParaRPr lang="en-US" dirty="0"/>
+          </a:p>
+          <a:p>
+            <a:pPr marL="285750" indent="-285750">
+              <a:buFont typeface="Wingdings" panose="05000000000000000000" pitchFamily="2" charset="2"/>
+              <a:buChar char="§"/>
+            </a:pPr>
+            <a:r>
+              <a:rPr lang="en-US" dirty="0">
+                <a:hlinkClick r:id="rId4"/>
+              </a:rPr>
+              <a:t>CNACWG Charter</a:t>
+            </a:r>
+            <a:endParaRPr lang="en-US" dirty="0"/>
+          </a:p>
+        </p:txBody>
+      </p:sp>
+      <p:sp>
+        <p:nvSpPr>
+          <p:cNvPr id="6" name="Rectangle 5">
+            <a:extLst>
+              <a:ext uri="{FF2B5EF4-FFF2-40B4-BE49-F238E27FC236}">
+                <a16:creationId xmlns:a16="http://schemas.microsoft.com/office/drawing/2014/main" id="{06BFF5C1-AF1F-4E43-A195-11288D30EFF3}"/>
+              </a:ext>
+            </a:extLst>
+          </p:cNvPr>
+          <p:cNvSpPr/>
+          <p:nvPr/>
+        </p:nvSpPr>
+        <p:spPr>
+          <a:xfrm>
+            <a:off x="6522270" y="4343948"/>
+            <a:ext cx="3416410" cy="646331"/>
+          </a:xfrm>
+          <a:prstGeom prst="rect">
+            <a:avLst/>
+          </a:prstGeom>
+        </p:spPr>
+        <p:txBody>
+          <a:bodyPr wrap="square">
+            <a:spAutoFit/>
+          </a:bodyPr>
+          <a:lstStyle/>
+          <a:p>
+            <a:r>
+              <a:rPr lang="en-US" b="1" dirty="0"/>
+              <a:t>Repositories &amp; Projects</a:t>
+            </a:r>
+            <a:endParaRPr lang="en-US" dirty="0"/>
+          </a:p>
+          <a:p>
+            <a:pPr marL="285750" indent="-285750">
+              <a:buFont typeface="Wingdings" panose="05000000000000000000" pitchFamily="2" charset="2"/>
+              <a:buChar char="§"/>
+            </a:pPr>
+            <a:r>
+              <a:rPr lang="en-US" dirty="0"/>
+              <a:t>TBA</a:t>
+            </a:r>
+          </a:p>
+        </p:txBody>
+      </p:sp>
+      <p:sp>
+        <p:nvSpPr>
+          <p:cNvPr id="7" name="Rectangle 6">
+            <a:extLst>
+              <a:ext uri="{FF2B5EF4-FFF2-40B4-BE49-F238E27FC236}">
+                <a16:creationId xmlns:a16="http://schemas.microsoft.com/office/drawing/2014/main" id="{3860913D-9F60-44CF-9D46-4935D7CF2833}"/>
+              </a:ext>
+            </a:extLst>
+          </p:cNvPr>
+          <p:cNvSpPr/>
+          <p:nvPr/>
+        </p:nvSpPr>
+        <p:spPr>
+          <a:xfrm>
+            <a:off x="2253322" y="2382963"/>
+            <a:ext cx="3416410" cy="646331"/>
+          </a:xfrm>
+          <a:prstGeom prst="rect">
+            <a:avLst/>
+          </a:prstGeom>
+        </p:spPr>
+        <p:txBody>
+          <a:bodyPr wrap="square">
+            <a:spAutoFit/>
+          </a:bodyPr>
+          <a:lstStyle/>
+          <a:p>
+            <a:r>
+              <a:rPr lang="en-US" b="1" dirty="0"/>
+              <a:t>Documents </a:t>
+            </a:r>
+            <a:endParaRPr lang="en-US" dirty="0"/>
+          </a:p>
+          <a:p>
+            <a:pPr marL="285750" indent="-285750">
+              <a:buFont typeface="Wingdings" panose="05000000000000000000" pitchFamily="2" charset="2"/>
+              <a:buChar char="§"/>
+            </a:pPr>
+            <a:r>
+              <a:rPr lang="en-US" dirty="0"/>
+              <a:t>TBA</a:t>
+            </a:r>
+          </a:p>
+        </p:txBody>
+      </p:sp>
+      <p:sp>
+        <p:nvSpPr>
+          <p:cNvPr id="8" name="Rectangle 7">
+            <a:extLst>
+              <a:ext uri="{FF2B5EF4-FFF2-40B4-BE49-F238E27FC236}">
+                <a16:creationId xmlns:a16="http://schemas.microsoft.com/office/drawing/2014/main" id="{365C9765-6E16-46CE-A4E5-784453D8C11A}"/>
+              </a:ext>
+            </a:extLst>
+          </p:cNvPr>
+          <p:cNvSpPr/>
+          <p:nvPr/>
+        </p:nvSpPr>
+        <p:spPr>
+          <a:xfrm>
+            <a:off x="6522270" y="2382962"/>
+            <a:ext cx="5219065" cy="646331"/>
+          </a:xfrm>
+          <a:prstGeom prst="rect">
+            <a:avLst/>
+          </a:prstGeom>
+        </p:spPr>
+        <p:txBody>
+          <a:bodyPr wrap="square">
+            <a:spAutoFit/>
+          </a:bodyPr>
+          <a:lstStyle/>
+          <a:p>
+            <a:r>
+              <a:rPr lang="en-US" b="1" dirty="0"/>
+              <a:t>Repositories &amp; Projects</a:t>
+            </a:r>
+            <a:endParaRPr lang="en-US" dirty="0"/>
+          </a:p>
+          <a:p>
+            <a:pPr marL="285750" indent="-285750">
+              <a:buFont typeface="Wingdings" panose="05000000000000000000" pitchFamily="2" charset="2"/>
+              <a:buChar char="§"/>
+            </a:pPr>
+            <a:r>
+              <a:rPr lang="en-US" dirty="0">
+                <a:hlinkClick r:id="rId5"/>
+              </a:rPr>
+              <a:t>SPWG GitHub Repository</a:t>
+            </a:r>
+            <a:endParaRPr lang="en-US" dirty="0"/>
           </a:p>
         </p:txBody>
       </p:sp>
@@ -10634,7 +11719,13 @@
       </p:grpSpPr>
       <p:sp>
         <p:nvSpPr>
-          <p:cNvPr id="2" name="Title 1"/>
+          <p:cNvPr id="2" name="Title 1">
+            <a:extLst>
+              <a:ext uri="{FF2B5EF4-FFF2-40B4-BE49-F238E27FC236}">
+                <a16:creationId xmlns:a16="http://schemas.microsoft.com/office/drawing/2014/main" id="{DDAF5278-E631-41A0-A3F1-C9CC25390F88}"/>
+              </a:ext>
+            </a:extLst>
+          </p:cNvPr>
           <p:cNvSpPr>
             <a:spLocks noGrp="1"/>
           </p:cNvSpPr>
@@ -10649,14 +11740,20 @@
           <a:p>
             <a:r>
               <a:rPr lang="en-US" dirty="0"/>
-              <a:t>Other Community Participation</a:t>
-            </a:r>
-          </a:p>
-        </p:txBody>
-      </p:sp>
-      <p:sp>
-        <p:nvSpPr>
-          <p:cNvPr id="3" name="Content Placeholder 2"/>
+              <a:t>CVE Working Groups (3 of 3)</a:t>
+            </a:r>
+          </a:p>
+        </p:txBody>
+      </p:sp>
+      <p:sp>
+        <p:nvSpPr>
+          <p:cNvPr id="3" name="Content Placeholder 2">
+            <a:extLst>
+              <a:ext uri="{FF2B5EF4-FFF2-40B4-BE49-F238E27FC236}">
+                <a16:creationId xmlns:a16="http://schemas.microsoft.com/office/drawing/2014/main" id="{29285F77-9E59-4FAB-8861-4E17DADEC1A1}"/>
+              </a:ext>
+            </a:extLst>
+          </p:cNvPr>
           <p:cNvSpPr>
             <a:spLocks noGrp="1"/>
           </p:cNvSpPr>
@@ -10666,70 +11763,49 @@
         </p:nvSpPr>
         <p:spPr>
           <a:xfrm>
-            <a:off x="812801" y="1328532"/>
-            <a:ext cx="10972800" cy="4589745"/>
+            <a:off x="812799" y="1375576"/>
+            <a:ext cx="11066449" cy="4929359"/>
           </a:xfrm>
         </p:spPr>
         <p:txBody>
-          <a:bodyPr/>
+          <a:bodyPr>
+            <a:normAutofit/>
+          </a:bodyPr>
           <a:lstStyle/>
           <a:p>
-            <a:r>
-              <a:rPr lang="en-US" dirty="0"/>
-              <a:t>CNA mailing list</a:t>
-            </a:r>
-          </a:p>
-          <a:p>
-            <a:pPr lvl="1"/>
-            <a:r>
-              <a:rPr lang="en-US" dirty="0"/>
-              <a:t>For program wide announcements</a:t>
-            </a:r>
-          </a:p>
-          <a:p>
-            <a:pPr lvl="1"/>
-            <a:r>
-              <a:rPr lang="en-US" dirty="0"/>
-              <a:t>Used by CNAs to discuss issues that may affect multiple CNAs</a:t>
-            </a:r>
-          </a:p>
-          <a:p>
-            <a:pPr lvl="1"/>
-            <a:r>
-              <a:rPr lang="en-US" dirty="0"/>
-              <a:t>Limited to CNA and Board members</a:t>
-            </a:r>
-          </a:p>
-          <a:p>
-            <a:r>
-              <a:rPr lang="en-US" dirty="0"/>
-              <a:t>CNA Summits</a:t>
-            </a:r>
-          </a:p>
-          <a:p>
-            <a:pPr lvl="1"/>
-            <a:r>
-              <a:rPr lang="en-US" dirty="0"/>
-              <a:t>Yearly conference to discuss lessons learned, issues, and program improvements</a:t>
-            </a:r>
-          </a:p>
-          <a:p>
-            <a:r>
-              <a:rPr lang="en-US" dirty="0"/>
-              <a:t>Webinars</a:t>
-            </a:r>
-          </a:p>
-          <a:p>
-            <a:pPr lvl="1"/>
-            <a:r>
-              <a:rPr lang="en-US" dirty="0"/>
-              <a:t>Ad-Hoc meetings to discuss issues affecting CNAs and the CVE Program</a:t>
-            </a:r>
-          </a:p>
-          <a:p>
-            <a:r>
-              <a:rPr lang="en-US" dirty="0"/>
-              <a:t>Handshake (MITRE’s social media platform)</a:t>
+            <a:pPr marL="115888" indent="-342900">
+              <a:buFont typeface="Wingdings" panose="05000000000000000000" pitchFamily="2" charset="2"/>
+              <a:buChar char="§"/>
+            </a:pPr>
+            <a:r>
+              <a:rPr lang="en-US" dirty="0"/>
+              <a:t>Outreach and Communications Working Group (OCWG)</a:t>
+            </a:r>
+          </a:p>
+          <a:p>
+            <a:pPr lvl="1">
+              <a:buFont typeface="Wingdings" panose="05000000000000000000" pitchFamily="2" charset="2"/>
+              <a:buChar char="§"/>
+            </a:pPr>
+            <a:r>
+              <a:rPr lang="en-US" dirty="0"/>
+              <a:t>Focused on promoting the CVE Program to achieve program adoption and coverage goals through increased community awareness.</a:t>
+            </a:r>
+          </a:p>
+          <a:p>
+            <a:pPr>
+              <a:buFont typeface="Wingdings" panose="05000000000000000000" pitchFamily="2" charset="2"/>
+              <a:buChar char="§"/>
+            </a:pPr>
+            <a:endParaRPr lang="en-US" dirty="0"/>
+          </a:p>
+          <a:p>
+            <a:pPr marL="0" indent="0">
+              <a:buNone/>
+            </a:pPr>
+            <a:r>
+              <a:rPr lang="en-US" dirty="0"/>
+              <a:t> </a:t>
             </a:r>
           </a:p>
         </p:txBody>
@@ -10739,7 +11815,7 @@
           <p:cNvPr id="4" name="Slide Number Placeholder 3">
             <a:extLst>
               <a:ext uri="{FF2B5EF4-FFF2-40B4-BE49-F238E27FC236}">
-                <a16:creationId xmlns:a16="http://schemas.microsoft.com/office/drawing/2014/main" id="{C7A1C29E-D6E1-4BF5-96EF-C0DDE3966301}"/>
+                <a16:creationId xmlns:a16="http://schemas.microsoft.com/office/drawing/2014/main" id="{BFD4F591-BDAA-4886-B146-5C7A9B820BF3}"/>
               </a:ext>
             </a:extLst>
           </p:cNvPr>
@@ -10802,7 +11878,7 @@
     </p:spTree>
     <p:extLst>
       <p:ext uri="{BB962C8B-B14F-4D97-AF65-F5344CB8AC3E}">
-        <p14:creationId xmlns:p14="http://schemas.microsoft.com/office/powerpoint/2010/main" val="1085999022"/>
+        <p14:creationId xmlns:p14="http://schemas.microsoft.com/office/powerpoint/2010/main" val="1240695331"/>
       </p:ext>
     </p:extLst>
   </p:cSld>
@@ -10831,10 +11907,153 @@
       </p:grpSpPr>
       <p:sp>
         <p:nvSpPr>
-          <p:cNvPr id="5" name="Title 4">
+          <p:cNvPr id="2" name="Title 1"/>
+          <p:cNvSpPr>
+            <a:spLocks noGrp="1"/>
+          </p:cNvSpPr>
+          <p:nvPr>
+            <p:ph type="title"/>
+          </p:nvPr>
+        </p:nvSpPr>
+        <p:spPr/>
+        <p:txBody>
+          <a:bodyPr/>
+          <a:lstStyle/>
+          <a:p>
+            <a:r>
+              <a:rPr lang="en-US" dirty="0"/>
+              <a:t>Other Community Participation</a:t>
+            </a:r>
+          </a:p>
+        </p:txBody>
+      </p:sp>
+      <p:sp>
+        <p:nvSpPr>
+          <p:cNvPr id="3" name="Content Placeholder 2"/>
+          <p:cNvSpPr>
+            <a:spLocks noGrp="1"/>
+          </p:cNvSpPr>
+          <p:nvPr>
+            <p:ph idx="1"/>
+          </p:nvPr>
+        </p:nvSpPr>
+        <p:spPr>
+          <a:xfrm>
+            <a:off x="812801" y="1328532"/>
+            <a:ext cx="10972800" cy="4589745"/>
+          </a:xfrm>
+        </p:spPr>
+        <p:txBody>
+          <a:bodyPr/>
+          <a:lstStyle/>
+          <a:p>
+            <a:pPr>
+              <a:buFont typeface="Wingdings" panose="05000000000000000000" pitchFamily="2" charset="2"/>
+              <a:buChar char="§"/>
+            </a:pPr>
+            <a:r>
+              <a:rPr lang="en-US" dirty="0"/>
+              <a:t>CNA mailing list (cve-cna-list@mitre.org)</a:t>
+            </a:r>
+          </a:p>
+          <a:p>
+            <a:pPr lvl="1">
+              <a:buFont typeface="Wingdings" panose="05000000000000000000" pitchFamily="2" charset="2"/>
+              <a:buChar char="§"/>
+            </a:pPr>
+            <a:r>
+              <a:rPr lang="en-US" dirty="0"/>
+              <a:t>For program wide announcements</a:t>
+            </a:r>
+          </a:p>
+          <a:p>
+            <a:pPr lvl="1">
+              <a:buFont typeface="Wingdings" panose="05000000000000000000" pitchFamily="2" charset="2"/>
+              <a:buChar char="§"/>
+            </a:pPr>
+            <a:r>
+              <a:rPr lang="en-US" dirty="0"/>
+              <a:t>Used by CNAs to discuss issues that may affect multiple CNAs</a:t>
+            </a:r>
+          </a:p>
+          <a:p>
+            <a:pPr lvl="1">
+              <a:buFont typeface="Wingdings" panose="05000000000000000000" pitchFamily="2" charset="2"/>
+              <a:buChar char="§"/>
+            </a:pPr>
+            <a:r>
+              <a:rPr lang="en-US" dirty="0"/>
+              <a:t>Limited to CNA and Board members</a:t>
+            </a:r>
+          </a:p>
+          <a:p>
+            <a:pPr>
+              <a:buFont typeface="Wingdings" panose="05000000000000000000" pitchFamily="2" charset="2"/>
+              <a:buChar char="§"/>
+            </a:pPr>
+            <a:r>
+              <a:rPr lang="en-US" dirty="0"/>
+              <a:t>CNA Summits (Virtual/In Person)</a:t>
+            </a:r>
+          </a:p>
+          <a:p>
+            <a:pPr lvl="1">
+              <a:buFont typeface="Wingdings" panose="05000000000000000000" pitchFamily="2" charset="2"/>
+              <a:buChar char="§"/>
+            </a:pPr>
+            <a:r>
+              <a:rPr lang="en-US" dirty="0"/>
+              <a:t>Yearly conference to discuss lessons learned, issues, and program improvements</a:t>
+            </a:r>
+          </a:p>
+          <a:p>
+            <a:pPr>
+              <a:buFont typeface="Wingdings" panose="05000000000000000000" pitchFamily="2" charset="2"/>
+              <a:buChar char="§"/>
+            </a:pPr>
+            <a:r>
+              <a:rPr lang="en-US" dirty="0"/>
+              <a:t>Webinars</a:t>
+            </a:r>
+          </a:p>
+          <a:p>
+            <a:pPr lvl="1">
+              <a:buFont typeface="Wingdings" panose="05000000000000000000" pitchFamily="2" charset="2"/>
+              <a:buChar char="§"/>
+            </a:pPr>
+            <a:r>
+              <a:rPr lang="en-US" dirty="0"/>
+              <a:t>Ad-Hoc meetings to discuss issues affecting CNAs and the CVE Program</a:t>
+            </a:r>
+          </a:p>
+          <a:p>
+            <a:pPr>
+              <a:buFont typeface="Wingdings" panose="05000000000000000000" pitchFamily="2" charset="2"/>
+              <a:buChar char="§"/>
+            </a:pPr>
+            <a:r>
+              <a:rPr lang="en-US" dirty="0"/>
+              <a:t>Handshake (MITRE’s social media platform)</a:t>
+            </a:r>
+          </a:p>
+          <a:p>
+            <a:pPr>
+              <a:buFont typeface="Wingdings" panose="05000000000000000000" pitchFamily="2" charset="2"/>
+              <a:buChar char="§"/>
+            </a:pPr>
+            <a:r>
+              <a:rPr lang="en-US" dirty="0"/>
+              <a:t>CVE CNA SharePoint Site</a:t>
+            </a:r>
+          </a:p>
+        </p:txBody>
+      </p:sp>
+      <p:sp>
+        <p:nvSpPr>
+          <p:cNvPr id="4" name="Slide Number Placeholder 3">
             <a:extLst>
               <a:ext uri="{FF2B5EF4-FFF2-40B4-BE49-F238E27FC236}">
-                <a16:creationId xmlns:a16="http://schemas.microsoft.com/office/drawing/2014/main" id="{925BCB4F-2A40-43C5-B106-3355D8D24A0C}"/>
+                <a16:creationId xmlns:a16="http://schemas.microsoft.com/office/drawing/2014/main" id="{C7A1C29E-D6E1-4BF5-96EF-C0DDE3966301}"/>
               </a:ext>
             </a:extLst>
           </p:cNvPr>
@@ -10842,35 +12061,7 @@
             <a:spLocks noGrp="1"/>
           </p:cNvSpPr>
           <p:nvPr>
-            <p:ph type="ctrTitle" sz="quarter"/>
-          </p:nvPr>
-        </p:nvSpPr>
-        <p:spPr/>
-        <p:txBody>
-          <a:bodyPr/>
-          <a:lstStyle/>
-          <a:p>
-            <a:r>
-              <a:rPr lang="en-US" dirty="0"/>
-              <a:t>Questions</a:t>
-            </a:r>
-          </a:p>
-        </p:txBody>
-      </p:sp>
-      <p:sp>
-        <p:nvSpPr>
-          <p:cNvPr id="4" name="Slide Number Placeholder 3">
-            <a:extLst>
-              <a:ext uri="{FF2B5EF4-FFF2-40B4-BE49-F238E27FC236}">
-                <a16:creationId xmlns:a16="http://schemas.microsoft.com/office/drawing/2014/main" id="{5DD27C1A-2F8A-4D69-9A90-A7359FCA2813}"/>
-              </a:ext>
-            </a:extLst>
-          </p:cNvPr>
-          <p:cNvSpPr>
-            <a:spLocks noGrp="1"/>
-          </p:cNvSpPr>
-          <p:nvPr>
-            <p:ph type="sldNum" sz="quarter" idx="12"/>
+            <p:ph type="sldNum" sz="quarter" idx="4"/>
           </p:nvPr>
         </p:nvSpPr>
         <p:spPr/>
@@ -10925,7 +12116,7 @@
     </p:spTree>
     <p:extLst>
       <p:ext uri="{BB962C8B-B14F-4D97-AF65-F5344CB8AC3E}">
-        <p14:creationId xmlns:p14="http://schemas.microsoft.com/office/powerpoint/2010/main" val="214364837"/>
+        <p14:creationId xmlns:p14="http://schemas.microsoft.com/office/powerpoint/2010/main" val="1085999022"/>
       </p:ext>
     </p:extLst>
   </p:cSld>
@@ -10975,7 +12166,7 @@
           <a:p>
             <a:r>
               <a:rPr lang="en-US" dirty="0"/>
-              <a:t>Backup Slides</a:t>
+              <a:t>Questions</a:t>
             </a:r>
           </a:p>
         </p:txBody>
@@ -11048,1232 +12239,7 @@
     </p:spTree>
     <p:extLst>
       <p:ext uri="{BB962C8B-B14F-4D97-AF65-F5344CB8AC3E}">
-        <p14:creationId xmlns:p14="http://schemas.microsoft.com/office/powerpoint/2010/main" val="690633207"/>
-      </p:ext>
-    </p:extLst>
-  </p:cSld>
-  <p:clrMapOvr>
-    <a:masterClrMapping/>
-  </p:clrMapOvr>
-</p:sld>
-</file>
-
-<file path=ppt/slides/slide34.xml><?xml version="1.0" encoding="utf-8"?>
-<p:sld xmlns:a="http://schemas.openxmlformats.org/drawingml/2006/main" xmlns:r="http://schemas.openxmlformats.org/officeDocument/2006/relationships" xmlns:p="http://schemas.openxmlformats.org/presentationml/2006/main">
-  <p:cSld>
-    <p:spTree>
-      <p:nvGrpSpPr>
-        <p:cNvPr id="1" name=""/>
-        <p:cNvGrpSpPr/>
-        <p:nvPr/>
-      </p:nvGrpSpPr>
-      <p:grpSpPr>
-        <a:xfrm>
-          <a:off x="0" y="0"/>
-          <a:ext cx="0" cy="0"/>
-          <a:chOff x="0" y="0"/>
-          <a:chExt cx="0" cy="0"/>
-        </a:xfrm>
-      </p:grpSpPr>
-      <p:sp>
-        <p:nvSpPr>
-          <p:cNvPr id="2" name="Title 1"/>
-          <p:cNvSpPr>
-            <a:spLocks noGrp="1"/>
-          </p:cNvSpPr>
-          <p:nvPr>
-            <p:ph type="title"/>
-          </p:nvPr>
-        </p:nvSpPr>
-        <p:spPr/>
-        <p:txBody>
-          <a:bodyPr/>
-          <a:lstStyle/>
-          <a:p>
-            <a:r>
-              <a:rPr lang="en-US" dirty="0"/>
-              <a:t>Assignment Rules</a:t>
-            </a:r>
-          </a:p>
-        </p:txBody>
-      </p:sp>
-      <p:sp>
-        <p:nvSpPr>
-          <p:cNvPr id="3" name="Content Placeholder 2"/>
-          <p:cNvSpPr>
-            <a:spLocks noGrp="1"/>
-          </p:cNvSpPr>
-          <p:nvPr>
-            <p:ph idx="1"/>
-          </p:nvPr>
-        </p:nvSpPr>
-        <p:spPr/>
-        <p:txBody>
-          <a:bodyPr>
-            <a:normAutofit/>
-          </a:bodyPr>
-          <a:lstStyle/>
-          <a:p>
-            <a:pPr>
-              <a:spcAft>
-                <a:spcPts val="1200"/>
-              </a:spcAft>
-            </a:pPr>
-            <a:r>
-              <a:rPr lang="en-US" dirty="0"/>
-              <a:t>The following rules apply to all CNAs when assigning CVE IDs to vulnerabilities:</a:t>
-            </a:r>
-          </a:p>
-          <a:p>
-            <a:pPr lvl="1">
-              <a:spcAft>
-                <a:spcPts val="1200"/>
-              </a:spcAft>
-            </a:pPr>
-            <a:r>
-              <a:rPr lang="en-US" dirty="0"/>
-              <a:t>Assign CVE IDs to security vulnerabilities within scope of authority for vulnerabilities that are, or will be, made public</a:t>
-            </a:r>
-          </a:p>
-          <a:p>
-            <a:pPr lvl="1">
-              <a:spcAft>
-                <a:spcPts val="1200"/>
-              </a:spcAft>
-            </a:pPr>
-            <a:r>
-              <a:rPr lang="en-US" dirty="0"/>
-              <a:t>Only assign CVE IDs to security vulnerabilities when no lower level CNA exists that already covers a more constrained scope (this may require coordination)</a:t>
-            </a:r>
-          </a:p>
-          <a:p>
-            <a:pPr lvl="1">
-              <a:spcAft>
-                <a:spcPts val="1200"/>
-              </a:spcAft>
-            </a:pPr>
-            <a:r>
-              <a:rPr lang="en-US" dirty="0"/>
-              <a:t>Follow CVE counting rules established by the CVE Program as implemented by the Program Root CNA and augmented by Root CNAs and Sub-CNAs if applicable</a:t>
-            </a:r>
-          </a:p>
-          <a:p>
-            <a:pPr lvl="1">
-              <a:spcAft>
-                <a:spcPts val="1200"/>
-              </a:spcAft>
-            </a:pPr>
-            <a:r>
-              <a:rPr lang="en-US" dirty="0"/>
-              <a:t>Disputes related to scope should first be addressed by the next higher-level CNA before being escalated</a:t>
-            </a:r>
-          </a:p>
-          <a:p>
-            <a:endParaRPr lang="en-US" dirty="0"/>
-          </a:p>
-        </p:txBody>
-      </p:sp>
-      <p:sp>
-        <p:nvSpPr>
-          <p:cNvPr id="4" name="Slide Number Placeholder 3">
-            <a:extLst>
-              <a:ext uri="{FF2B5EF4-FFF2-40B4-BE49-F238E27FC236}">
-                <a16:creationId xmlns:a16="http://schemas.microsoft.com/office/drawing/2014/main" id="{F035DCF6-B0F8-4E7B-B863-08C1B826607B}"/>
-              </a:ext>
-            </a:extLst>
-          </p:cNvPr>
-          <p:cNvSpPr>
-            <a:spLocks noGrp="1"/>
-          </p:cNvSpPr>
-          <p:nvPr>
-            <p:ph type="sldNum" sz="quarter" idx="4"/>
-          </p:nvPr>
-        </p:nvSpPr>
-        <p:spPr/>
-        <p:txBody>
-          <a:bodyPr/>
-          <a:lstStyle/>
-          <a:p>
-            <a:r>
-              <a:rPr lang="en-US">
-                <a:solidFill>
-                  <a:srgbClr val="C1CD23"/>
-                </a:solidFill>
-              </a:rPr>
-              <a:t>|</a:t>
-            </a:r>
-            <a:r>
-              <a:rPr lang="en-US"/>
-              <a:t> </a:t>
-            </a:r>
-            <a:fld id="{295008BC-DA31-4D19-837B-EFA4386B05F5}" type="slidenum">
-              <a:rPr lang="en-US" smtClean="0">
-                <a:solidFill>
-                  <a:schemeClr val="tx1">
-                    <a:lumMod val="50000"/>
-                    <a:lumOff val="50000"/>
-                  </a:schemeClr>
-                </a:solidFill>
-              </a:rPr>
-              <a:pPr/>
-              <a:t>34</a:t>
-            </a:fld>
-            <a:r>
-              <a:rPr lang="en-US"/>
-              <a:t> </a:t>
-            </a:r>
-            <a:r>
-              <a:rPr lang="en-US">
-                <a:solidFill>
-                  <a:srgbClr val="C1CD23"/>
-                </a:solidFill>
-              </a:rPr>
-              <a:t>|</a:t>
-            </a:r>
-            <a:endParaRPr lang="en-US" dirty="0">
-              <a:solidFill>
-                <a:srgbClr val="C1CD23"/>
-              </a:solidFill>
-            </a:endParaRPr>
-          </a:p>
-        </p:txBody>
-      </p:sp>
-    </p:spTree>
-    <p:extLst>
-      <p:ext uri="{BB962C8B-B14F-4D97-AF65-F5344CB8AC3E}">
-        <p14:creationId xmlns:p14="http://schemas.microsoft.com/office/powerpoint/2010/main" val="2317772387"/>
-      </p:ext>
-    </p:extLst>
-  </p:cSld>
-  <p:clrMapOvr>
-    <a:masterClrMapping/>
-  </p:clrMapOvr>
-</p:sld>
-</file>
-
-<file path=ppt/slides/slide35.xml><?xml version="1.0" encoding="utf-8"?>
-<p:sld xmlns:a="http://schemas.openxmlformats.org/drawingml/2006/main" xmlns:r="http://schemas.openxmlformats.org/officeDocument/2006/relationships" xmlns:p="http://schemas.openxmlformats.org/presentationml/2006/main">
-  <p:cSld>
-    <p:spTree>
-      <p:nvGrpSpPr>
-        <p:cNvPr id="1" name=""/>
-        <p:cNvGrpSpPr/>
-        <p:nvPr/>
-      </p:nvGrpSpPr>
-      <p:grpSpPr>
-        <a:xfrm>
-          <a:off x="0" y="0"/>
-          <a:ext cx="0" cy="0"/>
-          <a:chOff x="0" y="0"/>
-          <a:chExt cx="0" cy="0"/>
-        </a:xfrm>
-      </p:grpSpPr>
-      <p:sp>
-        <p:nvSpPr>
-          <p:cNvPr id="2" name="Title 1">
-            <a:extLst>
-              <a:ext uri="{FF2B5EF4-FFF2-40B4-BE49-F238E27FC236}">
-                <a16:creationId xmlns:a16="http://schemas.microsoft.com/office/drawing/2014/main" id="{9EAA80A2-4F5D-4E38-BA58-1E1864288533}"/>
-              </a:ext>
-            </a:extLst>
-          </p:cNvPr>
-          <p:cNvSpPr>
-            <a:spLocks noGrp="1"/>
-          </p:cNvSpPr>
-          <p:nvPr>
-            <p:ph type="title"/>
-          </p:nvPr>
-        </p:nvSpPr>
-        <p:spPr/>
-        <p:txBody>
-          <a:bodyPr/>
-          <a:lstStyle/>
-          <a:p>
-            <a:r>
-              <a:rPr lang="en-US" dirty="0"/>
-              <a:t>Communication Rules (1 of 2)</a:t>
-            </a:r>
-          </a:p>
-        </p:txBody>
-      </p:sp>
-      <p:sp>
-        <p:nvSpPr>
-          <p:cNvPr id="3" name="Content Placeholder 2">
-            <a:extLst>
-              <a:ext uri="{FF2B5EF4-FFF2-40B4-BE49-F238E27FC236}">
-                <a16:creationId xmlns:a16="http://schemas.microsoft.com/office/drawing/2014/main" id="{4F1610AB-C9A4-4D29-A95F-C1BD8000A9D6}"/>
-              </a:ext>
-            </a:extLst>
-          </p:cNvPr>
-          <p:cNvSpPr>
-            <a:spLocks noGrp="1"/>
-          </p:cNvSpPr>
-          <p:nvPr>
-            <p:ph idx="1"/>
-          </p:nvPr>
-        </p:nvSpPr>
-        <p:spPr>
-          <a:xfrm>
-            <a:off x="812800" y="1311965"/>
-            <a:ext cx="10972800" cy="4725581"/>
-          </a:xfrm>
-        </p:spPr>
-        <p:txBody>
-          <a:bodyPr>
-            <a:normAutofit/>
-          </a:bodyPr>
-          <a:lstStyle/>
-          <a:p>
-            <a:r>
-              <a:rPr lang="en-US" dirty="0"/>
-              <a:t>The following communications rules apply to all CNAs:</a:t>
-            </a:r>
-          </a:p>
-          <a:p>
-            <a:pPr lvl="1"/>
-            <a:r>
-              <a:rPr lang="en-US" dirty="0"/>
-              <a:t>Provide points of contact (POCs) (e.g., email addresses, URLs, etc.) to all levels above their own</a:t>
-            </a:r>
-          </a:p>
-          <a:p>
-            <a:pPr lvl="1"/>
-            <a:r>
-              <a:rPr lang="en-US" dirty="0"/>
-              <a:t>Publish a disclosure (embargo) policy and a description of its scope </a:t>
-            </a:r>
-          </a:p>
-          <a:p>
-            <a:pPr lvl="1"/>
-            <a:r>
-              <a:rPr lang="en-US" dirty="0"/>
-              <a:t>If a CNA accepts requests from parties outside the CNA, provide a means (e.g., hyperlink, email) for the public to contact them regarding vulnerabilities. CNAs can also provide guidelines for how to communicate with them, such as language restrictions (“English-only”, “Japanese or English”, etc.). Provide the list publicly and to all levels above their own</a:t>
-            </a:r>
-          </a:p>
-          <a:p>
-            <a:pPr lvl="1"/>
-            <a:r>
-              <a:rPr lang="en-US" dirty="0"/>
-              <a:t>Be responsive to inquiries from all CNAs</a:t>
-            </a:r>
-          </a:p>
-          <a:p>
-            <a:pPr lvl="1"/>
-            <a:r>
-              <a:rPr lang="en-US" dirty="0"/>
-              <a:t>When a vulnerability is reported to the CNA and a CVE ID is assigned to that vulnerability, provide the CVE ID to the reporter. This rule does not override any embargo rules established by the CNA</a:t>
-            </a:r>
-          </a:p>
-          <a:p>
-            <a:pPr lvl="1"/>
-            <a:endParaRPr lang="en-US" dirty="0"/>
-          </a:p>
-          <a:p>
-            <a:pPr lvl="1"/>
-            <a:endParaRPr lang="en-US" dirty="0"/>
-          </a:p>
-          <a:p>
-            <a:pPr lvl="1"/>
-            <a:endParaRPr lang="en-US" dirty="0"/>
-          </a:p>
-          <a:p>
-            <a:pPr lvl="1"/>
-            <a:endParaRPr lang="en-US" dirty="0"/>
-          </a:p>
-          <a:p>
-            <a:pPr lvl="1"/>
-            <a:endParaRPr lang="en-US" dirty="0"/>
-          </a:p>
-        </p:txBody>
-      </p:sp>
-      <p:sp>
-        <p:nvSpPr>
-          <p:cNvPr id="4" name="Slide Number Placeholder 3">
-            <a:extLst>
-              <a:ext uri="{FF2B5EF4-FFF2-40B4-BE49-F238E27FC236}">
-                <a16:creationId xmlns:a16="http://schemas.microsoft.com/office/drawing/2014/main" id="{95FBC3DB-30A4-405C-839C-BEFE0E79C53C}"/>
-              </a:ext>
-            </a:extLst>
-          </p:cNvPr>
-          <p:cNvSpPr>
-            <a:spLocks noGrp="1"/>
-          </p:cNvSpPr>
-          <p:nvPr>
-            <p:ph type="sldNum" sz="quarter" idx="4"/>
-          </p:nvPr>
-        </p:nvSpPr>
-        <p:spPr/>
-        <p:txBody>
-          <a:bodyPr/>
-          <a:lstStyle/>
-          <a:p>
-            <a:r>
-              <a:rPr lang="en-US">
-                <a:solidFill>
-                  <a:srgbClr val="C1CD23"/>
-                </a:solidFill>
-              </a:rPr>
-              <a:t>|</a:t>
-            </a:r>
-            <a:r>
-              <a:rPr lang="en-US"/>
-              <a:t> </a:t>
-            </a:r>
-            <a:fld id="{295008BC-DA31-4D19-837B-EFA4386B05F5}" type="slidenum">
-              <a:rPr lang="en-US" smtClean="0">
-                <a:solidFill>
-                  <a:schemeClr val="tx1">
-                    <a:lumMod val="50000"/>
-                    <a:lumOff val="50000"/>
-                  </a:schemeClr>
-                </a:solidFill>
-              </a:rPr>
-              <a:pPr/>
-              <a:t>35</a:t>
-            </a:fld>
-            <a:r>
-              <a:rPr lang="en-US"/>
-              <a:t> </a:t>
-            </a:r>
-            <a:r>
-              <a:rPr lang="en-US">
-                <a:solidFill>
-                  <a:srgbClr val="C1CD23"/>
-                </a:solidFill>
-              </a:rPr>
-              <a:t>|</a:t>
-            </a:r>
-            <a:endParaRPr lang="en-US" dirty="0">
-              <a:solidFill>
-                <a:srgbClr val="C1CD23"/>
-              </a:solidFill>
-            </a:endParaRPr>
-          </a:p>
-        </p:txBody>
-      </p:sp>
-    </p:spTree>
-    <p:extLst>
-      <p:ext uri="{BB962C8B-B14F-4D97-AF65-F5344CB8AC3E}">
-        <p14:creationId xmlns:p14="http://schemas.microsoft.com/office/powerpoint/2010/main" val="4025794351"/>
-      </p:ext>
-    </p:extLst>
-  </p:cSld>
-  <p:clrMapOvr>
-    <a:masterClrMapping/>
-  </p:clrMapOvr>
-</p:sld>
-</file>
-
-<file path=ppt/slides/slide36.xml><?xml version="1.0" encoding="utf-8"?>
-<p:sld xmlns:a="http://schemas.openxmlformats.org/drawingml/2006/main" xmlns:r="http://schemas.openxmlformats.org/officeDocument/2006/relationships" xmlns:p="http://schemas.openxmlformats.org/presentationml/2006/main">
-  <p:cSld>
-    <p:spTree>
-      <p:nvGrpSpPr>
-        <p:cNvPr id="1" name=""/>
-        <p:cNvGrpSpPr/>
-        <p:nvPr/>
-      </p:nvGrpSpPr>
-      <p:grpSpPr>
-        <a:xfrm>
-          <a:off x="0" y="0"/>
-          <a:ext cx="0" cy="0"/>
-          <a:chOff x="0" y="0"/>
-          <a:chExt cx="0" cy="0"/>
-        </a:xfrm>
-      </p:grpSpPr>
-      <p:sp>
-        <p:nvSpPr>
-          <p:cNvPr id="2" name="Title 1"/>
-          <p:cNvSpPr>
-            <a:spLocks noGrp="1"/>
-          </p:cNvSpPr>
-          <p:nvPr>
-            <p:ph type="title"/>
-          </p:nvPr>
-        </p:nvSpPr>
-        <p:spPr/>
-        <p:txBody>
-          <a:bodyPr/>
-          <a:lstStyle/>
-          <a:p>
-            <a:r>
-              <a:rPr lang="en-US" dirty="0"/>
-              <a:t>Communication Rules (2 of 2)</a:t>
-            </a:r>
-          </a:p>
-        </p:txBody>
-      </p:sp>
-      <p:sp>
-        <p:nvSpPr>
-          <p:cNvPr id="3" name="Content Placeholder 2"/>
-          <p:cNvSpPr>
-            <a:spLocks noGrp="1"/>
-          </p:cNvSpPr>
-          <p:nvPr>
-            <p:ph idx="1"/>
-          </p:nvPr>
-        </p:nvSpPr>
-        <p:spPr>
-          <a:xfrm>
-            <a:off x="906448" y="1461077"/>
-            <a:ext cx="10952894" cy="4500439"/>
-          </a:xfrm>
-        </p:spPr>
-        <p:txBody>
-          <a:bodyPr>
-            <a:normAutofit fontScale="40000" lnSpcReduction="20000"/>
-          </a:bodyPr>
-          <a:lstStyle/>
-          <a:p>
-            <a:pPr>
-              <a:spcAft>
-                <a:spcPts val="1200"/>
-              </a:spcAft>
-            </a:pPr>
-            <a:r>
-              <a:rPr lang="en-US" sz="5000" dirty="0"/>
-              <a:t>The following communication rules apply to all CNAs (continued):</a:t>
-            </a:r>
-          </a:p>
-          <a:p>
-            <a:pPr lvl="1">
-              <a:spcAft>
-                <a:spcPts val="1200"/>
-              </a:spcAft>
-            </a:pPr>
-            <a:r>
-              <a:rPr lang="en-US" sz="5000" dirty="0"/>
-              <a:t>Notify the next higher level CNA when CVE IDs are assigned and the associated vulnerability is made public (the publication of the vulnerability can be made in any language, but the CVE ID entry must include English only; references to information related to the CVE ID in non-English languages would be included in the reference list for the CVE ID entry)</a:t>
-            </a:r>
-          </a:p>
-          <a:p>
-            <a:pPr lvl="1">
-              <a:spcAft>
-                <a:spcPts val="800"/>
-              </a:spcAft>
-            </a:pPr>
-            <a:r>
-              <a:rPr lang="en-US" sz="5000" dirty="0"/>
-              <a:t>Provide CVE information to the next higher-level CNA when a CVE ID is assigned and the associated vulnerability made public </a:t>
-            </a:r>
-          </a:p>
-          <a:p>
-            <a:pPr lvl="2">
-              <a:spcAft>
-                <a:spcPts val="800"/>
-              </a:spcAft>
-            </a:pPr>
-            <a:r>
-              <a:rPr lang="en-US" sz="4500" dirty="0"/>
-              <a:t>For new CVE IDs, this information includes, at a minimum, the CVE ID used, product, affected or fixed version, the problem type, references, and a description on a per-ID basis</a:t>
-            </a:r>
-          </a:p>
-          <a:p>
-            <a:pPr lvl="2">
-              <a:spcAft>
-                <a:spcPts val="800"/>
-              </a:spcAft>
-            </a:pPr>
-            <a:r>
-              <a:rPr lang="en-US" sz="4500" dirty="0"/>
-              <a:t>When a CVE ID is updated, the CVE ID and data change must be included</a:t>
-            </a:r>
-          </a:p>
-          <a:p>
-            <a:pPr lvl="1">
-              <a:spcAft>
-                <a:spcPts val="1200"/>
-              </a:spcAft>
-            </a:pPr>
-            <a:r>
-              <a:rPr lang="en-US" sz="5000" dirty="0"/>
-              <a:t>Have an established distribution point for in-scope vulnerability disclosures that is freely available to the general public without restrictions (e.g., open websites, websites with registration and free accounts without restrictions, etc.)</a:t>
-            </a:r>
-          </a:p>
-          <a:p>
-            <a:pPr lvl="1">
-              <a:spcAft>
-                <a:spcPts val="1200"/>
-              </a:spcAft>
-            </a:pPr>
-            <a:r>
-              <a:rPr lang="en-US" sz="5000" dirty="0"/>
-              <a:t>Publish required CVE information in a standard format and presentation</a:t>
-            </a:r>
-          </a:p>
-        </p:txBody>
-      </p:sp>
-      <p:sp>
-        <p:nvSpPr>
-          <p:cNvPr id="4" name="Slide Number Placeholder 3">
-            <a:extLst>
-              <a:ext uri="{FF2B5EF4-FFF2-40B4-BE49-F238E27FC236}">
-                <a16:creationId xmlns:a16="http://schemas.microsoft.com/office/drawing/2014/main" id="{25FC5559-9639-458B-A0D3-2F6169598F88}"/>
-              </a:ext>
-            </a:extLst>
-          </p:cNvPr>
-          <p:cNvSpPr>
-            <a:spLocks noGrp="1"/>
-          </p:cNvSpPr>
-          <p:nvPr>
-            <p:ph type="sldNum" sz="quarter" idx="4"/>
-          </p:nvPr>
-        </p:nvSpPr>
-        <p:spPr/>
-        <p:txBody>
-          <a:bodyPr/>
-          <a:lstStyle/>
-          <a:p>
-            <a:r>
-              <a:rPr lang="en-US">
-                <a:solidFill>
-                  <a:srgbClr val="C1CD23"/>
-                </a:solidFill>
-              </a:rPr>
-              <a:t>|</a:t>
-            </a:r>
-            <a:r>
-              <a:rPr lang="en-US"/>
-              <a:t> </a:t>
-            </a:r>
-            <a:fld id="{295008BC-DA31-4D19-837B-EFA4386B05F5}" type="slidenum">
-              <a:rPr lang="en-US" smtClean="0">
-                <a:solidFill>
-                  <a:schemeClr val="tx1">
-                    <a:lumMod val="50000"/>
-                    <a:lumOff val="50000"/>
-                  </a:schemeClr>
-                </a:solidFill>
-              </a:rPr>
-              <a:pPr/>
-              <a:t>36</a:t>
-            </a:fld>
-            <a:r>
-              <a:rPr lang="en-US"/>
-              <a:t> </a:t>
-            </a:r>
-            <a:r>
-              <a:rPr lang="en-US">
-                <a:solidFill>
-                  <a:srgbClr val="C1CD23"/>
-                </a:solidFill>
-              </a:rPr>
-              <a:t>|</a:t>
-            </a:r>
-            <a:endParaRPr lang="en-US" dirty="0">
-              <a:solidFill>
-                <a:srgbClr val="C1CD23"/>
-              </a:solidFill>
-            </a:endParaRPr>
-          </a:p>
-        </p:txBody>
-      </p:sp>
-    </p:spTree>
-    <p:extLst>
-      <p:ext uri="{BB962C8B-B14F-4D97-AF65-F5344CB8AC3E}">
-        <p14:creationId xmlns:p14="http://schemas.microsoft.com/office/powerpoint/2010/main" val="950514648"/>
-      </p:ext>
-    </p:extLst>
-  </p:cSld>
-  <p:clrMapOvr>
-    <a:masterClrMapping/>
-  </p:clrMapOvr>
-</p:sld>
-</file>
-
-<file path=ppt/slides/slide37.xml><?xml version="1.0" encoding="utf-8"?>
-<p:sld xmlns:a="http://schemas.openxmlformats.org/drawingml/2006/main" xmlns:r="http://schemas.openxmlformats.org/officeDocument/2006/relationships" xmlns:p="http://schemas.openxmlformats.org/presentationml/2006/main">
-  <p:cSld>
-    <p:spTree>
-      <p:nvGrpSpPr>
-        <p:cNvPr id="1" name=""/>
-        <p:cNvGrpSpPr/>
-        <p:nvPr/>
-      </p:nvGrpSpPr>
-      <p:grpSpPr>
-        <a:xfrm>
-          <a:off x="0" y="0"/>
-          <a:ext cx="0" cy="0"/>
-          <a:chOff x="0" y="0"/>
-          <a:chExt cx="0" cy="0"/>
-        </a:xfrm>
-      </p:grpSpPr>
-      <p:sp>
-        <p:nvSpPr>
-          <p:cNvPr id="2" name="Title 1"/>
-          <p:cNvSpPr>
-            <a:spLocks noGrp="1"/>
-          </p:cNvSpPr>
-          <p:nvPr>
-            <p:ph type="title"/>
-          </p:nvPr>
-        </p:nvSpPr>
-        <p:spPr/>
-        <p:txBody>
-          <a:bodyPr/>
-          <a:lstStyle/>
-          <a:p>
-            <a:r>
-              <a:rPr lang="en-US" dirty="0"/>
-              <a:t>Administration Rules</a:t>
-            </a:r>
-          </a:p>
-        </p:txBody>
-      </p:sp>
-      <p:sp>
-        <p:nvSpPr>
-          <p:cNvPr id="3" name="Content Placeholder 2"/>
-          <p:cNvSpPr>
-            <a:spLocks noGrp="1"/>
-          </p:cNvSpPr>
-          <p:nvPr>
-            <p:ph idx="1"/>
-          </p:nvPr>
-        </p:nvSpPr>
-        <p:spPr/>
-        <p:txBody>
-          <a:bodyPr>
-            <a:normAutofit/>
-          </a:bodyPr>
-          <a:lstStyle/>
-          <a:p>
-            <a:r>
-              <a:rPr lang="en-US" dirty="0"/>
-              <a:t>The following rules apply to all CNAs for the administration of the CVE Program:</a:t>
-            </a:r>
-          </a:p>
-          <a:p>
-            <a:pPr lvl="1"/>
-            <a:r>
-              <a:rPr lang="en-US" dirty="0"/>
-              <a:t>Operate under the CVE </a:t>
-            </a:r>
-            <a:r>
-              <a:rPr lang="en-US" dirty="0">
-                <a:hlinkClick r:id="rId2"/>
-              </a:rPr>
-              <a:t>Terms of Use</a:t>
-            </a:r>
-            <a:endParaRPr lang="en-US" dirty="0"/>
-          </a:p>
-          <a:p>
-            <a:pPr lvl="1"/>
-            <a:r>
-              <a:rPr lang="en-US" dirty="0"/>
-              <a:t>Track and provide metrics related to responsiveness to higher-level CNAs</a:t>
-            </a:r>
-          </a:p>
-          <a:p>
-            <a:pPr lvl="2"/>
-            <a:r>
-              <a:rPr lang="en-US" dirty="0"/>
-              <a:t>Responsiveness metrics are established to ensure that CNAs are responsive to different types of requests from their various communities, and in timeframes appropriate for those communities</a:t>
-            </a:r>
-          </a:p>
-          <a:p>
-            <a:pPr lvl="2"/>
-            <a:r>
-              <a:rPr lang="en-US" dirty="0"/>
-              <a:t>Metrics are provided quarterly to the next higher-level CNA </a:t>
-            </a:r>
-          </a:p>
-          <a:p>
-            <a:pPr lvl="2"/>
-            <a:r>
-              <a:rPr lang="en-US" dirty="0"/>
-              <a:t>Responsiveness metrics may vary by CNA as determined by the unique circumstances of the particular CNA community </a:t>
-            </a:r>
-          </a:p>
-          <a:p>
-            <a:pPr lvl="1"/>
-            <a:r>
-              <a:rPr lang="en-US" dirty="0"/>
-              <a:t>Provide any documentation required to adjudicate disputes to the higher-level CNA</a:t>
-            </a:r>
-          </a:p>
-          <a:p>
-            <a:endParaRPr lang="en-US" dirty="0"/>
-          </a:p>
-        </p:txBody>
-      </p:sp>
-      <p:sp>
-        <p:nvSpPr>
-          <p:cNvPr id="4" name="Slide Number Placeholder 3">
-            <a:extLst>
-              <a:ext uri="{FF2B5EF4-FFF2-40B4-BE49-F238E27FC236}">
-                <a16:creationId xmlns:a16="http://schemas.microsoft.com/office/drawing/2014/main" id="{14B84CA0-339D-4A69-849E-7A4BA6AB55AD}"/>
-              </a:ext>
-            </a:extLst>
-          </p:cNvPr>
-          <p:cNvSpPr>
-            <a:spLocks noGrp="1"/>
-          </p:cNvSpPr>
-          <p:nvPr>
-            <p:ph type="sldNum" sz="quarter" idx="4"/>
-          </p:nvPr>
-        </p:nvSpPr>
-        <p:spPr/>
-        <p:txBody>
-          <a:bodyPr/>
-          <a:lstStyle/>
-          <a:p>
-            <a:r>
-              <a:rPr lang="en-US">
-                <a:solidFill>
-                  <a:srgbClr val="C1CD23"/>
-                </a:solidFill>
-              </a:rPr>
-              <a:t>|</a:t>
-            </a:r>
-            <a:r>
-              <a:rPr lang="en-US"/>
-              <a:t> </a:t>
-            </a:r>
-            <a:fld id="{295008BC-DA31-4D19-837B-EFA4386B05F5}" type="slidenum">
-              <a:rPr lang="en-US" smtClean="0">
-                <a:solidFill>
-                  <a:schemeClr val="tx1">
-                    <a:lumMod val="50000"/>
-                    <a:lumOff val="50000"/>
-                  </a:schemeClr>
-                </a:solidFill>
-              </a:rPr>
-              <a:pPr/>
-              <a:t>37</a:t>
-            </a:fld>
-            <a:r>
-              <a:rPr lang="en-US"/>
-              <a:t> </a:t>
-            </a:r>
-            <a:r>
-              <a:rPr lang="en-US">
-                <a:solidFill>
-                  <a:srgbClr val="C1CD23"/>
-                </a:solidFill>
-              </a:rPr>
-              <a:t>|</a:t>
-            </a:r>
-            <a:endParaRPr lang="en-US" dirty="0">
-              <a:solidFill>
-                <a:srgbClr val="C1CD23"/>
-              </a:solidFill>
-            </a:endParaRPr>
-          </a:p>
-        </p:txBody>
-      </p:sp>
-    </p:spTree>
-    <p:extLst>
-      <p:ext uri="{BB962C8B-B14F-4D97-AF65-F5344CB8AC3E}">
-        <p14:creationId xmlns:p14="http://schemas.microsoft.com/office/powerpoint/2010/main" val="561665549"/>
-      </p:ext>
-    </p:extLst>
-  </p:cSld>
-  <p:clrMapOvr>
-    <a:masterClrMapping/>
-  </p:clrMapOvr>
-</p:sld>
-</file>
-
-<file path=ppt/slides/slide38.xml><?xml version="1.0" encoding="utf-8"?>
-<p:sld xmlns:a="http://schemas.openxmlformats.org/drawingml/2006/main" xmlns:r="http://schemas.openxmlformats.org/officeDocument/2006/relationships" xmlns:p="http://schemas.openxmlformats.org/presentationml/2006/main">
-  <p:cSld>
-    <p:spTree>
-      <p:nvGrpSpPr>
-        <p:cNvPr id="1" name=""/>
-        <p:cNvGrpSpPr/>
-        <p:nvPr/>
-      </p:nvGrpSpPr>
-      <p:grpSpPr>
-        <a:xfrm>
-          <a:off x="0" y="0"/>
-          <a:ext cx="0" cy="0"/>
-          <a:chOff x="0" y="0"/>
-          <a:chExt cx="0" cy="0"/>
-        </a:xfrm>
-      </p:grpSpPr>
-      <p:sp>
-        <p:nvSpPr>
-          <p:cNvPr id="2" name="Title 1">
-            <a:extLst>
-              <a:ext uri="{FF2B5EF4-FFF2-40B4-BE49-F238E27FC236}">
-                <a16:creationId xmlns:a16="http://schemas.microsoft.com/office/drawing/2014/main" id="{34749829-5B39-4D22-9468-25D0F93629BD}"/>
-              </a:ext>
-            </a:extLst>
-          </p:cNvPr>
-          <p:cNvSpPr>
-            <a:spLocks noGrp="1"/>
-          </p:cNvSpPr>
-          <p:nvPr>
-            <p:ph type="title"/>
-          </p:nvPr>
-        </p:nvSpPr>
-        <p:spPr/>
-        <p:txBody>
-          <a:bodyPr/>
-          <a:lstStyle/>
-          <a:p>
-            <a:r>
-              <a:rPr lang="en-US" dirty="0"/>
-              <a:t>Additional Root CNA Rules (1 of 3)</a:t>
-            </a:r>
-          </a:p>
-        </p:txBody>
-      </p:sp>
-      <p:sp>
-        <p:nvSpPr>
-          <p:cNvPr id="3" name="Content Placeholder 2">
-            <a:extLst>
-              <a:ext uri="{FF2B5EF4-FFF2-40B4-BE49-F238E27FC236}">
-                <a16:creationId xmlns:a16="http://schemas.microsoft.com/office/drawing/2014/main" id="{0EC2D3C4-8456-4A48-A7F3-7419187E300B}"/>
-              </a:ext>
-            </a:extLst>
-          </p:cNvPr>
-          <p:cNvSpPr>
-            <a:spLocks noGrp="1"/>
-          </p:cNvSpPr>
-          <p:nvPr>
-            <p:ph idx="1"/>
-          </p:nvPr>
-        </p:nvSpPr>
-        <p:spPr>
-          <a:xfrm>
-            <a:off x="812800" y="1351723"/>
-            <a:ext cx="11050546" cy="4685824"/>
-          </a:xfrm>
-        </p:spPr>
-        <p:txBody>
-          <a:bodyPr>
-            <a:normAutofit/>
-          </a:bodyPr>
-          <a:lstStyle/>
-          <a:p>
-            <a:pPr>
-              <a:spcAft>
-                <a:spcPts val="1200"/>
-              </a:spcAft>
-            </a:pPr>
-            <a:r>
-              <a:rPr lang="en-US" dirty="0"/>
-              <a:t>In addition to following the aforementioned rules, Root CNAs must perform the following functions:</a:t>
-            </a:r>
-          </a:p>
-          <a:p>
-            <a:pPr lvl="1"/>
-            <a:r>
-              <a:rPr lang="en-US" dirty="0"/>
-              <a:t>Assignment Rules</a:t>
-            </a:r>
-          </a:p>
-          <a:p>
-            <a:pPr lvl="2"/>
-            <a:r>
-              <a:rPr lang="en-US" dirty="0"/>
-              <a:t>Request CVE ID blocks from the Program Root CNA</a:t>
-            </a:r>
-          </a:p>
-          <a:p>
-            <a:pPr lvl="2"/>
-            <a:r>
-              <a:rPr lang="en-US" dirty="0"/>
-              <a:t>Provide CVE ID blocks to Sub-CNAs from their CVE ID block</a:t>
-            </a:r>
-          </a:p>
-          <a:p>
-            <a:pPr lvl="2"/>
-            <a:r>
-              <a:rPr lang="en-US" dirty="0"/>
-              <a:t>Assign CVE IDs as a CNA when necessary within its scope per the CVE counting rules when none of their Sub-CNAs cover that scope</a:t>
-            </a:r>
-          </a:p>
-          <a:p>
-            <a:pPr lvl="2"/>
-            <a:r>
-              <a:rPr lang="en-US" dirty="0"/>
-              <a:t>Address CVE assignment issues from its Sub-CNAs that require escalation</a:t>
-            </a:r>
-          </a:p>
-          <a:p>
-            <a:pPr lvl="2"/>
-            <a:endParaRPr lang="en-US" dirty="0"/>
-          </a:p>
-          <a:p>
-            <a:pPr marL="0" indent="0">
-              <a:buNone/>
-            </a:pPr>
-            <a:endParaRPr lang="en-US" dirty="0"/>
-          </a:p>
-        </p:txBody>
-      </p:sp>
-      <p:sp>
-        <p:nvSpPr>
-          <p:cNvPr id="4" name="Slide Number Placeholder 3">
-            <a:extLst>
-              <a:ext uri="{FF2B5EF4-FFF2-40B4-BE49-F238E27FC236}">
-                <a16:creationId xmlns:a16="http://schemas.microsoft.com/office/drawing/2014/main" id="{660F0BEB-C144-40C9-8E78-EE7CE592315E}"/>
-              </a:ext>
-            </a:extLst>
-          </p:cNvPr>
-          <p:cNvSpPr>
-            <a:spLocks noGrp="1"/>
-          </p:cNvSpPr>
-          <p:nvPr>
-            <p:ph type="sldNum" sz="quarter" idx="4"/>
-          </p:nvPr>
-        </p:nvSpPr>
-        <p:spPr/>
-        <p:txBody>
-          <a:bodyPr/>
-          <a:lstStyle/>
-          <a:p>
-            <a:r>
-              <a:rPr lang="en-US">
-                <a:solidFill>
-                  <a:srgbClr val="C1CD23"/>
-                </a:solidFill>
-              </a:rPr>
-              <a:t>|</a:t>
-            </a:r>
-            <a:r>
-              <a:rPr lang="en-US"/>
-              <a:t> </a:t>
-            </a:r>
-            <a:fld id="{295008BC-DA31-4D19-837B-EFA4386B05F5}" type="slidenum">
-              <a:rPr lang="en-US" smtClean="0">
-                <a:solidFill>
-                  <a:schemeClr val="tx1">
-                    <a:lumMod val="50000"/>
-                    <a:lumOff val="50000"/>
-                  </a:schemeClr>
-                </a:solidFill>
-              </a:rPr>
-              <a:pPr/>
-              <a:t>38</a:t>
-            </a:fld>
-            <a:r>
-              <a:rPr lang="en-US"/>
-              <a:t> </a:t>
-            </a:r>
-            <a:r>
-              <a:rPr lang="en-US">
-                <a:solidFill>
-                  <a:srgbClr val="C1CD23"/>
-                </a:solidFill>
-              </a:rPr>
-              <a:t>|</a:t>
-            </a:r>
-            <a:endParaRPr lang="en-US" dirty="0">
-              <a:solidFill>
-                <a:srgbClr val="C1CD23"/>
-              </a:solidFill>
-            </a:endParaRPr>
-          </a:p>
-        </p:txBody>
-      </p:sp>
-    </p:spTree>
-    <p:extLst>
-      <p:ext uri="{BB962C8B-B14F-4D97-AF65-F5344CB8AC3E}">
-        <p14:creationId xmlns:p14="http://schemas.microsoft.com/office/powerpoint/2010/main" val="3562276676"/>
-      </p:ext>
-    </p:extLst>
-  </p:cSld>
-  <p:clrMapOvr>
-    <a:masterClrMapping/>
-  </p:clrMapOvr>
-</p:sld>
-</file>
-
-<file path=ppt/slides/slide39.xml><?xml version="1.0" encoding="utf-8"?>
-<p:sld xmlns:a="http://schemas.openxmlformats.org/drawingml/2006/main" xmlns:r="http://schemas.openxmlformats.org/officeDocument/2006/relationships" xmlns:p="http://schemas.openxmlformats.org/presentationml/2006/main">
-  <p:cSld>
-    <p:spTree>
-      <p:nvGrpSpPr>
-        <p:cNvPr id="1" name=""/>
-        <p:cNvGrpSpPr/>
-        <p:nvPr/>
-      </p:nvGrpSpPr>
-      <p:grpSpPr>
-        <a:xfrm>
-          <a:off x="0" y="0"/>
-          <a:ext cx="0" cy="0"/>
-          <a:chOff x="0" y="0"/>
-          <a:chExt cx="0" cy="0"/>
-        </a:xfrm>
-      </p:grpSpPr>
-      <p:sp>
-        <p:nvSpPr>
-          <p:cNvPr id="2" name="Title 1">
-            <a:extLst>
-              <a:ext uri="{FF2B5EF4-FFF2-40B4-BE49-F238E27FC236}">
-                <a16:creationId xmlns:a16="http://schemas.microsoft.com/office/drawing/2014/main" id="{34749829-5B39-4D22-9468-25D0F93629BD}"/>
-              </a:ext>
-            </a:extLst>
-          </p:cNvPr>
-          <p:cNvSpPr>
-            <a:spLocks noGrp="1"/>
-          </p:cNvSpPr>
-          <p:nvPr>
-            <p:ph type="title"/>
-          </p:nvPr>
-        </p:nvSpPr>
-        <p:spPr>
-          <a:xfrm>
-            <a:off x="812801" y="274638"/>
-            <a:ext cx="11050545" cy="868362"/>
-          </a:xfrm>
-        </p:spPr>
-        <p:txBody>
-          <a:bodyPr/>
-          <a:lstStyle/>
-          <a:p>
-            <a:r>
-              <a:rPr lang="en-US" dirty="0"/>
-              <a:t>Additional Root CNA Rules (2 of 3)</a:t>
-            </a:r>
-          </a:p>
-        </p:txBody>
-      </p:sp>
-      <p:sp>
-        <p:nvSpPr>
-          <p:cNvPr id="3" name="Content Placeholder 2">
-            <a:extLst>
-              <a:ext uri="{FF2B5EF4-FFF2-40B4-BE49-F238E27FC236}">
-                <a16:creationId xmlns:a16="http://schemas.microsoft.com/office/drawing/2014/main" id="{0EC2D3C4-8456-4A48-A7F3-7419187E300B}"/>
-              </a:ext>
-            </a:extLst>
-          </p:cNvPr>
-          <p:cNvSpPr>
-            <a:spLocks noGrp="1"/>
-          </p:cNvSpPr>
-          <p:nvPr>
-            <p:ph idx="1"/>
-          </p:nvPr>
-        </p:nvSpPr>
-        <p:spPr>
-          <a:xfrm>
-            <a:off x="628153" y="1351723"/>
-            <a:ext cx="11147730" cy="4685824"/>
-          </a:xfrm>
-        </p:spPr>
-        <p:txBody>
-          <a:bodyPr>
-            <a:normAutofit/>
-          </a:bodyPr>
-          <a:lstStyle/>
-          <a:p>
-            <a:pPr marL="573088" lvl="1" indent="-344488"/>
-            <a:r>
-              <a:rPr lang="en-US" dirty="0"/>
-              <a:t>Communications Rules</a:t>
-            </a:r>
-          </a:p>
-          <a:p>
-            <a:pPr marL="914400" lvl="2" indent="-230188"/>
-            <a:r>
-              <a:rPr lang="en-US" sz="2000" dirty="0"/>
-              <a:t>Notify the Program Root CNA when Sub-CNAs are established or removed</a:t>
-            </a:r>
-          </a:p>
-          <a:p>
-            <a:pPr marL="914400" lvl="2" indent="-230188"/>
-            <a:r>
-              <a:rPr lang="en-US" sz="2000" dirty="0"/>
-              <a:t>Provide a public list of POCs and web links for each Sub-CNA in the Root CNA's domain; provide this information to the Program Root CNA</a:t>
-            </a:r>
-          </a:p>
-          <a:p>
-            <a:pPr marL="914400" lvl="2" indent="-230188"/>
-            <a:r>
-              <a:rPr lang="en-US" sz="2000" dirty="0"/>
-              <a:t>Maintain a private list of individual POCs within each Sub-CNA for use by CNAs only; provide this information to the Program Root CNA</a:t>
-            </a:r>
-          </a:p>
-          <a:p>
-            <a:pPr marL="914400" lvl="2" indent="-230188"/>
-            <a:r>
-              <a:rPr lang="en-US" sz="2000" dirty="0"/>
-              <a:t>Maintain a public listing of the established counting rules followed by the Root CNA and Sub-CNAs in its domain</a:t>
-            </a:r>
-          </a:p>
-          <a:p>
-            <a:pPr marL="914400" lvl="2" indent="0">
-              <a:buNone/>
-            </a:pPr>
-            <a:endParaRPr lang="en-US" dirty="0"/>
-          </a:p>
-          <a:p>
-            <a:endParaRPr lang="en-US" dirty="0"/>
-          </a:p>
-        </p:txBody>
-      </p:sp>
-      <p:sp>
-        <p:nvSpPr>
-          <p:cNvPr id="4" name="Slide Number Placeholder 3">
-            <a:extLst>
-              <a:ext uri="{FF2B5EF4-FFF2-40B4-BE49-F238E27FC236}">
-                <a16:creationId xmlns:a16="http://schemas.microsoft.com/office/drawing/2014/main" id="{92B651CB-780A-49B3-A7B6-5F05476409CC}"/>
-              </a:ext>
-            </a:extLst>
-          </p:cNvPr>
-          <p:cNvSpPr>
-            <a:spLocks noGrp="1"/>
-          </p:cNvSpPr>
-          <p:nvPr>
-            <p:ph type="sldNum" sz="quarter" idx="4"/>
-          </p:nvPr>
-        </p:nvSpPr>
-        <p:spPr/>
-        <p:txBody>
-          <a:bodyPr/>
-          <a:lstStyle/>
-          <a:p>
-            <a:r>
-              <a:rPr lang="en-US">
-                <a:solidFill>
-                  <a:srgbClr val="C1CD23"/>
-                </a:solidFill>
-              </a:rPr>
-              <a:t>|</a:t>
-            </a:r>
-            <a:r>
-              <a:rPr lang="en-US"/>
-              <a:t> </a:t>
-            </a:r>
-            <a:fld id="{295008BC-DA31-4D19-837B-EFA4386B05F5}" type="slidenum">
-              <a:rPr lang="en-US" smtClean="0">
-                <a:solidFill>
-                  <a:schemeClr val="tx1">
-                    <a:lumMod val="50000"/>
-                    <a:lumOff val="50000"/>
-                  </a:schemeClr>
-                </a:solidFill>
-              </a:rPr>
-              <a:pPr/>
-              <a:t>39</a:t>
-            </a:fld>
-            <a:r>
-              <a:rPr lang="en-US"/>
-              <a:t> </a:t>
-            </a:r>
-            <a:r>
-              <a:rPr lang="en-US">
-                <a:solidFill>
-                  <a:srgbClr val="C1CD23"/>
-                </a:solidFill>
-              </a:rPr>
-              <a:t>|</a:t>
-            </a:r>
-            <a:endParaRPr lang="en-US" dirty="0">
-              <a:solidFill>
-                <a:srgbClr val="C1CD23"/>
-              </a:solidFill>
-            </a:endParaRPr>
-          </a:p>
-        </p:txBody>
-      </p:sp>
-    </p:spTree>
-    <p:extLst>
-      <p:ext uri="{BB962C8B-B14F-4D97-AF65-F5344CB8AC3E}">
-        <p14:creationId xmlns:p14="http://schemas.microsoft.com/office/powerpoint/2010/main" val="468849705"/>
+        <p14:creationId xmlns:p14="http://schemas.microsoft.com/office/powerpoint/2010/main" val="214364837"/>
       </p:ext>
     </p:extLst>
   </p:cSld>
@@ -12339,39 +12305,60 @@
           </a:bodyPr>
           <a:lstStyle/>
           <a:p>
+            <a:pPr>
+              <a:buFont typeface="Wingdings" panose="05000000000000000000" pitchFamily="2" charset="2"/>
+              <a:buChar char="§"/>
+            </a:pPr>
             <a:r>
               <a:rPr lang="en-US" dirty="0"/>
               <a:t>What are CVE Numbering Authorities (CNAs)?</a:t>
             </a:r>
           </a:p>
           <a:p>
-            <a:pPr lvl="1"/>
+            <a:pPr lvl="1">
+              <a:buFont typeface="Wingdings" panose="05000000000000000000" pitchFamily="2" charset="2"/>
+              <a:buChar char="§"/>
+            </a:pPr>
             <a:r>
               <a:rPr lang="en-US" dirty="0"/>
               <a:t>CNAs are organizations that are authorized to assign CVE IDs to vulnerabilities affecting products within their distinct, agreed upon scope</a:t>
             </a:r>
           </a:p>
           <a:p>
+            <a:pPr>
+              <a:buFont typeface="Wingdings" panose="05000000000000000000" pitchFamily="2" charset="2"/>
+              <a:buChar char="§"/>
+            </a:pPr>
             <a:r>
               <a:rPr lang="en-US" dirty="0"/>
               <a:t>Why do we need CNAs?</a:t>
             </a:r>
           </a:p>
           <a:p>
-            <a:pPr lvl="1"/>
+            <a:pPr lvl="1">
+              <a:buFont typeface="Wingdings" panose="05000000000000000000" pitchFamily="2" charset="2"/>
+              <a:buChar char="§"/>
+            </a:pPr>
             <a:r>
               <a:rPr lang="en-US" dirty="0"/>
               <a:t>CNAs help to address the CVE Program's primary challenge to satisfy the demand for timely, accurate CVE ID assignments while rapidly expanding the scope of coverage to address the increasing number of vulnerabilities and evolving state of vulnerability management</a:t>
             </a:r>
           </a:p>
           <a:p>
+            <a:pPr>
+              <a:buFont typeface="Wingdings" panose="05000000000000000000" pitchFamily="2" charset="2"/>
+              <a:buChar char="§"/>
+            </a:pPr>
             <a:r>
               <a:rPr lang="en-US" dirty="0"/>
               <a:t>What value do CNAs provide?</a:t>
             </a:r>
           </a:p>
           <a:p>
-            <a:pPr lvl="1"/>
+            <a:pPr lvl="1">
+              <a:buFont typeface="Wingdings" panose="05000000000000000000" pitchFamily="2" charset="2"/>
+              <a:buChar char="§"/>
+            </a:pPr>
             <a:r>
               <a:rPr lang="en-US" dirty="0"/>
               <a:t>CNAs allow CVE IDs to be produced more quickly and in a more distributed manner</a:t>
@@ -12448,1051 +12435,6 @@
     <p:extLst>
       <p:ext uri="{BB962C8B-B14F-4D97-AF65-F5344CB8AC3E}">
         <p14:creationId xmlns:p14="http://schemas.microsoft.com/office/powerpoint/2010/main" val="356969710"/>
-      </p:ext>
-    </p:extLst>
-  </p:cSld>
-  <p:clrMapOvr>
-    <a:masterClrMapping/>
-  </p:clrMapOvr>
-</p:sld>
-</file>
-
-<file path=ppt/slides/slide40.xml><?xml version="1.0" encoding="utf-8"?>
-<p:sld xmlns:a="http://schemas.openxmlformats.org/drawingml/2006/main" xmlns:r="http://schemas.openxmlformats.org/officeDocument/2006/relationships" xmlns:p="http://schemas.openxmlformats.org/presentationml/2006/main">
-  <p:cSld>
-    <p:spTree>
-      <p:nvGrpSpPr>
-        <p:cNvPr id="1" name=""/>
-        <p:cNvGrpSpPr/>
-        <p:nvPr/>
-      </p:nvGrpSpPr>
-      <p:grpSpPr>
-        <a:xfrm>
-          <a:off x="0" y="0"/>
-          <a:ext cx="0" cy="0"/>
-          <a:chOff x="0" y="0"/>
-          <a:chExt cx="0" cy="0"/>
-        </a:xfrm>
-      </p:grpSpPr>
-      <p:sp>
-        <p:nvSpPr>
-          <p:cNvPr id="2" name="Title 1">
-            <a:extLst>
-              <a:ext uri="{FF2B5EF4-FFF2-40B4-BE49-F238E27FC236}">
-                <a16:creationId xmlns:a16="http://schemas.microsoft.com/office/drawing/2014/main" id="{5088A587-B5E5-4EEF-88A3-401608E70112}"/>
-              </a:ext>
-            </a:extLst>
-          </p:cNvPr>
-          <p:cNvSpPr>
-            <a:spLocks noGrp="1"/>
-          </p:cNvSpPr>
-          <p:nvPr>
-            <p:ph type="title"/>
-          </p:nvPr>
-        </p:nvSpPr>
-        <p:spPr>
-          <a:xfrm>
-            <a:off x="812801" y="274638"/>
-            <a:ext cx="10989143" cy="868362"/>
-          </a:xfrm>
-        </p:spPr>
-        <p:txBody>
-          <a:bodyPr/>
-          <a:lstStyle/>
-          <a:p>
-            <a:r>
-              <a:rPr lang="en-US" dirty="0"/>
-              <a:t>Additional Root CNA Rules (3 of 3)</a:t>
-            </a:r>
-          </a:p>
-        </p:txBody>
-      </p:sp>
-      <p:sp>
-        <p:nvSpPr>
-          <p:cNvPr id="3" name="Content Placeholder 2">
-            <a:extLst>
-              <a:ext uri="{FF2B5EF4-FFF2-40B4-BE49-F238E27FC236}">
-                <a16:creationId xmlns:a16="http://schemas.microsoft.com/office/drawing/2014/main" id="{3513BE57-ABD0-4EAA-8A19-3C01E61A8F15}"/>
-              </a:ext>
-            </a:extLst>
-          </p:cNvPr>
-          <p:cNvSpPr>
-            <a:spLocks noGrp="1"/>
-          </p:cNvSpPr>
-          <p:nvPr>
-            <p:ph idx="1"/>
-          </p:nvPr>
-        </p:nvSpPr>
-        <p:spPr>
-          <a:xfrm>
-            <a:off x="628153" y="1296726"/>
-            <a:ext cx="11092070" cy="4746265"/>
-          </a:xfrm>
-        </p:spPr>
-        <p:txBody>
-          <a:bodyPr>
-            <a:normAutofit/>
-          </a:bodyPr>
-          <a:lstStyle/>
-          <a:p>
-            <a:pPr marL="461963" lvl="1"/>
-            <a:r>
-              <a:rPr lang="en-US" dirty="0"/>
-              <a:t>Administration Rules</a:t>
-            </a:r>
-          </a:p>
-          <a:p>
-            <a:pPr marL="914400" lvl="2" indent="-230188"/>
-            <a:r>
-              <a:rPr lang="en-US" sz="2000" dirty="0"/>
-              <a:t>Accept metrics reports from Sub-CNAs; the format and instructions for sending metrics are determined by the Root CNA</a:t>
-            </a:r>
-          </a:p>
-          <a:p>
-            <a:pPr marL="914400" lvl="2" indent="-230188"/>
-            <a:r>
-              <a:rPr lang="en-US" sz="2000" dirty="0"/>
-              <a:t>Submit metrics from Sub-CNAs quarterly, within two weeks of the quarter, to the Program Root CNA; quarters are based on the calendar year</a:t>
-            </a:r>
-          </a:p>
-          <a:p>
-            <a:pPr marL="914400" lvl="2" indent="-230188"/>
-            <a:r>
-              <a:rPr lang="en-US" sz="2000" dirty="0"/>
-              <a:t>Act as an escalation and adjudication point for issue resolution for Sub-CNAs in its domain </a:t>
-            </a:r>
-          </a:p>
-          <a:p>
-            <a:pPr marL="914400" lvl="2" indent="-230188"/>
-            <a:r>
-              <a:rPr lang="en-US" sz="2000" dirty="0"/>
-              <a:t>When appropriate, apply sanctions upon any Sub-CNAs within its domain and notify the Program Root CNA; the application of sanctions should occur as a last resort</a:t>
-            </a:r>
-          </a:p>
-          <a:p>
-            <a:pPr marL="914400" lvl="2" indent="-230188"/>
-            <a:r>
-              <a:rPr lang="en-US" sz="2000" dirty="0"/>
-              <a:t>Facilitate the enforcement of any administrative actions taken by the Program Root CNA against a Sub-CNA</a:t>
-            </a:r>
-          </a:p>
-          <a:p>
-            <a:pPr marL="914400" lvl="2" indent="-230188"/>
-            <a:r>
-              <a:rPr lang="en-US" sz="2000" dirty="0"/>
-              <a:t>Follow the CNA Candidate Process described in Section 4 of the </a:t>
-            </a:r>
-            <a:r>
-              <a:rPr lang="en-US" sz="2000" i="1" dirty="0"/>
-              <a:t>CNA Rules</a:t>
-            </a:r>
-            <a:r>
-              <a:rPr lang="en-US" sz="2000" dirty="0"/>
-              <a:t> when adding new Sub-CNAs</a:t>
-            </a:r>
-          </a:p>
-          <a:p>
-            <a:pPr lvl="2"/>
-            <a:endParaRPr lang="en-US" dirty="0"/>
-          </a:p>
-        </p:txBody>
-      </p:sp>
-      <p:sp>
-        <p:nvSpPr>
-          <p:cNvPr id="4" name="Slide Number Placeholder 3">
-            <a:extLst>
-              <a:ext uri="{FF2B5EF4-FFF2-40B4-BE49-F238E27FC236}">
-                <a16:creationId xmlns:a16="http://schemas.microsoft.com/office/drawing/2014/main" id="{7E52AC0E-10D0-4413-8487-AF1704257145}"/>
-              </a:ext>
-            </a:extLst>
-          </p:cNvPr>
-          <p:cNvSpPr>
-            <a:spLocks noGrp="1"/>
-          </p:cNvSpPr>
-          <p:nvPr>
-            <p:ph type="sldNum" sz="quarter" idx="4"/>
-          </p:nvPr>
-        </p:nvSpPr>
-        <p:spPr/>
-        <p:txBody>
-          <a:bodyPr/>
-          <a:lstStyle/>
-          <a:p>
-            <a:r>
-              <a:rPr lang="en-US">
-                <a:solidFill>
-                  <a:srgbClr val="C1CD23"/>
-                </a:solidFill>
-              </a:rPr>
-              <a:t>|</a:t>
-            </a:r>
-            <a:r>
-              <a:rPr lang="en-US"/>
-              <a:t> </a:t>
-            </a:r>
-            <a:fld id="{295008BC-DA31-4D19-837B-EFA4386B05F5}" type="slidenum">
-              <a:rPr lang="en-US" smtClean="0">
-                <a:solidFill>
-                  <a:schemeClr val="tx1">
-                    <a:lumMod val="50000"/>
-                    <a:lumOff val="50000"/>
-                  </a:schemeClr>
-                </a:solidFill>
-              </a:rPr>
-              <a:pPr/>
-              <a:t>40</a:t>
-            </a:fld>
-            <a:r>
-              <a:rPr lang="en-US"/>
-              <a:t> </a:t>
-            </a:r>
-            <a:r>
-              <a:rPr lang="en-US">
-                <a:solidFill>
-                  <a:srgbClr val="C1CD23"/>
-                </a:solidFill>
-              </a:rPr>
-              <a:t>|</a:t>
-            </a:r>
-            <a:endParaRPr lang="en-US" dirty="0">
-              <a:solidFill>
-                <a:srgbClr val="C1CD23"/>
-              </a:solidFill>
-            </a:endParaRPr>
-          </a:p>
-        </p:txBody>
-      </p:sp>
-    </p:spTree>
-    <p:extLst>
-      <p:ext uri="{BB962C8B-B14F-4D97-AF65-F5344CB8AC3E}">
-        <p14:creationId xmlns:p14="http://schemas.microsoft.com/office/powerpoint/2010/main" val="4242470200"/>
-      </p:ext>
-    </p:extLst>
-  </p:cSld>
-  <p:clrMapOvr>
-    <a:masterClrMapping/>
-  </p:clrMapOvr>
-</p:sld>
-</file>
-
-<file path=ppt/slides/slide41.xml><?xml version="1.0" encoding="utf-8"?>
-<p:sld xmlns:a="http://schemas.openxmlformats.org/drawingml/2006/main" xmlns:r="http://schemas.openxmlformats.org/officeDocument/2006/relationships" xmlns:p="http://schemas.openxmlformats.org/presentationml/2006/main">
-  <p:cSld>
-    <p:spTree>
-      <p:nvGrpSpPr>
-        <p:cNvPr id="1" name=""/>
-        <p:cNvGrpSpPr/>
-        <p:nvPr/>
-      </p:nvGrpSpPr>
-      <p:grpSpPr>
-        <a:xfrm>
-          <a:off x="0" y="0"/>
-          <a:ext cx="0" cy="0"/>
-          <a:chOff x="0" y="0"/>
-          <a:chExt cx="0" cy="0"/>
-        </a:xfrm>
-      </p:grpSpPr>
-      <p:sp>
-        <p:nvSpPr>
-          <p:cNvPr id="2" name="Title 1">
-            <a:extLst>
-              <a:ext uri="{FF2B5EF4-FFF2-40B4-BE49-F238E27FC236}">
-                <a16:creationId xmlns:a16="http://schemas.microsoft.com/office/drawing/2014/main" id="{6278E60B-CF6D-40D7-B6DE-511B409224AC}"/>
-              </a:ext>
-            </a:extLst>
-          </p:cNvPr>
-          <p:cNvSpPr>
-            <a:spLocks noGrp="1"/>
-          </p:cNvSpPr>
-          <p:nvPr>
-            <p:ph type="title"/>
-          </p:nvPr>
-        </p:nvSpPr>
-        <p:spPr/>
-        <p:txBody>
-          <a:bodyPr>
-            <a:normAutofit/>
-          </a:bodyPr>
-          <a:lstStyle/>
-          <a:p>
-            <a:r>
-              <a:rPr lang="en-US" dirty="0"/>
-              <a:t>Additional Program Root CNA Rules (1 of 3)</a:t>
-            </a:r>
-          </a:p>
-        </p:txBody>
-      </p:sp>
-      <p:sp>
-        <p:nvSpPr>
-          <p:cNvPr id="3" name="Content Placeholder 2">
-            <a:extLst>
-              <a:ext uri="{FF2B5EF4-FFF2-40B4-BE49-F238E27FC236}">
-                <a16:creationId xmlns:a16="http://schemas.microsoft.com/office/drawing/2014/main" id="{13BBB940-9712-4828-98DB-FADE804B3CD5}"/>
-              </a:ext>
-            </a:extLst>
-          </p:cNvPr>
-          <p:cNvSpPr>
-            <a:spLocks noGrp="1"/>
-          </p:cNvSpPr>
-          <p:nvPr>
-            <p:ph idx="1"/>
-          </p:nvPr>
-        </p:nvSpPr>
-        <p:spPr>
-          <a:xfrm>
-            <a:off x="812801" y="1327869"/>
-            <a:ext cx="11042593" cy="4709678"/>
-          </a:xfrm>
-        </p:spPr>
-        <p:txBody>
-          <a:bodyPr>
-            <a:normAutofit/>
-          </a:bodyPr>
-          <a:lstStyle/>
-          <a:p>
-            <a:pPr>
-              <a:spcAft>
-                <a:spcPts val="1200"/>
-              </a:spcAft>
-            </a:pPr>
-            <a:r>
-              <a:rPr lang="en-US" dirty="0"/>
-              <a:t>In addition to following the afore mentioned rules, the Program Root CNA must perform the following functions:</a:t>
-            </a:r>
-          </a:p>
-          <a:p>
-            <a:pPr lvl="1"/>
-            <a:r>
-              <a:rPr lang="en-US" dirty="0"/>
-              <a:t>Assignment Rules</a:t>
-            </a:r>
-          </a:p>
-          <a:p>
-            <a:pPr lvl="2"/>
-            <a:r>
-              <a:rPr lang="en-US" dirty="0"/>
-              <a:t>Provide CVE ID blocks to Root CNAs</a:t>
-            </a:r>
-          </a:p>
-          <a:p>
-            <a:pPr lvl="2"/>
-            <a:r>
-              <a:rPr lang="en-US" dirty="0"/>
-              <a:t>Maintain the CVE List and provide that information to the public</a:t>
-            </a:r>
-          </a:p>
-          <a:p>
-            <a:pPr lvl="2"/>
-            <a:r>
-              <a:rPr lang="en-US" dirty="0"/>
-              <a:t>Assign CVE IDs as a CNA when necessary, per the CVE counting rules, when no Root CNAs cover that scope </a:t>
-            </a:r>
-          </a:p>
-          <a:p>
-            <a:pPr lvl="2"/>
-            <a:r>
-              <a:rPr lang="en-US" dirty="0"/>
-              <a:t>Act as the CNA of last resort for assignment issues that require escalation</a:t>
-            </a:r>
-          </a:p>
-        </p:txBody>
-      </p:sp>
-      <p:sp>
-        <p:nvSpPr>
-          <p:cNvPr id="4" name="Slide Number Placeholder 3">
-            <a:extLst>
-              <a:ext uri="{FF2B5EF4-FFF2-40B4-BE49-F238E27FC236}">
-                <a16:creationId xmlns:a16="http://schemas.microsoft.com/office/drawing/2014/main" id="{E676C1BA-A380-452E-9501-ACC28F2F8CBB}"/>
-              </a:ext>
-            </a:extLst>
-          </p:cNvPr>
-          <p:cNvSpPr>
-            <a:spLocks noGrp="1"/>
-          </p:cNvSpPr>
-          <p:nvPr>
-            <p:ph type="sldNum" sz="quarter" idx="4"/>
-          </p:nvPr>
-        </p:nvSpPr>
-        <p:spPr/>
-        <p:txBody>
-          <a:bodyPr/>
-          <a:lstStyle/>
-          <a:p>
-            <a:r>
-              <a:rPr lang="en-US">
-                <a:solidFill>
-                  <a:srgbClr val="C1CD23"/>
-                </a:solidFill>
-              </a:rPr>
-              <a:t>|</a:t>
-            </a:r>
-            <a:r>
-              <a:rPr lang="en-US"/>
-              <a:t> </a:t>
-            </a:r>
-            <a:fld id="{295008BC-DA31-4D19-837B-EFA4386B05F5}" type="slidenum">
-              <a:rPr lang="en-US" smtClean="0">
-                <a:solidFill>
-                  <a:schemeClr val="tx1">
-                    <a:lumMod val="50000"/>
-                    <a:lumOff val="50000"/>
-                  </a:schemeClr>
-                </a:solidFill>
-              </a:rPr>
-              <a:pPr/>
-              <a:t>41</a:t>
-            </a:fld>
-            <a:r>
-              <a:rPr lang="en-US"/>
-              <a:t> </a:t>
-            </a:r>
-            <a:r>
-              <a:rPr lang="en-US">
-                <a:solidFill>
-                  <a:srgbClr val="C1CD23"/>
-                </a:solidFill>
-              </a:rPr>
-              <a:t>|</a:t>
-            </a:r>
-            <a:endParaRPr lang="en-US" dirty="0">
-              <a:solidFill>
-                <a:srgbClr val="C1CD23"/>
-              </a:solidFill>
-            </a:endParaRPr>
-          </a:p>
-        </p:txBody>
-      </p:sp>
-    </p:spTree>
-    <p:extLst>
-      <p:ext uri="{BB962C8B-B14F-4D97-AF65-F5344CB8AC3E}">
-        <p14:creationId xmlns:p14="http://schemas.microsoft.com/office/powerpoint/2010/main" val="1531730179"/>
-      </p:ext>
-    </p:extLst>
-  </p:cSld>
-  <p:clrMapOvr>
-    <a:masterClrMapping/>
-  </p:clrMapOvr>
-</p:sld>
-</file>
-
-<file path=ppt/slides/slide42.xml><?xml version="1.0" encoding="utf-8"?>
-<p:sld xmlns:a="http://schemas.openxmlformats.org/drawingml/2006/main" xmlns:r="http://schemas.openxmlformats.org/officeDocument/2006/relationships" xmlns:p="http://schemas.openxmlformats.org/presentationml/2006/main">
-  <p:cSld>
-    <p:spTree>
-      <p:nvGrpSpPr>
-        <p:cNvPr id="1" name=""/>
-        <p:cNvGrpSpPr/>
-        <p:nvPr/>
-      </p:nvGrpSpPr>
-      <p:grpSpPr>
-        <a:xfrm>
-          <a:off x="0" y="0"/>
-          <a:ext cx="0" cy="0"/>
-          <a:chOff x="0" y="0"/>
-          <a:chExt cx="0" cy="0"/>
-        </a:xfrm>
-      </p:grpSpPr>
-      <p:sp>
-        <p:nvSpPr>
-          <p:cNvPr id="2" name="Title 1">
-            <a:extLst>
-              <a:ext uri="{FF2B5EF4-FFF2-40B4-BE49-F238E27FC236}">
-                <a16:creationId xmlns:a16="http://schemas.microsoft.com/office/drawing/2014/main" id="{6278E60B-CF6D-40D7-B6DE-511B409224AC}"/>
-              </a:ext>
-            </a:extLst>
-          </p:cNvPr>
-          <p:cNvSpPr>
-            <a:spLocks noGrp="1"/>
-          </p:cNvSpPr>
-          <p:nvPr>
-            <p:ph type="title"/>
-          </p:nvPr>
-        </p:nvSpPr>
-        <p:spPr>
-          <a:xfrm>
-            <a:off x="812801" y="274638"/>
-            <a:ext cx="11042593" cy="868362"/>
-          </a:xfrm>
-        </p:spPr>
-        <p:txBody>
-          <a:bodyPr>
-            <a:normAutofit/>
-          </a:bodyPr>
-          <a:lstStyle/>
-          <a:p>
-            <a:r>
-              <a:rPr lang="en-US" dirty="0"/>
-              <a:t>Additional Program Root CNA Rules (2 of 3)</a:t>
-            </a:r>
-          </a:p>
-        </p:txBody>
-      </p:sp>
-      <p:sp>
-        <p:nvSpPr>
-          <p:cNvPr id="3" name="Content Placeholder 2">
-            <a:extLst>
-              <a:ext uri="{FF2B5EF4-FFF2-40B4-BE49-F238E27FC236}">
-                <a16:creationId xmlns:a16="http://schemas.microsoft.com/office/drawing/2014/main" id="{13BBB940-9712-4828-98DB-FADE804B3CD5}"/>
-              </a:ext>
-            </a:extLst>
-          </p:cNvPr>
-          <p:cNvSpPr>
-            <a:spLocks noGrp="1"/>
-          </p:cNvSpPr>
-          <p:nvPr>
-            <p:ph idx="1"/>
-          </p:nvPr>
-        </p:nvSpPr>
-        <p:spPr>
-          <a:xfrm>
-            <a:off x="628153" y="1327869"/>
-            <a:ext cx="11227241" cy="4709678"/>
-          </a:xfrm>
-        </p:spPr>
-        <p:txBody>
-          <a:bodyPr>
-            <a:normAutofit/>
-          </a:bodyPr>
-          <a:lstStyle/>
-          <a:p>
-            <a:pPr marL="461963" lvl="1"/>
-            <a:r>
-              <a:rPr lang="en-US" dirty="0"/>
-              <a:t>Communications Rules</a:t>
-            </a:r>
-          </a:p>
-          <a:p>
-            <a:pPr marL="914400" lvl="2" indent="-222250"/>
-            <a:r>
-              <a:rPr lang="en-US" sz="2000" dirty="0"/>
-              <a:t>Provide a listing of all Root CNAs and Sub-CNAs, including public points of contact and web links; obtain this information from Root CNAs</a:t>
-            </a:r>
-          </a:p>
-          <a:p>
-            <a:pPr marL="914400" lvl="2" indent="-222250"/>
-            <a:r>
-              <a:rPr lang="en-US" sz="2000" dirty="0"/>
-              <a:t>Maintain a private list of individual POCs for each Root and Sub-CNA for use by CNAs only</a:t>
-            </a:r>
-          </a:p>
-          <a:p>
-            <a:pPr marL="914400" lvl="2" indent="-222250"/>
-            <a:r>
-              <a:rPr lang="en-US" sz="2000" dirty="0"/>
-              <a:t>Provide coordination of communication channels between Root CNAs</a:t>
-            </a:r>
-          </a:p>
-          <a:p>
-            <a:pPr marL="914400" lvl="2" indent="-222250"/>
-            <a:r>
-              <a:rPr lang="en-US" sz="2000" dirty="0"/>
-              <a:t>Respond to inquiries by Root CNAs and Sub-CNAs in a timely manner; establish responsiveness metrics for such responsiveness</a:t>
-            </a:r>
-          </a:p>
-          <a:p>
-            <a:pPr marL="914400" lvl="2" indent="-222250"/>
-            <a:r>
-              <a:rPr lang="en-US" sz="2000" dirty="0"/>
-              <a:t>Maintain a public listing of the established counting rules for the CVE Program</a:t>
-            </a:r>
-          </a:p>
-          <a:p>
-            <a:pPr lvl="2"/>
-            <a:endParaRPr lang="en-US" dirty="0"/>
-          </a:p>
-        </p:txBody>
-      </p:sp>
-      <p:sp>
-        <p:nvSpPr>
-          <p:cNvPr id="4" name="Slide Number Placeholder 3">
-            <a:extLst>
-              <a:ext uri="{FF2B5EF4-FFF2-40B4-BE49-F238E27FC236}">
-                <a16:creationId xmlns:a16="http://schemas.microsoft.com/office/drawing/2014/main" id="{87236FCF-E7FE-481A-B33E-C7C7E57EA635}"/>
-              </a:ext>
-            </a:extLst>
-          </p:cNvPr>
-          <p:cNvSpPr>
-            <a:spLocks noGrp="1"/>
-          </p:cNvSpPr>
-          <p:nvPr>
-            <p:ph type="sldNum" sz="quarter" idx="4"/>
-          </p:nvPr>
-        </p:nvSpPr>
-        <p:spPr/>
-        <p:txBody>
-          <a:bodyPr/>
-          <a:lstStyle/>
-          <a:p>
-            <a:r>
-              <a:rPr lang="en-US">
-                <a:solidFill>
-                  <a:srgbClr val="C1CD23"/>
-                </a:solidFill>
-              </a:rPr>
-              <a:t>|</a:t>
-            </a:r>
-            <a:r>
-              <a:rPr lang="en-US"/>
-              <a:t> </a:t>
-            </a:r>
-            <a:fld id="{295008BC-DA31-4D19-837B-EFA4386B05F5}" type="slidenum">
-              <a:rPr lang="en-US" smtClean="0">
-                <a:solidFill>
-                  <a:schemeClr val="tx1">
-                    <a:lumMod val="50000"/>
-                    <a:lumOff val="50000"/>
-                  </a:schemeClr>
-                </a:solidFill>
-              </a:rPr>
-              <a:pPr/>
-              <a:t>42</a:t>
-            </a:fld>
-            <a:r>
-              <a:rPr lang="en-US"/>
-              <a:t> </a:t>
-            </a:r>
-            <a:r>
-              <a:rPr lang="en-US">
-                <a:solidFill>
-                  <a:srgbClr val="C1CD23"/>
-                </a:solidFill>
-              </a:rPr>
-              <a:t>|</a:t>
-            </a:r>
-            <a:endParaRPr lang="en-US" dirty="0">
-              <a:solidFill>
-                <a:srgbClr val="C1CD23"/>
-              </a:solidFill>
-            </a:endParaRPr>
-          </a:p>
-        </p:txBody>
-      </p:sp>
-    </p:spTree>
-    <p:extLst>
-      <p:ext uri="{BB962C8B-B14F-4D97-AF65-F5344CB8AC3E}">
-        <p14:creationId xmlns:p14="http://schemas.microsoft.com/office/powerpoint/2010/main" val="450455099"/>
-      </p:ext>
-    </p:extLst>
-  </p:cSld>
-  <p:clrMapOvr>
-    <a:masterClrMapping/>
-  </p:clrMapOvr>
-</p:sld>
-</file>
-
-<file path=ppt/slides/slide43.xml><?xml version="1.0" encoding="utf-8"?>
-<p:sld xmlns:a="http://schemas.openxmlformats.org/drawingml/2006/main" xmlns:r="http://schemas.openxmlformats.org/officeDocument/2006/relationships" xmlns:p="http://schemas.openxmlformats.org/presentationml/2006/main">
-  <p:cSld>
-    <p:spTree>
-      <p:nvGrpSpPr>
-        <p:cNvPr id="1" name=""/>
-        <p:cNvGrpSpPr/>
-        <p:nvPr/>
-      </p:nvGrpSpPr>
-      <p:grpSpPr>
-        <a:xfrm>
-          <a:off x="0" y="0"/>
-          <a:ext cx="0" cy="0"/>
-          <a:chOff x="0" y="0"/>
-          <a:chExt cx="0" cy="0"/>
-        </a:xfrm>
-      </p:grpSpPr>
-      <p:sp>
-        <p:nvSpPr>
-          <p:cNvPr id="2" name="Title 1">
-            <a:extLst>
-              <a:ext uri="{FF2B5EF4-FFF2-40B4-BE49-F238E27FC236}">
-                <a16:creationId xmlns:a16="http://schemas.microsoft.com/office/drawing/2014/main" id="{9C8A8935-EFD7-489B-92D1-D337BAFC458A}"/>
-              </a:ext>
-            </a:extLst>
-          </p:cNvPr>
-          <p:cNvSpPr>
-            <a:spLocks noGrp="1"/>
-          </p:cNvSpPr>
-          <p:nvPr>
-            <p:ph type="title"/>
-          </p:nvPr>
-        </p:nvSpPr>
-        <p:spPr/>
-        <p:txBody>
-          <a:bodyPr>
-            <a:normAutofit/>
-          </a:bodyPr>
-          <a:lstStyle/>
-          <a:p>
-            <a:r>
-              <a:rPr lang="en-US" dirty="0"/>
-              <a:t>Additional Program Root CNA Rules (3 of 3)</a:t>
-            </a:r>
-          </a:p>
-        </p:txBody>
-      </p:sp>
-      <p:sp>
-        <p:nvSpPr>
-          <p:cNvPr id="3" name="Content Placeholder 2">
-            <a:extLst>
-              <a:ext uri="{FF2B5EF4-FFF2-40B4-BE49-F238E27FC236}">
-                <a16:creationId xmlns:a16="http://schemas.microsoft.com/office/drawing/2014/main" id="{745A70A4-068B-4BEF-B02B-BCF8A8499CA8}"/>
-              </a:ext>
-            </a:extLst>
-          </p:cNvPr>
-          <p:cNvSpPr>
-            <a:spLocks noGrp="1"/>
-          </p:cNvSpPr>
-          <p:nvPr>
-            <p:ph idx="1"/>
-          </p:nvPr>
-        </p:nvSpPr>
-        <p:spPr>
-          <a:xfrm>
-            <a:off x="898497" y="1319917"/>
-            <a:ext cx="10948945" cy="4717629"/>
-          </a:xfrm>
-        </p:spPr>
-        <p:txBody>
-          <a:bodyPr/>
-          <a:lstStyle/>
-          <a:p>
-            <a:pPr marL="230188" indent="-230188"/>
-            <a:r>
-              <a:rPr lang="en-US" b="0" dirty="0"/>
-              <a:t>Administration Rules</a:t>
-            </a:r>
-          </a:p>
-          <a:p>
-            <a:pPr marL="684213" lvl="1" indent="-231775"/>
-            <a:r>
-              <a:rPr lang="en-US" dirty="0"/>
-              <a:t>Serve as a member, and the Board moderator, of the CVE Board</a:t>
-            </a:r>
-          </a:p>
-          <a:p>
-            <a:pPr marL="684213" lvl="1" indent="-231775"/>
-            <a:r>
-              <a:rPr lang="en-US" dirty="0"/>
-              <a:t>Accept metrics reports from Root CNAs quarterly, within one month of the calendar quarter</a:t>
-            </a:r>
-          </a:p>
-          <a:p>
-            <a:pPr marL="684213" lvl="1" indent="-231775"/>
-            <a:r>
-              <a:rPr lang="en-US" dirty="0"/>
-              <a:t>Act as the final arbiter for appeals regarding CNA assignment decisions and CNA program issues</a:t>
-            </a:r>
-          </a:p>
-          <a:p>
-            <a:pPr marL="684213" lvl="1" indent="-231775"/>
-            <a:r>
-              <a:rPr lang="en-US" dirty="0"/>
-              <a:t>Act as an escalation point for issue resolution should this process fail at the Root CNA level</a:t>
-            </a:r>
-          </a:p>
-          <a:p>
-            <a:pPr marL="684213" lvl="1" indent="-231775"/>
-            <a:r>
-              <a:rPr lang="en-US" dirty="0"/>
-              <a:t>When appropriate, apply sanctions upon any CNA</a:t>
-            </a:r>
-          </a:p>
-          <a:p>
-            <a:pPr marL="684213" lvl="1" indent="-231775"/>
-            <a:r>
-              <a:rPr lang="en-US" dirty="0"/>
-              <a:t>Follow the CNA Candidate Process described in Section 4 of the </a:t>
-            </a:r>
-            <a:r>
-              <a:rPr lang="en-US" i="1" dirty="0"/>
-              <a:t>CNA Rules </a:t>
-            </a:r>
-            <a:r>
-              <a:rPr lang="en-US" dirty="0"/>
-              <a:t>when adding new Root CNAs</a:t>
-            </a:r>
-          </a:p>
-        </p:txBody>
-      </p:sp>
-      <p:sp>
-        <p:nvSpPr>
-          <p:cNvPr id="4" name="Slide Number Placeholder 3">
-            <a:extLst>
-              <a:ext uri="{FF2B5EF4-FFF2-40B4-BE49-F238E27FC236}">
-                <a16:creationId xmlns:a16="http://schemas.microsoft.com/office/drawing/2014/main" id="{0661A6AD-F375-4E86-84FE-437D44B2D284}"/>
-              </a:ext>
-            </a:extLst>
-          </p:cNvPr>
-          <p:cNvSpPr>
-            <a:spLocks noGrp="1"/>
-          </p:cNvSpPr>
-          <p:nvPr>
-            <p:ph type="sldNum" sz="quarter" idx="4"/>
-          </p:nvPr>
-        </p:nvSpPr>
-        <p:spPr/>
-        <p:txBody>
-          <a:bodyPr/>
-          <a:lstStyle/>
-          <a:p>
-            <a:r>
-              <a:rPr lang="en-US">
-                <a:solidFill>
-                  <a:srgbClr val="C1CD23"/>
-                </a:solidFill>
-              </a:rPr>
-              <a:t>|</a:t>
-            </a:r>
-            <a:r>
-              <a:rPr lang="en-US"/>
-              <a:t> </a:t>
-            </a:r>
-            <a:fld id="{295008BC-DA31-4D19-837B-EFA4386B05F5}" type="slidenum">
-              <a:rPr lang="en-US" smtClean="0">
-                <a:solidFill>
-                  <a:schemeClr val="tx1">
-                    <a:lumMod val="50000"/>
-                    <a:lumOff val="50000"/>
-                  </a:schemeClr>
-                </a:solidFill>
-              </a:rPr>
-              <a:pPr/>
-              <a:t>43</a:t>
-            </a:fld>
-            <a:r>
-              <a:rPr lang="en-US"/>
-              <a:t> </a:t>
-            </a:r>
-            <a:r>
-              <a:rPr lang="en-US">
-                <a:solidFill>
-                  <a:srgbClr val="C1CD23"/>
-                </a:solidFill>
-              </a:rPr>
-              <a:t>|</a:t>
-            </a:r>
-            <a:endParaRPr lang="en-US" dirty="0">
-              <a:solidFill>
-                <a:srgbClr val="C1CD23"/>
-              </a:solidFill>
-            </a:endParaRPr>
-          </a:p>
-        </p:txBody>
-      </p:sp>
-    </p:spTree>
-    <p:extLst>
-      <p:ext uri="{BB962C8B-B14F-4D97-AF65-F5344CB8AC3E}">
-        <p14:creationId xmlns:p14="http://schemas.microsoft.com/office/powerpoint/2010/main" val="3442957090"/>
-      </p:ext>
-    </p:extLst>
-  </p:cSld>
-  <p:clrMapOvr>
-    <a:masterClrMapping/>
-  </p:clrMapOvr>
-</p:sld>
-</file>
-
-<file path=ppt/slides/slide44.xml><?xml version="1.0" encoding="utf-8"?>
-<p:sld xmlns:a="http://schemas.openxmlformats.org/drawingml/2006/main" xmlns:r="http://schemas.openxmlformats.org/officeDocument/2006/relationships" xmlns:p="http://schemas.openxmlformats.org/presentationml/2006/main">
-  <p:cSld>
-    <p:spTree>
-      <p:nvGrpSpPr>
-        <p:cNvPr id="1" name=""/>
-        <p:cNvGrpSpPr/>
-        <p:nvPr/>
-      </p:nvGrpSpPr>
-      <p:grpSpPr>
-        <a:xfrm>
-          <a:off x="0" y="0"/>
-          <a:ext cx="0" cy="0"/>
-          <a:chOff x="0" y="0"/>
-          <a:chExt cx="0" cy="0"/>
-        </a:xfrm>
-      </p:grpSpPr>
-      <p:sp>
-        <p:nvSpPr>
-          <p:cNvPr id="2" name="Title 1"/>
-          <p:cNvSpPr>
-            <a:spLocks noGrp="1"/>
-          </p:cNvSpPr>
-          <p:nvPr>
-            <p:ph type="title"/>
-          </p:nvPr>
-        </p:nvSpPr>
-        <p:spPr/>
-        <p:txBody>
-          <a:bodyPr/>
-          <a:lstStyle/>
-          <a:p>
-            <a:r>
-              <a:rPr lang="en-US" dirty="0"/>
-              <a:t>CVE ID Appeals Process</a:t>
-            </a:r>
-          </a:p>
-        </p:txBody>
-      </p:sp>
-      <p:sp>
-        <p:nvSpPr>
-          <p:cNvPr id="3" name="Content Placeholder 2"/>
-          <p:cNvSpPr>
-            <a:spLocks noGrp="1"/>
-          </p:cNvSpPr>
-          <p:nvPr>
-            <p:ph idx="1"/>
-          </p:nvPr>
-        </p:nvSpPr>
-        <p:spPr>
-          <a:xfrm>
-            <a:off x="890546" y="1359673"/>
-            <a:ext cx="10996654" cy="4677873"/>
-          </a:xfrm>
-        </p:spPr>
-        <p:txBody>
-          <a:bodyPr>
-            <a:normAutofit lnSpcReduction="10000"/>
-          </a:bodyPr>
-          <a:lstStyle/>
-          <a:p>
-            <a:pPr>
-              <a:spcAft>
-                <a:spcPts val="1200"/>
-              </a:spcAft>
-            </a:pPr>
-            <a:r>
-              <a:rPr lang="en-US" sz="2200" dirty="0"/>
-              <a:t>For situations where CVE ID assignment decisions are disputed, or where there is a disagreement between Root CNAs or between a Root CNA and one of their Sub-CNAs, the following process should be followed to resolve the issues:</a:t>
-            </a:r>
-          </a:p>
-          <a:p>
-            <a:pPr lvl="1">
-              <a:spcAft>
-                <a:spcPts val="1200"/>
-              </a:spcAft>
-            </a:pPr>
-            <a:r>
-              <a:rPr lang="en-US" dirty="0"/>
-              <a:t>The party seeking to appeal a decision made by a Root CNA, or resolve a disagreement between Root CNAs, contacts the Program Root CNA at </a:t>
-            </a:r>
-            <a:r>
-              <a:rPr lang="en-US" u="sng" dirty="0">
-                <a:hlinkClick r:id="rId2"/>
-              </a:rPr>
-              <a:t>cna-coordinator@mitre.org</a:t>
-            </a:r>
-            <a:r>
-              <a:rPr lang="en-US" dirty="0"/>
-              <a:t> and asks for arbitration of the appeal</a:t>
-            </a:r>
-          </a:p>
-          <a:p>
-            <a:pPr lvl="1">
-              <a:spcAft>
-                <a:spcPts val="1200"/>
-              </a:spcAft>
-            </a:pPr>
-            <a:r>
-              <a:rPr lang="en-US" dirty="0"/>
-              <a:t>The Program Root CNA sets expectations for when a timely resolution may be available; appeals of time-sensitive issues are prioritized, as determined by the Program Root CNA</a:t>
-            </a:r>
-          </a:p>
-          <a:p>
-            <a:pPr lvl="1">
-              <a:spcAft>
-                <a:spcPts val="1200"/>
-              </a:spcAft>
-            </a:pPr>
-            <a:r>
-              <a:rPr lang="en-US" dirty="0"/>
-              <a:t>The Program Root CNA contacts the appropriate entities to collect information relevant to the issue. The CNAs involved in the dispute provide documentation per the rules established in the </a:t>
-            </a:r>
-            <a:r>
-              <a:rPr lang="en-US" i="1" dirty="0"/>
-              <a:t>CNA Rules</a:t>
-            </a:r>
-            <a:r>
-              <a:rPr lang="en-US" dirty="0"/>
-              <a:t>. The Program Root CNA may also engage the CVE Board for their consideration of the issue</a:t>
-            </a:r>
-          </a:p>
-          <a:p>
-            <a:pPr lvl="1">
-              <a:spcAft>
-                <a:spcPts val="1200"/>
-              </a:spcAft>
-            </a:pPr>
-            <a:r>
-              <a:rPr lang="en-US" dirty="0"/>
-              <a:t>The Program Root CNA communicates its decision to all relevant parties once the disagreement or appeal has been fully considered; this result is final</a:t>
-            </a:r>
-          </a:p>
-        </p:txBody>
-      </p:sp>
-      <p:sp>
-        <p:nvSpPr>
-          <p:cNvPr id="4" name="Slide Number Placeholder 3">
-            <a:extLst>
-              <a:ext uri="{FF2B5EF4-FFF2-40B4-BE49-F238E27FC236}">
-                <a16:creationId xmlns:a16="http://schemas.microsoft.com/office/drawing/2014/main" id="{EFA041C8-9D71-491E-A0A1-043175E97DDF}"/>
-              </a:ext>
-            </a:extLst>
-          </p:cNvPr>
-          <p:cNvSpPr>
-            <a:spLocks noGrp="1"/>
-          </p:cNvSpPr>
-          <p:nvPr>
-            <p:ph type="sldNum" sz="quarter" idx="4"/>
-          </p:nvPr>
-        </p:nvSpPr>
-        <p:spPr/>
-        <p:txBody>
-          <a:bodyPr/>
-          <a:lstStyle/>
-          <a:p>
-            <a:r>
-              <a:rPr lang="en-US">
-                <a:solidFill>
-                  <a:srgbClr val="C1CD23"/>
-                </a:solidFill>
-              </a:rPr>
-              <a:t>|</a:t>
-            </a:r>
-            <a:r>
-              <a:rPr lang="en-US"/>
-              <a:t> </a:t>
-            </a:r>
-            <a:fld id="{295008BC-DA31-4D19-837B-EFA4386B05F5}" type="slidenum">
-              <a:rPr lang="en-US" smtClean="0">
-                <a:solidFill>
-                  <a:schemeClr val="tx1">
-                    <a:lumMod val="50000"/>
-                    <a:lumOff val="50000"/>
-                  </a:schemeClr>
-                </a:solidFill>
-              </a:rPr>
-              <a:pPr/>
-              <a:t>44</a:t>
-            </a:fld>
-            <a:r>
-              <a:rPr lang="en-US"/>
-              <a:t> </a:t>
-            </a:r>
-            <a:r>
-              <a:rPr lang="en-US">
-                <a:solidFill>
-                  <a:srgbClr val="C1CD23"/>
-                </a:solidFill>
-              </a:rPr>
-              <a:t>|</a:t>
-            </a:r>
-            <a:endParaRPr lang="en-US" dirty="0">
-              <a:solidFill>
-                <a:srgbClr val="C1CD23"/>
-              </a:solidFill>
-            </a:endParaRPr>
-          </a:p>
-        </p:txBody>
-      </p:sp>
-    </p:spTree>
-    <p:extLst>
-      <p:ext uri="{BB962C8B-B14F-4D97-AF65-F5344CB8AC3E}">
-        <p14:creationId xmlns:p14="http://schemas.microsoft.com/office/powerpoint/2010/main" val="3541409024"/>
       </p:ext>
     </p:extLst>
   </p:cSld>
@@ -13556,41 +12498,60 @@
           <a:bodyPr/>
           <a:lstStyle/>
           <a:p>
+            <a:pPr>
+              <a:buFont typeface="Wingdings" panose="05000000000000000000" pitchFamily="2" charset="2"/>
+              <a:buChar char="§"/>
+            </a:pPr>
             <a:r>
               <a:rPr lang="en-US" dirty="0"/>
               <a:t>Benefits of becoming a CNA include:</a:t>
             </a:r>
           </a:p>
           <a:p>
-            <a:pPr lvl="1"/>
+            <a:pPr lvl="1">
+              <a:buFont typeface="Wingdings" panose="05000000000000000000" pitchFamily="2" charset="2"/>
+              <a:buChar char="§"/>
+            </a:pPr>
             <a:r>
               <a:rPr lang="en-US" dirty="0"/>
               <a:t>More control over CVE Entry publication process</a:t>
             </a:r>
           </a:p>
           <a:p>
-            <a:pPr lvl="1"/>
+            <a:pPr lvl="1">
+              <a:buFont typeface="Wingdings" panose="05000000000000000000" pitchFamily="2" charset="2"/>
+              <a:buChar char="§"/>
+            </a:pPr>
             <a:r>
               <a:rPr lang="en-US" dirty="0"/>
               <a:t>Ability to publicly disclose a vulnerability with an already assigned CVE ID </a:t>
             </a:r>
           </a:p>
           <a:p>
-            <a:pPr lvl="1"/>
+            <a:pPr lvl="1">
+              <a:buFont typeface="Wingdings" panose="05000000000000000000" pitchFamily="2" charset="2"/>
+              <a:buChar char="§"/>
+            </a:pPr>
             <a:r>
               <a:rPr lang="en-US" dirty="0"/>
               <a:t>Ability to control the disclosure of vulnerability information without pre-publishing </a:t>
             </a:r>
           </a:p>
           <a:p>
-            <a:pPr lvl="1"/>
+            <a:pPr lvl="1">
+              <a:buFont typeface="Wingdings" panose="05000000000000000000" pitchFamily="2" charset="2"/>
+              <a:buChar char="§"/>
+            </a:pPr>
             <a:r>
               <a:rPr lang="en-US" dirty="0"/>
               <a:t>Early notification, by researchers requesting a CVE ID, of vulnerabilities in products within a CNA’s scope</a:t>
             </a:r>
           </a:p>
           <a:p>
-            <a:pPr lvl="1"/>
+            <a:pPr lvl="1">
+              <a:buFont typeface="Wingdings" panose="05000000000000000000" pitchFamily="2" charset="2"/>
+              <a:buChar char="§"/>
+            </a:pPr>
             <a:r>
               <a:rPr lang="en-US" dirty="0"/>
               <a:t>Being part of the CNA community</a:t>
@@ -13736,6 +12697,8 @@
               <a:spcAft>
                 <a:spcPts val="1200"/>
               </a:spcAft>
+              <a:buFont typeface="Wingdings" panose="05000000000000000000" pitchFamily="2" charset="2"/>
+              <a:buChar char="§"/>
             </a:pPr>
             <a:r>
               <a:rPr lang="en-US" dirty="0"/>
@@ -13747,6 +12710,8 @@
               <a:spcAft>
                 <a:spcPts val="1200"/>
               </a:spcAft>
+              <a:buFont typeface="Wingdings" panose="05000000000000000000" pitchFamily="2" charset="2"/>
+              <a:buChar char="§"/>
             </a:pPr>
             <a:r>
               <a:rPr lang="en-US" dirty="0"/>
@@ -13758,6 +12723,8 @@
               <a:spcAft>
                 <a:spcPts val="1200"/>
               </a:spcAft>
+              <a:buFont typeface="Wingdings" panose="05000000000000000000" pitchFamily="2" charset="2"/>
+              <a:buChar char="§"/>
             </a:pPr>
             <a:r>
               <a:rPr lang="en-US" dirty="0"/>
@@ -13769,6 +12736,8 @@
               <a:spcAft>
                 <a:spcPts val="1200"/>
               </a:spcAft>
+              <a:buFont typeface="Wingdings" panose="05000000000000000000" pitchFamily="2" charset="2"/>
+              <a:buChar char="§"/>
             </a:pPr>
             <a:r>
               <a:rPr lang="en-US" dirty="0"/>
@@ -13784,6 +12753,8 @@
               <a:spcAft>
                 <a:spcPts val="1200"/>
               </a:spcAft>
+              <a:buFont typeface="Wingdings" panose="05000000000000000000" pitchFamily="2" charset="2"/>
+              <a:buChar char="§"/>
             </a:pPr>
             <a:r>
               <a:rPr lang="en-US" dirty="0"/>
@@ -13927,18 +12898,30 @@
           <a:bodyPr/>
           <a:lstStyle/>
           <a:p>
-            <a:r>
-              <a:rPr lang="en-US" dirty="0"/>
-              <a:t>There is no fee</a:t>
-            </a:r>
-          </a:p>
-          <a:p>
+            <a:pPr>
+              <a:buFont typeface="Wingdings" panose="05000000000000000000" pitchFamily="2" charset="2"/>
+              <a:buChar char="§"/>
+            </a:pPr>
+            <a:r>
+              <a:rPr lang="en-US" dirty="0"/>
+              <a:t>There is no monetary fee</a:t>
+            </a:r>
+          </a:p>
+          <a:p>
+            <a:pPr>
+              <a:buFont typeface="Wingdings" panose="05000000000000000000" pitchFamily="2" charset="2"/>
+              <a:buChar char="§"/>
+            </a:pPr>
             <a:r>
               <a:rPr lang="en-US" dirty="0"/>
               <a:t>There is no contract to sign</a:t>
             </a:r>
           </a:p>
           <a:p>
+            <a:pPr>
+              <a:buFont typeface="Wingdings" panose="05000000000000000000" pitchFamily="2" charset="2"/>
+              <a:buChar char="§"/>
+            </a:pPr>
             <a:r>
               <a:rPr lang="en-US" dirty="0"/>
               <a:t>You are expected to put in the time and effort to implement the </a:t>
@@ -13949,11 +12932,16 @@
             </a:r>
           </a:p>
           <a:p>
-            <a:pPr lvl="1"/>
+            <a:pPr lvl="1">
+              <a:buFont typeface="Wingdings" panose="05000000000000000000" pitchFamily="2" charset="2"/>
+              <a:buChar char="§"/>
+            </a:pPr>
             <a:endParaRPr lang="en-US" dirty="0"/>
           </a:p>
           <a:p>
-            <a:pPr lvl="1"/>
+            <a:pPr marL="457200" lvl="1" indent="0">
+              <a:buNone/>
+            </a:pPr>
             <a:endParaRPr lang="en-US" dirty="0"/>
           </a:p>
         </p:txBody>
@@ -14090,40 +13078,60 @@
           <a:bodyPr/>
           <a:lstStyle/>
           <a:p>
+            <a:pPr>
+              <a:buFont typeface="Wingdings" panose="05000000000000000000" pitchFamily="2" charset="2"/>
+              <a:buChar char="§"/>
+            </a:pPr>
             <a:r>
               <a:rPr lang="en-US" dirty="0"/>
               <a:t>Which parent CNA is right for you?</a:t>
             </a:r>
           </a:p>
           <a:p>
-            <a:pPr lvl="1"/>
+            <a:pPr lvl="1">
+              <a:buFont typeface="Wingdings" panose="05000000000000000000" pitchFamily="2" charset="2"/>
+              <a:buChar char="§"/>
+            </a:pPr>
             <a:r>
               <a:rPr lang="en-US" dirty="0"/>
               <a:t>National level</a:t>
             </a:r>
           </a:p>
           <a:p>
-            <a:pPr lvl="1"/>
+            <a:pPr lvl="1">
+              <a:buFont typeface="Wingdings" panose="05000000000000000000" pitchFamily="2" charset="2"/>
+              <a:buChar char="§"/>
+            </a:pPr>
             <a:r>
               <a:rPr lang="en-US" dirty="0"/>
               <a:t>Industry level</a:t>
             </a:r>
           </a:p>
           <a:p>
-            <a:pPr lvl="1"/>
+            <a:pPr lvl="1">
+              <a:buFont typeface="Wingdings" panose="05000000000000000000" pitchFamily="2" charset="2"/>
+              <a:buChar char="§"/>
+            </a:pPr>
             <a:r>
               <a:rPr lang="en-US" dirty="0"/>
               <a:t>Program Root level</a:t>
             </a:r>
           </a:p>
           <a:p>
+            <a:pPr>
+              <a:buFont typeface="Wingdings" panose="05000000000000000000" pitchFamily="2" charset="2"/>
+              <a:buChar char="§"/>
+            </a:pPr>
             <a:r>
               <a:rPr lang="en-US" dirty="0"/>
               <a:t>If you are not sure, contact the CVE Program Root CNA:</a:t>
             </a:r>
           </a:p>
           <a:p>
-            <a:pPr lvl="1"/>
+            <a:pPr lvl="1">
+              <a:buFont typeface="Wingdings" panose="05000000000000000000" pitchFamily="2" charset="2"/>
+              <a:buChar char="§"/>
+            </a:pPr>
             <a:r>
               <a:rPr lang="en-US" dirty="0">
                 <a:hlinkClick r:id="rId2"/>
@@ -14133,7 +13141,10 @@
             <a:endParaRPr lang="en-US" dirty="0"/>
           </a:p>
           <a:p>
-            <a:pPr lvl="1"/>
+            <a:pPr lvl="1">
+              <a:buFont typeface="Wingdings" panose="05000000000000000000" pitchFamily="2" charset="2"/>
+              <a:buChar char="§"/>
+            </a:pPr>
             <a:r>
               <a:rPr lang="en-US" dirty="0">
                 <a:hlinkClick r:id="rId3"/>
@@ -14143,13 +13154,20 @@
             <a:endParaRPr lang="en-US" dirty="0"/>
           </a:p>
           <a:p>
+            <a:pPr>
+              <a:buFont typeface="Wingdings" panose="05000000000000000000" pitchFamily="2" charset="2"/>
+              <a:buChar char="§"/>
+            </a:pPr>
             <a:r>
               <a:rPr lang="en-US" dirty="0"/>
               <a:t>Contact information for the CNAs:</a:t>
             </a:r>
           </a:p>
           <a:p>
-            <a:pPr lvl="1"/>
+            <a:pPr lvl="1">
+              <a:buFont typeface="Wingdings" panose="05000000000000000000" pitchFamily="2" charset="2"/>
+              <a:buChar char="§"/>
+            </a:pPr>
             <a:r>
               <a:rPr lang="en-US" dirty="0">
                 <a:hlinkClick r:id="rId4"/>
@@ -15250,16 +14268,6 @@
 </file>
 
 <file path=customXml/item1.xml><?xml version="1.0" encoding="utf-8"?>
-<?mso-contentType ?>
-<customXsn xmlns="http://schemas.microsoft.com/office/2006/metadata/customXsn">
-  <xsnLocation/>
-  <cached>True</cached>
-  <openByDefault>True</openByDefault>
-  <xsnScope/>
-</customXsn>
-</file>
-
-<file path=customXml/item2.xml><?xml version="1.0" encoding="utf-8"?>
 <ct:contentTypeSchema xmlns:ct="http://schemas.microsoft.com/office/2006/metadata/contentType" xmlns:ma="http://schemas.microsoft.com/office/2006/metadata/properties/metaAttributes" ct:_="" ma:_="" ma:contentTypeName="MITRE Work" ma:contentTypeID="0x0101001EAE5F8AE92E0443B0635AEF5BFC9F76004C6CC03BF5DC804FBBC33E4E55C06EE9" ma:contentTypeVersion="6" ma:contentTypeDescription="Materials and documents that contain MITRE authored content and other content directly attributable to MITRE and its work" ma:contentTypeScope="" ma:versionID="4ad27c3cbde4a5e69cf872f973dbc972">
   <xsd:schema xmlns:xsd="http://www.w3.org/2001/XMLSchema" xmlns:xs="http://www.w3.org/2001/XMLSchema" xmlns:p="http://schemas.microsoft.com/office/2006/metadata/properties" xmlns:ns1="http://schemas.microsoft.com/sharepoint/v3" xmlns:ns2="http://schemas.microsoft.com/sharepoint/v3/fields" xmlns:ns3="45d44e74-5c87-4253-a1a6-fb7a2a9835a8" xmlns:ns4="http://schemas.microsoft.com/sharepoint/v4" xmlns:ns5="d6dad062-3ecc-4c2a-98eb-3d03c2389ab6" targetNamespace="http://schemas.microsoft.com/office/2006/metadata/properties" ma:root="true" ma:fieldsID="8c7f8a686deeddaa67bf50c4d10033f6" ns1:_="" ns2:_="" ns3:_="" ns4:_="" ns5:_="">
     <xsd:import namespace="http://schemas.microsoft.com/sharepoint/v3"/>
@@ -15504,7 +14512,26 @@
 </ct:contentTypeSchema>
 </file>
 
+<file path=customXml/item2.xml><?xml version="1.0" encoding="utf-8"?>
+<?mso-contentType ?>
+<customXsn xmlns="http://schemas.microsoft.com/office/2006/metadata/customXsn">
+  <xsnLocation/>
+  <cached>True</cached>
+  <openByDefault>True</openByDefault>
+  <xsnScope/>
+</customXsn>
+</file>
+
 <file path=customXml/item3.xml><?xml version="1.0" encoding="utf-8"?>
+<?mso-contentType ?>
+<FormTemplates xmlns="http://schemas.microsoft.com/sharepoint/v3/contenttype/forms">
+  <Display>DocumentLibraryForm</Display>
+  <Edit>DocumentLibraryForm</Edit>
+  <New>DocumentLibraryForm</New>
+</FormTemplates>
+</file>
+
+<file path=customXml/item4.xml><?xml version="1.0" encoding="utf-8"?>
 <p:properties xmlns:p="http://schemas.microsoft.com/office/2006/metadata/properties" xmlns:xsi="http://www.w3.org/2001/XMLSchema-instance" xmlns:pc="http://schemas.microsoft.com/office/infopath/2007/PartnerControls">
   <documentManagement>
     <MITRE_x0020_Sensitivity xmlns="http://schemas.microsoft.com/sharepoint/v3">Internal MITRE Information</MITRE_x0020_Sensitivity>
@@ -15521,24 +14548,7 @@
 </p:properties>
 </file>
 
-<file path=customXml/item4.xml><?xml version="1.0" encoding="utf-8"?>
-<?mso-contentType ?>
-<FormTemplates xmlns="http://schemas.microsoft.com/sharepoint/v3/contenttype/forms">
-  <Display>DocumentLibraryForm</Display>
-  <Edit>DocumentLibraryForm</Edit>
-  <New>DocumentLibraryForm</New>
-</FormTemplates>
-</file>
-
 <file path=customXml/itemProps1.xml><?xml version="1.0" encoding="utf-8"?>
-<ds:datastoreItem xmlns:ds="http://schemas.openxmlformats.org/officeDocument/2006/customXml" ds:itemID="{589A4884-CA84-4BD3-BCA6-39AECD72E50D}">
-  <ds:schemaRefs>
-    <ds:schemaRef ds:uri="http://schemas.microsoft.com/office/2006/metadata/customXsn"/>
-  </ds:schemaRefs>
-</ds:datastoreItem>
-</file>
-
-<file path=customXml/itemProps2.xml><?xml version="1.0" encoding="utf-8"?>
 <ds:datastoreItem xmlns:ds="http://schemas.openxmlformats.org/officeDocument/2006/customXml" ds:itemID="{E3E4C7FE-9143-4635-B164-5CEF7469C30A}">
   <ds:schemaRefs>
     <ds:schemaRef ds:uri="http://schemas.microsoft.com/office/2006/metadata/contentType"/>
@@ -15560,30 +14570,38 @@
 </ds:datastoreItem>
 </file>
 
+<file path=customXml/itemProps2.xml><?xml version="1.0" encoding="utf-8"?>
+<ds:datastoreItem xmlns:ds="http://schemas.openxmlformats.org/officeDocument/2006/customXml" ds:itemID="{589A4884-CA84-4BD3-BCA6-39AECD72E50D}">
+  <ds:schemaRefs>
+    <ds:schemaRef ds:uri="http://schemas.microsoft.com/office/2006/metadata/customXsn"/>
+  </ds:schemaRefs>
+</ds:datastoreItem>
+</file>
+
 <file path=customXml/itemProps3.xml><?xml version="1.0" encoding="utf-8"?>
-<ds:datastoreItem xmlns:ds="http://schemas.openxmlformats.org/officeDocument/2006/customXml" ds:itemID="{5450FCDD-08B1-48D8-BB50-7A17E590A5EE}">
+<ds:datastoreItem xmlns:ds="http://schemas.openxmlformats.org/officeDocument/2006/customXml" ds:itemID="{416BA5C9-2D71-4B86-AE8A-8C0D9BC5FB22}">
   <ds:schemaRefs>
-    <ds:schemaRef ds:uri="45d44e74-5c87-4253-a1a6-fb7a2a9835a8"/>
-    <ds:schemaRef ds:uri="http://schemas.microsoft.com/office/2006/documentManagement/types"/>
-    <ds:schemaRef ds:uri="http://purl.org/dc/elements/1.1/"/>
-    <ds:schemaRef ds:uri="http://schemas.microsoft.com/office/2006/metadata/properties"/>
-    <ds:schemaRef ds:uri="http://schemas.microsoft.com/office/infopath/2007/PartnerControls"/>
-    <ds:schemaRef ds:uri="http://schemas.openxmlformats.org/package/2006/metadata/core-properties"/>
-    <ds:schemaRef ds:uri="http://schemas.microsoft.com/sharepoint/v3"/>
-    <ds:schemaRef ds:uri="http://schemas.microsoft.com/sharepoint/v4"/>
-    <ds:schemaRef ds:uri="http://purl.org/dc/terms/"/>
-    <ds:schemaRef ds:uri="d6dad062-3ecc-4c2a-98eb-3d03c2389ab6"/>
-    <ds:schemaRef ds:uri="http://schemas.microsoft.com/sharepoint/v3/fields"/>
-    <ds:schemaRef ds:uri="http://www.w3.org/XML/1998/namespace"/>
-    <ds:schemaRef ds:uri="http://purl.org/dc/dcmitype/"/>
+    <ds:schemaRef ds:uri="http://schemas.microsoft.com/sharepoint/v3/contenttype/forms"/>
   </ds:schemaRefs>
 </ds:datastoreItem>
 </file>
 
 <file path=customXml/itemProps4.xml><?xml version="1.0" encoding="utf-8"?>
-<ds:datastoreItem xmlns:ds="http://schemas.openxmlformats.org/officeDocument/2006/customXml" ds:itemID="{416BA5C9-2D71-4B86-AE8A-8C0D9BC5FB22}">
+<ds:datastoreItem xmlns:ds="http://schemas.openxmlformats.org/officeDocument/2006/customXml" ds:itemID="{5450FCDD-08B1-48D8-BB50-7A17E590A5EE}">
   <ds:schemaRefs>
-    <ds:schemaRef ds:uri="http://schemas.microsoft.com/sharepoint/v3/contenttype/forms"/>
+    <ds:schemaRef ds:uri="http://purl.org/dc/terms/"/>
+    <ds:schemaRef ds:uri="http://schemas.microsoft.com/office/2006/documentManagement/types"/>
+    <ds:schemaRef ds:uri="http://schemas.microsoft.com/office/2006/metadata/properties"/>
+    <ds:schemaRef ds:uri="d6dad062-3ecc-4c2a-98eb-3d03c2389ab6"/>
+    <ds:schemaRef ds:uri="http://purl.org/dc/elements/1.1/"/>
+    <ds:schemaRef ds:uri="http://schemas.microsoft.com/sharepoint/v4"/>
+    <ds:schemaRef ds:uri="http://schemas.microsoft.com/sharepoint/v3/fields"/>
+    <ds:schemaRef ds:uri="http://schemas.openxmlformats.org/package/2006/metadata/core-properties"/>
+    <ds:schemaRef ds:uri="45d44e74-5c87-4253-a1a6-fb7a2a9835a8"/>
+    <ds:schemaRef ds:uri="http://schemas.microsoft.com/office/infopath/2007/PartnerControls"/>
+    <ds:schemaRef ds:uri="http://schemas.microsoft.com/sharepoint/v3"/>
+    <ds:schemaRef ds:uri="http://www.w3.org/XML/1998/namespace"/>
+    <ds:schemaRef ds:uri="http://purl.org/dc/dcmitype/"/>
   </ds:schemaRefs>
 </ds:datastoreItem>
 </file>
--- a/docs/cna/Becoming_a_CNA.pptx
+++ b/docs/cna/Becoming_a_CNA.pptx
@@ -48,7 +48,7 @@
     <p:sldId id="317" r:id="rId39"/>
   </p:sldIdLst>
   <p:sldSz cx="12192000" cy="6858000"/>
-  <p:notesSz cx="6858000" cy="9144000"/>
+  <p:notesSz cx="7026275" cy="9312275"/>
   <p:defaultTextStyle>
     <a:defPPr>
       <a:defRPr lang="en-US"/>
@@ -196,14 +196,14 @@
         <p:spPr>
           <a:xfrm>
             <a:off x="0" y="0"/>
-            <a:ext cx="2971800" cy="458788"/>
+            <a:ext cx="3044719" cy="467231"/>
           </a:xfrm>
           <a:prstGeom prst="rect">
             <a:avLst/>
           </a:prstGeom>
         </p:spPr>
         <p:txBody>
-          <a:bodyPr vert="horz" lIns="91440" tIns="45720" rIns="91440" bIns="45720" rtlCol="0"/>
+          <a:bodyPr vert="horz" lIns="93360" tIns="46680" rIns="93360" bIns="46680" rtlCol="0"/>
           <a:lstStyle>
             <a:lvl1pPr algn="l">
               <a:defRPr sz="1200"/>
@@ -232,15 +232,15 @@
         </p:nvSpPr>
         <p:spPr>
           <a:xfrm>
-            <a:off x="3884613" y="0"/>
-            <a:ext cx="2971800" cy="458788"/>
+            <a:off x="3979930" y="0"/>
+            <a:ext cx="3044719" cy="467231"/>
           </a:xfrm>
           <a:prstGeom prst="rect">
             <a:avLst/>
           </a:prstGeom>
         </p:spPr>
         <p:txBody>
-          <a:bodyPr vert="horz" lIns="91440" tIns="45720" rIns="91440" bIns="45720" rtlCol="0"/>
+          <a:bodyPr vert="horz" lIns="93360" tIns="46680" rIns="93360" bIns="46680" rtlCol="0"/>
           <a:lstStyle>
             <a:lvl1pPr algn="r">
               <a:defRPr sz="1200"/>
@@ -249,7 +249,7 @@
           <a:p>
             <a:fld id="{FD8C879B-2DAC-426D-B5B4-08F42B952A26}" type="datetimeFigureOut">
               <a:rPr lang="en-US" smtClean="0"/>
-              <a:t>10/1/2019</a:t>
+              <a:t>10/2/2019</a:t>
             </a:fld>
             <a:endParaRPr lang="en-US"/>
           </a:p>
@@ -273,15 +273,15 @@
         </p:nvSpPr>
         <p:spPr>
           <a:xfrm>
-            <a:off x="0" y="8685213"/>
-            <a:ext cx="2971800" cy="458787"/>
+            <a:off x="0" y="8845046"/>
+            <a:ext cx="3044719" cy="467230"/>
           </a:xfrm>
           <a:prstGeom prst="rect">
             <a:avLst/>
           </a:prstGeom>
         </p:spPr>
         <p:txBody>
-          <a:bodyPr vert="horz" lIns="91440" tIns="45720" rIns="91440" bIns="45720" rtlCol="0" anchor="b"/>
+          <a:bodyPr vert="horz" lIns="93360" tIns="46680" rIns="93360" bIns="46680" rtlCol="0" anchor="b"/>
           <a:lstStyle>
             <a:lvl1pPr algn="l">
               <a:defRPr sz="1200"/>
@@ -310,15 +310,15 @@
         </p:nvSpPr>
         <p:spPr>
           <a:xfrm>
-            <a:off x="3884613" y="8685213"/>
-            <a:ext cx="2971800" cy="458787"/>
+            <a:off x="3979930" y="8845046"/>
+            <a:ext cx="3044719" cy="467230"/>
           </a:xfrm>
           <a:prstGeom prst="rect">
             <a:avLst/>
           </a:prstGeom>
         </p:spPr>
         <p:txBody>
-          <a:bodyPr vert="horz" lIns="91440" tIns="45720" rIns="91440" bIns="45720" rtlCol="0" anchor="b"/>
+          <a:bodyPr vert="horz" lIns="93360" tIns="46680" rIns="93360" bIns="46680" rtlCol="0" anchor="b"/>
           <a:lstStyle>
             <a:lvl1pPr algn="r">
               <a:defRPr sz="1200"/>
@@ -379,14 +379,14 @@
         <p:spPr>
           <a:xfrm>
             <a:off x="0" y="0"/>
-            <a:ext cx="2971800" cy="458788"/>
+            <a:ext cx="3044719" cy="467231"/>
           </a:xfrm>
           <a:prstGeom prst="rect">
             <a:avLst/>
           </a:prstGeom>
         </p:spPr>
         <p:txBody>
-          <a:bodyPr vert="horz" lIns="91440" tIns="45720" rIns="91440" bIns="45720" rtlCol="0"/>
+          <a:bodyPr vert="horz" lIns="93360" tIns="46680" rIns="93360" bIns="46680" rtlCol="0"/>
           <a:lstStyle>
             <a:lvl1pPr algn="l">
               <a:defRPr sz="1200"/>
@@ -409,15 +409,15 @@
         </p:nvSpPr>
         <p:spPr>
           <a:xfrm>
-            <a:off x="3884613" y="0"/>
-            <a:ext cx="2971800" cy="458788"/>
+            <a:off x="3979930" y="0"/>
+            <a:ext cx="3044719" cy="467231"/>
           </a:xfrm>
           <a:prstGeom prst="rect">
             <a:avLst/>
           </a:prstGeom>
         </p:spPr>
         <p:txBody>
-          <a:bodyPr vert="horz" lIns="91440" tIns="45720" rIns="91440" bIns="45720" rtlCol="0"/>
+          <a:bodyPr vert="horz" lIns="93360" tIns="46680" rIns="93360" bIns="46680" rtlCol="0"/>
           <a:lstStyle>
             <a:lvl1pPr algn="r">
               <a:defRPr sz="1200"/>
@@ -426,7 +426,7 @@
           <a:p>
             <a:fld id="{92E54576-A3BB-48F9-891E-992E86D01A7B}" type="datetimeFigureOut">
               <a:rPr lang="en-US" smtClean="0"/>
-              <a:t>10/1/2019</a:t>
+              <a:t>10/2/2019</a:t>
             </a:fld>
             <a:endParaRPr lang="en-US"/>
           </a:p>
@@ -444,8 +444,8 @@
         </p:nvSpPr>
         <p:spPr>
           <a:xfrm>
-            <a:off x="685800" y="1143000"/>
-            <a:ext cx="5486400" cy="3086100"/>
+            <a:off x="719138" y="1163638"/>
+            <a:ext cx="5588000" cy="3143250"/>
           </a:xfrm>
           <a:prstGeom prst="rect">
             <a:avLst/>
@@ -458,7 +458,7 @@
           </a:ln>
         </p:spPr>
         <p:txBody>
-          <a:bodyPr vert="horz" lIns="91440" tIns="45720" rIns="91440" bIns="45720" rtlCol="0" anchor="ctr"/>
+          <a:bodyPr vert="horz" lIns="93360" tIns="46680" rIns="93360" bIns="46680" rtlCol="0" anchor="ctr"/>
           <a:lstStyle/>
           <a:p>
             <a:endParaRPr lang="en-US"/>
@@ -477,15 +477,15 @@
         </p:nvSpPr>
         <p:spPr>
           <a:xfrm>
-            <a:off x="685800" y="4400550"/>
-            <a:ext cx="5486400" cy="3600450"/>
+            <a:off x="702628" y="4481532"/>
+            <a:ext cx="5621020" cy="3666708"/>
           </a:xfrm>
           <a:prstGeom prst="rect">
             <a:avLst/>
           </a:prstGeom>
         </p:spPr>
         <p:txBody>
-          <a:bodyPr vert="horz" lIns="91440" tIns="45720" rIns="91440" bIns="45720" rtlCol="0"/>
+          <a:bodyPr vert="horz" lIns="93360" tIns="46680" rIns="93360" bIns="46680" rtlCol="0"/>
           <a:lstStyle/>
           <a:p>
             <a:pPr lvl="0"/>
@@ -536,15 +536,15 @@
         </p:nvSpPr>
         <p:spPr>
           <a:xfrm>
-            <a:off x="0" y="8685213"/>
-            <a:ext cx="2971800" cy="458787"/>
+            <a:off x="0" y="8845046"/>
+            <a:ext cx="3044719" cy="467230"/>
           </a:xfrm>
           <a:prstGeom prst="rect">
             <a:avLst/>
           </a:prstGeom>
         </p:spPr>
         <p:txBody>
-          <a:bodyPr vert="horz" lIns="91440" tIns="45720" rIns="91440" bIns="45720" rtlCol="0" anchor="b"/>
+          <a:bodyPr vert="horz" lIns="93360" tIns="46680" rIns="93360" bIns="46680" rtlCol="0" anchor="b"/>
           <a:lstStyle>
             <a:lvl1pPr algn="l">
               <a:defRPr sz="1200"/>
@@ -567,15 +567,15 @@
         </p:nvSpPr>
         <p:spPr>
           <a:xfrm>
-            <a:off x="3884613" y="8685213"/>
-            <a:ext cx="2971800" cy="458787"/>
+            <a:off x="3979930" y="8845046"/>
+            <a:ext cx="3044719" cy="467230"/>
           </a:xfrm>
           <a:prstGeom prst="rect">
             <a:avLst/>
           </a:prstGeom>
         </p:spPr>
         <p:txBody>
-          <a:bodyPr vert="horz" lIns="91440" tIns="45720" rIns="91440" bIns="45720" rtlCol="0" anchor="b"/>
+          <a:bodyPr vert="horz" lIns="93360" tIns="46680" rIns="93360" bIns="46680" rtlCol="0" anchor="b"/>
           <a:lstStyle>
             <a:lvl1pPr algn="r">
               <a:defRPr sz="1200"/>
@@ -737,21 +737,7 @@
           <a:bodyPr/>
           <a:lstStyle/>
           <a:p>
-            <a:pPr marL="0" marR="0" lvl="0" indent="0" algn="l" defTabSz="914400" rtl="0" eaLnBrk="1" fontAlgn="auto" latinLnBrk="0" hangingPunct="1">
-              <a:lnSpc>
-                <a:spcPct val="100000"/>
-              </a:lnSpc>
-              <a:spcBef>
-                <a:spcPts val="0"/>
-              </a:spcBef>
-              <a:spcAft>
-                <a:spcPts val="0"/>
-              </a:spcAft>
-              <a:buClrTx/>
-              <a:buSzTx/>
-              <a:buFontTx/>
-              <a:buNone/>
-              <a:tabLst/>
+            <a:pPr defTabSz="933602">
               <a:defRPr/>
             </a:pPr>
             <a:r>
@@ -847,21 +833,7 @@
           <a:bodyPr/>
           <a:lstStyle/>
           <a:p>
-            <a:pPr marL="0" marR="0" lvl="0" indent="0" algn="l" defTabSz="914400" rtl="0" eaLnBrk="1" fontAlgn="auto" latinLnBrk="0" hangingPunct="1">
-              <a:lnSpc>
-                <a:spcPct val="100000"/>
-              </a:lnSpc>
-              <a:spcBef>
-                <a:spcPts val="0"/>
-              </a:spcBef>
-              <a:spcAft>
-                <a:spcPts val="0"/>
-              </a:spcAft>
-              <a:buClrTx/>
-              <a:buSzTx/>
-              <a:buFontTx/>
-              <a:buNone/>
-              <a:tabLst/>
+            <a:pPr defTabSz="933602">
               <a:defRPr/>
             </a:pPr>
             <a:r>
@@ -959,21 +931,7 @@
           <a:bodyPr/>
           <a:lstStyle/>
           <a:p>
-            <a:pPr marL="0" marR="0" lvl="0" indent="0" algn="l" defTabSz="914400" rtl="0" eaLnBrk="1" fontAlgn="auto" latinLnBrk="0" hangingPunct="1">
-              <a:lnSpc>
-                <a:spcPct val="100000"/>
-              </a:lnSpc>
-              <a:spcBef>
-                <a:spcPts val="0"/>
-              </a:spcBef>
-              <a:spcAft>
-                <a:spcPts val="0"/>
-              </a:spcAft>
-              <a:buClrTx/>
-              <a:buSzTx/>
-              <a:buFontTx/>
-              <a:buNone/>
-              <a:tabLst/>
+            <a:pPr defTabSz="933602">
               <a:defRPr/>
             </a:pPr>
             <a:r>
@@ -1082,21 +1040,7 @@
           <a:bodyPr/>
           <a:lstStyle/>
           <a:p>
-            <a:pPr marL="0" marR="0" lvl="0" indent="0" algn="l" defTabSz="914400" rtl="0" eaLnBrk="1" fontAlgn="auto" latinLnBrk="0" hangingPunct="1">
-              <a:lnSpc>
-                <a:spcPct val="100000"/>
-              </a:lnSpc>
-              <a:spcBef>
-                <a:spcPts val="0"/>
-              </a:spcBef>
-              <a:spcAft>
-                <a:spcPts val="0"/>
-              </a:spcAft>
-              <a:buClrTx/>
-              <a:buSzTx/>
-              <a:buFontTx/>
-              <a:buNone/>
-              <a:tabLst/>
+            <a:pPr defTabSz="933602">
               <a:defRPr/>
             </a:pPr>
             <a:r>
@@ -1197,21 +1141,7 @@
           <a:bodyPr/>
           <a:lstStyle/>
           <a:p>
-            <a:pPr marL="0" marR="0" lvl="0" indent="0" algn="l" defTabSz="914400" rtl="0" eaLnBrk="1" fontAlgn="auto" latinLnBrk="0" hangingPunct="1">
-              <a:lnSpc>
-                <a:spcPct val="100000"/>
-              </a:lnSpc>
-              <a:spcBef>
-                <a:spcPts val="0"/>
-              </a:spcBef>
-              <a:spcAft>
-                <a:spcPts val="0"/>
-              </a:spcAft>
-              <a:buClrTx/>
-              <a:buSzTx/>
-              <a:buFontTx/>
-              <a:buNone/>
-              <a:tabLst/>
+            <a:pPr defTabSz="933602">
               <a:defRPr/>
             </a:pPr>
             <a:r>
@@ -1312,21 +1242,7 @@
           <a:bodyPr/>
           <a:lstStyle/>
           <a:p>
-            <a:pPr marL="0" marR="0" lvl="0" indent="0" algn="l" defTabSz="914400" rtl="0" eaLnBrk="1" fontAlgn="auto" latinLnBrk="0" hangingPunct="1">
-              <a:lnSpc>
-                <a:spcPct val="100000"/>
-              </a:lnSpc>
-              <a:spcBef>
-                <a:spcPts val="0"/>
-              </a:spcBef>
-              <a:spcAft>
-                <a:spcPts val="0"/>
-              </a:spcAft>
-              <a:buClrTx/>
-              <a:buSzTx/>
-              <a:buFontTx/>
-              <a:buNone/>
-              <a:tabLst/>
+            <a:pPr defTabSz="933602">
               <a:defRPr/>
             </a:pPr>
             <a:r>
@@ -1471,10 +1387,6 @@
           <a:bodyPr/>
           <a:lstStyle/>
           <a:p>
-            <a:pPr marL="0" indent="0">
-              <a:buFont typeface="Arial" panose="020B0604020202020204" pitchFamily="34" charset="0"/>
-              <a:buNone/>
-            </a:pPr>
             <a:r>
               <a:rPr lang="en-US" b="1" dirty="0"/>
               <a:t>Voice Track:  There are different types of CNA’s: Vendor CNAs </a:t>
@@ -1801,10 +1713,7 @@
           <a:bodyPr/>
           <a:lstStyle/>
           <a:p>
-            <a:pPr marL="0" indent="0" defTabSz="933602">
-              <a:buFont typeface="Arial" panose="020B0604020202020204" pitchFamily="34" charset="0"/>
-              <a:buNone/>
-            </a:pPr>
+            <a:pPr defTabSz="953208"/>
             <a:r>
               <a:rPr lang="en-US" b="1" dirty="0"/>
               <a:t>Voice Track:  </a:t>
@@ -1899,21 +1808,7 @@
           <a:bodyPr/>
           <a:lstStyle/>
           <a:p>
-            <a:pPr marL="0" marR="0" lvl="0" indent="0" algn="l" defTabSz="914400" rtl="0" eaLnBrk="1" fontAlgn="auto" latinLnBrk="0" hangingPunct="1">
-              <a:lnSpc>
-                <a:spcPct val="100000"/>
-              </a:lnSpc>
-              <a:spcBef>
-                <a:spcPts val="0"/>
-              </a:spcBef>
-              <a:spcAft>
-                <a:spcPts val="0"/>
-              </a:spcAft>
-              <a:buClrTx/>
-              <a:buSzTx/>
-              <a:buFontTx/>
-              <a:buNone/>
-              <a:tabLst/>
+            <a:pPr defTabSz="933602">
               <a:defRPr/>
             </a:pPr>
             <a:r>
@@ -2015,21 +1910,7 @@
           <a:bodyPr/>
           <a:lstStyle/>
           <a:p>
-            <a:pPr marL="0" marR="0" lvl="0" indent="0" algn="l" defTabSz="914400" rtl="0" eaLnBrk="1" fontAlgn="auto" latinLnBrk="0" hangingPunct="1">
-              <a:lnSpc>
-                <a:spcPct val="100000"/>
-              </a:lnSpc>
-              <a:spcBef>
-                <a:spcPts val="0"/>
-              </a:spcBef>
-              <a:spcAft>
-                <a:spcPts val="0"/>
-              </a:spcAft>
-              <a:buClrTx/>
-              <a:buSzTx/>
-              <a:buFontTx/>
-              <a:buNone/>
-              <a:tabLst/>
+            <a:pPr defTabSz="933602">
               <a:defRPr/>
             </a:pPr>
             <a:r>
@@ -2125,21 +2006,7 @@
           <a:bodyPr/>
           <a:lstStyle/>
           <a:p>
-            <a:pPr marL="0" marR="0" lvl="0" indent="0" algn="l" defTabSz="914400" rtl="0" eaLnBrk="1" fontAlgn="auto" latinLnBrk="0" hangingPunct="1">
-              <a:lnSpc>
-                <a:spcPct val="100000"/>
-              </a:lnSpc>
-              <a:spcBef>
-                <a:spcPts val="0"/>
-              </a:spcBef>
-              <a:spcAft>
-                <a:spcPts val="0"/>
-              </a:spcAft>
-              <a:buClrTx/>
-              <a:buSzTx/>
-              <a:buFontTx/>
-              <a:buNone/>
-              <a:tabLst/>
+            <a:pPr defTabSz="933602">
               <a:defRPr/>
             </a:pPr>
             <a:r>
@@ -2267,7 +2134,7 @@
             <a:endParaRPr lang="en-US" b="0" dirty="0"/>
           </a:p>
           <a:p>
-            <a:pPr marL="228600" indent="-228600">
+            <a:pPr marL="233401" indent="-233401">
               <a:buFont typeface="+mj-lt"/>
               <a:buAutoNum type="arabicPeriod"/>
             </a:pPr>
@@ -2277,31 +2144,44 @@
             </a:r>
           </a:p>
           <a:p>
-            <a:pPr marL="228600" indent="-228600">
+            <a:pPr marL="233401" indent="-233401">
               <a:buFont typeface="+mj-lt"/>
               <a:buAutoNum type="arabicPeriod"/>
             </a:pPr>
             <a:endParaRPr lang="en-US" b="0" dirty="0"/>
           </a:p>
           <a:p>
-            <a:pPr marL="228600" indent="-228600">
+            <a:pPr marL="233401" indent="-233401">
               <a:buFont typeface="+mj-lt"/>
               <a:buAutoNum type="arabicPeriod"/>
             </a:pPr>
             <a:r>
               <a:rPr lang="en-US" b="0" dirty="0"/>
-              <a:t>At what point in the process should a CVE ID be assigned? There is no official rules when you do the assignment, some assign a CVE ID when the advisory is published or when it is determined it is a vulnerability. </a:t>
-            </a:r>
-          </a:p>
-          <a:p>
-            <a:pPr marL="228600" indent="-228600">
+              <a:t>At what point in the process should a CVE ID be assigned? There is no official rules when you do the assignment, some when it is determined it is a vulnerability </a:t>
+            </a:r>
+            <a:r>
+              <a:rPr lang="en-US" b="0"/>
+              <a:t>or when the </a:t>
+            </a:r>
+            <a:r>
+              <a:rPr lang="en-US" b="0" dirty="0"/>
+              <a:t>advisory </a:t>
+            </a:r>
+            <a:r>
+              <a:rPr lang="en-US" b="0"/>
+              <a:t>is published.</a:t>
+            </a:r>
+            <a:endParaRPr lang="en-US" b="0" dirty="0"/>
+          </a:p>
+          <a:p>
+            <a:pPr marL="233401" indent="-233401">
               <a:buFont typeface="+mj-lt"/>
               <a:buAutoNum type="arabicPeriod"/>
             </a:pPr>
             <a:endParaRPr lang="en-US" b="0" dirty="0"/>
           </a:p>
           <a:p>
-            <a:pPr marL="228600" indent="-228600">
+            <a:pPr marL="233401" indent="-233401">
               <a:buFont typeface="+mj-lt"/>
               <a:buAutoNum type="arabicPeriod"/>
             </a:pPr>
@@ -2311,14 +2191,14 @@
             </a:r>
           </a:p>
           <a:p>
-            <a:pPr marL="228600" indent="-228600">
+            <a:pPr marL="233401" indent="-233401">
               <a:buFont typeface="+mj-lt"/>
               <a:buAutoNum type="arabicPeriod"/>
             </a:pPr>
             <a:endParaRPr lang="en-US" b="0" dirty="0"/>
           </a:p>
           <a:p>
-            <a:pPr marL="228600" indent="-228600">
+            <a:pPr marL="233401" indent="-233401">
               <a:buFont typeface="+mj-lt"/>
               <a:buAutoNum type="arabicPeriod"/>
             </a:pPr>
@@ -2724,21 +2604,7 @@
           <a:bodyPr/>
           <a:lstStyle/>
           <a:p>
-            <a:pPr marL="0" marR="0" lvl="0" indent="0" algn="l" defTabSz="914400" rtl="0" eaLnBrk="1" fontAlgn="auto" latinLnBrk="0" hangingPunct="1">
-              <a:lnSpc>
-                <a:spcPct val="100000"/>
-              </a:lnSpc>
-              <a:spcBef>
-                <a:spcPts val="0"/>
-              </a:spcBef>
-              <a:spcAft>
-                <a:spcPts val="0"/>
-              </a:spcAft>
-              <a:buClrTx/>
-              <a:buSzTx/>
-              <a:buFontTx/>
-              <a:buNone/>
-              <a:tabLst/>
+            <a:pPr defTabSz="933602">
               <a:defRPr/>
             </a:pPr>
             <a:r>
@@ -3039,21 +2905,7 @@
           <a:bodyPr/>
           <a:lstStyle/>
           <a:p>
-            <a:pPr marL="0" marR="0" lvl="0" indent="0" algn="l" defTabSz="914400" rtl="0" eaLnBrk="1" fontAlgn="auto" latinLnBrk="0" hangingPunct="1">
-              <a:lnSpc>
-                <a:spcPct val="100000"/>
-              </a:lnSpc>
-              <a:spcBef>
-                <a:spcPts val="0"/>
-              </a:spcBef>
-              <a:spcAft>
-                <a:spcPts val="0"/>
-              </a:spcAft>
-              <a:buClrTx/>
-              <a:buSzTx/>
-              <a:buFontTx/>
-              <a:buNone/>
-              <a:tabLst/>
+            <a:pPr defTabSz="933602">
               <a:defRPr/>
             </a:pPr>
             <a:r>
@@ -3061,45 +2913,19 @@
               <a:t>Voice Track:  </a:t>
             </a:r>
             <a:r>
-              <a:rPr lang="en-US" sz="1200" b="0" dirty="0">
-                <a:latin typeface="+mn-lt"/>
-              </a:rPr>
-              <a:t>All Root CNAs are expected to provide CVE ID reporting on a quarterly basis. The current requirements are</a:t>
-            </a:r>
-            <a:r>
-              <a:rPr lang="en-US" sz="1200" dirty="0">
-                <a:latin typeface="+mn-lt"/>
-              </a:rPr>
-              <a:t>: 1) Number of times an issue was escalated to the Root CNA, 2) Categories (Dispute, Responsiveness and Misuse of CVE) of escalated issues and percentage of total,  and 3)  List of Sub-CNAs and New Sub-CNAs this quarter. </a:t>
+              <a:rPr lang="en-US" dirty="0"/>
+              <a:t>All Root CNAs are expected to provide CVE ID reporting on a quarterly basis. The current requirements are: 1) Number of times an issue was escalated to the Root CNA, 2) Categories (Dispute, Responsiveness and Misuse of CVE) of escalated issues and percentage of total,  and 3)  List of Sub-CNAs and New Sub-CNAs this quarter. </a:t>
             </a:r>
             <a:br>
-              <a:rPr lang="en-US" sz="1200" dirty="0">
-                <a:latin typeface="+mn-lt"/>
-              </a:rPr>
+              <a:rPr lang="en-US" dirty="0"/>
             </a:br>
             <a:r>
-              <a:rPr lang="en-US" sz="1200" dirty="0">
-                <a:latin typeface="+mn-lt"/>
-              </a:rPr>
+              <a:rPr lang="en-US" dirty="0"/>
               <a:t> </a:t>
             </a:r>
           </a:p>
           <a:p>
-            <a:pPr marL="0" marR="0" lvl="0" indent="0" algn="l" defTabSz="914400" rtl="0" eaLnBrk="1" fontAlgn="auto" latinLnBrk="0" hangingPunct="1">
-              <a:lnSpc>
-                <a:spcPct val="100000"/>
-              </a:lnSpc>
-              <a:spcBef>
-                <a:spcPts val="0"/>
-              </a:spcBef>
-              <a:spcAft>
-                <a:spcPts val="0"/>
-              </a:spcAft>
-              <a:buClrTx/>
-              <a:buSzTx/>
-              <a:buFontTx/>
-              <a:buNone/>
-              <a:tabLst/>
+            <a:pPr defTabSz="933602">
               <a:defRPr/>
             </a:pPr>
             <a:endParaRPr lang="en-US" dirty="0"/>
@@ -3285,21 +3111,7 @@
           <a:bodyPr/>
           <a:lstStyle/>
           <a:p>
-            <a:pPr marL="0" marR="0" lvl="0" indent="0" algn="l" defTabSz="914400" rtl="0" eaLnBrk="1" fontAlgn="auto" latinLnBrk="0" hangingPunct="1">
-              <a:lnSpc>
-                <a:spcPct val="100000"/>
-              </a:lnSpc>
-              <a:spcBef>
-                <a:spcPts val="0"/>
-              </a:spcBef>
-              <a:spcAft>
-                <a:spcPts val="0"/>
-              </a:spcAft>
-              <a:buClrTx/>
-              <a:buSzTx/>
-              <a:buFontTx/>
-              <a:buNone/>
-              <a:tabLst/>
+            <a:pPr defTabSz="933602">
               <a:defRPr/>
             </a:pPr>
             <a:r>
@@ -3397,21 +3209,7 @@
           <a:bodyPr/>
           <a:lstStyle/>
           <a:p>
-            <a:pPr marL="0" marR="0" lvl="0" indent="0" algn="l" defTabSz="914400" rtl="0" eaLnBrk="1" fontAlgn="auto" latinLnBrk="0" hangingPunct="1">
-              <a:lnSpc>
-                <a:spcPct val="100000"/>
-              </a:lnSpc>
-              <a:spcBef>
-                <a:spcPts val="0"/>
-              </a:spcBef>
-              <a:spcAft>
-                <a:spcPts val="0"/>
-              </a:spcAft>
-              <a:buClrTx/>
-              <a:buSzTx/>
-              <a:buFontTx/>
-              <a:buNone/>
-              <a:tabLst/>
+            <a:pPr defTabSz="933602">
               <a:defRPr/>
             </a:pPr>
             <a:r>
@@ -3505,21 +3303,7 @@
           <a:bodyPr/>
           <a:lstStyle/>
           <a:p>
-            <a:pPr marL="0" marR="0" lvl="0" indent="0" algn="l" defTabSz="914400" rtl="0" eaLnBrk="1" fontAlgn="auto" latinLnBrk="0" hangingPunct="1">
-              <a:lnSpc>
-                <a:spcPct val="100000"/>
-              </a:lnSpc>
-              <a:spcBef>
-                <a:spcPts val="0"/>
-              </a:spcBef>
-              <a:spcAft>
-                <a:spcPts val="0"/>
-              </a:spcAft>
-              <a:buClrTx/>
-              <a:buSzTx/>
-              <a:buFontTx/>
-              <a:buNone/>
-              <a:tabLst/>
+            <a:pPr defTabSz="933602">
               <a:defRPr/>
             </a:pPr>
             <a:r>
@@ -3531,43 +3315,25 @@
               <a:t>Parent CNAs are responsible for training sub-CNAs and the training should include a CNA rules overview and how to obtain block IDs from your Parent CNA. Additional knowledge sharing opportunities can be obtained at the CNA summits and supplemental documents also located on </a:t>
             </a:r>
             <a:r>
-              <a:rPr lang="en-US" sz="1200" dirty="0"/>
+              <a:rPr lang="en-US" dirty="0"/>
               <a:t>(</a:t>
             </a:r>
             <a:r>
-              <a:rPr lang="en-US" sz="1200" dirty="0">
+              <a:rPr lang="en-US" dirty="0">
                 <a:hlinkClick r:id="rId3"/>
               </a:rPr>
               <a:t>https://cveproject.github.io/docs/cna/processes_documentation/index.html</a:t>
             </a:r>
             <a:r>
-              <a:rPr lang="en-US" sz="1200" dirty="0"/>
-              <a:t>). CNA’s should also develop a</a:t>
-            </a:r>
-            <a:r>
-              <a:rPr lang="en-US" dirty="0"/>
-              <a:t>n internal training process for new team members. The Program Root CNA can help with providing supplemental material to assist you.</a:t>
-            </a:r>
-          </a:p>
-          <a:p>
-            <a:pPr marL="0" marR="0" lvl="0" indent="0" algn="l" defTabSz="914400" rtl="0" eaLnBrk="1" fontAlgn="auto" latinLnBrk="0" hangingPunct="1">
-              <a:lnSpc>
-                <a:spcPct val="100000"/>
-              </a:lnSpc>
-              <a:spcBef>
-                <a:spcPts val="0"/>
-              </a:spcBef>
-              <a:spcAft>
-                <a:spcPts val="0"/>
-              </a:spcAft>
-              <a:buClrTx/>
-              <a:buSzTx/>
-              <a:buFontTx/>
-              <a:buNone/>
-              <a:tabLst/>
+              <a:rPr lang="en-US" dirty="0"/>
+              <a:t>). CNA’s should also develop an internal training process for new team members. The Program Root CNA can help with providing supplemental material to assist you.</a:t>
+            </a:r>
+          </a:p>
+          <a:p>
+            <a:pPr defTabSz="933602">
               <a:defRPr/>
             </a:pPr>
-            <a:endParaRPr lang="en-US" sz="1200" dirty="0"/>
+            <a:endParaRPr lang="en-US" dirty="0"/>
           </a:p>
           <a:p>
             <a:endParaRPr lang="en-US" b="0" dirty="0"/>
@@ -3654,21 +3420,7 @@
           <a:bodyPr/>
           <a:lstStyle/>
           <a:p>
-            <a:pPr marL="0" marR="0" lvl="0" indent="0" algn="l" defTabSz="914400" rtl="0" eaLnBrk="1" fontAlgn="auto" latinLnBrk="0" hangingPunct="1">
-              <a:lnSpc>
-                <a:spcPct val="100000"/>
-              </a:lnSpc>
-              <a:spcBef>
-                <a:spcPts val="0"/>
-              </a:spcBef>
-              <a:spcAft>
-                <a:spcPts val="0"/>
-              </a:spcAft>
-              <a:buClrTx/>
-              <a:buSzTx/>
-              <a:buFontTx/>
-              <a:buNone/>
-              <a:tabLst/>
+            <a:pPr defTabSz="933602">
               <a:defRPr/>
             </a:pPr>
             <a:r>
@@ -3768,21 +3520,7 @@
           <a:bodyPr/>
           <a:lstStyle/>
           <a:p>
-            <a:pPr marL="0" marR="0" lvl="0" indent="0" algn="l" defTabSz="914400" rtl="0" eaLnBrk="1" fontAlgn="auto" latinLnBrk="0" hangingPunct="1">
-              <a:lnSpc>
-                <a:spcPct val="100000"/>
-              </a:lnSpc>
-              <a:spcBef>
-                <a:spcPts val="0"/>
-              </a:spcBef>
-              <a:spcAft>
-                <a:spcPts val="0"/>
-              </a:spcAft>
-              <a:buClrTx/>
-              <a:buSzTx/>
-              <a:buFontTx/>
-              <a:buNone/>
-              <a:tabLst/>
+            <a:pPr defTabSz="933602">
               <a:defRPr/>
             </a:pPr>
             <a:r>
@@ -3791,15 +3529,7 @@
             </a:r>
             <a:r>
               <a:rPr lang="en-US" b="0" dirty="0"/>
-              <a:t>The Strategic Planning </a:t>
-            </a:r>
-            <a:r>
-              <a:rPr lang="en-US" b="0" dirty="0" err="1"/>
-              <a:t>Woking</a:t>
-            </a:r>
-            <a:r>
-              <a:rPr lang="en-US" b="0" dirty="0"/>
-              <a:t> Group (SPWG) is focused on the long-term strategy (1-5 years) and goals of the CVE Program; will work closely with the CVE Board to determine goals and objectives and will act to achieve them. The CNA Coordination Working group (CNACWG) is focused on providing a forum for more effective communication and participation by the CVE Numbering Authorities (CNAs). The CVE Entry Quality WG (QWG) is focused on identifying areas where CVE content, rules, guidelines, and best practices must improve to better support stakeholder use cases. </a:t>
+              <a:t>The Strategic Planning Working Group (SPWG) is focused on the long-term strategy (1-5 years) and goals of the CVE Program; will work closely with the CVE Board to determine goals and objectives and will act to achieve them. The CNA Coordination Working group (CNACWG) is focused on providing a forum for more effective communication and participation by the CVE Numbering Authorities (CNAs). The CVE Entry Quality WG (QWG) is focused on identifying areas where CVE content, rules, guidelines, and best practices must improve to better support stakeholder use cases. </a:t>
             </a:r>
           </a:p>
           <a:p>
@@ -3890,21 +3620,7 @@
           <a:bodyPr/>
           <a:lstStyle/>
           <a:p>
-            <a:pPr marL="0" marR="0" lvl="0" indent="0" algn="l" defTabSz="914400" rtl="0" eaLnBrk="1" fontAlgn="auto" latinLnBrk="0" hangingPunct="1">
-              <a:lnSpc>
-                <a:spcPct val="100000"/>
-              </a:lnSpc>
-              <a:spcBef>
-                <a:spcPts val="0"/>
-              </a:spcBef>
-              <a:spcAft>
-                <a:spcPts val="0"/>
-              </a:spcAft>
-              <a:buClrTx/>
-              <a:buSzTx/>
-              <a:buFontTx/>
-              <a:buNone/>
-              <a:tabLst/>
+            <a:pPr defTabSz="933602">
               <a:defRPr/>
             </a:pPr>
             <a:r>
@@ -3921,21 +3637,7 @@
             </a:r>
           </a:p>
           <a:p>
-            <a:pPr marL="0" marR="0" lvl="0" indent="0" algn="l" defTabSz="914400" rtl="0" eaLnBrk="1" fontAlgn="auto" latinLnBrk="0" hangingPunct="1">
-              <a:lnSpc>
-                <a:spcPct val="100000"/>
-              </a:lnSpc>
-              <a:spcBef>
-                <a:spcPts val="0"/>
-              </a:spcBef>
-              <a:spcAft>
-                <a:spcPts val="0"/>
-              </a:spcAft>
-              <a:buClrTx/>
-              <a:buSzTx/>
-              <a:buFontTx/>
-              <a:buNone/>
-              <a:tabLst/>
+            <a:pPr defTabSz="933602">
               <a:defRPr/>
             </a:pPr>
             <a:endParaRPr lang="en-US" b="0" dirty="0"/>
@@ -4225,21 +3927,7 @@
           <a:bodyPr/>
           <a:lstStyle/>
           <a:p>
-            <a:pPr marL="0" marR="0" lvl="0" indent="0" algn="l" defTabSz="914400" rtl="0" eaLnBrk="1" fontAlgn="auto" latinLnBrk="0" hangingPunct="1">
-              <a:lnSpc>
-                <a:spcPct val="100000"/>
-              </a:lnSpc>
-              <a:spcBef>
-                <a:spcPts val="0"/>
-              </a:spcBef>
-              <a:spcAft>
-                <a:spcPts val="0"/>
-              </a:spcAft>
-              <a:buClrTx/>
-              <a:buSzTx/>
-              <a:buFontTx/>
-              <a:buNone/>
-              <a:tabLst/>
+            <a:pPr defTabSz="933602">
               <a:defRPr/>
             </a:pPr>
             <a:r>
@@ -4248,21 +3936,7 @@
             </a:r>
           </a:p>
           <a:p>
-            <a:pPr marL="0" marR="0" lvl="0" indent="0" algn="l" defTabSz="914400" rtl="0" eaLnBrk="1" fontAlgn="auto" latinLnBrk="0" hangingPunct="1">
-              <a:lnSpc>
-                <a:spcPct val="100000"/>
-              </a:lnSpc>
-              <a:spcBef>
-                <a:spcPts val="0"/>
-              </a:spcBef>
-              <a:spcAft>
-                <a:spcPts val="0"/>
-              </a:spcAft>
-              <a:buClrTx/>
-              <a:buSzTx/>
-              <a:buFontTx/>
-              <a:buNone/>
-              <a:tabLst/>
+            <a:pPr defTabSz="933602">
               <a:defRPr/>
             </a:pPr>
             <a:r>
@@ -4355,21 +4029,7 @@
           <a:bodyPr/>
           <a:lstStyle/>
           <a:p>
-            <a:pPr marL="0" marR="0" lvl="0" indent="0" algn="l" defTabSz="914400" rtl="0" eaLnBrk="1" fontAlgn="auto" latinLnBrk="0" hangingPunct="1">
-              <a:lnSpc>
-                <a:spcPct val="100000"/>
-              </a:lnSpc>
-              <a:spcBef>
-                <a:spcPts val="0"/>
-              </a:spcBef>
-              <a:spcAft>
-                <a:spcPts val="0"/>
-              </a:spcAft>
-              <a:buClrTx/>
-              <a:buSzTx/>
-              <a:buFontTx/>
-              <a:buNone/>
-              <a:tabLst/>
+            <a:pPr defTabSz="933602">
               <a:defRPr/>
             </a:pPr>
             <a:r>
@@ -4378,21 +4038,7 @@
             </a:r>
           </a:p>
           <a:p>
-            <a:pPr marL="0" marR="0" lvl="0" indent="0" algn="l" defTabSz="914400" rtl="0" eaLnBrk="1" fontAlgn="auto" latinLnBrk="0" hangingPunct="1">
-              <a:lnSpc>
-                <a:spcPct val="100000"/>
-              </a:lnSpc>
-              <a:spcBef>
-                <a:spcPts val="0"/>
-              </a:spcBef>
-              <a:spcAft>
-                <a:spcPts val="0"/>
-              </a:spcAft>
-              <a:buClrTx/>
-              <a:buSzTx/>
-              <a:buFontTx/>
-              <a:buNone/>
-              <a:tabLst/>
+            <a:pPr defTabSz="933602">
               <a:defRPr/>
             </a:pPr>
             <a:r>
@@ -4485,21 +4131,7 @@
           <a:bodyPr/>
           <a:lstStyle/>
           <a:p>
-            <a:pPr marL="0" marR="0" lvl="0" indent="0" algn="l" defTabSz="914400" rtl="0" eaLnBrk="1" fontAlgn="auto" latinLnBrk="0" hangingPunct="1">
-              <a:lnSpc>
-                <a:spcPct val="100000"/>
-              </a:lnSpc>
-              <a:spcBef>
-                <a:spcPts val="0"/>
-              </a:spcBef>
-              <a:spcAft>
-                <a:spcPts val="0"/>
-              </a:spcAft>
-              <a:buClrTx/>
-              <a:buSzTx/>
-              <a:buFontTx/>
-              <a:buNone/>
-              <a:tabLst/>
+            <a:pPr defTabSz="933602">
               <a:defRPr/>
             </a:pPr>
             <a:r>
@@ -4508,21 +4140,7 @@
             </a:r>
           </a:p>
           <a:p>
-            <a:pPr marL="0" marR="0" lvl="0" indent="0" algn="l" defTabSz="914400" rtl="0" eaLnBrk="1" fontAlgn="auto" latinLnBrk="0" hangingPunct="1">
-              <a:lnSpc>
-                <a:spcPct val="100000"/>
-              </a:lnSpc>
-              <a:spcBef>
-                <a:spcPts val="0"/>
-              </a:spcBef>
-              <a:spcAft>
-                <a:spcPts val="0"/>
-              </a:spcAft>
-              <a:buClrTx/>
-              <a:buSzTx/>
-              <a:buFontTx/>
-              <a:buNone/>
-              <a:tabLst/>
+            <a:pPr defTabSz="933602">
               <a:defRPr/>
             </a:pPr>
             <a:r>
@@ -4571,30 +4189,12 @@
             </a:r>
           </a:p>
           <a:p>
-            <a:pPr marL="0" marR="0" lvl="0" indent="0" algn="l" defTabSz="914400" rtl="0" eaLnBrk="1" fontAlgn="auto" latinLnBrk="0" hangingPunct="1">
-              <a:lnSpc>
-                <a:spcPct val="100000"/>
-              </a:lnSpc>
-              <a:spcBef>
-                <a:spcPts val="0"/>
-              </a:spcBef>
-              <a:spcAft>
-                <a:spcPts val="0"/>
-              </a:spcAft>
-              <a:buClrTx/>
-              <a:buSzTx/>
-              <a:buFontTx/>
-              <a:buNone/>
-              <a:tabLst/>
+            <a:pPr defTabSz="933602">
               <a:defRPr/>
             </a:pPr>
             <a:endParaRPr lang="en-US" dirty="0"/>
           </a:p>
           <a:p>
-            <a:pPr marL="0" indent="0">
-              <a:buFont typeface="Arial" panose="020B0604020202020204" pitchFamily="34" charset="0"/>
-              <a:buNone/>
-            </a:pPr>
             <a:endParaRPr lang="en-US" dirty="0"/>
           </a:p>
           <a:p>
@@ -4692,21 +4292,7 @@
           <a:bodyPr/>
           <a:lstStyle/>
           <a:p>
-            <a:pPr marL="0" marR="0" lvl="0" indent="0" algn="l" defTabSz="914400" rtl="0" eaLnBrk="1" fontAlgn="auto" latinLnBrk="0" hangingPunct="1">
-              <a:lnSpc>
-                <a:spcPct val="100000"/>
-              </a:lnSpc>
-              <a:spcBef>
-                <a:spcPts val="0"/>
-              </a:spcBef>
-              <a:spcAft>
-                <a:spcPts val="0"/>
-              </a:spcAft>
-              <a:buClrTx/>
-              <a:buSzTx/>
-              <a:buFontTx/>
-              <a:buNone/>
-              <a:tabLst/>
+            <a:pPr defTabSz="933602">
               <a:defRPr/>
             </a:pPr>
             <a:r>
@@ -4715,21 +4301,7 @@
             </a:r>
           </a:p>
           <a:p>
-            <a:pPr marL="0" marR="0" lvl="0" indent="0" algn="l" defTabSz="914400" rtl="0" eaLnBrk="1" fontAlgn="auto" latinLnBrk="0" hangingPunct="1">
-              <a:lnSpc>
-                <a:spcPct val="100000"/>
-              </a:lnSpc>
-              <a:spcBef>
-                <a:spcPts val="0"/>
-              </a:spcBef>
-              <a:spcAft>
-                <a:spcPts val="0"/>
-              </a:spcAft>
-              <a:buClrTx/>
-              <a:buSzTx/>
-              <a:buFontTx/>
-              <a:buNone/>
-              <a:tabLst/>
+            <a:pPr defTabSz="933602">
               <a:defRPr/>
             </a:pPr>
             <a:r>
@@ -4826,21 +4398,7 @@
           <a:bodyPr/>
           <a:lstStyle/>
           <a:p>
-            <a:pPr marL="0" marR="0" lvl="0" indent="0" algn="l" defTabSz="914400" rtl="0" eaLnBrk="1" fontAlgn="auto" latinLnBrk="0" hangingPunct="1">
-              <a:lnSpc>
-                <a:spcPct val="100000"/>
-              </a:lnSpc>
-              <a:spcBef>
-                <a:spcPts val="0"/>
-              </a:spcBef>
-              <a:spcAft>
-                <a:spcPts val="0"/>
-              </a:spcAft>
-              <a:buClrTx/>
-              <a:buSzTx/>
-              <a:buFontTx/>
-              <a:buNone/>
-              <a:tabLst/>
+            <a:pPr defTabSz="933602">
               <a:defRPr/>
             </a:pPr>
             <a:r>
@@ -4887,21 +4445,7 @@
             <a:endParaRPr lang="en-US" dirty="0"/>
           </a:p>
           <a:p>
-            <a:pPr marL="0" marR="0" lvl="0" indent="0" algn="l" defTabSz="914400" rtl="0" eaLnBrk="1" fontAlgn="auto" latinLnBrk="0" hangingPunct="1">
-              <a:lnSpc>
-                <a:spcPct val="100000"/>
-              </a:lnSpc>
-              <a:spcBef>
-                <a:spcPts val="0"/>
-              </a:spcBef>
-              <a:spcAft>
-                <a:spcPts val="0"/>
-              </a:spcAft>
-              <a:buClrTx/>
-              <a:buSzTx/>
-              <a:buFontTx/>
-              <a:buNone/>
-              <a:tabLst/>
+            <a:pPr defTabSz="933602">
               <a:defRPr/>
             </a:pPr>
             <a:endParaRPr lang="en-US" b="0" dirty="0"/>
@@ -5002,11 +4546,7 @@
               <a:t>MITRE is the program ROOT - We are the secretariat of the CVE program and </a:t>
             </a:r>
             <a:r>
-              <a:rPr lang="en-US" sz="1200" b="0" dirty="0">
-                <a:solidFill>
-                  <a:schemeClr val="tx1"/>
-                </a:solidFill>
-              </a:rPr>
+              <a:rPr lang="en-US" dirty="0"/>
               <a:t>manages CVE Program operations, </a:t>
             </a:r>
             <a:r>
@@ -5014,11 +4554,7 @@
               <a:t>performing tasks such as publish the CVE list, moderates  Board and WG meetings,  executes improvement activities, manages the CVE numbering scheme and maintains </a:t>
             </a:r>
             <a:r>
-              <a:rPr lang="en-US" sz="1200" b="0" dirty="0">
-                <a:solidFill>
-                  <a:schemeClr val="tx1"/>
-                </a:solidFill>
-              </a:rPr>
+              <a:rPr lang="en-US" dirty="0"/>
               <a:t>public presence</a:t>
             </a:r>
             <a:r>
@@ -5031,11 +4567,7 @@
           </a:p>
           <a:p>
             <a:r>
-              <a:rPr lang="en-US" sz="1200" dirty="0">
-                <a:solidFill>
-                  <a:schemeClr val="tx1"/>
-                </a:solidFill>
-              </a:rPr>
+              <a:rPr lang="en-US" dirty="0"/>
               <a:t>Sponsor - </a:t>
             </a:r>
             <a:r>
@@ -5043,28 +4575,16 @@
               <a:t>The CVE program is sponsored by the DHS CISA, who f</a:t>
             </a:r>
             <a:r>
-              <a:rPr lang="en-US" sz="1200" b="0" dirty="0">
-                <a:solidFill>
-                  <a:schemeClr val="tx1"/>
-                </a:solidFill>
-              </a:rPr>
+              <a:rPr lang="en-US" dirty="0"/>
               <a:t>unds MITRE to operate the CVE Program as an independent, objective third party and is also a Board Member. </a:t>
             </a:r>
           </a:p>
           <a:p>
-            <a:endParaRPr lang="en-US" sz="1200" b="0" dirty="0">
-              <a:solidFill>
-                <a:schemeClr val="tx1"/>
-              </a:solidFill>
-            </a:endParaRPr>
-          </a:p>
-          <a:p>
-            <a:r>
-              <a:rPr lang="en-US" sz="1200" b="0" dirty="0">
-                <a:solidFill>
-                  <a:schemeClr val="tx1"/>
-                </a:solidFill>
-              </a:rPr>
+            <a:endParaRPr lang="en-US" dirty="0"/>
+          </a:p>
+          <a:p>
+            <a:r>
+              <a:rPr lang="en-US" dirty="0"/>
               <a:t>CVE Board – The board is made up of Industry, government and academic stakeholders and the perform essential strategic, governance, and operational advisory functions </a:t>
             </a:r>
             <a:endParaRPr lang="en-US" b="0" dirty="0"/>
@@ -10441,26 +9961,40 @@
           </a:bodyPr>
           <a:lstStyle/>
           <a:p>
+            <a:pPr>
+              <a:buFont typeface="Wingdings" panose="05000000000000000000" pitchFamily="2" charset="2"/>
+              <a:buChar char="§"/>
+            </a:pPr>
             <a:r>
               <a:rPr lang="en-US" dirty="0"/>
               <a:t>How you set up your CNA program is influenced by how your organization is configured. </a:t>
             </a:r>
           </a:p>
           <a:p>
+            <a:pPr>
+              <a:buFont typeface="Wingdings" panose="05000000000000000000" pitchFamily="2" charset="2"/>
+              <a:buChar char="§"/>
+            </a:pPr>
             <a:r>
               <a:rPr lang="en-US" dirty="0"/>
               <a:t>Most organizations designate a single group to manage their CNA program; however, that is not always the case. For example:</a:t>
             </a:r>
           </a:p>
           <a:p>
-            <a:pPr lvl="1"/>
+            <a:pPr lvl="1">
+              <a:buFont typeface="Wingdings" panose="05000000000000000000" pitchFamily="2" charset="2"/>
+              <a:buChar char="§"/>
+            </a:pPr>
             <a:r>
               <a:rPr lang="en-US" dirty="0"/>
               <a:t>The Android and Chrome PSIRTs work independently and act as their own CNAs, even though they are both part of Google</a:t>
             </a:r>
           </a:p>
           <a:p>
-            <a:pPr lvl="1"/>
+            <a:pPr lvl="1">
+              <a:buFont typeface="Wingdings" panose="05000000000000000000" pitchFamily="2" charset="2"/>
+              <a:buChar char="§"/>
+            </a:pPr>
             <a:r>
               <a:rPr lang="en-US" dirty="0"/>
               <a:t>Cisco and Cisco </a:t>
@@ -10475,7 +10009,10 @@
             </a:r>
           </a:p>
           <a:p>
-            <a:pPr lvl="1"/>
+            <a:pPr lvl="1">
+              <a:buFont typeface="Wingdings" panose="05000000000000000000" pitchFamily="2" charset="2"/>
+              <a:buChar char="§"/>
+            </a:pPr>
             <a:r>
               <a:rPr lang="en-US" dirty="0"/>
               <a:t>Within Dell, the Dell CNA covers Dell, EMC products, and the products of many of their subsidiary companies; however, they do not cover VMware, which has its own CNA program</a:t>
@@ -10622,53 +10159,80 @@
           </a:bodyPr>
           <a:lstStyle/>
           <a:p>
+            <a:pPr>
+              <a:buFont typeface="Wingdings" panose="05000000000000000000" pitchFamily="2" charset="2"/>
+              <a:buChar char="§"/>
+            </a:pPr>
             <a:r>
               <a:rPr lang="en-US" dirty="0"/>
               <a:t>A single group handles all vulnerabilities</a:t>
             </a:r>
           </a:p>
           <a:p>
-            <a:pPr lvl="1"/>
+            <a:pPr lvl="1">
+              <a:buFont typeface="Wingdings" panose="05000000000000000000" pitchFamily="2" charset="2"/>
+              <a:buChar char="§"/>
+            </a:pPr>
             <a:r>
               <a:rPr lang="en-US" dirty="0"/>
               <a:t>Create a single CNA</a:t>
             </a:r>
           </a:p>
           <a:p>
+            <a:pPr>
+              <a:buFont typeface="Wingdings" panose="05000000000000000000" pitchFamily="2" charset="2"/>
+              <a:buChar char="§"/>
+            </a:pPr>
             <a:r>
               <a:rPr lang="en-US" dirty="0"/>
               <a:t>A single group handles the coordination with multiple internal groups</a:t>
             </a:r>
           </a:p>
           <a:p>
-            <a:pPr lvl="1"/>
+            <a:pPr lvl="1">
+              <a:buFont typeface="Wingdings" panose="05000000000000000000" pitchFamily="2" charset="2"/>
+              <a:buChar char="§"/>
+            </a:pPr>
             <a:r>
               <a:rPr lang="en-US" dirty="0"/>
               <a:t>Usually results in a single CNA</a:t>
             </a:r>
           </a:p>
           <a:p>
-            <a:pPr lvl="1"/>
+            <a:pPr lvl="1">
+              <a:buFont typeface="Wingdings" panose="05000000000000000000" pitchFamily="2" charset="2"/>
+              <a:buChar char="§"/>
+            </a:pPr>
             <a:r>
               <a:rPr lang="en-US" dirty="0"/>
               <a:t>That CNA sometimes chooses to create unofficial sub-CNAs to which it can give blocks of IDs</a:t>
             </a:r>
           </a:p>
           <a:p>
-            <a:pPr lvl="2"/>
+            <a:pPr lvl="2">
+              <a:buFont typeface="Wingdings" panose="05000000000000000000" pitchFamily="2" charset="2"/>
+              <a:buChar char="§"/>
+            </a:pPr>
             <a:r>
               <a:rPr lang="en-US" dirty="0"/>
               <a:t>There is no issue with a CNA creating internal unofficial sub-CNAs if the results meet the needs of the CVE Program</a:t>
             </a:r>
           </a:p>
           <a:p>
+            <a:pPr>
+              <a:buFont typeface="Wingdings" panose="05000000000000000000" pitchFamily="2" charset="2"/>
+              <a:buChar char="§"/>
+            </a:pPr>
             <a:r>
               <a:rPr lang="en-US" dirty="0"/>
               <a:t>Multiple groups handle their own vulnerabilities</a:t>
             </a:r>
           </a:p>
           <a:p>
-            <a:pPr lvl="1"/>
+            <a:pPr lvl="1">
+              <a:buFont typeface="Wingdings" panose="05000000000000000000" pitchFamily="2" charset="2"/>
+              <a:buChar char="§"/>
+            </a:pPr>
             <a:r>
               <a:rPr lang="en-US" dirty="0"/>
               <a:t>Create a CNA for each independent group</a:t>
@@ -10933,40 +10497,60 @@
           </a:bodyPr>
           <a:lstStyle/>
           <a:p>
+            <a:pPr>
+              <a:buFont typeface="Wingdings" panose="05000000000000000000" pitchFamily="2" charset="2"/>
+              <a:buChar char="§"/>
+            </a:pPr>
             <a:r>
               <a:rPr lang="en-US" dirty="0"/>
               <a:t>A CNA’s scope defines the vulnerabilities to which it is responsible for assigning CVE IDs</a:t>
             </a:r>
           </a:p>
           <a:p>
+            <a:pPr>
+              <a:buFont typeface="Wingdings" panose="05000000000000000000" pitchFamily="2" charset="2"/>
+              <a:buChar char="§"/>
+            </a:pPr>
             <a:r>
               <a:rPr lang="en-US" dirty="0"/>
               <a:t>The scope sets expectations, which should:</a:t>
             </a:r>
           </a:p>
           <a:p>
-            <a:pPr lvl="1"/>
+            <a:pPr lvl="1">
+              <a:buFont typeface="Wingdings" panose="05000000000000000000" pitchFamily="2" charset="2"/>
+              <a:buChar char="§"/>
+            </a:pPr>
             <a:r>
               <a:rPr lang="en-US" dirty="0"/>
               <a:t>Prevent CNAs with overlapping scopes (e.g., their Root CNA) from assigning duplicate IDs</a:t>
             </a:r>
           </a:p>
           <a:p>
-            <a:pPr lvl="1"/>
+            <a:pPr lvl="1">
+              <a:buFont typeface="Wingdings" panose="05000000000000000000" pitchFamily="2" charset="2"/>
+              <a:buChar char="§"/>
+            </a:pPr>
             <a:r>
               <a:rPr lang="en-US" dirty="0"/>
               <a:t>Save reporters’ time and frustration by preventing them from reporting irrelevant issues</a:t>
             </a:r>
           </a:p>
           <a:p>
-            <a:pPr lvl="1"/>
+            <a:pPr lvl="1">
+              <a:buFont typeface="Wingdings" panose="05000000000000000000" pitchFamily="2" charset="2"/>
+              <a:buChar char="§"/>
+            </a:pPr>
             <a:r>
               <a:rPr lang="en-US" dirty="0"/>
               <a:t>Save the CNA time by reducing the number of unwanted reports</a:t>
             </a:r>
           </a:p>
           <a:p>
-            <a:pPr lvl="1"/>
+            <a:pPr lvl="1">
+              <a:buFont typeface="Wingdings" panose="05000000000000000000" pitchFamily="2" charset="2"/>
+              <a:buChar char="§"/>
+            </a:pPr>
             <a:r>
               <a:rPr lang="en-US" dirty="0"/>
               <a:t>Save the Root CNA time by reducing the number of complaints by unhappy reporters</a:t>
@@ -11118,26 +10702,40 @@
           </a:bodyPr>
           <a:lstStyle/>
           <a:p>
+            <a:pPr>
+              <a:buFont typeface="Wingdings" panose="05000000000000000000" pitchFamily="2" charset="2"/>
+              <a:buChar char="§"/>
+            </a:pPr>
             <a:r>
               <a:rPr lang="en-US" dirty="0"/>
               <a:t>Vendors: Cover products</a:t>
             </a:r>
           </a:p>
           <a:p>
-            <a:pPr lvl="1"/>
+            <a:pPr lvl="1">
+              <a:buFont typeface="Wingdings" panose="05000000000000000000" pitchFamily="2" charset="2"/>
+              <a:buChar char="§"/>
+            </a:pPr>
             <a:r>
               <a:rPr lang="en-US" dirty="0"/>
               <a:t>e.g., Microsoft, OpenSSL, Debian</a:t>
             </a:r>
           </a:p>
           <a:p>
+            <a:pPr>
+              <a:buFont typeface="Wingdings" panose="05000000000000000000" pitchFamily="2" charset="2"/>
+              <a:buChar char="§"/>
+            </a:pPr>
             <a:r>
               <a:rPr lang="en-US" dirty="0"/>
               <a:t>Coordinators: Cover the vulnerabilities coordinated by the organization</a:t>
             </a:r>
           </a:p>
           <a:p>
-            <a:pPr lvl="1"/>
+            <a:pPr lvl="1">
+              <a:buFont typeface="Wingdings" panose="05000000000000000000" pitchFamily="2" charset="2"/>
+              <a:buChar char="§"/>
+            </a:pPr>
             <a:r>
               <a:rPr lang="en-US" dirty="0"/>
               <a:t>e.g., CERT/CC, JPCERT/CC, </a:t>
@@ -11149,39 +10747,60 @@
             <a:endParaRPr lang="en-US" dirty="0"/>
           </a:p>
           <a:p>
+            <a:pPr>
+              <a:buFont typeface="Wingdings" panose="05000000000000000000" pitchFamily="2" charset="2"/>
+              <a:buChar char="§"/>
+            </a:pPr>
             <a:r>
               <a:rPr lang="en-US" dirty="0"/>
               <a:t>Research Organizations: Cover the vulnerabilities discovered by individual researchers</a:t>
             </a:r>
           </a:p>
           <a:p>
-            <a:pPr lvl="1"/>
+            <a:pPr lvl="1">
+              <a:buFont typeface="Wingdings" panose="05000000000000000000" pitchFamily="2" charset="2"/>
+              <a:buChar char="§"/>
+            </a:pPr>
             <a:r>
               <a:rPr lang="en-US" dirty="0"/>
               <a:t>e.g., Rapid7</a:t>
             </a:r>
           </a:p>
           <a:p>
+            <a:pPr>
+              <a:buFont typeface="Wingdings" panose="05000000000000000000" pitchFamily="2" charset="2"/>
+              <a:buChar char="§"/>
+            </a:pPr>
             <a:r>
               <a:rPr lang="en-US" dirty="0"/>
               <a:t>Mixed</a:t>
             </a:r>
           </a:p>
           <a:p>
-            <a:pPr lvl="1"/>
+            <a:pPr lvl="1">
+              <a:buFont typeface="Wingdings" panose="05000000000000000000" pitchFamily="2" charset="2"/>
+              <a:buChar char="§"/>
+            </a:pPr>
             <a:r>
               <a:rPr lang="en-US" dirty="0"/>
               <a:t>e.g., Flexera (vendor and research), Drupal (vendor and coordinator)</a:t>
             </a:r>
           </a:p>
           <a:p>
+            <a:pPr>
+              <a:buFont typeface="Wingdings" panose="05000000000000000000" pitchFamily="2" charset="2"/>
+              <a:buChar char="§"/>
+            </a:pPr>
             <a:r>
               <a:rPr lang="en-US" dirty="0"/>
               <a:t>Other: Some CNAs do not fall into the typical categories described above</a:t>
             </a:r>
           </a:p>
           <a:p>
-            <a:pPr lvl="1"/>
+            <a:pPr lvl="1">
+              <a:buFont typeface="Wingdings" panose="05000000000000000000" pitchFamily="2" charset="2"/>
+              <a:buChar char="§"/>
+            </a:pPr>
             <a:r>
               <a:rPr lang="en-US" dirty="0"/>
               <a:t>e.g., MITRE</a:t>
@@ -11334,61 +10953,90 @@
           <a:bodyPr/>
           <a:lstStyle/>
           <a:p>
+            <a:pPr>
+              <a:buFont typeface="Wingdings" panose="05000000000000000000" pitchFamily="2" charset="2"/>
+              <a:buChar char="§"/>
+            </a:pPr>
             <a:r>
               <a:rPr lang="en-US" dirty="0"/>
               <a:t>Are there some scenarios where advisories are not published?</a:t>
             </a:r>
           </a:p>
           <a:p>
+            <a:pPr>
+              <a:buFont typeface="Wingdings" panose="05000000000000000000" pitchFamily="2" charset="2"/>
+              <a:buChar char="§"/>
+            </a:pPr>
             <a:r>
               <a:rPr lang="en-US" dirty="0"/>
               <a:t>All advisories must meet the CVE Program’s requirements for being published:</a:t>
             </a:r>
           </a:p>
           <a:p>
-            <a:pPr lvl="1"/>
+            <a:pPr lvl="1">
+              <a:buFont typeface="Wingdings" panose="05000000000000000000" pitchFamily="2" charset="2"/>
+              <a:buChar char="§"/>
+            </a:pPr>
             <a:r>
               <a:rPr lang="en-US" dirty="0"/>
               <a:t>Must have a URL</a:t>
             </a:r>
           </a:p>
           <a:p>
-            <a:pPr lvl="1"/>
+            <a:pPr lvl="1">
+              <a:buFont typeface="Wingdings" panose="05000000000000000000" pitchFamily="2" charset="2"/>
+              <a:buChar char="§"/>
+            </a:pPr>
             <a:r>
               <a:rPr lang="en-US" dirty="0"/>
               <a:t>The Terms of Service must allow a link to the URL</a:t>
             </a:r>
           </a:p>
           <a:p>
-            <a:pPr lvl="1"/>
+            <a:pPr lvl="1">
+              <a:buFont typeface="Wingdings" panose="05000000000000000000" pitchFamily="2" charset="2"/>
+              <a:buChar char="§"/>
+            </a:pPr>
             <a:r>
               <a:rPr lang="en-US" dirty="0"/>
               <a:t>The document linked to the URL must contain the minimum required information for a CVE Entry:</a:t>
             </a:r>
           </a:p>
           <a:p>
-            <a:pPr lvl="2"/>
+            <a:pPr lvl="2">
+              <a:buFont typeface="Wingdings" panose="05000000000000000000" pitchFamily="2" charset="2"/>
+              <a:buChar char="§"/>
+            </a:pPr>
             <a:r>
               <a:rPr lang="en-US" dirty="0"/>
               <a:t>Product</a:t>
             </a:r>
           </a:p>
           <a:p>
-            <a:pPr lvl="2"/>
+            <a:pPr lvl="2">
+              <a:buFont typeface="Wingdings" panose="05000000000000000000" pitchFamily="2" charset="2"/>
+              <a:buChar char="§"/>
+            </a:pPr>
             <a:r>
               <a:rPr lang="en-US" dirty="0"/>
               <a:t>Version</a:t>
             </a:r>
           </a:p>
           <a:p>
-            <a:pPr lvl="2"/>
+            <a:pPr lvl="2">
+              <a:buFont typeface="Wingdings" panose="05000000000000000000" pitchFamily="2" charset="2"/>
+              <a:buChar char="§"/>
+            </a:pPr>
             <a:r>
               <a:rPr lang="en-US" dirty="0"/>
               <a:t>Problem type (vulnerability type or impact)</a:t>
             </a:r>
           </a:p>
           <a:p>
-            <a:pPr lvl="1"/>
+            <a:pPr lvl="1">
+              <a:buFont typeface="Wingdings" panose="05000000000000000000" pitchFamily="2" charset="2"/>
+              <a:buChar char="§"/>
+            </a:pPr>
             <a:r>
               <a:rPr lang="en-US" dirty="0"/>
               <a:t>Must not require a fee to access</a:t>
@@ -11538,54 +11186,80 @@
           <a:bodyPr/>
           <a:lstStyle/>
           <a:p>
+            <a:pPr>
+              <a:buFont typeface="Wingdings" panose="05000000000000000000" pitchFamily="2" charset="2"/>
+              <a:buChar char="§"/>
+            </a:pPr>
             <a:r>
               <a:rPr lang="en-US" dirty="0"/>
               <a:t>Do you plan to cover all of the products you produce?</a:t>
             </a:r>
           </a:p>
           <a:p>
+            <a:pPr>
+              <a:buFont typeface="Wingdings" panose="05000000000000000000" pitchFamily="2" charset="2"/>
+              <a:buChar char="§"/>
+            </a:pPr>
             <a:r>
               <a:rPr lang="en-US" dirty="0"/>
               <a:t>Consider the following types of products when deciding which products will be covered within the scope:</a:t>
             </a:r>
           </a:p>
           <a:p>
-            <a:pPr lvl="1"/>
+            <a:pPr lvl="1">
+              <a:buFont typeface="Wingdings" panose="05000000000000000000" pitchFamily="2" charset="2"/>
+              <a:buChar char="§"/>
+            </a:pPr>
             <a:r>
               <a:rPr lang="en-US" dirty="0"/>
               <a:t>Products from subsidiary companies</a:t>
             </a:r>
           </a:p>
           <a:p>
-            <a:pPr lvl="1"/>
+            <a:pPr lvl="1">
+              <a:buFont typeface="Wingdings" panose="05000000000000000000" pitchFamily="2" charset="2"/>
+              <a:buChar char="§"/>
+            </a:pPr>
             <a:r>
               <a:rPr lang="en-US" dirty="0"/>
               <a:t>Products from newly acquired companies</a:t>
             </a:r>
           </a:p>
           <a:p>
-            <a:pPr lvl="1"/>
+            <a:pPr lvl="1">
+              <a:buFont typeface="Wingdings" panose="05000000000000000000" pitchFamily="2" charset="2"/>
+              <a:buChar char="§"/>
+            </a:pPr>
             <a:r>
               <a:rPr lang="en-US" dirty="0"/>
               <a:t>Discontinued products</a:t>
             </a:r>
           </a:p>
           <a:p>
-            <a:pPr lvl="1"/>
+            <a:pPr lvl="1">
+              <a:buFont typeface="Wingdings" panose="05000000000000000000" pitchFamily="2" charset="2"/>
+              <a:buChar char="§"/>
+            </a:pPr>
             <a:r>
               <a:rPr lang="en-US" dirty="0"/>
               <a:t>Versions that have reached their end of support</a:t>
             </a:r>
           </a:p>
           <a:p>
-            <a:pPr lvl="1"/>
+            <a:pPr lvl="1">
+              <a:buFont typeface="Wingdings" panose="05000000000000000000" pitchFamily="2" charset="2"/>
+              <a:buChar char="§"/>
+            </a:pPr>
             <a:r>
               <a:rPr lang="en-US" dirty="0"/>
               <a:t>Experimental products or development branches</a:t>
             </a:r>
           </a:p>
           <a:p>
-            <a:pPr lvl="1"/>
+            <a:pPr lvl="1">
+              <a:buFont typeface="Wingdings" panose="05000000000000000000" pitchFamily="2" charset="2"/>
+              <a:buChar char="§"/>
+            </a:pPr>
             <a:r>
               <a:rPr lang="en-US" dirty="0"/>
               <a:t>Freebie products</a:t>
@@ -11730,13 +11404,20 @@
           <a:bodyPr/>
           <a:lstStyle/>
           <a:p>
+            <a:pPr>
+              <a:buFont typeface="Wingdings" panose="05000000000000000000" pitchFamily="2" charset="2"/>
+              <a:buChar char="§"/>
+            </a:pPr>
             <a:r>
               <a:rPr lang="en-US" dirty="0"/>
               <a:t>Explain the criteria used to determine if an issue is a vulnerability</a:t>
             </a:r>
           </a:p>
           <a:p>
-            <a:pPr lvl="1"/>
+            <a:pPr lvl="1">
+              <a:buFont typeface="Wingdings" panose="05000000000000000000" pitchFamily="2" charset="2"/>
+              <a:buChar char="§"/>
+            </a:pPr>
             <a:r>
               <a:rPr lang="en-US" dirty="0"/>
               <a:t>e.g., </a:t>
@@ -11750,13 +11431,20 @@
             <a:endParaRPr lang="en-US" dirty="0"/>
           </a:p>
           <a:p>
+            <a:pPr>
+              <a:buFont typeface="Wingdings" panose="05000000000000000000" pitchFamily="2" charset="2"/>
+              <a:buChar char="§"/>
+            </a:pPr>
             <a:r>
               <a:rPr lang="en-US" dirty="0"/>
               <a:t>Provide an explicit list of the types of issues not considered vulnerabilities to help limit the number of unwanted requests:</a:t>
             </a:r>
           </a:p>
           <a:p>
-            <a:pPr lvl="1"/>
+            <a:pPr lvl="1">
+              <a:buFont typeface="Wingdings" panose="05000000000000000000" pitchFamily="2" charset="2"/>
+              <a:buChar char="§"/>
+            </a:pPr>
             <a:r>
               <a:rPr lang="en-US" dirty="0"/>
               <a:t>Self-</a:t>
@@ -11768,21 +11456,30 @@
             <a:endParaRPr lang="en-US" dirty="0"/>
           </a:p>
           <a:p>
-            <a:pPr lvl="1"/>
+            <a:pPr lvl="1">
+              <a:buFont typeface="Wingdings" panose="05000000000000000000" pitchFamily="2" charset="2"/>
+              <a:buChar char="§"/>
+            </a:pPr>
             <a:r>
               <a:rPr lang="en-US" dirty="0"/>
               <a:t>CSRF logout</a:t>
             </a:r>
           </a:p>
           <a:p>
-            <a:pPr lvl="1"/>
+            <a:pPr lvl="1">
+              <a:buFont typeface="Wingdings" panose="05000000000000000000" pitchFamily="2" charset="2"/>
+              <a:buChar char="§"/>
+            </a:pPr>
             <a:r>
               <a:rPr lang="en-US" dirty="0"/>
               <a:t>Insecure default configurations</a:t>
             </a:r>
           </a:p>
           <a:p>
-            <a:pPr lvl="1"/>
+            <a:pPr lvl="1">
+              <a:buFont typeface="Wingdings" panose="05000000000000000000" pitchFamily="2" charset="2"/>
+              <a:buChar char="§"/>
+            </a:pPr>
             <a:r>
               <a:rPr lang="en-US" dirty="0"/>
               <a:t>Default credentials</a:t>
@@ -12240,32 +11937,50 @@
           </a:bodyPr>
           <a:lstStyle/>
           <a:p>
+            <a:pPr>
+              <a:buFont typeface="Wingdings" panose="05000000000000000000" pitchFamily="2" charset="2"/>
+              <a:buChar char="§"/>
+            </a:pPr>
             <a:r>
               <a:rPr lang="en-US" dirty="0"/>
               <a:t>Are third party requests accepted?</a:t>
             </a:r>
           </a:p>
           <a:p>
+            <a:pPr>
+              <a:buFont typeface="Wingdings" panose="05000000000000000000" pitchFamily="2" charset="2"/>
+              <a:buChar char="§"/>
+            </a:pPr>
             <a:r>
               <a:rPr lang="en-US" dirty="0"/>
               <a:t>What information should vulnerability reporters provide?</a:t>
             </a:r>
           </a:p>
           <a:p>
+            <a:pPr>
+              <a:buFont typeface="Wingdings" panose="05000000000000000000" pitchFamily="2" charset="2"/>
+              <a:buChar char="§"/>
+            </a:pPr>
             <a:r>
               <a:rPr lang="en-US" dirty="0"/>
               <a:t>If so, provide contact information:</a:t>
             </a:r>
           </a:p>
           <a:p>
-            <a:pPr lvl="1"/>
+            <a:pPr lvl="1">
+              <a:buFont typeface="Wingdings" panose="05000000000000000000" pitchFamily="2" charset="2"/>
+              <a:buChar char="§"/>
+            </a:pPr>
             <a:r>
               <a:rPr lang="en-US" dirty="0"/>
               <a:t>Contact information should be provided to your Root CNA</a:t>
             </a:r>
           </a:p>
           <a:p>
-            <a:pPr lvl="1"/>
+            <a:pPr lvl="1">
+              <a:buFont typeface="Wingdings" panose="05000000000000000000" pitchFamily="2" charset="2"/>
+              <a:buChar char="§"/>
+            </a:pPr>
             <a:r>
               <a:rPr lang="en-US" dirty="0"/>
               <a:t>A registry of contact information is maintained on the CVE Program website: </a:t>
@@ -12282,8 +11997,9 @@
             </a:r>
           </a:p>
           <a:p>
-            <a:pPr marL="0" indent="0">
-              <a:buNone/>
+            <a:pPr>
+              <a:buFont typeface="Wingdings" panose="05000000000000000000" pitchFamily="2" charset="2"/>
+              <a:buChar char="§"/>
             </a:pPr>
             <a:endParaRPr lang="en-US" dirty="0"/>
           </a:p>
@@ -12448,24 +12164,40 @@
           <a:bodyPr/>
           <a:lstStyle/>
           <a:p>
+            <a:pPr>
+              <a:buFont typeface="Wingdings" panose="05000000000000000000" pitchFamily="2" charset="2"/>
+              <a:buChar char="§"/>
+            </a:pPr>
             <a:r>
               <a:rPr lang="en-US" dirty="0"/>
               <a:t>Who in your organization can assign IDs?</a:t>
             </a:r>
           </a:p>
           <a:p>
+            <a:pPr>
+              <a:buFont typeface="Wingdings" panose="05000000000000000000" pitchFamily="2" charset="2"/>
+              <a:buChar char="§"/>
+            </a:pPr>
             <a:r>
               <a:rPr lang="en-US" dirty="0"/>
               <a:t>At what point in the process should a CVE ID be assigned?</a:t>
             </a:r>
           </a:p>
           <a:p>
+            <a:pPr>
+              <a:buFont typeface="Wingdings" panose="05000000000000000000" pitchFamily="2" charset="2"/>
+              <a:buChar char="§"/>
+            </a:pPr>
             <a:r>
               <a:rPr lang="en-US" dirty="0"/>
               <a:t>When an ID is assigned, how is it recorded?</a:t>
             </a:r>
           </a:p>
           <a:p>
+            <a:pPr>
+              <a:buFont typeface="Wingdings" panose="05000000000000000000" pitchFamily="2" charset="2"/>
+              <a:buChar char="§"/>
+            </a:pPr>
             <a:r>
               <a:rPr lang="en-US" dirty="0"/>
               <a:t>How are vulnerabilities tracked (i.e., which vulnerability is assigned to which CVE ID)?</a:t>
@@ -12610,12 +12342,20 @@
           </a:bodyPr>
           <a:lstStyle/>
           <a:p>
+            <a:pPr>
+              <a:buFont typeface="Wingdings" panose="05000000000000000000" pitchFamily="2" charset="2"/>
+              <a:buChar char="§"/>
+            </a:pPr>
             <a:r>
               <a:rPr lang="en-US" dirty="0"/>
               <a:t>The disclosure policy should at least include the expected timeframe and conditions under which vulnerability information will be published</a:t>
             </a:r>
           </a:p>
           <a:p>
+            <a:pPr>
+              <a:buFont typeface="Wingdings" panose="05000000000000000000" pitchFamily="2" charset="2"/>
+              <a:buChar char="§"/>
+            </a:pPr>
             <a:r>
               <a:rPr lang="en-US" dirty="0"/>
               <a:t>The following additional communication points are advised:</a:t>
@@ -12797,6 +12537,10 @@
           </a:bodyPr>
           <a:lstStyle/>
           <a:p>
+            <a:pPr>
+              <a:buFont typeface="Wingdings" panose="05000000000000000000" pitchFamily="2" charset="2"/>
+              <a:buChar char="§"/>
+            </a:pPr>
             <a:r>
               <a:rPr lang="en-US" dirty="0"/>
               <a:t>Below are a few examples of disclosure policies: </a:t>
@@ -13052,31 +12796,50 @@
           <a:bodyPr/>
           <a:lstStyle/>
           <a:p>
+            <a:pPr>
+              <a:buFont typeface="Wingdings" panose="05000000000000000000" pitchFamily="2" charset="2"/>
+              <a:buChar char="§"/>
+            </a:pPr>
             <a:r>
               <a:rPr lang="en-US" dirty="0"/>
               <a:t>Advisories must be made public</a:t>
             </a:r>
           </a:p>
           <a:p>
+            <a:pPr>
+              <a:buFont typeface="Wingdings" panose="05000000000000000000" pitchFamily="2" charset="2"/>
+              <a:buChar char="§"/>
+            </a:pPr>
             <a:r>
               <a:rPr lang="en-US" dirty="0"/>
               <a:t>The advisory should clearly state which CVE ID is associated with which vulnerability</a:t>
             </a:r>
           </a:p>
           <a:p>
+            <a:pPr>
+              <a:buFont typeface="Wingdings" panose="05000000000000000000" pitchFamily="2" charset="2"/>
+              <a:buChar char="§"/>
+            </a:pPr>
             <a:r>
               <a:rPr lang="en-US" dirty="0"/>
               <a:t>CVE Entries should be sent within 24 hours of the vulnerability being made public</a:t>
             </a:r>
           </a:p>
           <a:p>
+            <a:pPr>
+              <a:buFont typeface="Wingdings" panose="05000000000000000000" pitchFamily="2" charset="2"/>
+              <a:buChar char="§"/>
+            </a:pPr>
             <a:r>
               <a:rPr lang="en-US" dirty="0"/>
               <a:t>Are CVE Entries sent to the Root CNA, or directly to the Program Root CNA?</a:t>
             </a:r>
           </a:p>
           <a:p>
-            <a:pPr lvl="1"/>
+            <a:pPr lvl="1">
+              <a:buFont typeface="Wingdings" panose="05000000000000000000" pitchFamily="2" charset="2"/>
+              <a:buChar char="§"/>
+            </a:pPr>
             <a:r>
               <a:rPr lang="en-US" dirty="0"/>
               <a:t>The Root CNA may require CVE Entries be sent directly to them</a:t>
@@ -13222,33 +12985,50 @@
           <a:bodyPr/>
           <a:lstStyle/>
           <a:p>
+            <a:pPr>
+              <a:buFont typeface="Wingdings" panose="05000000000000000000" pitchFamily="2" charset="2"/>
+              <a:buChar char="§"/>
+            </a:pPr>
             <a:r>
               <a:rPr lang="en-US" dirty="0"/>
               <a:t>CNAs will receive requests to update CVE Entries that have been created; a process should be established to handle these requests</a:t>
             </a:r>
           </a:p>
           <a:p>
+            <a:pPr>
+              <a:buFont typeface="Wingdings" panose="05000000000000000000" pitchFamily="2" charset="2"/>
+              <a:buChar char="§"/>
+            </a:pPr>
             <a:r>
               <a:rPr lang="en-US" dirty="0"/>
               <a:t>If the request to update a CVE Entry is sent to a Root CNA or the Program Root CNA, the issuing CNA should decide if they want to be notified.</a:t>
             </a:r>
           </a:p>
           <a:p>
-            <a:pPr lvl="1"/>
+            <a:pPr lvl="1">
+              <a:buFont typeface="Wingdings" panose="05000000000000000000" pitchFamily="2" charset="2"/>
+              <a:buChar char="§"/>
+            </a:pPr>
             <a:r>
               <a:rPr lang="en-US" dirty="0"/>
               <a:t>Decide if notification is necessary under the following conditions:</a:t>
             </a:r>
           </a:p>
           <a:p>
-            <a:pPr lvl="2"/>
+            <a:pPr lvl="2">
+              <a:buFont typeface="Wingdings" panose="05000000000000000000" pitchFamily="2" charset="2"/>
+              <a:buChar char="§"/>
+            </a:pPr>
             <a:r>
               <a:rPr lang="en-US" dirty="0"/>
               <a:t>Spelling or grammar issues</a:t>
             </a:r>
           </a:p>
           <a:p>
-            <a:pPr lvl="2"/>
+            <a:pPr lvl="2">
+              <a:buFont typeface="Wingdings" panose="05000000000000000000" pitchFamily="2" charset="2"/>
+              <a:buChar char="§"/>
+            </a:pPr>
             <a:r>
               <a:rPr lang="en-US" dirty="0"/>
               <a:t>Adding a reference</a:t>
@@ -13395,26 +13175,40 @@
           </a:bodyPr>
           <a:lstStyle/>
           <a:p>
+            <a:pPr>
+              <a:buFont typeface="Wingdings" panose="05000000000000000000" pitchFamily="2" charset="2"/>
+              <a:buChar char="§"/>
+            </a:pPr>
             <a:r>
               <a:rPr lang="en-US" dirty="0"/>
               <a:t>Quarterly reporting is a requirement by the CNA program.</a:t>
             </a:r>
           </a:p>
           <a:p>
+            <a:pPr>
+              <a:buFont typeface="Wingdings" panose="05000000000000000000" pitchFamily="2" charset="2"/>
+              <a:buChar char="§"/>
+            </a:pPr>
             <a:r>
               <a:rPr lang="en-US" dirty="0"/>
               <a:t>The current requirements are:</a:t>
             </a:r>
           </a:p>
           <a:p>
-            <a:pPr lvl="1"/>
+            <a:pPr lvl="1">
+              <a:buFont typeface="Wingdings" panose="05000000000000000000" pitchFamily="2" charset="2"/>
+              <a:buChar char="§"/>
+            </a:pPr>
             <a:r>
               <a:rPr lang="en-US" dirty="0"/>
               <a:t>For All CNAs:</a:t>
             </a:r>
           </a:p>
           <a:p>
-            <a:pPr lvl="2"/>
+            <a:pPr lvl="2">
+              <a:buFont typeface="Wingdings" panose="05000000000000000000" pitchFamily="2" charset="2"/>
+              <a:buChar char="§"/>
+            </a:pPr>
             <a:r>
               <a:rPr lang="en-US" dirty="0"/>
               <a:t>Number of unique vulnerability reports received from external parties (assigned and not assigned CVE IDs)</a:t>
@@ -13428,7 +13222,10 @@
             </a:r>
           </a:p>
           <a:p>
-            <a:pPr lvl="2"/>
+            <a:pPr lvl="2">
+              <a:buFont typeface="Wingdings" panose="05000000000000000000" pitchFamily="2" charset="2"/>
+              <a:buChar char="§"/>
+            </a:pPr>
             <a:r>
               <a:rPr lang="en-US" dirty="0"/>
               <a:t>Average time between assignment of CVE ID and publication of CVE Entry</a:t>
@@ -13845,31 +13642,50 @@
           <a:bodyPr/>
           <a:lstStyle/>
           <a:p>
+            <a:pPr>
+              <a:buFont typeface="Wingdings" panose="05000000000000000000" pitchFamily="2" charset="2"/>
+              <a:buChar char="§"/>
+            </a:pPr>
             <a:r>
               <a:rPr lang="en-US" dirty="0"/>
               <a:t>Point of Contact (POC) </a:t>
             </a:r>
           </a:p>
           <a:p>
-            <a:pPr lvl="1"/>
+            <a:pPr lvl="1">
+              <a:buFont typeface="Wingdings" panose="05000000000000000000" pitchFamily="2" charset="2"/>
+              <a:buChar char="§"/>
+            </a:pPr>
             <a:r>
               <a:rPr lang="en-US" dirty="0"/>
               <a:t>As defined by the parent CNA</a:t>
             </a:r>
           </a:p>
           <a:p>
+            <a:pPr>
+              <a:buFont typeface="Wingdings" panose="05000000000000000000" pitchFamily="2" charset="2"/>
+              <a:buChar char="§"/>
+            </a:pPr>
             <a:r>
               <a:rPr lang="en-US" dirty="0"/>
               <a:t>Scope definition</a:t>
             </a:r>
           </a:p>
           <a:p>
+            <a:pPr>
+              <a:buFont typeface="Wingdings" panose="05000000000000000000" pitchFamily="2" charset="2"/>
+              <a:buChar char="§"/>
+            </a:pPr>
             <a:r>
               <a:rPr lang="en-US" dirty="0"/>
               <a:t>Disclosure policy</a:t>
             </a:r>
           </a:p>
           <a:p>
+            <a:pPr>
+              <a:buFont typeface="Wingdings" panose="05000000000000000000" pitchFamily="2" charset="2"/>
+              <a:buChar char="§"/>
+            </a:pPr>
             <a:r>
               <a:rPr lang="en-US" dirty="0"/>
               <a:t>Root CNAs may require additional information to be provided</a:t>
@@ -15919,39 +15735,60 @@
           </a:bodyPr>
           <a:lstStyle/>
           <a:p>
+            <a:pPr>
+              <a:buFont typeface="Wingdings" panose="05000000000000000000" pitchFamily="2" charset="2"/>
+              <a:buChar char="§"/>
+            </a:pPr>
             <a:r>
               <a:rPr lang="en-US" dirty="0"/>
               <a:t>What are CVE Numbering Authorities (CNAs)?</a:t>
             </a:r>
           </a:p>
           <a:p>
-            <a:pPr lvl="1"/>
+            <a:pPr lvl="1">
+              <a:buFont typeface="Wingdings" panose="05000000000000000000" pitchFamily="2" charset="2"/>
+              <a:buChar char="§"/>
+            </a:pPr>
             <a:r>
               <a:rPr lang="en-US" dirty="0"/>
               <a:t>CNAs are organizations that are authorized to assign CVE IDs to vulnerabilities affecting products within their distinct, agreed upon scope</a:t>
             </a:r>
           </a:p>
           <a:p>
+            <a:pPr>
+              <a:buFont typeface="Wingdings" panose="05000000000000000000" pitchFamily="2" charset="2"/>
+              <a:buChar char="§"/>
+            </a:pPr>
             <a:r>
               <a:rPr lang="en-US" dirty="0"/>
               <a:t>Why do we need CNAs?</a:t>
             </a:r>
           </a:p>
           <a:p>
-            <a:pPr lvl="1"/>
+            <a:pPr lvl="1">
+              <a:buFont typeface="Wingdings" panose="05000000000000000000" pitchFamily="2" charset="2"/>
+              <a:buChar char="§"/>
+            </a:pPr>
             <a:r>
               <a:rPr lang="en-US" dirty="0"/>
               <a:t>CNAs help to address the CVE Program's primary challenge to satisfy the demand for timely, accurate CVE ID assignments while rapidly expanding the scope of coverage to address the increasing number of vulnerabilities and evolving state of vulnerability management</a:t>
             </a:r>
           </a:p>
           <a:p>
+            <a:pPr>
+              <a:buFont typeface="Wingdings" panose="05000000000000000000" pitchFamily="2" charset="2"/>
+              <a:buChar char="§"/>
+            </a:pPr>
             <a:r>
               <a:rPr lang="en-US" dirty="0"/>
               <a:t>What value do CNAs provide?</a:t>
             </a:r>
           </a:p>
           <a:p>
-            <a:pPr lvl="1"/>
+            <a:pPr lvl="1">
+              <a:buFont typeface="Wingdings" panose="05000000000000000000" pitchFamily="2" charset="2"/>
+              <a:buChar char="§"/>
+            </a:pPr>
             <a:r>
               <a:rPr lang="en-US" dirty="0"/>
               <a:t>CNAs allow CVE IDs to be produced more quickly and in a more distributed manner</a:t>
@@ -16091,41 +15928,60 @@
           <a:bodyPr/>
           <a:lstStyle/>
           <a:p>
+            <a:pPr>
+              <a:buFont typeface="Wingdings" panose="05000000000000000000" pitchFamily="2" charset="2"/>
+              <a:buChar char="§"/>
+            </a:pPr>
             <a:r>
               <a:rPr lang="en-US" dirty="0"/>
               <a:t>Benefits of becoming a CNA include:</a:t>
             </a:r>
           </a:p>
           <a:p>
-            <a:pPr lvl="1"/>
+            <a:pPr lvl="1">
+              <a:buFont typeface="Wingdings" panose="05000000000000000000" pitchFamily="2" charset="2"/>
+              <a:buChar char="§"/>
+            </a:pPr>
             <a:r>
               <a:rPr lang="en-US" dirty="0"/>
               <a:t>More control over CVE Entry publication process</a:t>
             </a:r>
           </a:p>
           <a:p>
-            <a:pPr lvl="1"/>
+            <a:pPr lvl="1">
+              <a:buFont typeface="Wingdings" panose="05000000000000000000" pitchFamily="2" charset="2"/>
+              <a:buChar char="§"/>
+            </a:pPr>
             <a:r>
               <a:rPr lang="en-US" dirty="0"/>
               <a:t>Ability to publicly disclose a vulnerability with an already assigned CVE ID </a:t>
             </a:r>
           </a:p>
           <a:p>
-            <a:pPr lvl="1"/>
+            <a:pPr lvl="1">
+              <a:buFont typeface="Wingdings" panose="05000000000000000000" pitchFamily="2" charset="2"/>
+              <a:buChar char="§"/>
+            </a:pPr>
             <a:r>
               <a:rPr lang="en-US" dirty="0"/>
               <a:t>Ability to control the disclosure of vulnerability information without pre-publishing </a:t>
             </a:r>
           </a:p>
           <a:p>
-            <a:pPr lvl="1"/>
+            <a:pPr lvl="1">
+              <a:buFont typeface="Wingdings" panose="05000000000000000000" pitchFamily="2" charset="2"/>
+              <a:buChar char="§"/>
+            </a:pPr>
             <a:r>
               <a:rPr lang="en-US" dirty="0"/>
               <a:t>Early notification, by researchers requesting a CVE ID, of vulnerabilities in products within a CNA’s scope</a:t>
             </a:r>
           </a:p>
           <a:p>
-            <a:pPr lvl="1"/>
+            <a:pPr lvl="1">
+              <a:buFont typeface="Wingdings" panose="05000000000000000000" pitchFamily="2" charset="2"/>
+              <a:buChar char="§"/>
+            </a:pPr>
             <a:r>
               <a:rPr lang="en-US" dirty="0"/>
               <a:t>Being part of the CNA community</a:t>
@@ -16271,6 +16127,8 @@
               <a:spcAft>
                 <a:spcPts val="1200"/>
               </a:spcAft>
+              <a:buFont typeface="Wingdings" panose="05000000000000000000" pitchFamily="2" charset="2"/>
+              <a:buChar char="§"/>
             </a:pPr>
             <a:r>
               <a:rPr lang="en-US" dirty="0"/>
@@ -16282,6 +16140,8 @@
               <a:spcAft>
                 <a:spcPts val="1200"/>
               </a:spcAft>
+              <a:buFont typeface="Wingdings" panose="05000000000000000000" pitchFamily="2" charset="2"/>
+              <a:buChar char="§"/>
             </a:pPr>
             <a:r>
               <a:rPr lang="en-US" dirty="0"/>
@@ -16293,6 +16153,8 @@
               <a:spcAft>
                 <a:spcPts val="1200"/>
               </a:spcAft>
+              <a:buFont typeface="Wingdings" panose="05000000000000000000" pitchFamily="2" charset="2"/>
+              <a:buChar char="§"/>
             </a:pPr>
             <a:r>
               <a:rPr lang="en-US" dirty="0"/>
@@ -16304,6 +16166,8 @@
               <a:spcAft>
                 <a:spcPts val="1200"/>
               </a:spcAft>
+              <a:buFont typeface="Wingdings" panose="05000000000000000000" pitchFamily="2" charset="2"/>
+              <a:buChar char="§"/>
             </a:pPr>
             <a:r>
               <a:rPr lang="en-US" dirty="0"/>
@@ -16319,6 +16183,8 @@
               <a:spcAft>
                 <a:spcPts val="1200"/>
               </a:spcAft>
+              <a:buFont typeface="Wingdings" panose="05000000000000000000" pitchFamily="2" charset="2"/>
+              <a:buChar char="§"/>
             </a:pPr>
             <a:r>
               <a:rPr lang="en-US" dirty="0"/>
@@ -16462,18 +16328,30 @@
           <a:bodyPr/>
           <a:lstStyle/>
           <a:p>
+            <a:pPr>
+              <a:buFont typeface="Wingdings" panose="05000000000000000000" pitchFamily="2" charset="2"/>
+              <a:buChar char="§"/>
+            </a:pPr>
             <a:r>
               <a:rPr lang="en-US" dirty="0"/>
               <a:t>There is no monetary fee</a:t>
             </a:r>
           </a:p>
           <a:p>
+            <a:pPr>
+              <a:buFont typeface="Wingdings" panose="05000000000000000000" pitchFamily="2" charset="2"/>
+              <a:buChar char="§"/>
+            </a:pPr>
             <a:r>
               <a:rPr lang="en-US" dirty="0"/>
               <a:t>There is no contract to sign</a:t>
             </a:r>
           </a:p>
           <a:p>
+            <a:pPr>
+              <a:buFont typeface="Wingdings" panose="05000000000000000000" pitchFamily="2" charset="2"/>
+              <a:buChar char="§"/>
+            </a:pPr>
             <a:r>
               <a:rPr lang="en-US" dirty="0"/>
               <a:t>You are expected to put in the time and effort to implement the </a:t>
@@ -16625,40 +16503,60 @@
           <a:bodyPr/>
           <a:lstStyle/>
           <a:p>
+            <a:pPr>
+              <a:buFont typeface="Wingdings" panose="05000000000000000000" pitchFamily="2" charset="2"/>
+              <a:buChar char="§"/>
+            </a:pPr>
             <a:r>
               <a:rPr lang="en-US" dirty="0"/>
               <a:t>Which parent CNA is right for you?</a:t>
             </a:r>
           </a:p>
           <a:p>
-            <a:pPr lvl="1"/>
+            <a:pPr lvl="1">
+              <a:buFont typeface="Wingdings" panose="05000000000000000000" pitchFamily="2" charset="2"/>
+              <a:buChar char="§"/>
+            </a:pPr>
             <a:r>
               <a:rPr lang="en-US" dirty="0"/>
               <a:t>National level</a:t>
             </a:r>
           </a:p>
           <a:p>
-            <a:pPr lvl="1"/>
+            <a:pPr lvl="1">
+              <a:buFont typeface="Wingdings" panose="05000000000000000000" pitchFamily="2" charset="2"/>
+              <a:buChar char="§"/>
+            </a:pPr>
             <a:r>
               <a:rPr lang="en-US" dirty="0"/>
               <a:t>Industry level</a:t>
             </a:r>
           </a:p>
           <a:p>
-            <a:pPr lvl="1"/>
+            <a:pPr lvl="1">
+              <a:buFont typeface="Wingdings" panose="05000000000000000000" pitchFamily="2" charset="2"/>
+              <a:buChar char="§"/>
+            </a:pPr>
             <a:r>
               <a:rPr lang="en-US" dirty="0"/>
               <a:t>Program Root level</a:t>
             </a:r>
           </a:p>
           <a:p>
+            <a:pPr>
+              <a:buFont typeface="Wingdings" panose="05000000000000000000" pitchFamily="2" charset="2"/>
+              <a:buChar char="§"/>
+            </a:pPr>
             <a:r>
               <a:rPr lang="en-US" dirty="0"/>
               <a:t>If you are not sure, contact the CVE Program Root CNA:</a:t>
             </a:r>
           </a:p>
           <a:p>
-            <a:pPr lvl="1"/>
+            <a:pPr lvl="1">
+              <a:buFont typeface="Wingdings" panose="05000000000000000000" pitchFamily="2" charset="2"/>
+              <a:buChar char="§"/>
+            </a:pPr>
             <a:r>
               <a:rPr lang="en-US" dirty="0">
                 <a:hlinkClick r:id="rId3"/>
@@ -16668,26 +16566,23 @@
             <a:endParaRPr lang="en-US" dirty="0"/>
           </a:p>
           <a:p>
-            <a:pPr lvl="1"/>
+            <a:pPr>
+              <a:buFont typeface="Wingdings" panose="05000000000000000000" pitchFamily="2" charset="2"/>
+              <a:buChar char="§"/>
+            </a:pPr>
+            <a:r>
+              <a:rPr lang="en-US" dirty="0"/>
+              <a:t>Contact information for the CNAs:</a:t>
+            </a:r>
+          </a:p>
+          <a:p>
+            <a:pPr lvl="1">
+              <a:buFont typeface="Wingdings" panose="05000000000000000000" pitchFamily="2" charset="2"/>
+              <a:buChar char="§"/>
+            </a:pPr>
             <a:r>
               <a:rPr lang="en-US" dirty="0">
                 <a:hlinkClick r:id="rId4"/>
-              </a:rPr>
-              <a:t>cna-coordinator@mitre.org</a:t>
-            </a:r>
-            <a:endParaRPr lang="en-US" dirty="0"/>
-          </a:p>
-          <a:p>
-            <a:r>
-              <a:rPr lang="en-US" dirty="0"/>
-              <a:t>Contact information for the CNAs:</a:t>
-            </a:r>
-          </a:p>
-          <a:p>
-            <a:pPr lvl="1"/>
-            <a:r>
-              <a:rPr lang="en-US" dirty="0">
-                <a:hlinkClick r:id="rId5"/>
               </a:rPr>
               <a:t>https://cve.mitre.org/cve/request_id.html#cna_coverage.html</a:t>
             </a:r>
@@ -17029,7 +16924,7 @@
             </a:lvl9pPr>
           </a:lstStyle>
           <a:p>
-            <a:pPr marL="285750" indent="-285750">
+            <a:pPr marL="171450" indent="-171450">
               <a:spcBef>
                 <a:spcPts val="200"/>
               </a:spcBef>
@@ -17042,7 +16937,13 @@
                 <a:solidFill>
                   <a:schemeClr val="tx1"/>
                 </a:solidFill>
-                <a:hlinkClick r:id="" action="ppaction://noaction"/>
+                <a:hlinkClick r:id="" action="ppaction://noaction">
+                  <a:extLst>
+                    <a:ext uri="{A12FA001-AC4F-418D-AE19-62706E023703}">
+                      <ahyp:hlinkClr xmlns:ahyp="http://schemas.microsoft.com/office/drawing/2018/hyperlinkcolor" val="tx"/>
+                    </a:ext>
+                  </a:extLst>
+                </a:hlinkClick>
               </a:rPr>
               <a:t>CVE Board</a:t>
             </a:r>
@@ -17080,7 +16981,7 @@
             </a:r>
           </a:p>
           <a:p>
-            <a:pPr marL="285750" indent="-285750">
+            <a:pPr marL="171450" indent="-171450">
               <a:spcBef>
                 <a:spcPts val="200"/>
               </a:spcBef>
@@ -17106,7 +17007,7 @@
             </a:r>
           </a:p>
           <a:p>
-            <a:pPr marL="285750" indent="-285750">
+            <a:pPr marL="171450" indent="-171450">
               <a:spcBef>
                 <a:spcPts val="200"/>
               </a:spcBef>
@@ -17148,7 +17049,7 @@
             </a:r>
           </a:p>
           <a:p>
-            <a:pPr marL="285750" indent="-285750">
+            <a:pPr marL="171450" indent="-171450">
               <a:spcBef>
                 <a:spcPts val="200"/>
               </a:spcBef>
@@ -17161,7 +17062,13 @@
                 <a:solidFill>
                   <a:schemeClr val="tx1"/>
                 </a:solidFill>
-                <a:hlinkClick r:id="rId3"/>
+                <a:hlinkClick r:id="rId3">
+                  <a:extLst>
+                    <a:ext uri="{A12FA001-AC4F-418D-AE19-62706E023703}">
+                      <ahyp:hlinkClr xmlns:ahyp="http://schemas.microsoft.com/office/drawing/2018/hyperlinkcolor" val="tx"/>
+                    </a:ext>
+                  </a:extLst>
+                </a:hlinkClick>
               </a:rPr>
               <a:t>CVE Numbering Authorities</a:t>
             </a:r>
@@ -19825,6 +19732,21 @@
 </file>
 
 <file path=customXml/item1.xml><?xml version="1.0" encoding="utf-8"?>
+<?mso-contentType ?>
+<FormTemplates xmlns="http://schemas.microsoft.com/sharepoint/v3/contenttype/forms">
+  <Display>DocumentLibraryForm</Display>
+  <Edit>DocumentLibraryForm</Edit>
+  <New>DocumentLibraryForm</New>
+</FormTemplates>
+</file>
+
+<file path=customXml/item2.xml><?xml version="1.0" encoding="utf-8"?>
+<p:properties xmlns:p="http://schemas.microsoft.com/office/2006/metadata/properties" xmlns:xsi="http://www.w3.org/2001/XMLSchema-instance" xmlns:pc="http://schemas.microsoft.com/office/infopath/2007/PartnerControls">
+  <documentManagement/>
+</p:properties>
+</file>
+
+<file path=customXml/item3.xml><?xml version="1.0" encoding="utf-8"?>
 <ct:contentTypeSchema xmlns:ct="http://schemas.microsoft.com/office/2006/metadata/contentType" xmlns:ma="http://schemas.microsoft.com/office/2006/metadata/properties/metaAttributes" ct:_="" ma:_="" ma:contentTypeName="Document" ma:contentTypeID="0x010100797535B9ED868947811A28E42269023F" ma:contentTypeVersion="11" ma:contentTypeDescription="Create a new document." ma:contentTypeScope="" ma:versionID="3a6d9d44ee40b0e264753b23479060a3">
   <xsd:schema xmlns:xsd="http://www.w3.org/2001/XMLSchema" xmlns:xs="http://www.w3.org/2001/XMLSchema" xmlns:p="http://schemas.microsoft.com/office/2006/metadata/properties" targetNamespace="http://schemas.microsoft.com/office/2006/metadata/properties" ma:root="true" ma:fieldsID="6834f8c0c0eabdc6c42b2f987c760c09">
     <xsd:element name="properties">
@@ -19938,22 +19860,30 @@
 </ct:contentTypeSchema>
 </file>
 
-<file path=customXml/item2.xml><?xml version="1.0" encoding="utf-8"?>
-<?mso-contentType ?>
-<FormTemplates xmlns="http://schemas.microsoft.com/sharepoint/v3/contenttype/forms">
-  <Display>DocumentLibraryForm</Display>
-  <Edit>DocumentLibraryForm</Edit>
-  <New>DocumentLibraryForm</New>
-</FormTemplates>
+<file path=customXml/itemProps1.xml><?xml version="1.0" encoding="utf-8"?>
+<ds:datastoreItem xmlns:ds="http://schemas.openxmlformats.org/officeDocument/2006/customXml" ds:itemID="{416BA5C9-2D71-4B86-AE8A-8C0D9BC5FB22}">
+  <ds:schemaRefs>
+    <ds:schemaRef ds:uri="http://schemas.microsoft.com/sharepoint/v3/contenttype/forms"/>
+  </ds:schemaRefs>
+</ds:datastoreItem>
 </file>
 
-<file path=customXml/item3.xml><?xml version="1.0" encoding="utf-8"?>
-<p:properties xmlns:p="http://schemas.microsoft.com/office/2006/metadata/properties" xmlns:xsi="http://www.w3.org/2001/XMLSchema-instance" xmlns:pc="http://schemas.microsoft.com/office/infopath/2007/PartnerControls">
-  <documentManagement/>
-</p:properties>
+<file path=customXml/itemProps2.xml><?xml version="1.0" encoding="utf-8"?>
+<ds:datastoreItem xmlns:ds="http://schemas.openxmlformats.org/officeDocument/2006/customXml" ds:itemID="{5450FCDD-08B1-48D8-BB50-7A17E590A5EE}">
+  <ds:schemaRefs>
+    <ds:schemaRef ds:uri="http://purl.org/dc/elements/1.1/"/>
+    <ds:schemaRef ds:uri="http://schemas.microsoft.com/office/2006/metadata/properties"/>
+    <ds:schemaRef ds:uri="http://purl.org/dc/terms/"/>
+    <ds:schemaRef ds:uri="http://schemas.openxmlformats.org/package/2006/metadata/core-properties"/>
+    <ds:schemaRef ds:uri="http://schemas.microsoft.com/office/2006/documentManagement/types"/>
+    <ds:schemaRef ds:uri="http://schemas.microsoft.com/office/infopath/2007/PartnerControls"/>
+    <ds:schemaRef ds:uri="http://www.w3.org/XML/1998/namespace"/>
+    <ds:schemaRef ds:uri="http://purl.org/dc/dcmitype/"/>
+  </ds:schemaRefs>
+</ds:datastoreItem>
 </file>
 
-<file path=customXml/itemProps1.xml><?xml version="1.0" encoding="utf-8"?>
+<file path=customXml/itemProps3.xml><?xml version="1.0" encoding="utf-8"?>
 <ds:datastoreItem xmlns:ds="http://schemas.openxmlformats.org/officeDocument/2006/customXml" ds:itemID="{F7B75837-265B-449F-9E87-24D1CB06F78F}">
   <ds:schemaRefs>
     <ds:schemaRef ds:uri="http://schemas.microsoft.com/office/2006/metadata/contentType"/>
@@ -19967,27 +19897,4 @@
     <ds:schemaRef ds:uri="http://schemas.microsoft.com/office/infopath/2007/PartnerControls"/>
   </ds:schemaRefs>
 </ds:datastoreItem>
-</file>
-
-<file path=customXml/itemProps2.xml><?xml version="1.0" encoding="utf-8"?>
-<ds:datastoreItem xmlns:ds="http://schemas.openxmlformats.org/officeDocument/2006/customXml" ds:itemID="{416BA5C9-2D71-4B86-AE8A-8C0D9BC5FB22}">
-  <ds:schemaRefs>
-    <ds:schemaRef ds:uri="http://schemas.microsoft.com/sharepoint/v3/contenttype/forms"/>
-  </ds:schemaRefs>
-</ds:datastoreItem>
-</file>
-
-<file path=customXml/itemProps3.xml><?xml version="1.0" encoding="utf-8"?>
-<ds:datastoreItem xmlns:ds="http://schemas.openxmlformats.org/officeDocument/2006/customXml" ds:itemID="{5450FCDD-08B1-48D8-BB50-7A17E590A5EE}">
-  <ds:schemaRefs>
-    <ds:schemaRef ds:uri="http://purl.org/dc/elements/1.1/"/>
-    <ds:schemaRef ds:uri="http://schemas.microsoft.com/office/2006/metadata/properties"/>
-    <ds:schemaRef ds:uri="http://purl.org/dc/terms/"/>
-    <ds:schemaRef ds:uri="http://schemas.openxmlformats.org/package/2006/metadata/core-properties"/>
-    <ds:schemaRef ds:uri="http://schemas.microsoft.com/office/2006/documentManagement/types"/>
-    <ds:schemaRef ds:uri="http://schemas.microsoft.com/office/infopath/2007/PartnerControls"/>
-    <ds:schemaRef ds:uri="http://www.w3.org/XML/1998/namespace"/>
-    <ds:schemaRef ds:uri="http://purl.org/dc/dcmitype/"/>
-  </ds:schemaRefs>
-</ds:datastoreItem>
 </file>